--- a/src/main/resources/HW10PPT.pptx
+++ b/src/main/resources/HW10PPT.pptx
@@ -5,27 +5,25 @@
     <p:sldMasterId id="2147483718" r:id="rId1"/>
   </p:sldMasterIdLst>
   <p:notesMasterIdLst>
-    <p:notesMasterId r:id="rId20"/>
+    <p:notesMasterId r:id="rId18"/>
   </p:notesMasterIdLst>
   <p:sldIdLst>
     <p:sldId id="256" r:id="rId2"/>
     <p:sldId id="273" r:id="rId3"/>
     <p:sldId id="299" r:id="rId4"/>
-    <p:sldId id="300" r:id="rId5"/>
-    <p:sldId id="290" r:id="rId6"/>
-    <p:sldId id="309" r:id="rId7"/>
-    <p:sldId id="291" r:id="rId8"/>
-    <p:sldId id="314" r:id="rId9"/>
-    <p:sldId id="292" r:id="rId10"/>
-    <p:sldId id="293" r:id="rId11"/>
-    <p:sldId id="307" r:id="rId12"/>
-    <p:sldId id="286" r:id="rId13"/>
-    <p:sldId id="301" r:id="rId14"/>
-    <p:sldId id="311" r:id="rId15"/>
-    <p:sldId id="312" r:id="rId16"/>
-    <p:sldId id="313" r:id="rId17"/>
-    <p:sldId id="310" r:id="rId18"/>
-    <p:sldId id="280" r:id="rId19"/>
+    <p:sldId id="290" r:id="rId5"/>
+    <p:sldId id="309" r:id="rId6"/>
+    <p:sldId id="291" r:id="rId7"/>
+    <p:sldId id="314" r:id="rId8"/>
+    <p:sldId id="292" r:id="rId9"/>
+    <p:sldId id="293" r:id="rId10"/>
+    <p:sldId id="315" r:id="rId11"/>
+    <p:sldId id="286" r:id="rId12"/>
+    <p:sldId id="311" r:id="rId13"/>
+    <p:sldId id="312" r:id="rId14"/>
+    <p:sldId id="313" r:id="rId15"/>
+    <p:sldId id="310" r:id="rId16"/>
+    <p:sldId id="280" r:id="rId17"/>
   </p:sldIdLst>
   <p:sldSz cx="12192000" cy="6858000"/>
   <p:notesSz cx="6858000" cy="9144000"/>
@@ -132,16 +130,14 @@
             <p14:sldId id="256"/>
             <p14:sldId id="273"/>
             <p14:sldId id="299"/>
-            <p14:sldId id="300"/>
             <p14:sldId id="290"/>
             <p14:sldId id="309"/>
             <p14:sldId id="291"/>
             <p14:sldId id="314"/>
             <p14:sldId id="292"/>
             <p14:sldId id="293"/>
-            <p14:sldId id="307"/>
+            <p14:sldId id="315"/>
             <p14:sldId id="286"/>
-            <p14:sldId id="301"/>
             <p14:sldId id="311"/>
             <p14:sldId id="312"/>
             <p14:sldId id="313"/>
@@ -583,7 +579,7 @@
           <a:p>
             <a:fld id="{E0C9FE79-DD5A-9445-AEE8-42DF44CA4EC3}" type="slidenum">
               <a:rPr lang="en-US" smtClean="0"/>
-              <a:t>12</a:t>
+              <a:t>11</a:t>
             </a:fld>
             <a:endParaRPr lang="en-US"/>
           </a:p>
@@ -593,90 +589,6 @@
     <p:extLst>
       <p:ext uri="{BB962C8B-B14F-4D97-AF65-F5344CB8AC3E}">
         <p14:creationId xmlns:p14="http://schemas.microsoft.com/office/powerpoint/2010/main" val="1355139853"/>
-      </p:ext>
-    </p:extLst>
-  </p:cSld>
-  <p:clrMapOvr>
-    <a:masterClrMapping/>
-  </p:clrMapOvr>
-</p:notes>
-</file>
-
-<file path=ppt/notesSlides/notesSlide2.xml><?xml version="1.0" encoding="utf-8"?>
-<p:notes xmlns:a="http://schemas.openxmlformats.org/drawingml/2006/main" xmlns:r="http://schemas.openxmlformats.org/officeDocument/2006/relationships" xmlns:p="http://schemas.openxmlformats.org/presentationml/2006/main">
-  <p:cSld>
-    <p:spTree>
-      <p:nvGrpSpPr>
-        <p:cNvPr id="1" name=""/>
-        <p:cNvGrpSpPr/>
-        <p:nvPr/>
-      </p:nvGrpSpPr>
-      <p:grpSpPr>
-        <a:xfrm>
-          <a:off x="0" y="0"/>
-          <a:ext cx="0" cy="0"/>
-          <a:chOff x="0" y="0"/>
-          <a:chExt cx="0" cy="0"/>
-        </a:xfrm>
-      </p:grpSpPr>
-      <p:sp>
-        <p:nvSpPr>
-          <p:cNvPr id="2" name="Slide Image Placeholder 1"/>
-          <p:cNvSpPr>
-            <a:spLocks noGrp="1" noRot="1" noChangeAspect="1"/>
-          </p:cNvSpPr>
-          <p:nvPr>
-            <p:ph type="sldImg"/>
-          </p:nvPr>
-        </p:nvSpPr>
-        <p:spPr/>
-      </p:sp>
-      <p:sp>
-        <p:nvSpPr>
-          <p:cNvPr id="3" name="Notes Placeholder 2"/>
-          <p:cNvSpPr>
-            <a:spLocks noGrp="1"/>
-          </p:cNvSpPr>
-          <p:nvPr>
-            <p:ph type="body" idx="1"/>
-          </p:nvPr>
-        </p:nvSpPr>
-        <p:spPr/>
-        <p:txBody>
-          <a:bodyPr/>
-          <a:lstStyle/>
-          <a:p>
-            <a:endParaRPr lang="en-US" dirty="0"/>
-          </a:p>
-        </p:txBody>
-      </p:sp>
-      <p:sp>
-        <p:nvSpPr>
-          <p:cNvPr id="4" name="Slide Number Placeholder 3"/>
-          <p:cNvSpPr>
-            <a:spLocks noGrp="1"/>
-          </p:cNvSpPr>
-          <p:nvPr>
-            <p:ph type="sldNum" sz="quarter" idx="10"/>
-          </p:nvPr>
-        </p:nvSpPr>
-        <p:spPr/>
-        <p:txBody>
-          <a:bodyPr/>
-          <a:lstStyle/>
-          <a:p>
-            <a:fld id="{E0C9FE79-DD5A-9445-AEE8-42DF44CA4EC3}" type="slidenum">
-              <a:rPr lang="en-US" smtClean="0"/>
-              <a:t>13</a:t>
-            </a:fld>
-            <a:endParaRPr lang="en-US"/>
-          </a:p>
-        </p:txBody>
-      </p:sp>
-    </p:spTree>
-    <p:extLst>
-      <p:ext uri="{BB962C8B-B14F-4D97-AF65-F5344CB8AC3E}">
-        <p14:creationId xmlns:p14="http://schemas.microsoft.com/office/powerpoint/2010/main" val="1899757827"/>
       </p:ext>
     </p:extLst>
   </p:cSld>
@@ -15521,113 +15433,6 @@
       </p:grpSpPr>
       <p:sp>
         <p:nvSpPr>
-          <p:cNvPr id="3" name="Title 2"/>
-          <p:cNvSpPr>
-            <a:spLocks noGrp="1"/>
-          </p:cNvSpPr>
-          <p:nvPr>
-            <p:ph type="title"/>
-          </p:nvPr>
-        </p:nvSpPr>
-        <p:spPr>
-          <a:xfrm>
-            <a:off x="609600" y="0"/>
-            <a:ext cx="10972800" cy="1252728"/>
-          </a:xfrm>
-        </p:spPr>
-        <p:txBody>
-          <a:bodyPr/>
-          <a:lstStyle/>
-          <a:p>
-            <a:r>
-              <a:rPr lang="en-US" b="1" dirty="0">
-                <a:solidFill>
-                  <a:schemeClr val="tx1"/>
-                </a:solidFill>
-              </a:rPr>
-              <a:t>View - </a:t>
-            </a:r>
-            <a:r>
-              <a:rPr lang="en-US" b="1" dirty="0" smtClean="0">
-                <a:solidFill>
-                  <a:srgbClr val="000000"/>
-                </a:solidFill>
-              </a:rPr>
-              <a:t>My </a:t>
-            </a:r>
-            <a:r>
-              <a:rPr lang="en-US" b="1" dirty="0">
-                <a:solidFill>
-                  <a:srgbClr val="000000"/>
-                </a:solidFill>
-              </a:rPr>
-              <a:t>Chats</a:t>
-            </a:r>
-          </a:p>
-        </p:txBody>
-      </p:sp>
-      <p:pic>
-        <p:nvPicPr>
-          <p:cNvPr id="2" name="Picture 1">
-            <a:extLst>
-              <a:ext uri="{FF2B5EF4-FFF2-40B4-BE49-F238E27FC236}">
-                <a16:creationId xmlns:a16="http://schemas.microsoft.com/office/drawing/2014/main" xmlns="" id="{43788874-90B7-4DC4-BBD4-43923F84366B}"/>
-              </a:ext>
-            </a:extLst>
-          </p:cNvPr>
-          <p:cNvPicPr>
-            <a:picLocks noChangeAspect="1"/>
-          </p:cNvPicPr>
-          <p:nvPr/>
-        </p:nvPicPr>
-        <p:blipFill>
-          <a:blip r:embed="rId2"/>
-          <a:stretch>
-            <a:fillRect/>
-          </a:stretch>
-        </p:blipFill>
-        <p:spPr>
-          <a:xfrm>
-            <a:off x="3499192" y="985706"/>
-            <a:ext cx="5326026" cy="5721291"/>
-          </a:xfrm>
-          <a:prstGeom prst="rect">
-            <a:avLst/>
-          </a:prstGeom>
-        </p:spPr>
-      </p:pic>
-    </p:spTree>
-    <p:extLst>
-      <p:ext uri="{BB962C8B-B14F-4D97-AF65-F5344CB8AC3E}">
-        <p14:creationId xmlns:p14="http://schemas.microsoft.com/office/powerpoint/2010/main" val="1540565221"/>
-      </p:ext>
-    </p:extLst>
-  </p:cSld>
-  <p:clrMapOvr>
-    <a:masterClrMapping/>
-  </p:clrMapOvr>
-</p:sld>
-</file>
-
-<file path=ppt/slides/slide11.xml><?xml version="1.0" encoding="utf-8"?>
-<p:sld xmlns:a="http://schemas.openxmlformats.org/drawingml/2006/main" xmlns:r="http://schemas.openxmlformats.org/officeDocument/2006/relationships" xmlns:p="http://schemas.openxmlformats.org/presentationml/2006/main">
-  <p:cSld>
-    <p:spTree>
-      <p:nvGrpSpPr>
-        <p:cNvPr id="1" name=""/>
-        <p:cNvGrpSpPr/>
-        <p:nvPr/>
-      </p:nvGrpSpPr>
-      <p:grpSpPr>
-        <a:xfrm>
-          <a:off x="0" y="0"/>
-          <a:ext cx="0" cy="0"/>
-          <a:chOff x="0" y="0"/>
-          <a:chExt cx="0" cy="0"/>
-        </a:xfrm>
-      </p:grpSpPr>
-      <p:sp>
-        <p:nvSpPr>
           <p:cNvPr id="3" name="Title 2">
             <a:extLst>
               <a:ext uri="{FF2B5EF4-FFF2-40B4-BE49-F238E27FC236}">
@@ -15648,720 +15453,226 @@
           <a:lstStyle/>
           <a:p>
             <a:r>
-              <a:rPr lang="en-US" dirty="0"/>
-              <a:t>JSON </a:t>
-            </a:r>
-            <a:r>
-              <a:rPr lang="en-US" dirty="0" smtClean="0"/>
-              <a:t>Examples</a:t>
-            </a:r>
-            <a:r>
-              <a:rPr lang="zh-CN" altLang="en-US" dirty="0" smtClean="0"/>
+              <a:rPr lang="en-US" b="1" dirty="0" smtClean="0">
+                <a:solidFill>
+                  <a:srgbClr val="000000"/>
+                </a:solidFill>
+              </a:rPr>
+              <a:t>Server</a:t>
+            </a:r>
+            <a:r>
+              <a:rPr lang="zh-CN" altLang="en-US" b="1" dirty="0">
+                <a:solidFill>
+                  <a:srgbClr val="000000"/>
+                </a:solidFill>
+              </a:rPr>
               <a:t> </a:t>
             </a:r>
             <a:r>
-              <a:rPr lang="en-US" altLang="zh-CN" dirty="0" smtClean="0"/>
+              <a:rPr lang="en-US" altLang="zh-CN" b="1" dirty="0" smtClean="0">
+                <a:solidFill>
+                  <a:srgbClr val="000000"/>
+                </a:solidFill>
+              </a:rPr>
               <a:t>to</a:t>
             </a:r>
             <a:r>
-              <a:rPr lang="zh-CN" altLang="en-US" dirty="0" smtClean="0"/>
+              <a:rPr lang="zh-CN" altLang="en-US" b="1" dirty="0" smtClean="0">
+                <a:solidFill>
+                  <a:srgbClr val="000000"/>
+                </a:solidFill>
+              </a:rPr>
               <a:t> </a:t>
             </a:r>
             <a:r>
-              <a:rPr lang="en-US" altLang="zh-CN" dirty="0" smtClean="0"/>
-              <a:t>do</a:t>
-            </a:r>
-            <a:endParaRPr lang="en-US" dirty="0"/>
+              <a:rPr lang="en-US" altLang="zh-CN" b="1" dirty="0" smtClean="0">
+                <a:solidFill>
+                  <a:srgbClr val="000000"/>
+                </a:solidFill>
+              </a:rPr>
+              <a:t>Client</a:t>
+            </a:r>
+            <a:r>
+              <a:rPr lang="zh-CN" altLang="en-US" b="1" dirty="0" smtClean="0">
+                <a:solidFill>
+                  <a:srgbClr val="000000"/>
+                </a:solidFill>
+              </a:rPr>
+              <a:t> </a:t>
+            </a:r>
+            <a:r>
+              <a:rPr lang="en-US" altLang="zh-CN" b="1" dirty="0" smtClean="0">
+                <a:solidFill>
+                  <a:srgbClr val="000000"/>
+                </a:solidFill>
+              </a:rPr>
+              <a:t>communication</a:t>
+            </a:r>
+            <a:endParaRPr lang="en-US" b="1" dirty="0">
+              <a:solidFill>
+                <a:srgbClr val="000000"/>
+              </a:solidFill>
+            </a:endParaRPr>
           </a:p>
         </p:txBody>
       </p:sp>
       <p:sp>
         <p:nvSpPr>
-          <p:cNvPr id="4" name="Rectangle 3">
-            <a:extLst>
-              <a:ext uri="{FF2B5EF4-FFF2-40B4-BE49-F238E27FC236}">
-                <a16:creationId xmlns:a16="http://schemas.microsoft.com/office/drawing/2014/main" xmlns="" id="{C54ACAE2-2435-4BF4-B231-494607306EF7}"/>
-              </a:ext>
-            </a:extLst>
-          </p:cNvPr>
-          <p:cNvSpPr/>
+          <p:cNvPr id="6" name="TextBox 5"/>
+          <p:cNvSpPr txBox="1"/>
           <p:nvPr/>
         </p:nvSpPr>
         <p:spPr>
           <a:xfrm>
-            <a:off x="1065118" y="3105002"/>
-            <a:ext cx="3515195" cy="2631490"/>
+            <a:off x="274221" y="2442432"/>
+            <a:ext cx="13902219" cy="3046988"/>
           </a:xfrm>
           <a:prstGeom prst="rect">
             <a:avLst/>
           </a:prstGeom>
+          <a:noFill/>
         </p:spPr>
         <p:txBody>
-          <a:bodyPr wrap="square">
+          <a:bodyPr wrap="square" rtlCol="0">
             <a:spAutoFit/>
           </a:bodyPr>
           <a:lstStyle/>
           <a:p>
             <a:r>
-              <a:rPr lang="en-US" sz="1100" dirty="0">
-                <a:solidFill>
-                  <a:srgbClr val="000000"/>
-                </a:solidFill>
-                <a:latin typeface="Arial" panose="020B0604020202020204" pitchFamily="34" charset="0"/>
-              </a:rPr>
-              <a:t>Client sends:</a:t>
-            </a:r>
-            <a:endParaRPr lang="en-US" sz="1100" dirty="0"/>
+              <a:rPr lang="en-US" sz="3200" dirty="0" smtClean="0"/>
+              <a:t>Server</a:t>
+            </a:r>
+            <a:r>
+              <a:rPr lang="zh-CN" altLang="en-US" sz="3200" dirty="0" smtClean="0"/>
+              <a:t> </a:t>
+            </a:r>
+            <a:r>
+              <a:rPr lang="en-US" altLang="zh-CN" sz="3200" dirty="0" smtClean="0"/>
+              <a:t>s</a:t>
+            </a:r>
+            <a:r>
+              <a:rPr lang="en-US" sz="3200" dirty="0" smtClean="0"/>
+              <a:t>ends</a:t>
+            </a:r>
+            <a:r>
+              <a:rPr lang="zh-CN" altLang="en-US" sz="3200" dirty="0" smtClean="0"/>
+              <a:t> </a:t>
+            </a:r>
+            <a:r>
+              <a:rPr lang="en-US" altLang="zh-CN" sz="3200" dirty="0"/>
+              <a:t>t</a:t>
+            </a:r>
+            <a:r>
+              <a:rPr lang="en-US" sz="3200" dirty="0" smtClean="0"/>
+              <a:t>wo</a:t>
+            </a:r>
+            <a:r>
+              <a:rPr lang="zh-CN" altLang="en-US" sz="3200" dirty="0" smtClean="0"/>
+              <a:t> </a:t>
+            </a:r>
+            <a:r>
+              <a:rPr lang="en-US" altLang="zh-CN" sz="3200" dirty="0" smtClean="0"/>
+              <a:t>types</a:t>
+            </a:r>
+            <a:r>
+              <a:rPr lang="zh-CN" altLang="en-US" sz="3200" dirty="0" smtClean="0"/>
+              <a:t> </a:t>
+            </a:r>
+            <a:r>
+              <a:rPr lang="en-US" altLang="zh-CN" sz="3200" dirty="0" smtClean="0"/>
+              <a:t>of</a:t>
+            </a:r>
+            <a:r>
+              <a:rPr lang="zh-CN" altLang="en-US" sz="3200" dirty="0" smtClean="0"/>
+              <a:t> </a:t>
+            </a:r>
+            <a:r>
+              <a:rPr lang="en-US" altLang="zh-CN" sz="3200" dirty="0" smtClean="0"/>
+              <a:t>information:</a:t>
+            </a:r>
+            <a:endParaRPr lang="en-US" altLang="zh-CN" sz="3200" dirty="0" smtClean="0"/>
           </a:p>
           <a:p>
-            <a:r>
-              <a:rPr lang="en-US" sz="1100" dirty="0">
-                <a:solidFill>
-                  <a:srgbClr val="000000"/>
-                </a:solidFill>
-                <a:latin typeface="Arial" panose="020B0604020202020204" pitchFamily="34" charset="0"/>
-              </a:rPr>
-              <a:t>{</a:t>
-            </a:r>
-            <a:endParaRPr lang="en-US" sz="1100" dirty="0"/>
+            <a:endParaRPr lang="en-US" altLang="zh-CN" sz="3200" dirty="0" smtClean="0"/>
           </a:p>
           <a:p>
-            <a:pPr lvl="1"/>
-            <a:r>
-              <a:rPr lang="en-US" sz="1100" dirty="0">
-                <a:solidFill>
-                  <a:srgbClr val="000000"/>
-                </a:solidFill>
-                <a:latin typeface="Arial" panose="020B0604020202020204" pitchFamily="34" charset="0"/>
-              </a:rPr>
-              <a:t>“type”: “login”,</a:t>
-            </a:r>
-            <a:endParaRPr lang="en-US" sz="1100" dirty="0"/>
+            <a:pPr marL="285750" indent="-285750">
+              <a:buFont typeface="Arial"/>
+              <a:buChar char="•"/>
+            </a:pPr>
+            <a:r>
+              <a:rPr lang="en-US" altLang="zh-CN" sz="3200" dirty="0"/>
+              <a:t>allows the view to update the room information </a:t>
+            </a:r>
+            <a:r>
+              <a:rPr lang="zh-CN" altLang="zh-CN" sz="3200" dirty="0" smtClean="0"/>
+              <a:t>(</a:t>
+            </a:r>
+            <a:r>
+              <a:rPr lang="en-US" altLang="zh-CN" sz="3200" dirty="0" smtClean="0"/>
+              <a:t>middle column</a:t>
+            </a:r>
+            <a:r>
+              <a:rPr lang="en-US" altLang="zh-CN" sz="3200" dirty="0" smtClean="0"/>
+              <a:t>)</a:t>
+            </a:r>
+            <a:endParaRPr lang="en-US" altLang="zh-CN" sz="3200" dirty="0" smtClean="0"/>
           </a:p>
           <a:p>
-            <a:pPr lvl="1"/>
-            <a:r>
-              <a:rPr lang="en-US" sz="1100" dirty="0">
-                <a:solidFill>
-                  <a:srgbClr val="000000"/>
-                </a:solidFill>
-                <a:latin typeface="Arial" panose="020B0604020202020204" pitchFamily="34" charset="0"/>
-              </a:rPr>
-              <a:t>“data”: {</a:t>
-            </a:r>
-            <a:endParaRPr lang="en-US" sz="1100" dirty="0"/>
+            <a:pPr marL="285750" indent="-285750">
+              <a:buFont typeface="Arial"/>
+              <a:buChar char="•"/>
+            </a:pPr>
+            <a:r>
+              <a:rPr lang="en-US" altLang="zh-CN" sz="3200" dirty="0" smtClean="0"/>
+              <a:t>allows </a:t>
+            </a:r>
+            <a:r>
+              <a:rPr lang="en-US" altLang="zh-CN" sz="3200" dirty="0"/>
+              <a:t>the view to update the </a:t>
+            </a:r>
+            <a:r>
+              <a:rPr lang="en-US" altLang="zh-CN" sz="3200" dirty="0" smtClean="0"/>
+              <a:t>chat information </a:t>
+            </a:r>
+            <a:r>
+              <a:rPr lang="en-US" altLang="zh-CN" sz="3200" dirty="0" smtClean="0"/>
+              <a:t>(</a:t>
+            </a:r>
+            <a:r>
+              <a:rPr lang="en-US" altLang="zh-CN" sz="3200" dirty="0" smtClean="0"/>
+              <a:t>right</a:t>
+            </a:r>
+            <a:r>
+              <a:rPr lang="zh-CN" altLang="en-US" sz="3200" dirty="0" smtClean="0"/>
+              <a:t> </a:t>
+            </a:r>
+            <a:r>
+              <a:rPr lang="en-US" altLang="zh-CN" sz="3200" dirty="0" smtClean="0"/>
+              <a:t>column)</a:t>
+            </a:r>
+            <a:endParaRPr lang="en-US" altLang="zh-CN" sz="3200" dirty="0"/>
           </a:p>
           <a:p>
-            <a:pPr lvl="2"/>
-            <a:r>
-              <a:rPr lang="en-US" sz="1100" dirty="0">
-                <a:solidFill>
-                  <a:srgbClr val="000000"/>
-                </a:solidFill>
-                <a:latin typeface="Arial" panose="020B0604020202020204" pitchFamily="34" charset="0"/>
-              </a:rPr>
-              <a:t>“user”: “Gene”,</a:t>
-            </a:r>
-            <a:endParaRPr lang="en-US" sz="1100" dirty="0"/>
+            <a:pPr marL="285750" indent="-285750">
+              <a:buFont typeface="Arial"/>
+              <a:buChar char="•"/>
+            </a:pPr>
+            <a:endParaRPr lang="en-US" altLang="zh-CN" sz="3200" dirty="0"/>
           </a:p>
           <a:p>
-            <a:pPr lvl="2"/>
-            <a:r>
-              <a:rPr lang="en-US" sz="1100" dirty="0">
-                <a:solidFill>
-                  <a:srgbClr val="000000"/>
-                </a:solidFill>
-                <a:latin typeface="Arial" panose="020B0604020202020204" pitchFamily="34" charset="0"/>
-              </a:rPr>
-              <a:t>“profile”: {</a:t>
-            </a:r>
-            <a:endParaRPr lang="en-US" sz="1100" dirty="0"/>
-          </a:p>
-          <a:p>
-            <a:pPr marL="1371600" lvl="2"/>
-            <a:r>
-              <a:rPr lang="en-US" sz="1100" dirty="0">
-                <a:solidFill>
-                  <a:srgbClr val="000000"/>
-                </a:solidFill>
-                <a:latin typeface="Arial" panose="020B0604020202020204" pitchFamily="34" charset="0"/>
-              </a:rPr>
-              <a:t>“age”: 18,</a:t>
-            </a:r>
-            <a:endParaRPr lang="en-US" sz="1100" dirty="0"/>
-          </a:p>
-          <a:p>
-            <a:pPr marL="1371600" lvl="2"/>
-            <a:r>
-              <a:rPr lang="en-US" sz="1100" dirty="0">
-                <a:solidFill>
-                  <a:srgbClr val="000000"/>
-                </a:solidFill>
-                <a:latin typeface="Arial" panose="020B0604020202020204" pitchFamily="34" charset="0"/>
-              </a:rPr>
-              <a:t>“location”: “North America”,</a:t>
-            </a:r>
-            <a:endParaRPr lang="en-US" sz="1100" dirty="0"/>
-          </a:p>
-          <a:p>
-            <a:pPr marL="1371600" lvl="2"/>
-            <a:r>
-              <a:rPr lang="en-US" sz="1100" dirty="0">
-                <a:solidFill>
-                  <a:srgbClr val="000000"/>
-                </a:solidFill>
-                <a:latin typeface="Arial" panose="020B0604020202020204" pitchFamily="34" charset="0"/>
-              </a:rPr>
-              <a:t>“school”: “Rice University”</a:t>
-            </a:r>
-            <a:endParaRPr lang="en-US" sz="1100" dirty="0"/>
-          </a:p>
-          <a:p>
-            <a:pPr lvl="2"/>
-            <a:r>
-              <a:rPr lang="en-US" sz="1100" dirty="0">
-                <a:solidFill>
-                  <a:srgbClr val="000000"/>
-                </a:solidFill>
-                <a:latin typeface="Arial" panose="020B0604020202020204" pitchFamily="34" charset="0"/>
-              </a:rPr>
-              <a:t>}</a:t>
-            </a:r>
-          </a:p>
-          <a:p>
-            <a:pPr marL="457200" lvl="2"/>
-            <a:r>
-              <a:rPr lang="en-US" sz="1100" dirty="0">
-                <a:solidFill>
-                  <a:srgbClr val="000000"/>
-                </a:solidFill>
-                <a:latin typeface="Arial" panose="020B0604020202020204" pitchFamily="34" charset="0"/>
-              </a:rPr>
-              <a:t>}</a:t>
-            </a:r>
-            <a:endParaRPr lang="en-US" sz="1100" dirty="0"/>
-          </a:p>
-          <a:p>
-            <a:r>
-              <a:rPr lang="en-US" sz="1100" dirty="0">
-                <a:solidFill>
-                  <a:srgbClr val="000000"/>
-                </a:solidFill>
-                <a:latin typeface="Arial" panose="020B0604020202020204" pitchFamily="34" charset="0"/>
-              </a:rPr>
-              <a:t>}</a:t>
-            </a:r>
-            <a:endParaRPr lang="en-US" sz="1100" dirty="0"/>
-          </a:p>
-          <a:p>
-            <a:r>
-              <a:rPr lang="en-US" sz="1100" dirty="0"/>
-              <a:t/>
-            </a:r>
-            <a:br>
-              <a:rPr lang="en-US" sz="1100" dirty="0"/>
-            </a:br>
-            <a:r>
-              <a:rPr lang="en-US" sz="1100" dirty="0"/>
-              <a:t/>
-            </a:r>
-            <a:br>
-              <a:rPr lang="en-US" sz="1100" dirty="0"/>
-            </a:br>
-            <a:endParaRPr lang="en-US" sz="1100" dirty="0"/>
-          </a:p>
-        </p:txBody>
-      </p:sp>
-      <p:sp>
-        <p:nvSpPr>
-          <p:cNvPr id="5" name="Rectangle 4">
-            <a:extLst>
-              <a:ext uri="{FF2B5EF4-FFF2-40B4-BE49-F238E27FC236}">
-                <a16:creationId xmlns:a16="http://schemas.microsoft.com/office/drawing/2014/main" xmlns="" id="{1717B665-47C3-4969-9A22-CBF543FE1AE1}"/>
-              </a:ext>
-            </a:extLst>
-          </p:cNvPr>
-          <p:cNvSpPr/>
-          <p:nvPr/>
-        </p:nvSpPr>
-        <p:spPr>
-          <a:xfrm>
-            <a:off x="6142043" y="2618752"/>
-            <a:ext cx="5104039" cy="3985706"/>
-          </a:xfrm>
-          <a:prstGeom prst="rect">
-            <a:avLst/>
-          </a:prstGeom>
-        </p:spPr>
-        <p:txBody>
-          <a:bodyPr wrap="square">
-            <a:spAutoFit/>
-          </a:bodyPr>
-          <a:lstStyle/>
-          <a:p>
-            <a:r>
-              <a:rPr lang="en-US" sz="1100" dirty="0">
-                <a:solidFill>
-                  <a:srgbClr val="000000"/>
-                </a:solidFill>
-                <a:latin typeface="Arial" panose="020B0604020202020204" pitchFamily="34" charset="0"/>
-              </a:rPr>
-              <a:t>Server responses success (includes all the room info):</a:t>
-            </a:r>
-            <a:endParaRPr lang="en-US" sz="1100" dirty="0"/>
-          </a:p>
-          <a:p>
-            <a:r>
-              <a:rPr lang="en-US" sz="1100" dirty="0">
-                <a:solidFill>
-                  <a:srgbClr val="000000"/>
-                </a:solidFill>
-                <a:latin typeface="Arial" panose="020B0604020202020204" pitchFamily="34" charset="0"/>
-              </a:rPr>
-              <a:t>{</a:t>
-            </a:r>
-            <a:endParaRPr lang="en-US" sz="1100" dirty="0"/>
-          </a:p>
-          <a:p>
-            <a:pPr lvl="1"/>
-            <a:r>
-              <a:rPr lang="en-US" sz="1100" dirty="0">
-                <a:solidFill>
-                  <a:srgbClr val="000000"/>
-                </a:solidFill>
-                <a:latin typeface="Arial" panose="020B0604020202020204" pitchFamily="34" charset="0"/>
-              </a:rPr>
-              <a:t>“type”: “login-response”,</a:t>
-            </a:r>
-            <a:endParaRPr lang="en-US" sz="1100" dirty="0"/>
-          </a:p>
-          <a:p>
-            <a:pPr lvl="1"/>
-            <a:r>
-              <a:rPr lang="en-US" sz="1100" dirty="0">
-                <a:solidFill>
-                  <a:srgbClr val="000000"/>
-                </a:solidFill>
-                <a:latin typeface="Arial" panose="020B0604020202020204" pitchFamily="34" charset="0"/>
-              </a:rPr>
-              <a:t>“data”:{</a:t>
-            </a:r>
-            <a:endParaRPr lang="en-US" sz="1100" dirty="0"/>
-          </a:p>
-          <a:p>
-            <a:pPr lvl="1"/>
-            <a:r>
-              <a:rPr lang="en-US" sz="1100" dirty="0">
-                <a:solidFill>
-                  <a:srgbClr val="000000"/>
-                </a:solidFill>
-                <a:latin typeface="Arial" panose="020B0604020202020204" pitchFamily="34" charset="0"/>
-              </a:rPr>
-              <a:t>“status”: “success",</a:t>
-            </a:r>
-            <a:endParaRPr lang="en-US" sz="1100" dirty="0"/>
-          </a:p>
-          <a:p>
-            <a:pPr lvl="1"/>
-            <a:r>
-              <a:rPr lang="en-US" sz="1100" dirty="0">
-                <a:solidFill>
-                  <a:srgbClr val="000000"/>
-                </a:solidFill>
-                <a:latin typeface="Arial" panose="020B0604020202020204" pitchFamily="34" charset="0"/>
-              </a:rPr>
-              <a:t>“</a:t>
-            </a:r>
-            <a:r>
-              <a:rPr lang="en-US" sz="1100" dirty="0" err="1">
-                <a:solidFill>
-                  <a:srgbClr val="000000"/>
-                </a:solidFill>
-                <a:latin typeface="Arial" panose="020B0604020202020204" pitchFamily="34" charset="0"/>
-              </a:rPr>
-              <a:t>userId</a:t>
-            </a:r>
-            <a:r>
-              <a:rPr lang="en-US" sz="1100" dirty="0">
-                <a:solidFill>
-                  <a:srgbClr val="000000"/>
-                </a:solidFill>
-                <a:latin typeface="Arial" panose="020B0604020202020204" pitchFamily="34" charset="0"/>
-              </a:rPr>
-              <a:t>”: 1,</a:t>
-            </a:r>
-            <a:endParaRPr lang="en-US" sz="1100" dirty="0"/>
-          </a:p>
-          <a:p>
-            <a:pPr lvl="1"/>
-            <a:r>
-              <a:rPr lang="en-US" sz="1100" dirty="0">
-                <a:solidFill>
-                  <a:srgbClr val="000000"/>
-                </a:solidFill>
-                <a:latin typeface="Arial" panose="020B0604020202020204" pitchFamily="34" charset="0"/>
-              </a:rPr>
-              <a:t>“rooms”: [</a:t>
-            </a:r>
-            <a:endParaRPr lang="en-US" sz="1100" dirty="0"/>
-          </a:p>
-          <a:p>
-            <a:r>
-              <a:rPr lang="en-US" sz="1100" dirty="0">
-                <a:solidFill>
-                  <a:srgbClr val="000000"/>
-                </a:solidFill>
-                <a:latin typeface="Arial" panose="020B0604020202020204" pitchFamily="34" charset="0"/>
-              </a:rPr>
-              <a:t>		{</a:t>
-            </a:r>
-            <a:endParaRPr lang="en-US" sz="1100" dirty="0"/>
-          </a:p>
-          <a:p>
-            <a:pPr marL="914400" indent="457200"/>
-            <a:r>
-              <a:rPr lang="en-US" sz="1100" dirty="0">
-                <a:solidFill>
-                  <a:srgbClr val="000000"/>
-                </a:solidFill>
-                <a:latin typeface="Arial" panose="020B0604020202020204" pitchFamily="34" charset="0"/>
-              </a:rPr>
-              <a:t>“</a:t>
-            </a:r>
-            <a:r>
-              <a:rPr lang="en-US" sz="1100" dirty="0" err="1">
-                <a:solidFill>
-                  <a:srgbClr val="000000"/>
-                </a:solidFill>
-                <a:latin typeface="Arial" panose="020B0604020202020204" pitchFamily="34" charset="0"/>
-              </a:rPr>
-              <a:t>roomId</a:t>
-            </a:r>
-            <a:r>
-              <a:rPr lang="en-US" sz="1100" dirty="0">
-                <a:solidFill>
-                  <a:srgbClr val="000000"/>
-                </a:solidFill>
-                <a:latin typeface="Arial" panose="020B0604020202020204" pitchFamily="34" charset="0"/>
-              </a:rPr>
-              <a:t>”: 1,</a:t>
-            </a:r>
-            <a:endParaRPr lang="en-US" sz="1100" dirty="0"/>
-          </a:p>
-          <a:p>
-            <a:pPr marL="914400" indent="457200"/>
-            <a:r>
-              <a:rPr lang="en-US" sz="1100" dirty="0">
-                <a:solidFill>
-                  <a:srgbClr val="000000"/>
-                </a:solidFill>
-                <a:latin typeface="Arial" panose="020B0604020202020204" pitchFamily="34" charset="0"/>
-              </a:rPr>
-              <a:t>“</a:t>
-            </a:r>
-            <a:r>
-              <a:rPr lang="en-US" sz="1100" dirty="0" err="1">
-                <a:solidFill>
-                  <a:srgbClr val="000000"/>
-                </a:solidFill>
-                <a:latin typeface="Arial" panose="020B0604020202020204" pitchFamily="34" charset="0"/>
-              </a:rPr>
-              <a:t>roomName</a:t>
-            </a:r>
-            <a:r>
-              <a:rPr lang="en-US" sz="1100" dirty="0">
-                <a:solidFill>
-                  <a:srgbClr val="000000"/>
-                </a:solidFill>
-                <a:latin typeface="Arial" panose="020B0604020202020204" pitchFamily="34" charset="0"/>
-              </a:rPr>
-              <a:t>”: “Rice Computer Science”,</a:t>
-            </a:r>
-            <a:endParaRPr lang="en-US" sz="1100" dirty="0"/>
-          </a:p>
-          <a:p>
-            <a:pPr marL="914400" indent="457200"/>
-            <a:r>
-              <a:rPr lang="en-US" sz="1100" dirty="0">
-                <a:solidFill>
-                  <a:srgbClr val="000000"/>
-                </a:solidFill>
-                <a:latin typeface="Arial" panose="020B0604020202020204" pitchFamily="34" charset="0"/>
-              </a:rPr>
-              <a:t>“</a:t>
-            </a:r>
-            <a:r>
-              <a:rPr lang="en-US" sz="1100" dirty="0" err="1">
-                <a:solidFill>
-                  <a:srgbClr val="000000"/>
-                </a:solidFill>
-                <a:latin typeface="Arial" panose="020B0604020202020204" pitchFamily="34" charset="0"/>
-              </a:rPr>
-              <a:t>roomBio</a:t>
-            </a:r>
-            <a:r>
-              <a:rPr lang="en-US" sz="1100" dirty="0">
-                <a:solidFill>
-                  <a:srgbClr val="000000"/>
-                </a:solidFill>
-                <a:latin typeface="Arial" panose="020B0604020202020204" pitchFamily="34" charset="0"/>
-              </a:rPr>
-              <a:t>”: “More than coding!”,</a:t>
-            </a:r>
-            <a:endParaRPr lang="en-US" sz="1100" dirty="0"/>
-          </a:p>
-          <a:p>
-            <a:pPr marL="914400" indent="457200"/>
-            <a:r>
-              <a:rPr lang="en-US" sz="1100" dirty="0">
-                <a:solidFill>
-                  <a:srgbClr val="000000"/>
-                </a:solidFill>
-                <a:latin typeface="Arial" panose="020B0604020202020204" pitchFamily="34" charset="0"/>
-              </a:rPr>
-              <a:t>“</a:t>
-            </a:r>
-            <a:r>
-              <a:rPr lang="en-US" sz="1100" dirty="0" err="1">
-                <a:solidFill>
-                  <a:srgbClr val="000000"/>
-                </a:solidFill>
-                <a:latin typeface="Arial" panose="020B0604020202020204" pitchFamily="34" charset="0"/>
-              </a:rPr>
-              <a:t>joinStatus</a:t>
-            </a:r>
-            <a:r>
-              <a:rPr lang="en-US" sz="1100" dirty="0">
-                <a:solidFill>
-                  <a:srgbClr val="000000"/>
-                </a:solidFill>
-                <a:latin typeface="Arial" panose="020B0604020202020204" pitchFamily="34" charset="0"/>
-              </a:rPr>
-              <a:t>”: “can join”</a:t>
-            </a:r>
-            <a:r>
-              <a:rPr lang="en-US" sz="1100" dirty="0"/>
-              <a:t/>
-            </a:r>
-            <a:br>
-              <a:rPr lang="en-US" sz="1100" dirty="0"/>
-            </a:br>
-            <a:r>
-              <a:rPr lang="en-US" sz="1100" dirty="0">
-                <a:solidFill>
-                  <a:srgbClr val="000000"/>
-                </a:solidFill>
-                <a:latin typeface="Arial" panose="020B0604020202020204" pitchFamily="34" charset="0"/>
-              </a:rPr>
-              <a:t>},</a:t>
-            </a:r>
-            <a:endParaRPr lang="en-US" sz="1100" dirty="0"/>
-          </a:p>
-          <a:p>
-            <a:pPr marL="914400">
-              <a:tabLst>
-                <a:tab pos="1371600" algn="l"/>
-              </a:tabLst>
+            <a:pPr marL="285750" indent="-285750">
+              <a:buFont typeface="Arial"/>
+              <a:buChar char="•"/>
             </a:pPr>
-            <a:r>
-              <a:rPr lang="en-US" sz="1100" dirty="0">
-                <a:solidFill>
-                  <a:srgbClr val="000000"/>
-                </a:solidFill>
-                <a:latin typeface="Arial" panose="020B0604020202020204" pitchFamily="34" charset="0"/>
-              </a:rPr>
-              <a:t>{</a:t>
-            </a:r>
-            <a:endParaRPr lang="en-US" sz="1100" dirty="0"/>
-          </a:p>
-          <a:p>
-            <a:pPr marL="914400" indent="457200"/>
-            <a:r>
-              <a:rPr lang="en-US" sz="1100" dirty="0">
-                <a:solidFill>
-                  <a:srgbClr val="000000"/>
-                </a:solidFill>
-                <a:latin typeface="Arial" panose="020B0604020202020204" pitchFamily="34" charset="0"/>
-              </a:rPr>
-              <a:t>“</a:t>
-            </a:r>
-            <a:r>
-              <a:rPr lang="en-US" sz="1100" dirty="0" err="1">
-                <a:solidFill>
-                  <a:srgbClr val="000000"/>
-                </a:solidFill>
-                <a:latin typeface="Arial" panose="020B0604020202020204" pitchFamily="34" charset="0"/>
-              </a:rPr>
-              <a:t>roomId</a:t>
-            </a:r>
-            <a:r>
-              <a:rPr lang="en-US" sz="1100" dirty="0">
-                <a:solidFill>
-                  <a:srgbClr val="000000"/>
-                </a:solidFill>
-                <a:latin typeface="Arial" panose="020B0604020202020204" pitchFamily="34" charset="0"/>
-              </a:rPr>
-              <a:t>”: 2,</a:t>
-            </a:r>
-            <a:endParaRPr lang="en-US" sz="1100" dirty="0"/>
-          </a:p>
-          <a:p>
-            <a:pPr marL="914400" indent="457200"/>
-            <a:r>
-              <a:rPr lang="en-US" sz="1100" dirty="0">
-                <a:solidFill>
-                  <a:srgbClr val="000000"/>
-                </a:solidFill>
-                <a:latin typeface="Arial" panose="020B0604020202020204" pitchFamily="34" charset="0"/>
-              </a:rPr>
-              <a:t>“</a:t>
-            </a:r>
-            <a:r>
-              <a:rPr lang="en-US" sz="1100" dirty="0" err="1">
-                <a:solidFill>
-                  <a:srgbClr val="000000"/>
-                </a:solidFill>
-                <a:latin typeface="Arial" panose="020B0604020202020204" pitchFamily="34" charset="0"/>
-              </a:rPr>
-              <a:t>roomName</a:t>
-            </a:r>
-            <a:r>
-              <a:rPr lang="en-US" sz="1100" dirty="0">
-                <a:solidFill>
-                  <a:srgbClr val="000000"/>
-                </a:solidFill>
-                <a:latin typeface="Arial" panose="020B0604020202020204" pitchFamily="34" charset="0"/>
-              </a:rPr>
-              <a:t>”: “Rice Computer Science Seniors”,</a:t>
-            </a:r>
-            <a:endParaRPr lang="en-US" sz="1100" dirty="0"/>
-          </a:p>
-          <a:p>
-            <a:pPr marL="914400" indent="457200"/>
-            <a:r>
-              <a:rPr lang="en-US" sz="1100" dirty="0">
-                <a:solidFill>
-                  <a:srgbClr val="000000"/>
-                </a:solidFill>
-                <a:latin typeface="Arial" panose="020B0604020202020204" pitchFamily="34" charset="0"/>
-              </a:rPr>
-              <a:t>“</a:t>
-            </a:r>
-            <a:r>
-              <a:rPr lang="en-US" sz="1100" dirty="0" err="1">
-                <a:solidFill>
-                  <a:srgbClr val="000000"/>
-                </a:solidFill>
-                <a:latin typeface="Arial" panose="020B0604020202020204" pitchFamily="34" charset="0"/>
-              </a:rPr>
-              <a:t>roomBio</a:t>
-            </a:r>
-            <a:r>
-              <a:rPr lang="en-US" sz="1100" dirty="0">
-                <a:solidFill>
-                  <a:srgbClr val="000000"/>
-                </a:solidFill>
-                <a:latin typeface="Arial" panose="020B0604020202020204" pitchFamily="34" charset="0"/>
-              </a:rPr>
-              <a:t>”: “Hi old guys!”,</a:t>
-            </a:r>
-            <a:endParaRPr lang="en-US" sz="1100" dirty="0"/>
-          </a:p>
-          <a:p>
-            <a:pPr marL="914400" indent="457200"/>
-            <a:r>
-              <a:rPr lang="en-US" sz="1100" dirty="0">
-                <a:solidFill>
-                  <a:srgbClr val="000000"/>
-                </a:solidFill>
-                <a:latin typeface="Arial" panose="020B0604020202020204" pitchFamily="34" charset="0"/>
-              </a:rPr>
-              <a:t>“</a:t>
-            </a:r>
-            <a:r>
-              <a:rPr lang="en-US" sz="1100" dirty="0" err="1">
-                <a:solidFill>
-                  <a:srgbClr val="000000"/>
-                </a:solidFill>
-                <a:latin typeface="Arial" panose="020B0604020202020204" pitchFamily="34" charset="0"/>
-              </a:rPr>
-              <a:t>joinStatus</a:t>
-            </a:r>
-            <a:r>
-              <a:rPr lang="en-US" sz="1100" dirty="0">
-                <a:solidFill>
-                  <a:srgbClr val="000000"/>
-                </a:solidFill>
-                <a:latin typeface="Arial" panose="020B0604020202020204" pitchFamily="34" charset="0"/>
-              </a:rPr>
-              <a:t>”: “cannot join”</a:t>
-            </a:r>
-            <a:endParaRPr lang="en-US" sz="1100" dirty="0"/>
-          </a:p>
-          <a:p>
-            <a:pPr marL="914400" indent="457200"/>
-            <a:r>
-              <a:rPr lang="en-US" sz="1100" dirty="0"/>
-              <a:t/>
-            </a:r>
-            <a:br>
-              <a:rPr lang="en-US" sz="1100" dirty="0"/>
-            </a:br>
-            <a:r>
-              <a:rPr lang="en-US" sz="1100" dirty="0">
-                <a:solidFill>
-                  <a:srgbClr val="000000"/>
-                </a:solidFill>
-                <a:latin typeface="Arial" panose="020B0604020202020204" pitchFamily="34" charset="0"/>
-              </a:rPr>
-              <a:t>}</a:t>
-            </a:r>
-            <a:endParaRPr lang="en-US" sz="1100" dirty="0"/>
-          </a:p>
-          <a:p>
-            <a:pPr marL="457200" indent="457200"/>
-            <a:r>
-              <a:rPr lang="en-US" sz="1100" dirty="0">
-                <a:solidFill>
-                  <a:srgbClr val="000000"/>
-                </a:solidFill>
-                <a:latin typeface="Arial" panose="020B0604020202020204" pitchFamily="34" charset="0"/>
-              </a:rPr>
-              <a:t>]</a:t>
-            </a:r>
-            <a:endParaRPr lang="en-US" sz="1100" dirty="0"/>
-          </a:p>
-          <a:p>
-            <a:pPr indent="457200"/>
-            <a:r>
-              <a:rPr lang="en-US" sz="1100" dirty="0">
-                <a:solidFill>
-                  <a:srgbClr val="000000"/>
-                </a:solidFill>
-                <a:latin typeface="Arial" panose="020B0604020202020204" pitchFamily="34" charset="0"/>
-              </a:rPr>
-              <a:t>}</a:t>
-            </a:r>
-            <a:endParaRPr lang="en-US" sz="1100" dirty="0"/>
-          </a:p>
-          <a:p>
-            <a:r>
-              <a:rPr lang="en-US" sz="1100" dirty="0">
-                <a:solidFill>
-                  <a:srgbClr val="000000"/>
-                </a:solidFill>
-                <a:latin typeface="Arial" panose="020B0604020202020204" pitchFamily="34" charset="0"/>
-              </a:rPr>
-              <a:t>}</a:t>
-            </a:r>
-            <a:endParaRPr lang="en-US" sz="1100" dirty="0"/>
+            <a:endParaRPr lang="en-US" sz="3200" dirty="0"/>
           </a:p>
         </p:txBody>
       </p:sp>
     </p:spTree>
     <p:extLst>
       <p:ext uri="{BB962C8B-B14F-4D97-AF65-F5344CB8AC3E}">
-        <p14:creationId xmlns:p14="http://schemas.microsoft.com/office/powerpoint/2010/main" val="402037103"/>
+        <p14:creationId xmlns:p14="http://schemas.microsoft.com/office/powerpoint/2010/main" val="1597786197"/>
       </p:ext>
     </p:extLst>
   </p:cSld>
@@ -16371,7 +15682,7 @@
 </p:sld>
 </file>
 
-<file path=ppt/slides/slide12.xml><?xml version="1.0" encoding="utf-8"?>
+<file path=ppt/slides/slide11.xml><?xml version="1.0" encoding="utf-8"?>
 <p:sld xmlns:a="http://schemas.openxmlformats.org/drawingml/2006/main" xmlns:r="http://schemas.openxmlformats.org/officeDocument/2006/relationships" xmlns:p="http://schemas.openxmlformats.org/presentationml/2006/main">
   <p:cSld>
     <p:spTree>
@@ -16411,71 +15722,7 @@
                   <a:srgbClr val="000000"/>
                 </a:solidFill>
               </a:rPr>
-              <a:t>Controller</a:t>
-            </a:r>
-            <a:r>
-              <a:rPr lang="en-US" b="1" dirty="0" smtClean="0">
-                <a:solidFill>
-                  <a:srgbClr val="000000"/>
-                </a:solidFill>
-              </a:rPr>
-              <a:t> </a:t>
-            </a:r>
-            <a:r>
-              <a:rPr lang="mr-IN" b="1" dirty="0" smtClean="0">
-                <a:solidFill>
-                  <a:srgbClr val="000000"/>
-                </a:solidFill>
-              </a:rPr>
-              <a:t>–</a:t>
-            </a:r>
-            <a:r>
-              <a:rPr lang="en-US" b="1" dirty="0" smtClean="0">
-                <a:solidFill>
-                  <a:srgbClr val="000000"/>
-                </a:solidFill>
-              </a:rPr>
-              <a:t> </a:t>
-            </a:r>
-            <a:r>
-              <a:rPr lang="en-US" b="1" dirty="0" err="1" smtClean="0">
-                <a:solidFill>
-                  <a:srgbClr val="000000"/>
-                </a:solidFill>
-              </a:rPr>
-              <a:t>ChatAppController</a:t>
-            </a:r>
-            <a:r>
-              <a:rPr lang="zh-CN" altLang="en-US" b="1" dirty="0" smtClean="0">
-                <a:solidFill>
-                  <a:srgbClr val="000000"/>
-                </a:solidFill>
-              </a:rPr>
-              <a:t> </a:t>
-            </a:r>
-            <a:r>
-              <a:rPr lang="en-US" altLang="zh-CN" b="1" dirty="0" smtClean="0">
-                <a:solidFill>
-                  <a:srgbClr val="000000"/>
-                </a:solidFill>
-              </a:rPr>
-              <a:t>to</a:t>
-            </a:r>
-            <a:r>
-              <a:rPr lang="zh-CN" altLang="en-US" b="1" dirty="0" smtClean="0">
-                <a:solidFill>
-                  <a:srgbClr val="000000"/>
-                </a:solidFill>
-              </a:rPr>
-              <a:t> </a:t>
-            </a:r>
-            <a:r>
-              <a:rPr lang="en-US" altLang="zh-CN" b="1" dirty="0" smtClean="0">
-                <a:solidFill>
-                  <a:srgbClr val="000000"/>
-                </a:solidFill>
-              </a:rPr>
-              <a:t>do</a:t>
+              <a:t>Controller </a:t>
             </a:r>
             <a:endParaRPr lang="en-US" b="1" dirty="0">
               <a:solidFill>
@@ -16485,36 +15732,6 @@
           </a:p>
         </p:txBody>
       </p:sp>
-      <p:pic>
-        <p:nvPicPr>
-          <p:cNvPr id="4" name="Picture 3">
-            <a:extLst>
-              <a:ext uri="{FF2B5EF4-FFF2-40B4-BE49-F238E27FC236}">
-                <a16:creationId xmlns:a16="http://schemas.microsoft.com/office/drawing/2014/main" xmlns="" id="{6421D07F-BDA4-4280-AA21-92FB8CA64A7B}"/>
-              </a:ext>
-            </a:extLst>
-          </p:cNvPr>
-          <p:cNvPicPr>
-            <a:picLocks noChangeAspect="1"/>
-          </p:cNvPicPr>
-          <p:nvPr/>
-        </p:nvPicPr>
-        <p:blipFill>
-          <a:blip r:embed="rId3"/>
-          <a:stretch>
-            <a:fillRect/>
-          </a:stretch>
-        </p:blipFill>
-        <p:spPr>
-          <a:xfrm>
-            <a:off x="2676044" y="3602505"/>
-            <a:ext cx="6488344" cy="2076843"/>
-          </a:xfrm>
-          <a:prstGeom prst="rect">
-            <a:avLst/>
-          </a:prstGeom>
-        </p:spPr>
-      </p:pic>
       <p:sp>
         <p:nvSpPr>
           <p:cNvPr id="5" name="TextBox 4">
@@ -16529,8 +15746,8 @@
         </p:nvSpPr>
         <p:spPr>
           <a:xfrm>
-            <a:off x="1153486" y="2361501"/>
-            <a:ext cx="4249024" cy="369332"/>
+            <a:off x="1083708" y="2347544"/>
+            <a:ext cx="7233856" cy="3539431"/>
           </a:xfrm>
           <a:prstGeom prst="rect">
             <a:avLst/>
@@ -16543,18 +15760,303 @@
           </a:bodyPr>
           <a:lstStyle/>
           <a:p>
-            <a:r>
-              <a:rPr lang="en-US" dirty="0"/>
-              <a:t>Only index endpoint, one </a:t>
-            </a:r>
-            <a:r>
-              <a:rPr lang="en-US" dirty="0" err="1"/>
-              <a:t>webSocket</a:t>
-            </a:r>
-            <a:r>
-              <a:rPr lang="en-US" dirty="0"/>
-              <a:t>.</a:t>
-            </a:r>
+            <a:pPr marL="285750" indent="-285750">
+              <a:buFont typeface="Arial"/>
+              <a:buChar char="•"/>
+            </a:pPr>
+            <a:r>
+              <a:rPr lang="en-US" sz="2800" b="1" dirty="0" err="1" smtClean="0">
+                <a:solidFill>
+                  <a:srgbClr val="000000"/>
+                </a:solidFill>
+              </a:rPr>
+              <a:t>ChatAppController</a:t>
+            </a:r>
+            <a:endParaRPr lang="en-US" sz="2800" b="1" dirty="0" smtClean="0">
+              <a:solidFill>
+                <a:srgbClr val="000000"/>
+              </a:solidFill>
+            </a:endParaRPr>
+          </a:p>
+          <a:p>
+            <a:pPr marL="742950" lvl="1" indent="-285750">
+              <a:buFont typeface="Arial"/>
+              <a:buChar char="•"/>
+            </a:pPr>
+            <a:r>
+              <a:rPr lang="en-US" sz="2800" dirty="0" smtClean="0">
+                <a:solidFill>
+                  <a:srgbClr val="000000"/>
+                </a:solidFill>
+              </a:rPr>
+              <a:t>Setup</a:t>
+            </a:r>
+            <a:r>
+              <a:rPr lang="zh-CN" altLang="en-US" sz="2800" dirty="0" smtClean="0">
+                <a:solidFill>
+                  <a:srgbClr val="000000"/>
+                </a:solidFill>
+              </a:rPr>
+              <a:t> </a:t>
+            </a:r>
+            <a:r>
+              <a:rPr lang="en-US" altLang="zh-CN" sz="2800" dirty="0" err="1" smtClean="0">
+                <a:solidFill>
+                  <a:srgbClr val="000000"/>
+                </a:solidFill>
+              </a:rPr>
+              <a:t>Websocket</a:t>
+            </a:r>
+            <a:r>
+              <a:rPr lang="zh-CN" altLang="en-US" sz="2800" dirty="0" smtClean="0">
+                <a:solidFill>
+                  <a:srgbClr val="000000"/>
+                </a:solidFill>
+              </a:rPr>
+              <a:t> </a:t>
+            </a:r>
+            <a:r>
+              <a:rPr lang="en-US" altLang="zh-CN" sz="2800" dirty="0" smtClean="0">
+                <a:solidFill>
+                  <a:srgbClr val="000000"/>
+                </a:solidFill>
+              </a:rPr>
+              <a:t>on</a:t>
+            </a:r>
+            <a:r>
+              <a:rPr lang="zh-CN" altLang="en-US" sz="2800" dirty="0" smtClean="0">
+                <a:solidFill>
+                  <a:srgbClr val="000000"/>
+                </a:solidFill>
+              </a:rPr>
+              <a:t> </a:t>
+            </a:r>
+            <a:r>
+              <a:rPr lang="en-US" altLang="zh-CN" sz="2800" dirty="0" smtClean="0">
+                <a:solidFill>
+                  <a:srgbClr val="000000"/>
+                </a:solidFill>
+              </a:rPr>
+              <a:t>server</a:t>
+            </a:r>
+            <a:r>
+              <a:rPr lang="zh-CN" altLang="en-US" sz="2800" dirty="0" smtClean="0">
+                <a:solidFill>
+                  <a:srgbClr val="000000"/>
+                </a:solidFill>
+              </a:rPr>
+              <a:t> </a:t>
+            </a:r>
+            <a:r>
+              <a:rPr lang="en-US" altLang="zh-CN" sz="2800" dirty="0" smtClean="0">
+                <a:solidFill>
+                  <a:srgbClr val="000000"/>
+                </a:solidFill>
+              </a:rPr>
+              <a:t>side</a:t>
+            </a:r>
+          </a:p>
+          <a:p>
+            <a:pPr marL="742950" lvl="1" indent="-285750">
+              <a:buFont typeface="Arial"/>
+              <a:buChar char="•"/>
+            </a:pPr>
+            <a:r>
+              <a:rPr lang="en-US" sz="2800" dirty="0" smtClean="0">
+                <a:solidFill>
+                  <a:srgbClr val="000000"/>
+                </a:solidFill>
+              </a:rPr>
+              <a:t>Setup</a:t>
+            </a:r>
+            <a:r>
+              <a:rPr lang="zh-CN" altLang="en-US" sz="2800" dirty="0" smtClean="0">
+                <a:solidFill>
+                  <a:srgbClr val="000000"/>
+                </a:solidFill>
+              </a:rPr>
+              <a:t> </a:t>
+            </a:r>
+            <a:r>
+              <a:rPr lang="en-US" altLang="zh-CN" sz="2800" dirty="0" err="1" smtClean="0">
+                <a:solidFill>
+                  <a:srgbClr val="000000"/>
+                </a:solidFill>
+              </a:rPr>
+              <a:t>Heroku</a:t>
+            </a:r>
+            <a:r>
+              <a:rPr lang="zh-CN" altLang="en-US" sz="2800" dirty="0" smtClean="0">
+                <a:solidFill>
+                  <a:srgbClr val="000000"/>
+                </a:solidFill>
+              </a:rPr>
+              <a:t> </a:t>
+            </a:r>
+            <a:r>
+              <a:rPr lang="en-US" altLang="zh-CN" sz="2800" dirty="0" smtClean="0">
+                <a:solidFill>
+                  <a:srgbClr val="000000"/>
+                </a:solidFill>
+              </a:rPr>
+              <a:t>port</a:t>
+            </a:r>
+          </a:p>
+          <a:p>
+            <a:pPr lvl="1"/>
+            <a:endParaRPr lang="en-US" sz="2800" dirty="0" smtClean="0"/>
+          </a:p>
+          <a:p>
+            <a:pPr marL="285750" indent="-285750">
+              <a:buFont typeface="Arial"/>
+              <a:buChar char="•"/>
+            </a:pPr>
+            <a:r>
+              <a:rPr lang="en-US" sz="2800" b="1" dirty="0" err="1" smtClean="0">
+                <a:solidFill>
+                  <a:srgbClr val="000000"/>
+                </a:solidFill>
+              </a:rPr>
+              <a:t>WebSocketController</a:t>
+            </a:r>
+            <a:endParaRPr lang="en-US" sz="2800" b="1" dirty="0" smtClean="0">
+              <a:solidFill>
+                <a:srgbClr val="000000"/>
+              </a:solidFill>
+            </a:endParaRPr>
+          </a:p>
+          <a:p>
+            <a:pPr marL="742950" lvl="1" indent="-285750">
+              <a:buFont typeface="Arial"/>
+              <a:buChar char="•"/>
+            </a:pPr>
+            <a:r>
+              <a:rPr lang="en-US" sz="2800" dirty="0" smtClean="0">
+                <a:solidFill>
+                  <a:srgbClr val="000000"/>
+                </a:solidFill>
+              </a:rPr>
+              <a:t>H</a:t>
+            </a:r>
+            <a:r>
+              <a:rPr lang="en-US" altLang="zh-CN" sz="2800" dirty="0" smtClean="0">
+                <a:solidFill>
+                  <a:srgbClr val="000000"/>
+                </a:solidFill>
+              </a:rPr>
+              <a:t>andle</a:t>
+            </a:r>
+            <a:r>
+              <a:rPr lang="zh-CN" altLang="en-US" sz="2800" dirty="0" smtClean="0">
+                <a:solidFill>
+                  <a:srgbClr val="000000"/>
+                </a:solidFill>
+              </a:rPr>
+              <a:t> </a:t>
+            </a:r>
+            <a:r>
+              <a:rPr lang="en-US" altLang="zh-CN" sz="2800" dirty="0" err="1">
+                <a:solidFill>
+                  <a:srgbClr val="000000"/>
+                </a:solidFill>
+              </a:rPr>
+              <a:t>W</a:t>
+            </a:r>
+            <a:r>
+              <a:rPr lang="en-US" altLang="zh-CN" sz="2800" dirty="0" err="1" smtClean="0">
+                <a:solidFill>
+                  <a:srgbClr val="000000"/>
+                </a:solidFill>
+              </a:rPr>
+              <a:t>ebsocket</a:t>
+            </a:r>
+            <a:r>
+              <a:rPr lang="zh-CN" altLang="en-US" sz="2800" dirty="0" smtClean="0">
+                <a:solidFill>
+                  <a:srgbClr val="000000"/>
+                </a:solidFill>
+              </a:rPr>
+              <a:t> </a:t>
+            </a:r>
+            <a:r>
+              <a:rPr lang="en-US" altLang="zh-CN" sz="2800" dirty="0" smtClean="0">
+                <a:solidFill>
+                  <a:srgbClr val="000000"/>
+                </a:solidFill>
+              </a:rPr>
+              <a:t>communications</a:t>
+            </a:r>
+            <a:r>
+              <a:rPr lang="zh-CN" altLang="en-US" sz="2800" dirty="0" smtClean="0">
+                <a:solidFill>
+                  <a:srgbClr val="000000"/>
+                </a:solidFill>
+              </a:rPr>
+              <a:t> </a:t>
+            </a:r>
+            <a:r>
+              <a:rPr lang="en-US" altLang="zh-CN" sz="2800" dirty="0" smtClean="0">
+                <a:solidFill>
+                  <a:srgbClr val="000000"/>
+                </a:solidFill>
+              </a:rPr>
+              <a:t>from</a:t>
+            </a:r>
+            <a:r>
+              <a:rPr lang="zh-CN" altLang="en-US" sz="2800" dirty="0" smtClean="0">
+                <a:solidFill>
+                  <a:srgbClr val="000000"/>
+                </a:solidFill>
+              </a:rPr>
+              <a:t> </a:t>
+            </a:r>
+            <a:r>
+              <a:rPr lang="en-US" altLang="zh-CN" sz="2800" dirty="0" smtClean="0">
+                <a:solidFill>
+                  <a:srgbClr val="000000"/>
+                </a:solidFill>
+              </a:rPr>
+              <a:t>client</a:t>
+            </a:r>
+            <a:r>
+              <a:rPr lang="zh-CN" altLang="en-US" sz="2800" dirty="0" smtClean="0">
+                <a:solidFill>
+                  <a:srgbClr val="000000"/>
+                </a:solidFill>
+              </a:rPr>
+              <a:t> </a:t>
+            </a:r>
+            <a:r>
+              <a:rPr lang="en-US" altLang="zh-CN" sz="2800" dirty="0" smtClean="0">
+                <a:solidFill>
+                  <a:srgbClr val="000000"/>
+                </a:solidFill>
+              </a:rPr>
+              <a:t>side</a:t>
+            </a:r>
+          </a:p>
+          <a:p>
+            <a:pPr marL="742950" lvl="1" indent="-285750">
+              <a:buFont typeface="Arial"/>
+              <a:buChar char="•"/>
+            </a:pPr>
+            <a:r>
+              <a:rPr lang="en-US" sz="2800" dirty="0" smtClean="0"/>
+              <a:t>Utilize</a:t>
+            </a:r>
+            <a:r>
+              <a:rPr lang="zh-CN" altLang="en-US" sz="2800" dirty="0" smtClean="0"/>
+              <a:t> </a:t>
+            </a:r>
+            <a:r>
+              <a:rPr lang="en-US" altLang="zh-CN" sz="2800" dirty="0" err="1" smtClean="0"/>
+              <a:t>DispatcherAdapter</a:t>
+            </a:r>
+            <a:r>
+              <a:rPr lang="zh-CN" altLang="en-US" sz="2800" dirty="0" smtClean="0"/>
+              <a:t> </a:t>
+            </a:r>
+            <a:endParaRPr lang="en-US" altLang="zh-CN" sz="2800" dirty="0" smtClean="0"/>
           </a:p>
         </p:txBody>
       </p:sp>
@@ -16571,239 +16073,7 @@
 </p:sld>
 </file>
 
-<file path=ppt/slides/slide13.xml><?xml version="1.0" encoding="utf-8"?>
-<p:sld xmlns:a="http://schemas.openxmlformats.org/drawingml/2006/main" xmlns:r="http://schemas.openxmlformats.org/officeDocument/2006/relationships" xmlns:p="http://schemas.openxmlformats.org/presentationml/2006/main">
-  <p:cSld>
-    <p:spTree>
-      <p:nvGrpSpPr>
-        <p:cNvPr id="1" name=""/>
-        <p:cNvGrpSpPr/>
-        <p:nvPr/>
-      </p:nvGrpSpPr>
-      <p:grpSpPr>
-        <a:xfrm>
-          <a:off x="0" y="0"/>
-          <a:ext cx="0" cy="0"/>
-          <a:chOff x="0" y="0"/>
-          <a:chExt cx="0" cy="0"/>
-        </a:xfrm>
-      </p:grpSpPr>
-      <p:sp>
-        <p:nvSpPr>
-          <p:cNvPr id="2" name="Title 1"/>
-          <p:cNvSpPr>
-            <a:spLocks noGrp="1"/>
-          </p:cNvSpPr>
-          <p:nvPr>
-            <p:ph type="title"/>
-          </p:nvPr>
-        </p:nvSpPr>
-        <p:spPr/>
-        <p:txBody>
-          <a:bodyPr>
-            <a:normAutofit/>
-          </a:bodyPr>
-          <a:lstStyle/>
-          <a:p>
-            <a:r>
-              <a:rPr lang="en-US" b="1" dirty="0">
-                <a:solidFill>
-                  <a:srgbClr val="000000"/>
-                </a:solidFill>
-              </a:rPr>
-              <a:t>Controller </a:t>
-            </a:r>
-            <a:r>
-              <a:rPr lang="mr-IN" b="1" dirty="0">
-                <a:solidFill>
-                  <a:srgbClr val="000000"/>
-                </a:solidFill>
-              </a:rPr>
-              <a:t>–</a:t>
-            </a:r>
-            <a:r>
-              <a:rPr lang="en-US" b="1" dirty="0">
-                <a:solidFill>
-                  <a:srgbClr val="000000"/>
-                </a:solidFill>
-              </a:rPr>
-              <a:t> </a:t>
-            </a:r>
-            <a:r>
-              <a:rPr lang="en-US" b="1" dirty="0" err="1" smtClean="0">
-                <a:solidFill>
-                  <a:srgbClr val="000000"/>
-                </a:solidFill>
-              </a:rPr>
-              <a:t>WebSocketController</a:t>
-            </a:r>
-            <a:r>
-              <a:rPr lang="zh-CN" altLang="en-US" b="1" dirty="0" smtClean="0">
-                <a:solidFill>
-                  <a:srgbClr val="000000"/>
-                </a:solidFill>
-              </a:rPr>
-              <a:t> </a:t>
-            </a:r>
-            <a:r>
-              <a:rPr lang="en-US" altLang="zh-CN" b="1" dirty="0" smtClean="0">
-                <a:solidFill>
-                  <a:srgbClr val="000000"/>
-                </a:solidFill>
-              </a:rPr>
-              <a:t>to</a:t>
-            </a:r>
-            <a:r>
-              <a:rPr lang="zh-CN" altLang="en-US" b="1" dirty="0" smtClean="0">
-                <a:solidFill>
-                  <a:srgbClr val="000000"/>
-                </a:solidFill>
-              </a:rPr>
-              <a:t> </a:t>
-            </a:r>
-            <a:r>
-              <a:rPr lang="en-US" altLang="zh-CN" b="1" dirty="0" smtClean="0">
-                <a:solidFill>
-                  <a:srgbClr val="000000"/>
-                </a:solidFill>
-              </a:rPr>
-              <a:t>do</a:t>
-            </a:r>
-            <a:endParaRPr lang="en-US" b="1" dirty="0">
-              <a:solidFill>
-                <a:srgbClr val="000000"/>
-              </a:solidFill>
-            </a:endParaRPr>
-          </a:p>
-        </p:txBody>
-      </p:sp>
-      <p:pic>
-        <p:nvPicPr>
-          <p:cNvPr id="5" name="Picture 4">
-            <a:extLst>
-              <a:ext uri="{FF2B5EF4-FFF2-40B4-BE49-F238E27FC236}">
-                <a16:creationId xmlns:a16="http://schemas.microsoft.com/office/drawing/2014/main" xmlns="" id="{98A8DEF3-D8C0-42DB-BFBB-FEAA4F0E439C}"/>
-              </a:ext>
-            </a:extLst>
-          </p:cNvPr>
-          <p:cNvPicPr>
-            <a:picLocks noChangeAspect="1"/>
-          </p:cNvPicPr>
-          <p:nvPr/>
-        </p:nvPicPr>
-        <p:blipFill>
-          <a:blip r:embed="rId3"/>
-          <a:stretch>
-            <a:fillRect/>
-          </a:stretch>
-        </p:blipFill>
-        <p:spPr>
-          <a:xfrm>
-            <a:off x="3103234" y="4619597"/>
-            <a:ext cx="5985532" cy="1578004"/>
-          </a:xfrm>
-          <a:prstGeom prst="rect">
-            <a:avLst/>
-          </a:prstGeom>
-        </p:spPr>
-      </p:pic>
-      <p:sp>
-        <p:nvSpPr>
-          <p:cNvPr id="7" name="TextBox 6">
-            <a:extLst>
-              <a:ext uri="{FF2B5EF4-FFF2-40B4-BE49-F238E27FC236}">
-                <a16:creationId xmlns:a16="http://schemas.microsoft.com/office/drawing/2014/main" xmlns="" id="{4F6E8CF4-A43A-482C-8875-5CDF85E2C615}"/>
-              </a:ext>
-            </a:extLst>
-          </p:cNvPr>
-          <p:cNvSpPr txBox="1"/>
-          <p:nvPr/>
-        </p:nvSpPr>
-        <p:spPr>
-          <a:xfrm>
-            <a:off x="847288" y="2483141"/>
-            <a:ext cx="7503952" cy="1569660"/>
-          </a:xfrm>
-          <a:prstGeom prst="rect">
-            <a:avLst/>
-          </a:prstGeom>
-          <a:noFill/>
-        </p:spPr>
-        <p:txBody>
-          <a:bodyPr wrap="square" rtlCol="0">
-            <a:spAutoFit/>
-          </a:bodyPr>
-          <a:lstStyle/>
-          <a:p>
-            <a:pPr marL="285750" indent="-285750">
-              <a:buFont typeface="Arial" panose="020B0604020202020204" pitchFamily="34" charset="0"/>
-              <a:buChar char="•"/>
-            </a:pPr>
-            <a:r>
-              <a:rPr lang="en-US" sz="2400" b="1" dirty="0" err="1"/>
-              <a:t>ChatApp</a:t>
-            </a:r>
-            <a:r>
-              <a:rPr lang="en-US" sz="2400" dirty="0"/>
-              <a:t> is singleton</a:t>
-            </a:r>
-          </a:p>
-          <a:p>
-            <a:pPr marL="285750" indent="-285750">
-              <a:buFont typeface="Arial" panose="020B0604020202020204" pitchFamily="34" charset="0"/>
-              <a:buChar char="•"/>
-            </a:pPr>
-            <a:r>
-              <a:rPr lang="en-US" sz="2400" dirty="0"/>
-              <a:t>Event Object is created by the </a:t>
-            </a:r>
-            <a:r>
-              <a:rPr lang="en-US" sz="2400" b="1" dirty="0" err="1"/>
-              <a:t>EventFactory</a:t>
-            </a:r>
-            <a:endParaRPr lang="en-US" sz="2400" b="1" dirty="0"/>
-          </a:p>
-          <a:p>
-            <a:pPr marL="285750" indent="-285750">
-              <a:buFont typeface="Arial" panose="020B0604020202020204" pitchFamily="34" charset="0"/>
-              <a:buChar char="•"/>
-            </a:pPr>
-            <a:r>
-              <a:rPr lang="en-US" sz="2400" dirty="0"/>
-              <a:t>The </a:t>
-            </a:r>
-            <a:r>
-              <a:rPr lang="en-US" sz="2400" b="1" dirty="0" err="1"/>
-              <a:t>chatApp</a:t>
-            </a:r>
-            <a:r>
-              <a:rPr lang="en-US" sz="2400" dirty="0"/>
-              <a:t> object runs the event</a:t>
-            </a:r>
-          </a:p>
-          <a:p>
-            <a:pPr marL="285750" indent="-285750">
-              <a:buFont typeface="Arial" panose="020B0604020202020204" pitchFamily="34" charset="0"/>
-              <a:buChar char="•"/>
-            </a:pPr>
-            <a:endParaRPr lang="en-US" sz="2400" dirty="0"/>
-          </a:p>
-        </p:txBody>
-      </p:sp>
-    </p:spTree>
-    <p:extLst>
-      <p:ext uri="{BB962C8B-B14F-4D97-AF65-F5344CB8AC3E}">
-        <p14:creationId xmlns:p14="http://schemas.microsoft.com/office/powerpoint/2010/main" val="2368497192"/>
-      </p:ext>
-    </p:extLst>
-  </p:cSld>
-  <p:clrMapOvr>
-    <a:masterClrMapping/>
-  </p:clrMapOvr>
-</p:sld>
-</file>
-
-<file path=ppt/slides/slide14.xml><?xml version="1.0" encoding="utf-8"?>
+<file path=ppt/slides/slide12.xml><?xml version="1.0" encoding="utf-8"?>
 <p:sld xmlns:a="http://schemas.openxmlformats.org/drawingml/2006/main" xmlns:r="http://schemas.openxmlformats.org/officeDocument/2006/relationships" xmlns:p="http://schemas.openxmlformats.org/presentationml/2006/main">
   <p:cSld>
     <p:spTree>
@@ -16871,15 +16141,7 @@
                   <a:srgbClr val="000000"/>
                 </a:solidFill>
               </a:rPr>
-              <a:t>Model</a:t>
-            </a:r>
-            <a:r>
-              <a:rPr lang="en-US" b="1" dirty="0" smtClean="0">
-                <a:solidFill>
-                  <a:srgbClr val="000000"/>
-                </a:solidFill>
-              </a:rPr>
-              <a:t> -</a:t>
+              <a:t>Model -</a:t>
             </a:r>
             <a:r>
               <a:rPr lang="zh-CN" altLang="en-US" b="1" dirty="0" smtClean="0">
@@ -16934,7 +16196,7 @@
 </p:sld>
 </file>
 
-<file path=ppt/slides/slide15.xml><?xml version="1.0" encoding="utf-8"?>
+<file path=ppt/slides/slide13.xml><?xml version="1.0" encoding="utf-8"?>
 <p:sld xmlns:a="http://schemas.openxmlformats.org/drawingml/2006/main" xmlns:r="http://schemas.openxmlformats.org/officeDocument/2006/relationships" xmlns:p="http://schemas.openxmlformats.org/presentationml/2006/main">
   <p:cSld>
     <p:spTree>
@@ -17073,7 +16335,7 @@
 </p:sld>
 </file>
 
-<file path=ppt/slides/slide16.xml><?xml version="1.0" encoding="utf-8"?>
+<file path=ppt/slides/slide14.xml><?xml version="1.0" encoding="utf-8"?>
 <p:sld xmlns:a="http://schemas.openxmlformats.org/drawingml/2006/main" xmlns:r="http://schemas.openxmlformats.org/officeDocument/2006/relationships" xmlns:p="http://schemas.openxmlformats.org/presentationml/2006/main">
   <p:cSld>
     <p:spTree>
@@ -17212,7 +16474,7 @@
 </p:sld>
 </file>
 
-<file path=ppt/slides/slide17.xml><?xml version="1.0" encoding="utf-8"?>
+<file path=ppt/slides/slide15.xml><?xml version="1.0" encoding="utf-8"?>
 <p:sld xmlns:a="http://schemas.openxmlformats.org/drawingml/2006/main" xmlns:r="http://schemas.openxmlformats.org/officeDocument/2006/relationships" xmlns:p="http://schemas.openxmlformats.org/presentationml/2006/main">
   <p:cSld>
     <p:spTree>
@@ -17292,7 +16554,7 @@
 </p:sld>
 </file>
 
-<file path=ppt/slides/slide18.xml><?xml version="1.0" encoding="utf-8"?>
+<file path=ppt/slides/slide16.xml><?xml version="1.0" encoding="utf-8"?>
 <p:sld xmlns:a="http://schemas.openxmlformats.org/drawingml/2006/main" xmlns:r="http://schemas.openxmlformats.org/officeDocument/2006/relationships" xmlns:p="http://schemas.openxmlformats.org/presentationml/2006/main">
   <p:cSld>
     <p:bg>
@@ -18209,15 +17471,7 @@
                   <a:srgbClr val="000000"/>
                 </a:solidFill>
               </a:rPr>
-              <a:t>Framework</a:t>
-            </a:r>
-            <a:r>
-              <a:rPr lang="en-US" b="1" dirty="0" smtClean="0">
-                <a:solidFill>
-                  <a:srgbClr val="000000"/>
-                </a:solidFill>
-              </a:rPr>
-              <a:t> </a:t>
+              <a:t>Framework </a:t>
             </a:r>
             <a:endParaRPr lang="en-US" b="1" dirty="0">
               <a:solidFill>
@@ -19934,6 +19188,71 @@
           </a:p>
         </p:txBody>
       </p:sp>
+      <p:sp>
+        <p:nvSpPr>
+          <p:cNvPr id="20" name="Content Placeholder 1">
+            <a:extLst>
+              <a:ext uri="{FF2B5EF4-FFF2-40B4-BE49-F238E27FC236}">
+                <a16:creationId xmlns:a16="http://schemas.microsoft.com/office/drawing/2014/main" xmlns="" id="{80C5A564-6E44-498B-8A8B-BFE165B9B208}"/>
+              </a:ext>
+            </a:extLst>
+          </p:cNvPr>
+          <p:cNvSpPr>
+            <a:spLocks noGrp="1"/>
+          </p:cNvSpPr>
+          <p:nvPr>
+            <p:ph idx="1"/>
+          </p:nvPr>
+        </p:nvSpPr>
+        <p:spPr>
+          <a:xfrm>
+            <a:off x="1790762" y="5731997"/>
+            <a:ext cx="9877777" cy="3450696"/>
+          </a:xfrm>
+        </p:spPr>
+        <p:txBody>
+          <a:bodyPr/>
+          <a:lstStyle/>
+          <a:p>
+            <a:pPr marL="0" indent="0">
+              <a:buNone/>
+            </a:pPr>
+            <a:r>
+              <a:rPr lang="en-US" dirty="0" smtClean="0"/>
+              <a:t>All </a:t>
+            </a:r>
+            <a:r>
+              <a:rPr lang="en-US" dirty="0" smtClean="0"/>
+              <a:t>communication between client side </a:t>
+            </a:r>
+            <a:r>
+              <a:rPr lang="en-US" dirty="0"/>
+              <a:t>and </a:t>
+            </a:r>
+            <a:r>
+              <a:rPr lang="en-US" dirty="0" smtClean="0"/>
+              <a:t>server side </a:t>
+            </a:r>
+            <a:r>
+              <a:rPr lang="en-US" dirty="0"/>
+              <a:t>are transferred through web </a:t>
+            </a:r>
+            <a:r>
+              <a:rPr lang="en-US" dirty="0" smtClean="0"/>
+              <a:t>socket</a:t>
+            </a:r>
+            <a:r>
+              <a:rPr lang="en-US" altLang="zh-CN" dirty="0" smtClean="0"/>
+              <a:t>.</a:t>
+            </a:r>
+            <a:r>
+              <a:rPr lang="zh-CN" altLang="en-US" dirty="0" smtClean="0"/>
+              <a:t> </a:t>
+            </a:r>
+            <a:endParaRPr lang="en-US" dirty="0"/>
+          </a:p>
+        </p:txBody>
+      </p:sp>
     </p:spTree>
     <p:extLst>
       <p:ext uri="{BB962C8B-B14F-4D97-AF65-F5344CB8AC3E}">
@@ -19948,191 +19267,6 @@
 </file>
 
 <file path=ppt/slides/slide4.xml><?xml version="1.0" encoding="utf-8"?>
-<p:sld xmlns:a="http://schemas.openxmlformats.org/drawingml/2006/main" xmlns:r="http://schemas.openxmlformats.org/officeDocument/2006/relationships" xmlns:p="http://schemas.openxmlformats.org/presentationml/2006/main">
-  <p:cSld>
-    <p:spTree>
-      <p:nvGrpSpPr>
-        <p:cNvPr id="1" name=""/>
-        <p:cNvGrpSpPr/>
-        <p:nvPr/>
-      </p:nvGrpSpPr>
-      <p:grpSpPr>
-        <a:xfrm>
-          <a:off x="0" y="0"/>
-          <a:ext cx="0" cy="0"/>
-          <a:chOff x="0" y="0"/>
-          <a:chExt cx="0" cy="0"/>
-        </a:xfrm>
-      </p:grpSpPr>
-      <p:sp>
-        <p:nvSpPr>
-          <p:cNvPr id="2" name="Content Placeholder 1">
-            <a:extLst>
-              <a:ext uri="{FF2B5EF4-FFF2-40B4-BE49-F238E27FC236}">
-                <a16:creationId xmlns:a16="http://schemas.microsoft.com/office/drawing/2014/main" xmlns="" id="{80C5A564-6E44-498B-8A8B-BFE165B9B208}"/>
-              </a:ext>
-            </a:extLst>
-          </p:cNvPr>
-          <p:cNvSpPr>
-            <a:spLocks noGrp="1"/>
-          </p:cNvSpPr>
-          <p:nvPr>
-            <p:ph idx="1"/>
-          </p:nvPr>
-        </p:nvSpPr>
-        <p:spPr/>
-        <p:txBody>
-          <a:bodyPr/>
-          <a:lstStyle/>
-          <a:p>
-            <a:r>
-              <a:rPr lang="en-US" dirty="0"/>
-              <a:t>No any endpoint in controller except for the index page (as client app)</a:t>
-            </a:r>
-          </a:p>
-          <a:p>
-            <a:r>
-              <a:rPr lang="en-US" dirty="0"/>
-              <a:t>Login, Create Room, Update Profile would be a pop-up window in client app</a:t>
-            </a:r>
-          </a:p>
-          <a:p>
-            <a:r>
-              <a:rPr lang="en-US" dirty="0"/>
-              <a:t>All communication, like client’s events and server’s responses are transferred through web socket, point to point.</a:t>
-            </a:r>
-          </a:p>
-          <a:p>
-            <a:r>
-              <a:rPr lang="en-US" dirty="0"/>
-              <a:t>No persistent storage, one webpage one application.</a:t>
-            </a:r>
-          </a:p>
-        </p:txBody>
-      </p:sp>
-      <p:sp>
-        <p:nvSpPr>
-          <p:cNvPr id="3" name="Title 2">
-            <a:extLst>
-              <a:ext uri="{FF2B5EF4-FFF2-40B4-BE49-F238E27FC236}">
-                <a16:creationId xmlns:a16="http://schemas.microsoft.com/office/drawing/2014/main" xmlns="" id="{C67BB33D-C61A-42F3-B6D7-D4F58E1EFE6E}"/>
-              </a:ext>
-            </a:extLst>
-          </p:cNvPr>
-          <p:cNvSpPr>
-            <a:spLocks noGrp="1"/>
-          </p:cNvSpPr>
-          <p:nvPr>
-            <p:ph type="title"/>
-          </p:nvPr>
-        </p:nvSpPr>
-        <p:spPr/>
-        <p:txBody>
-          <a:bodyPr/>
-          <a:lstStyle/>
-          <a:p>
-            <a:r>
-              <a:rPr lang="en-US" b="1" dirty="0">
-                <a:solidFill>
-                  <a:srgbClr val="000000"/>
-                </a:solidFill>
-              </a:rPr>
-              <a:t>Design </a:t>
-            </a:r>
-            <a:r>
-              <a:rPr lang="en-US" b="1" dirty="0" smtClean="0">
-                <a:solidFill>
-                  <a:srgbClr val="000000"/>
-                </a:solidFill>
-              </a:rPr>
-              <a:t>Decisions</a:t>
-            </a:r>
-            <a:r>
-              <a:rPr lang="zh-CN" altLang="en-US" b="1" dirty="0" smtClean="0">
-                <a:solidFill>
-                  <a:srgbClr val="000000"/>
-                </a:solidFill>
-              </a:rPr>
-              <a:t> </a:t>
-            </a:r>
-            <a:r>
-              <a:rPr lang="en-US" altLang="zh-CN" b="1" dirty="0" smtClean="0">
-                <a:solidFill>
-                  <a:srgbClr val="000000"/>
-                </a:solidFill>
-              </a:rPr>
-              <a:t>can</a:t>
-            </a:r>
-            <a:r>
-              <a:rPr lang="zh-CN" altLang="en-US" b="1" dirty="0" smtClean="0">
-                <a:solidFill>
-                  <a:srgbClr val="000000"/>
-                </a:solidFill>
-              </a:rPr>
-              <a:t> </a:t>
-            </a:r>
-            <a:r>
-              <a:rPr lang="en-US" altLang="zh-CN" b="1" dirty="0" smtClean="0">
-                <a:solidFill>
-                  <a:srgbClr val="000000"/>
-                </a:solidFill>
-              </a:rPr>
-              <a:t>remove</a:t>
-            </a:r>
-            <a:r>
-              <a:rPr lang="zh-CN" altLang="en-US" b="1" dirty="0" smtClean="0">
-                <a:solidFill>
-                  <a:srgbClr val="000000"/>
-                </a:solidFill>
-              </a:rPr>
-              <a:t> </a:t>
-            </a:r>
-            <a:r>
-              <a:rPr lang="en-US" altLang="zh-CN" b="1" dirty="0" smtClean="0">
-                <a:solidFill>
-                  <a:srgbClr val="000000"/>
-                </a:solidFill>
-              </a:rPr>
-              <a:t>this</a:t>
-            </a:r>
-            <a:r>
-              <a:rPr lang="zh-CN" altLang="en-US" b="1" dirty="0" smtClean="0">
-                <a:solidFill>
-                  <a:srgbClr val="000000"/>
-                </a:solidFill>
-              </a:rPr>
-              <a:t> </a:t>
-            </a:r>
-            <a:r>
-              <a:rPr lang="en-US" altLang="zh-CN" b="1" dirty="0" smtClean="0">
-                <a:solidFill>
-                  <a:srgbClr val="000000"/>
-                </a:solidFill>
-              </a:rPr>
-              <a:t>page???</a:t>
-            </a:r>
-            <a:endParaRPr lang="en-US" b="1" dirty="0">
-              <a:solidFill>
-                <a:srgbClr val="000000"/>
-              </a:solidFill>
-            </a:endParaRPr>
-          </a:p>
-        </p:txBody>
-      </p:sp>
-    </p:spTree>
-    <p:extLst>
-      <p:ext uri="{BB962C8B-B14F-4D97-AF65-F5344CB8AC3E}">
-        <p14:creationId xmlns:p14="http://schemas.microsoft.com/office/powerpoint/2010/main" val="3798998627"/>
-      </p:ext>
-    </p:extLst>
-  </p:cSld>
-  <p:clrMapOvr>
-    <a:masterClrMapping/>
-  </p:clrMapOvr>
-</p:sld>
-</file>
-
-<file path=ppt/slides/slide5.xml><?xml version="1.0" encoding="utf-8"?>
 <p:sld xmlns:a="http://schemas.openxmlformats.org/drawingml/2006/main" xmlns:r="http://schemas.openxmlformats.org/officeDocument/2006/relationships" xmlns:p="http://schemas.openxmlformats.org/presentationml/2006/main">
   <p:cSld>
     <p:spTree>
@@ -20223,7 +19357,7 @@
 </p:sld>
 </file>
 
-<file path=ppt/slides/slide6.xml><?xml version="1.0" encoding="utf-8"?>
+<file path=ppt/slides/slide5.xml><?xml version="1.0" encoding="utf-8"?>
 <p:sld xmlns:a="http://schemas.openxmlformats.org/drawingml/2006/main" xmlns:r="http://schemas.openxmlformats.org/officeDocument/2006/relationships" xmlns:p="http://schemas.openxmlformats.org/presentationml/2006/main">
   <p:cSld>
     <p:spTree>
@@ -20282,15 +19416,7 @@
                   <a:schemeClr val="tx1"/>
                 </a:solidFill>
               </a:rPr>
-              <a:t>- </a:t>
-            </a:r>
-            <a:r>
-              <a:rPr lang="en-US" b="1" dirty="0" smtClean="0">
-                <a:solidFill>
-                  <a:schemeClr val="tx1"/>
-                </a:solidFill>
-              </a:rPr>
-              <a:t>Login</a:t>
+              <a:t>- Login</a:t>
             </a:r>
             <a:endParaRPr lang="en-US" b="1" dirty="0">
               <a:solidFill>
@@ -20387,7 +19513,7 @@
 </p:sld>
 </file>
 
-<file path=ppt/slides/slide7.xml><?xml version="1.0" encoding="utf-8"?>
+<file path=ppt/slides/slide6.xml><?xml version="1.0" encoding="utf-8"?>
 <p:sld xmlns:a="http://schemas.openxmlformats.org/drawingml/2006/main" xmlns:r="http://schemas.openxmlformats.org/officeDocument/2006/relationships" xmlns:p="http://schemas.openxmlformats.org/presentationml/2006/main">
   <p:cSld>
     <p:spTree>
@@ -20461,7 +19587,7 @@
         <p:spPr>
           <a:xfrm>
             <a:off x="5585444" y="1958267"/>
-            <a:ext cx="6606556" cy="2308324"/>
+            <a:ext cx="6606556" cy="2677656"/>
           </a:xfrm>
           <a:prstGeom prst="rect">
             <a:avLst/>
@@ -20492,11 +19618,27 @@
             </a:r>
             <a:r>
               <a:rPr lang="en-US" sz="2400" dirty="0" smtClean="0"/>
-              <a:t> rooms </a:t>
+              <a:t> </a:t>
+            </a:r>
+            <a:r>
+              <a:rPr lang="en-US" sz="2400" dirty="0" smtClean="0"/>
+              <a:t>rooms</a:t>
+            </a:r>
+            <a:r>
+              <a:rPr lang="zh-CN" altLang="en-US" sz="2400" dirty="0" smtClean="0"/>
+              <a:t> </a:t>
+            </a:r>
+            <a:r>
+              <a:rPr lang="en-US" altLang="zh-CN" sz="2400" dirty="0" smtClean="0"/>
+              <a:t>are</a:t>
+            </a:r>
+            <a:r>
+              <a:rPr lang="en-US" sz="2400" dirty="0" smtClean="0"/>
+              <a:t> </a:t>
             </a:r>
             <a:r>
               <a:rPr lang="en-US" sz="2400" dirty="0"/>
-              <a:t>would be displayed in the room list</a:t>
+              <a:t>displayed in the room list</a:t>
             </a:r>
           </a:p>
           <a:p>
@@ -20506,8 +19648,103 @@
             </a:pPr>
             <a:r>
               <a:rPr lang="en-US" sz="2400" dirty="0"/>
-              <a:t>Buttons shows the status/valid operation of a room</a:t>
-            </a:r>
+              <a:t>Buttons </a:t>
+            </a:r>
+            <a:r>
+              <a:rPr lang="en-US" sz="2400" dirty="0" smtClean="0"/>
+              <a:t>show </a:t>
+            </a:r>
+            <a:r>
+              <a:rPr lang="en-US" sz="2400" dirty="0"/>
+              <a:t>the status/valid operation of a </a:t>
+            </a:r>
+            <a:r>
+              <a:rPr lang="en-US" sz="2400" dirty="0" smtClean="0"/>
+              <a:t>room</a:t>
+            </a:r>
+            <a:r>
+              <a:rPr lang="zh-CN" altLang="en-US" sz="2400" dirty="0" smtClean="0"/>
+              <a:t> </a:t>
+            </a:r>
+            <a:r>
+              <a:rPr lang="en-US" altLang="zh-CN" sz="2400" dirty="0" smtClean="0"/>
+              <a:t>for</a:t>
+            </a:r>
+            <a:r>
+              <a:rPr lang="zh-CN" altLang="en-US" sz="2400" dirty="0" smtClean="0"/>
+              <a:t> </a:t>
+            </a:r>
+            <a:r>
+              <a:rPr lang="en-US" altLang="zh-CN" sz="2400" dirty="0" smtClean="0"/>
+              <a:t>current</a:t>
+            </a:r>
+            <a:r>
+              <a:rPr lang="zh-CN" altLang="en-US" sz="2400" dirty="0" smtClean="0"/>
+              <a:t> </a:t>
+            </a:r>
+            <a:r>
+              <a:rPr lang="en-US" altLang="zh-CN" sz="2400" dirty="0" smtClean="0"/>
+              <a:t>user</a:t>
+            </a:r>
+          </a:p>
+          <a:p>
+            <a:pPr marL="285750" indent="-285750">
+              <a:buFont typeface="Arial" panose="020B0604020202020204" pitchFamily="34" charset="0"/>
+              <a:buChar char="•"/>
+            </a:pPr>
+            <a:r>
+              <a:rPr lang="en-US" sz="2400" dirty="0" smtClean="0"/>
+              <a:t>Button</a:t>
+            </a:r>
+            <a:r>
+              <a:rPr lang="zh-CN" altLang="en-US" sz="2400" dirty="0" smtClean="0"/>
+              <a:t> </a:t>
+            </a:r>
+            <a:r>
+              <a:rPr lang="en-US" altLang="zh-CN" sz="2400" dirty="0" smtClean="0"/>
+              <a:t>to</a:t>
+            </a:r>
+            <a:r>
+              <a:rPr lang="zh-CN" altLang="en-US" sz="2400" dirty="0" smtClean="0"/>
+              <a:t> </a:t>
+            </a:r>
+            <a:r>
+              <a:rPr lang="en-US" altLang="zh-CN" sz="2400" dirty="0" smtClean="0"/>
+              <a:t>create</a:t>
+            </a:r>
+            <a:r>
+              <a:rPr lang="zh-CN" altLang="en-US" sz="2400" dirty="0" smtClean="0"/>
+              <a:t> </a:t>
+            </a:r>
+            <a:r>
+              <a:rPr lang="en-US" altLang="zh-CN" sz="2400" dirty="0" smtClean="0"/>
+              <a:t>a</a:t>
+            </a:r>
+            <a:r>
+              <a:rPr lang="zh-CN" altLang="en-US" sz="2400" dirty="0" smtClean="0"/>
+              <a:t> </a:t>
+            </a:r>
+            <a:r>
+              <a:rPr lang="en-US" altLang="zh-CN" sz="2400" dirty="0" smtClean="0"/>
+              <a:t>new</a:t>
+            </a:r>
+            <a:r>
+              <a:rPr lang="zh-CN" altLang="en-US" sz="2400" dirty="0" smtClean="0"/>
+              <a:t> </a:t>
+            </a:r>
+            <a:r>
+              <a:rPr lang="en-US" altLang="zh-CN" sz="2400" dirty="0" smtClean="0"/>
+              <a:t>chat</a:t>
+            </a:r>
+            <a:r>
+              <a:rPr lang="zh-CN" altLang="en-US" sz="2400" dirty="0" smtClean="0"/>
+              <a:t> </a:t>
+            </a:r>
+            <a:r>
+              <a:rPr lang="en-US" altLang="zh-CN" sz="2400" dirty="0" smtClean="0"/>
+              <a:t>room</a:t>
+            </a:r>
+            <a:endParaRPr lang="en-US" sz="2400" dirty="0"/>
           </a:p>
           <a:p>
             <a:pPr marL="285750" indent="-285750">
@@ -20566,7 +19803,7 @@
 </p:sld>
 </file>
 
-<file path=ppt/slides/slide8.xml><?xml version="1.0" encoding="utf-8"?>
+<file path=ppt/slides/slide7.xml><?xml version="1.0" encoding="utf-8"?>
 <p:sld xmlns:a="http://schemas.openxmlformats.org/drawingml/2006/main" xmlns:r="http://schemas.openxmlformats.org/officeDocument/2006/relationships" xmlns:p="http://schemas.openxmlformats.org/presentationml/2006/main">
   <p:cSld>
     <p:spTree>
@@ -20676,7 +19913,7 @@
         </p:blipFill>
         <p:spPr>
           <a:xfrm>
-            <a:off x="358824" y="1587333"/>
+            <a:off x="2521949" y="1517549"/>
             <a:ext cx="7526396" cy="5166047"/>
           </a:xfrm>
           <a:prstGeom prst="rect">
@@ -20684,63 +19921,6 @@
           </a:prstGeom>
         </p:spPr>
       </p:pic>
-      <p:sp>
-        <p:nvSpPr>
-          <p:cNvPr id="5" name="Rectangle 4"/>
-          <p:cNvSpPr/>
-          <p:nvPr/>
-        </p:nvSpPr>
-        <p:spPr>
-          <a:xfrm>
-            <a:off x="7998407" y="2505567"/>
-            <a:ext cx="4052874" cy="1938992"/>
-          </a:xfrm>
-          <a:prstGeom prst="rect">
-            <a:avLst/>
-          </a:prstGeom>
-        </p:spPr>
-        <p:txBody>
-          <a:bodyPr wrap="square">
-            <a:spAutoFit/>
-          </a:bodyPr>
-          <a:lstStyle/>
-          <a:p>
-            <a:pPr marL="285750" indent="-285750">
-              <a:buFont typeface="Arial" panose="020B0604020202020204" pitchFamily="34" charset="0"/>
-              <a:buChar char="•"/>
-            </a:pPr>
-            <a:r>
-              <a:rPr lang="en-US" sz="2400" dirty="0"/>
-              <a:t>When </a:t>
-            </a:r>
-            <a:r>
-              <a:rPr lang="en-US" sz="2400" b="1" dirty="0"/>
-              <a:t>create a room</a:t>
-            </a:r>
-            <a:r>
-              <a:rPr lang="en-US" sz="2400" dirty="0"/>
-              <a:t>, a form would pop up allow you to send the </a:t>
-            </a:r>
-            <a:r>
-              <a:rPr lang="en-US" sz="2400" b="1" dirty="0"/>
-              <a:t>create room event </a:t>
-            </a:r>
-            <a:r>
-              <a:rPr lang="en-US" sz="2400" dirty="0"/>
-              <a:t>to the server with the </a:t>
-            </a:r>
-            <a:r>
-              <a:rPr lang="en-US" sz="2400" dirty="0" err="1"/>
-              <a:t>webSocket</a:t>
-            </a:r>
-            <a:r>
-              <a:rPr lang="en-US" sz="2400" dirty="0"/>
-              <a:t>.</a:t>
-            </a:r>
-            <a:endParaRPr lang="en-US" sz="2400" b="1" dirty="0"/>
-          </a:p>
-        </p:txBody>
-      </p:sp>
     </p:spTree>
     <p:extLst>
       <p:ext uri="{BB962C8B-B14F-4D97-AF65-F5344CB8AC3E}">
@@ -20754,7 +19934,7 @@
 </p:sld>
 </file>
 
-<file path=ppt/slides/slide9.xml><?xml version="1.0" encoding="utf-8"?>
+<file path=ppt/slides/slide8.xml><?xml version="1.0" encoding="utf-8"?>
 <p:sld xmlns:a="http://schemas.openxmlformats.org/drawingml/2006/main" xmlns:r="http://schemas.openxmlformats.org/officeDocument/2006/relationships" xmlns:p="http://schemas.openxmlformats.org/presentationml/2006/main">
   <p:cSld>
     <p:spTree>
@@ -20870,6 +20050,113 @@
           <a:xfrm>
             <a:off x="6661533" y="2279987"/>
             <a:ext cx="4041149" cy="3244092"/>
+          </a:xfrm>
+          <a:prstGeom prst="rect">
+            <a:avLst/>
+          </a:prstGeom>
+        </p:spPr>
+      </p:pic>
+    </p:spTree>
+    <p:extLst>
+      <p:ext uri="{BB962C8B-B14F-4D97-AF65-F5344CB8AC3E}">
+        <p14:creationId xmlns:p14="http://schemas.microsoft.com/office/powerpoint/2010/main" val="1540565221"/>
+      </p:ext>
+    </p:extLst>
+  </p:cSld>
+  <p:clrMapOvr>
+    <a:masterClrMapping/>
+  </p:clrMapOvr>
+</p:sld>
+</file>
+
+<file path=ppt/slides/slide9.xml><?xml version="1.0" encoding="utf-8"?>
+<p:sld xmlns:a="http://schemas.openxmlformats.org/drawingml/2006/main" xmlns:r="http://schemas.openxmlformats.org/officeDocument/2006/relationships" xmlns:p="http://schemas.openxmlformats.org/presentationml/2006/main">
+  <p:cSld>
+    <p:spTree>
+      <p:nvGrpSpPr>
+        <p:cNvPr id="1" name=""/>
+        <p:cNvGrpSpPr/>
+        <p:nvPr/>
+      </p:nvGrpSpPr>
+      <p:grpSpPr>
+        <a:xfrm>
+          <a:off x="0" y="0"/>
+          <a:ext cx="0" cy="0"/>
+          <a:chOff x="0" y="0"/>
+          <a:chExt cx="0" cy="0"/>
+        </a:xfrm>
+      </p:grpSpPr>
+      <p:sp>
+        <p:nvSpPr>
+          <p:cNvPr id="3" name="Title 2"/>
+          <p:cNvSpPr>
+            <a:spLocks noGrp="1"/>
+          </p:cNvSpPr>
+          <p:nvPr>
+            <p:ph type="title"/>
+          </p:nvPr>
+        </p:nvSpPr>
+        <p:spPr>
+          <a:xfrm>
+            <a:off x="609600" y="0"/>
+            <a:ext cx="10972800" cy="1252728"/>
+          </a:xfrm>
+        </p:spPr>
+        <p:txBody>
+          <a:bodyPr/>
+          <a:lstStyle/>
+          <a:p>
+            <a:r>
+              <a:rPr lang="en-US" b="1" dirty="0">
+                <a:solidFill>
+                  <a:schemeClr val="tx1"/>
+                </a:solidFill>
+              </a:rPr>
+              <a:t>View - </a:t>
+            </a:r>
+            <a:r>
+              <a:rPr lang="en-US" b="1" dirty="0" smtClean="0">
+                <a:solidFill>
+                  <a:srgbClr val="000000"/>
+                </a:solidFill>
+              </a:rPr>
+              <a:t>My </a:t>
+            </a:r>
+            <a:r>
+              <a:rPr lang="en-US" b="1" dirty="0">
+                <a:solidFill>
+                  <a:srgbClr val="000000"/>
+                </a:solidFill>
+              </a:rPr>
+              <a:t>Chats</a:t>
+            </a:r>
+          </a:p>
+        </p:txBody>
+      </p:sp>
+      <p:pic>
+        <p:nvPicPr>
+          <p:cNvPr id="2" name="Picture 1">
+            <a:extLst>
+              <a:ext uri="{FF2B5EF4-FFF2-40B4-BE49-F238E27FC236}">
+                <a16:creationId xmlns:a16="http://schemas.microsoft.com/office/drawing/2014/main" xmlns="" id="{43788874-90B7-4DC4-BBD4-43923F84366B}"/>
+              </a:ext>
+            </a:extLst>
+          </p:cNvPr>
+          <p:cNvPicPr>
+            <a:picLocks noChangeAspect="1"/>
+          </p:cNvPicPr>
+          <p:nvPr/>
+        </p:nvPicPr>
+        <p:blipFill>
+          <a:blip r:embed="rId2"/>
+          <a:stretch>
+            <a:fillRect/>
+          </a:stretch>
+        </p:blipFill>
+        <p:spPr>
+          <a:xfrm>
+            <a:off x="3499192" y="985706"/>
+            <a:ext cx="5326026" cy="5721291"/>
           </a:xfrm>
           <a:prstGeom prst="rect">
             <a:avLst/>

--- a/src/main/resources/HW10PPT.pptx
+++ b/src/main/resources/HW10PPT.pptx
@@ -5,25 +5,27 @@
     <p:sldMasterId id="2147483718" r:id="rId1"/>
   </p:sldMasterIdLst>
   <p:notesMasterIdLst>
-    <p:notesMasterId r:id="rId18"/>
+    <p:notesMasterId r:id="rId20"/>
   </p:notesMasterIdLst>
   <p:sldIdLst>
     <p:sldId id="256" r:id="rId2"/>
     <p:sldId id="273" r:id="rId3"/>
     <p:sldId id="299" r:id="rId4"/>
-    <p:sldId id="290" r:id="rId5"/>
+    <p:sldId id="316" r:id="rId5"/>
     <p:sldId id="309" r:id="rId6"/>
-    <p:sldId id="291" r:id="rId7"/>
-    <p:sldId id="314" r:id="rId8"/>
-    <p:sldId id="292" r:id="rId9"/>
-    <p:sldId id="293" r:id="rId10"/>
-    <p:sldId id="315" r:id="rId11"/>
-    <p:sldId id="286" r:id="rId12"/>
-    <p:sldId id="311" r:id="rId13"/>
-    <p:sldId id="312" r:id="rId14"/>
-    <p:sldId id="313" r:id="rId15"/>
-    <p:sldId id="310" r:id="rId16"/>
-    <p:sldId id="280" r:id="rId17"/>
+    <p:sldId id="290" r:id="rId7"/>
+    <p:sldId id="291" r:id="rId8"/>
+    <p:sldId id="314" r:id="rId9"/>
+    <p:sldId id="292" r:id="rId10"/>
+    <p:sldId id="293" r:id="rId11"/>
+    <p:sldId id="315" r:id="rId12"/>
+    <p:sldId id="286" r:id="rId13"/>
+    <p:sldId id="311" r:id="rId14"/>
+    <p:sldId id="312" r:id="rId15"/>
+    <p:sldId id="313" r:id="rId16"/>
+    <p:sldId id="310" r:id="rId17"/>
+    <p:sldId id="317" r:id="rId18"/>
+    <p:sldId id="280" r:id="rId19"/>
   </p:sldIdLst>
   <p:sldSz cx="12192000" cy="6858000"/>
   <p:notesSz cx="6858000" cy="9144000"/>
@@ -130,8 +132,9 @@
             <p14:sldId id="256"/>
             <p14:sldId id="273"/>
             <p14:sldId id="299"/>
+            <p14:sldId id="316"/>
+            <p14:sldId id="309"/>
             <p14:sldId id="290"/>
-            <p14:sldId id="309"/>
             <p14:sldId id="291"/>
             <p14:sldId id="314"/>
             <p14:sldId id="292"/>
@@ -142,13 +145,14 @@
             <p14:sldId id="312"/>
             <p14:sldId id="313"/>
             <p14:sldId id="310"/>
+            <p14:sldId id="317"/>
             <p14:sldId id="280"/>
           </p14:sldIdLst>
         </p14:section>
       </p14:sectionLst>
     </p:ext>
     <p:ext uri="{EFAFB233-063F-42B5-8137-9DF3F51BA10A}">
-      <p15:sldGuideLst xmlns:p15="http://schemas.microsoft.com/office/powerpoint/2012/main" xmlns="">
+      <p15:sldGuideLst xmlns="" xmlns:p15="http://schemas.microsoft.com/office/powerpoint/2012/main">
         <p15:guide id="1" orient="horz" pos="2160">
           <p15:clr>
             <a:srgbClr val="A4A3A4"/>
@@ -579,7 +583,7 @@
           <a:p>
             <a:fld id="{E0C9FE79-DD5A-9445-AEE8-42DF44CA4EC3}" type="slidenum">
               <a:rPr lang="en-US" smtClean="0"/>
-              <a:t>11</a:t>
+              <a:t>12</a:t>
             </a:fld>
             <a:endParaRPr lang="en-US"/>
           </a:p>
@@ -15061,10 +15065,10 @@
           <p:cNvPr id="8" name="Rectangle 7">
             <a:extLst>
               <a:ext uri="{FF2B5EF4-FFF2-40B4-BE49-F238E27FC236}">
-                <a16:creationId xmlns:a16="http://schemas.microsoft.com/office/drawing/2014/main" xmlns="" id="{8C6E698C-8155-4B8B-BDC9-B7299772B509}"/>
+                <a16:creationId xmlns="" xmlns:a16="http://schemas.microsoft.com/office/drawing/2014/main" id="{8C6E698C-8155-4B8B-BDC9-B7299772B509}"/>
               </a:ext>
               <a:ext uri="{C183D7F6-B498-43B3-948B-1728B52AA6E4}">
-                <adec:decorative xmlns:adec="http://schemas.microsoft.com/office/drawing/2017/decorative" xmlns="" val="1"/>
+                <adec:decorative xmlns="" xmlns:adec="http://schemas.microsoft.com/office/drawing/2017/decorative" val="1"/>
               </a:ext>
             </a:extLst>
           </p:cNvPr>
@@ -15074,7 +15078,7 @@
           <p:nvPr>
             <p:extLst>
               <p:ext uri="{386F3935-93C4-4BCD-93E2-E3B085C9AB24}">
-                <p16:designElem xmlns:p16="http://schemas.microsoft.com/office/powerpoint/2015/main" xmlns="" val="1"/>
+                <p16:designElem xmlns="" xmlns:p16="http://schemas.microsoft.com/office/powerpoint/2015/main" val="1"/>
               </p:ext>
             </p:extLst>
           </p:nvPr>
@@ -15121,7 +15125,7 @@
           <p:cNvPr id="2" name="Title 1">
             <a:extLst>
               <a:ext uri="{FF2B5EF4-FFF2-40B4-BE49-F238E27FC236}">
-                <a16:creationId xmlns:a16="http://schemas.microsoft.com/office/drawing/2014/main" xmlns="" id="{851112BE-281F-4BF9-906C-997DF4C7A02F}"/>
+                <a16:creationId xmlns="" xmlns:a16="http://schemas.microsoft.com/office/drawing/2014/main" id="{851112BE-281F-4BF9-906C-997DF4C7A02F}"/>
               </a:ext>
             </a:extLst>
           </p:cNvPr>
@@ -15189,7 +15193,7 @@
           <p:cNvPr id="3" name="Subtitle 2">
             <a:extLst>
               <a:ext uri="{FF2B5EF4-FFF2-40B4-BE49-F238E27FC236}">
-                <a16:creationId xmlns:a16="http://schemas.microsoft.com/office/drawing/2014/main" xmlns="" id="{38114735-D296-4F43-949F-A7501E98755C}"/>
+                <a16:creationId xmlns="" xmlns:a16="http://schemas.microsoft.com/office/drawing/2014/main" id="{38114735-D296-4F43-949F-A7501E98755C}"/>
               </a:ext>
             </a:extLst>
           </p:cNvPr>
@@ -15244,10 +15248,10 @@
           <p:cNvPr id="10" name="Straight Connector 9">
             <a:extLst>
               <a:ext uri="{FF2B5EF4-FFF2-40B4-BE49-F238E27FC236}">
-                <a16:creationId xmlns:a16="http://schemas.microsoft.com/office/drawing/2014/main" xmlns="" id="{09525C9A-1972-4836-BA7A-706C946EF4DA}"/>
+                <a16:creationId xmlns="" xmlns:a16="http://schemas.microsoft.com/office/drawing/2014/main" id="{09525C9A-1972-4836-BA7A-706C946EF4DA}"/>
               </a:ext>
               <a:ext uri="{C183D7F6-B498-43B3-948B-1728B52AA6E4}">
-                <adec:decorative xmlns:adec="http://schemas.microsoft.com/office/drawing/2017/decorative" xmlns="" val="1"/>
+                <adec:decorative xmlns="" xmlns:adec="http://schemas.microsoft.com/office/drawing/2017/decorative" val="1"/>
               </a:ext>
             </a:extLst>
           </p:cNvPr>
@@ -15257,7 +15261,7 @@
           <p:nvPr>
             <p:extLst>
               <p:ext uri="{386F3935-93C4-4BCD-93E2-E3B085C9AB24}">
-                <p16:designElem xmlns:p16="http://schemas.microsoft.com/office/powerpoint/2015/main" xmlns="" val="1"/>
+                <p16:designElem xmlns="" xmlns:p16="http://schemas.microsoft.com/office/powerpoint/2015/main" val="1"/>
               </p:ext>
             </p:extLst>
           </p:nvPr>
@@ -15296,10 +15300,10 @@
           <p:cNvPr id="12" name="Rectangle 11">
             <a:extLst>
               <a:ext uri="{FF2B5EF4-FFF2-40B4-BE49-F238E27FC236}">
-                <a16:creationId xmlns:a16="http://schemas.microsoft.com/office/drawing/2014/main" xmlns="" id="{8A549DE7-671D-4575-AF43-858FD99981CF}"/>
+                <a16:creationId xmlns="" xmlns:a16="http://schemas.microsoft.com/office/drawing/2014/main" id="{8A549DE7-671D-4575-AF43-858FD99981CF}"/>
               </a:ext>
               <a:ext uri="{C183D7F6-B498-43B3-948B-1728B52AA6E4}">
-                <adec:decorative xmlns:adec="http://schemas.microsoft.com/office/drawing/2017/decorative" xmlns="" val="1"/>
+                <adec:decorative xmlns="" xmlns:adec="http://schemas.microsoft.com/office/drawing/2017/decorative" val="1"/>
               </a:ext>
             </a:extLst>
           </p:cNvPr>
@@ -15309,7 +15313,7 @@
           <p:nvPr>
             <p:extLst>
               <p:ext uri="{386F3935-93C4-4BCD-93E2-E3B085C9AB24}">
-                <p16:designElem xmlns:p16="http://schemas.microsoft.com/office/powerpoint/2015/main" xmlns="" val="1"/>
+                <p16:designElem xmlns="" xmlns:p16="http://schemas.microsoft.com/office/powerpoint/2015/main" val="1"/>
               </p:ext>
             </p:extLst>
           </p:nvPr>
@@ -15351,10 +15355,10 @@
           <p:cNvPr id="14" name="Rectangle 13">
             <a:extLst>
               <a:ext uri="{FF2B5EF4-FFF2-40B4-BE49-F238E27FC236}">
-                <a16:creationId xmlns:a16="http://schemas.microsoft.com/office/drawing/2014/main" xmlns="" id="{C22D9B36-9BE7-472B-8808-7E0D6810738F}"/>
+                <a16:creationId xmlns="" xmlns:a16="http://schemas.microsoft.com/office/drawing/2014/main" id="{C22D9B36-9BE7-472B-8808-7E0D6810738F}"/>
               </a:ext>
               <a:ext uri="{C183D7F6-B498-43B3-948B-1728B52AA6E4}">
-                <adec:decorative xmlns:adec="http://schemas.microsoft.com/office/drawing/2017/decorative" xmlns="" val="1"/>
+                <adec:decorative xmlns="" xmlns:adec="http://schemas.microsoft.com/office/drawing/2017/decorative" val="1"/>
               </a:ext>
             </a:extLst>
           </p:cNvPr>
@@ -15364,7 +15368,7 @@
           <p:nvPr>
             <p:extLst>
               <p:ext uri="{386F3935-93C4-4BCD-93E2-E3B085C9AB24}">
-                <p16:designElem xmlns:p16="http://schemas.microsoft.com/office/powerpoint/2015/main" xmlns="" val="1"/>
+                <p16:designElem xmlns="" xmlns:p16="http://schemas.microsoft.com/office/powerpoint/2015/main" val="1"/>
               </p:ext>
             </p:extLst>
           </p:nvPr>
@@ -15433,10 +15437,117 @@
       </p:grpSpPr>
       <p:sp>
         <p:nvSpPr>
+          <p:cNvPr id="3" name="Title 2"/>
+          <p:cNvSpPr>
+            <a:spLocks noGrp="1"/>
+          </p:cNvSpPr>
+          <p:nvPr>
+            <p:ph type="title"/>
+          </p:nvPr>
+        </p:nvSpPr>
+        <p:spPr>
+          <a:xfrm>
+            <a:off x="609600" y="0"/>
+            <a:ext cx="10972800" cy="1252728"/>
+          </a:xfrm>
+        </p:spPr>
+        <p:txBody>
+          <a:bodyPr/>
+          <a:lstStyle/>
+          <a:p>
+            <a:r>
+              <a:rPr lang="en-US" b="1" dirty="0">
+                <a:solidFill>
+                  <a:schemeClr val="tx1"/>
+                </a:solidFill>
+              </a:rPr>
+              <a:t>View - </a:t>
+            </a:r>
+            <a:r>
+              <a:rPr lang="en-US" b="1" dirty="0" smtClean="0">
+                <a:solidFill>
+                  <a:srgbClr val="000000"/>
+                </a:solidFill>
+              </a:rPr>
+              <a:t>My </a:t>
+            </a:r>
+            <a:r>
+              <a:rPr lang="en-US" b="1" dirty="0">
+                <a:solidFill>
+                  <a:srgbClr val="000000"/>
+                </a:solidFill>
+              </a:rPr>
+              <a:t>Chats</a:t>
+            </a:r>
+          </a:p>
+        </p:txBody>
+      </p:sp>
+      <p:pic>
+        <p:nvPicPr>
+          <p:cNvPr id="2" name="Picture 1">
+            <a:extLst>
+              <a:ext uri="{FF2B5EF4-FFF2-40B4-BE49-F238E27FC236}">
+                <a16:creationId xmlns="" xmlns:a16="http://schemas.microsoft.com/office/drawing/2014/main" id="{43788874-90B7-4DC4-BBD4-43923F84366B}"/>
+              </a:ext>
+            </a:extLst>
+          </p:cNvPr>
+          <p:cNvPicPr>
+            <a:picLocks noChangeAspect="1"/>
+          </p:cNvPicPr>
+          <p:nvPr/>
+        </p:nvPicPr>
+        <p:blipFill>
+          <a:blip r:embed="rId2"/>
+          <a:stretch>
+            <a:fillRect/>
+          </a:stretch>
+        </p:blipFill>
+        <p:spPr>
+          <a:xfrm>
+            <a:off x="3499192" y="985706"/>
+            <a:ext cx="5326026" cy="5721291"/>
+          </a:xfrm>
+          <a:prstGeom prst="rect">
+            <a:avLst/>
+          </a:prstGeom>
+        </p:spPr>
+      </p:pic>
+    </p:spTree>
+    <p:extLst>
+      <p:ext uri="{BB962C8B-B14F-4D97-AF65-F5344CB8AC3E}">
+        <p14:creationId xmlns:p14="http://schemas.microsoft.com/office/powerpoint/2010/main" val="1540565221"/>
+      </p:ext>
+    </p:extLst>
+  </p:cSld>
+  <p:clrMapOvr>
+    <a:masterClrMapping/>
+  </p:clrMapOvr>
+</p:sld>
+</file>
+
+<file path=ppt/slides/slide11.xml><?xml version="1.0" encoding="utf-8"?>
+<p:sld xmlns:a="http://schemas.openxmlformats.org/drawingml/2006/main" xmlns:r="http://schemas.openxmlformats.org/officeDocument/2006/relationships" xmlns:p="http://schemas.openxmlformats.org/presentationml/2006/main">
+  <p:cSld>
+    <p:spTree>
+      <p:nvGrpSpPr>
+        <p:cNvPr id="1" name=""/>
+        <p:cNvGrpSpPr/>
+        <p:nvPr/>
+      </p:nvGrpSpPr>
+      <p:grpSpPr>
+        <a:xfrm>
+          <a:off x="0" y="0"/>
+          <a:ext cx="0" cy="0"/>
+          <a:chOff x="0" y="0"/>
+          <a:chExt cx="0" cy="0"/>
+        </a:xfrm>
+      </p:grpSpPr>
+      <p:sp>
+        <p:nvSpPr>
           <p:cNvPr id="3" name="Title 2">
             <a:extLst>
               <a:ext uri="{FF2B5EF4-FFF2-40B4-BE49-F238E27FC236}">
-                <a16:creationId xmlns:a16="http://schemas.microsoft.com/office/drawing/2014/main" xmlns="" id="{76B8D3A3-0452-4D70-A307-CD2444B6E4F8}"/>
+                <a16:creationId xmlns="" xmlns:a16="http://schemas.microsoft.com/office/drawing/2014/main" id="{76B8D3A3-0452-4D70-A307-CD2444B6E4F8}"/>
               </a:ext>
             </a:extLst>
           </p:cNvPr>
@@ -15590,7 +15701,6 @@
               <a:rPr lang="en-US" altLang="zh-CN" sz="3200" dirty="0" smtClean="0"/>
               <a:t>information:</a:t>
             </a:r>
-            <a:endParaRPr lang="en-US" altLang="zh-CN" sz="3200" dirty="0" smtClean="0"/>
           </a:p>
           <a:p>
             <a:endParaRPr lang="en-US" altLang="zh-CN" sz="3200" dirty="0" smtClean="0"/>
@@ -15610,13 +15720,8 @@
             </a:r>
             <a:r>
               <a:rPr lang="en-US" altLang="zh-CN" sz="3200" dirty="0" smtClean="0"/>
-              <a:t>middle column</a:t>
-            </a:r>
-            <a:r>
-              <a:rPr lang="en-US" altLang="zh-CN" sz="3200" dirty="0" smtClean="0"/>
-              <a:t>)</a:t>
-            </a:r>
-            <a:endParaRPr lang="en-US" altLang="zh-CN" sz="3200" dirty="0" smtClean="0"/>
+              <a:t>middle column)</a:t>
+            </a:r>
           </a:p>
           <a:p>
             <a:pPr marL="285750" indent="-285750">
@@ -15633,15 +15738,7 @@
             </a:r>
             <a:r>
               <a:rPr lang="en-US" altLang="zh-CN" sz="3200" dirty="0" smtClean="0"/>
-              <a:t>chat information </a:t>
-            </a:r>
-            <a:r>
-              <a:rPr lang="en-US" altLang="zh-CN" sz="3200" dirty="0" smtClean="0"/>
-              <a:t>(</a:t>
-            </a:r>
-            <a:r>
-              <a:rPr lang="en-US" altLang="zh-CN" sz="3200" dirty="0" smtClean="0"/>
-              <a:t>right</a:t>
+              <a:t>chat information (right</a:t>
             </a:r>
             <a:r>
               <a:rPr lang="zh-CN" altLang="en-US" sz="3200" dirty="0" smtClean="0"/>
@@ -15682,7 +15779,7 @@
 </p:sld>
 </file>
 
-<file path=ppt/slides/slide11.xml><?xml version="1.0" encoding="utf-8"?>
+<file path=ppt/slides/slide12.xml><?xml version="1.0" encoding="utf-8"?>
 <p:sld xmlns:a="http://schemas.openxmlformats.org/drawingml/2006/main" xmlns:r="http://schemas.openxmlformats.org/officeDocument/2006/relationships" xmlns:p="http://schemas.openxmlformats.org/presentationml/2006/main">
   <p:cSld>
     <p:spTree>
@@ -15737,7 +15834,7 @@
           <p:cNvPr id="5" name="TextBox 4">
             <a:extLst>
               <a:ext uri="{FF2B5EF4-FFF2-40B4-BE49-F238E27FC236}">
-                <a16:creationId xmlns:a16="http://schemas.microsoft.com/office/drawing/2014/main" xmlns="" id="{84F02290-10A9-4B22-A3D0-BD285571D0DB}"/>
+                <a16:creationId xmlns="" xmlns:a16="http://schemas.microsoft.com/office/drawing/2014/main" id="{84F02290-10A9-4B22-A3D0-BD285571D0DB}"/>
               </a:ext>
             </a:extLst>
           </p:cNvPr>
@@ -16073,7 +16170,7 @@
 </p:sld>
 </file>
 
-<file path=ppt/slides/slide12.xml><?xml version="1.0" encoding="utf-8"?>
+<file path=ppt/slides/slide13.xml><?xml version="1.0" encoding="utf-8"?>
 <p:sld xmlns:a="http://schemas.openxmlformats.org/drawingml/2006/main" xmlns:r="http://schemas.openxmlformats.org/officeDocument/2006/relationships" xmlns:p="http://schemas.openxmlformats.org/presentationml/2006/main">
   <p:cSld>
     <p:spTree>
@@ -16196,7 +16293,7 @@
 </p:sld>
 </file>
 
-<file path=ppt/slides/slide13.xml><?xml version="1.0" encoding="utf-8"?>
+<file path=ppt/slides/slide14.xml><?xml version="1.0" encoding="utf-8"?>
 <p:sld xmlns:a="http://schemas.openxmlformats.org/drawingml/2006/main" xmlns:r="http://schemas.openxmlformats.org/officeDocument/2006/relationships" xmlns:p="http://schemas.openxmlformats.org/presentationml/2006/main">
   <p:cSld>
     <p:spTree>
@@ -16335,7 +16432,7 @@
 </p:sld>
 </file>
 
-<file path=ppt/slides/slide14.xml><?xml version="1.0" encoding="utf-8"?>
+<file path=ppt/slides/slide15.xml><?xml version="1.0" encoding="utf-8"?>
 <p:sld xmlns:a="http://schemas.openxmlformats.org/drawingml/2006/main" xmlns:r="http://schemas.openxmlformats.org/officeDocument/2006/relationships" xmlns:p="http://schemas.openxmlformats.org/presentationml/2006/main">
   <p:cSld>
     <p:spTree>
@@ -16474,7 +16571,7 @@
 </p:sld>
 </file>
 
-<file path=ppt/slides/slide15.xml><?xml version="1.0" encoding="utf-8"?>
+<file path=ppt/slides/slide16.xml><?xml version="1.0" encoding="utf-8"?>
 <p:sld xmlns:a="http://schemas.openxmlformats.org/drawingml/2006/main" xmlns:r="http://schemas.openxmlformats.org/officeDocument/2006/relationships" xmlns:p="http://schemas.openxmlformats.org/presentationml/2006/main">
   <p:cSld>
     <p:spTree>
@@ -16493,25 +16590,6 @@
       </p:grpSpPr>
       <p:sp>
         <p:nvSpPr>
-          <p:cNvPr id="2" name="Content Placeholder 1"/>
-          <p:cNvSpPr>
-            <a:spLocks noGrp="1"/>
-          </p:cNvSpPr>
-          <p:nvPr>
-            <p:ph idx="1"/>
-          </p:nvPr>
-        </p:nvSpPr>
-        <p:spPr/>
-        <p:txBody>
-          <a:bodyPr/>
-          <a:lstStyle/>
-          <a:p>
-            <a:endParaRPr lang="en-US"/>
-          </a:p>
-        </p:txBody>
-      </p:sp>
-      <p:sp>
-        <p:nvSpPr>
           <p:cNvPr id="3" name="Title 2"/>
           <p:cNvSpPr>
             <a:spLocks noGrp="1"/>
@@ -16538,6 +16616,125 @@
                 <a:srgbClr val="000000"/>
               </a:solidFill>
             </a:endParaRPr>
+          </a:p>
+        </p:txBody>
+      </p:sp>
+      <p:sp>
+        <p:nvSpPr>
+          <p:cNvPr id="4" name="矩形 3"/>
+          <p:cNvSpPr/>
+          <p:nvPr/>
+        </p:nvSpPr>
+        <p:spPr>
+          <a:xfrm>
+            <a:off x="3299700" y="2231637"/>
+            <a:ext cx="5533937" cy="923330"/>
+          </a:xfrm>
+          <a:prstGeom prst="rect">
+            <a:avLst/>
+          </a:prstGeom>
+          <a:noFill/>
+        </p:spPr>
+        <p:txBody>
+          <a:bodyPr wrap="none" lIns="91440" tIns="45720" rIns="91440" bIns="45720">
+            <a:spAutoFit/>
+            <a:scene3d>
+              <a:camera prst="orthographicFront"/>
+              <a:lightRig rig="soft" dir="t">
+                <a:rot lat="0" lon="0" rev="15600000"/>
+              </a:lightRig>
+            </a:scene3d>
+            <a:sp3d extrusionH="57150" prstMaterial="softEdge">
+              <a:bevelT w="25400" h="38100"/>
+            </a:sp3d>
+          </a:bodyPr>
+          <a:lstStyle/>
+          <a:p>
+            <a:pPr algn="ctr"/>
+            <a:r>
+              <a:rPr lang="en-US" altLang="zh-CN" sz="5400" b="1" dirty="0">
+                <a:ln/>
+                <a:solidFill>
+                  <a:schemeClr val="accent4"/>
+                </a:solidFill>
+              </a:rPr>
+              <a:t>Deploy on </a:t>
+            </a:r>
+            <a:r>
+              <a:rPr lang="en-US" altLang="zh-CN" sz="5400" b="1" dirty="0" err="1">
+                <a:ln/>
+                <a:solidFill>
+                  <a:schemeClr val="accent4"/>
+                </a:solidFill>
+              </a:rPr>
+              <a:t>Heroku</a:t>
+            </a:r>
+            <a:endParaRPr lang="zh-CN" altLang="en-US" sz="5400" b="1" cap="none" spc="0" dirty="0">
+              <a:ln/>
+              <a:solidFill>
+                <a:schemeClr val="accent4"/>
+              </a:solidFill>
+              <a:effectLst/>
+            </a:endParaRPr>
+          </a:p>
+        </p:txBody>
+      </p:sp>
+      <p:sp>
+        <p:nvSpPr>
+          <p:cNvPr id="5" name="文本框 5"/>
+          <p:cNvSpPr txBox="1"/>
+          <p:nvPr/>
+        </p:nvSpPr>
+        <p:spPr>
+          <a:xfrm>
+            <a:off x="3179407" y="3388757"/>
+            <a:ext cx="7996052" cy="646331"/>
+          </a:xfrm>
+          <a:prstGeom prst="rect">
+            <a:avLst/>
+          </a:prstGeom>
+          <a:noFill/>
+        </p:spPr>
+        <p:txBody>
+          <a:bodyPr wrap="square" rtlCol="0">
+            <a:spAutoFit/>
+          </a:bodyPr>
+          <a:lstStyle/>
+          <a:p>
+            <a:r>
+              <a:rPr kumimoji="1" lang="en-US" altLang="zh-CN" dirty="0"/>
+              <a:t>URL</a:t>
+            </a:r>
+            <a:r>
+              <a:rPr kumimoji="1" lang="en-US" altLang="zh-CN" dirty="0" smtClean="0"/>
+              <a:t>:</a:t>
+            </a:r>
+            <a:r>
+              <a:rPr kumimoji="1" lang="zh-CN" altLang="en-US" dirty="0" smtClean="0"/>
+              <a:t>  </a:t>
+            </a:r>
+            <a:r>
+              <a:rPr kumimoji="1" lang="en-US" altLang="zh-CN" dirty="0" smtClean="0">
+                <a:hlinkClick r:id="rId2"/>
+              </a:rPr>
+              <a:t>https</a:t>
+            </a:r>
+            <a:r>
+              <a:rPr kumimoji="1" lang="en-US" altLang="zh-CN" dirty="0">
+                <a:hlinkClick r:id="rId2"/>
+              </a:rPr>
+              <a:t>://chatapp-team-nullsleep.herokuapp.com</a:t>
+            </a:r>
+            <a:r>
+              <a:rPr kumimoji="1" lang="en-US" altLang="zh-CN" dirty="0" smtClean="0">
+                <a:hlinkClick r:id="rId2"/>
+              </a:rPr>
+              <a:t>/</a:t>
+            </a:r>
+            <a:endParaRPr kumimoji="1" lang="en-US" altLang="zh-CN" dirty="0" smtClean="0"/>
+          </a:p>
+          <a:p>
+            <a:endParaRPr kumimoji="1" lang="zh-CN" altLang="en-US" dirty="0"/>
           </a:p>
         </p:txBody>
       </p:sp>
@@ -16554,7 +16751,60 @@
 </p:sld>
 </file>
 
-<file path=ppt/slides/slide16.xml><?xml version="1.0" encoding="utf-8"?>
+<file path=ppt/slides/slide17.xml><?xml version="1.0" encoding="utf-8"?>
+<p:sld xmlns:a="http://schemas.openxmlformats.org/drawingml/2006/main" xmlns:r="http://schemas.openxmlformats.org/officeDocument/2006/relationships" xmlns:p="http://schemas.openxmlformats.org/presentationml/2006/main">
+  <p:cSld>
+    <p:spTree>
+      <p:nvGrpSpPr>
+        <p:cNvPr id="1" name=""/>
+        <p:cNvGrpSpPr/>
+        <p:nvPr/>
+      </p:nvGrpSpPr>
+      <p:grpSpPr>
+        <a:xfrm>
+          <a:off x="0" y="0"/>
+          <a:ext cx="0" cy="0"/>
+          <a:chOff x="0" y="0"/>
+          <a:chExt cx="0" cy="0"/>
+        </a:xfrm>
+      </p:grpSpPr>
+      <p:sp>
+        <p:nvSpPr>
+          <p:cNvPr id="2" name="Title 1"/>
+          <p:cNvSpPr>
+            <a:spLocks noGrp="1"/>
+          </p:cNvSpPr>
+          <p:nvPr>
+            <p:ph type="title"/>
+          </p:nvPr>
+        </p:nvSpPr>
+        <p:spPr/>
+        <p:txBody>
+          <a:bodyPr/>
+          <a:lstStyle/>
+          <a:p>
+            <a:r>
+              <a:rPr lang="en-US" dirty="0" smtClean="0"/>
+              <a:t>Demo	</a:t>
+            </a:r>
+            <a:endParaRPr lang="en-US" dirty="0"/>
+          </a:p>
+        </p:txBody>
+      </p:sp>
+    </p:spTree>
+    <p:extLst>
+      <p:ext uri="{BB962C8B-B14F-4D97-AF65-F5344CB8AC3E}">
+        <p14:creationId xmlns:p14="http://schemas.microsoft.com/office/powerpoint/2010/main" val="1127311349"/>
+      </p:ext>
+    </p:extLst>
+  </p:cSld>
+  <p:clrMapOvr>
+    <a:masterClrMapping/>
+  </p:clrMapOvr>
+</p:sld>
+</file>
+
+<file path=ppt/slides/slide18.xml><?xml version="1.0" encoding="utf-8"?>
 <p:sld xmlns:a="http://schemas.openxmlformats.org/drawingml/2006/main" xmlns:r="http://schemas.openxmlformats.org/officeDocument/2006/relationships" xmlns:p="http://schemas.openxmlformats.org/presentationml/2006/main">
   <p:cSld>
     <p:bg>
@@ -16584,10 +16834,10 @@
           <p:cNvPr id="7" name="Rectangle 6">
             <a:extLst>
               <a:ext uri="{FF2B5EF4-FFF2-40B4-BE49-F238E27FC236}">
-                <a16:creationId xmlns:a16="http://schemas.microsoft.com/office/drawing/2014/main" xmlns="" id="{52C0B2E1-0268-42EC-ABD3-94F81A05BCBD}"/>
+                <a16:creationId xmlns="" xmlns:a16="http://schemas.microsoft.com/office/drawing/2014/main" id="{52C0B2E1-0268-42EC-ABD3-94F81A05BCBD}"/>
               </a:ext>
               <a:ext uri="{C183D7F6-B498-43B3-948B-1728B52AA6E4}">
-                <adec:decorative xmlns:adec="http://schemas.microsoft.com/office/drawing/2017/decorative" xmlns="" val="1"/>
+                <adec:decorative xmlns="" xmlns:adec="http://schemas.microsoft.com/office/drawing/2017/decorative" val="1"/>
               </a:ext>
             </a:extLst>
           </p:cNvPr>
@@ -16597,7 +16847,7 @@
           <p:nvPr>
             <p:extLst>
               <p:ext uri="{386F3935-93C4-4BCD-93E2-E3B085C9AB24}">
-                <p16:designElem xmlns:p16="http://schemas.microsoft.com/office/powerpoint/2015/main" xmlns="" val="1"/>
+                <p16:designElem xmlns="" xmlns:p16="http://schemas.microsoft.com/office/powerpoint/2015/main" val="1"/>
               </p:ext>
             </p:extLst>
           </p:nvPr>
@@ -16639,10 +16889,10 @@
           <p:cNvPr id="9" name="Rectangle 8">
             <a:extLst>
               <a:ext uri="{FF2B5EF4-FFF2-40B4-BE49-F238E27FC236}">
-                <a16:creationId xmlns:a16="http://schemas.microsoft.com/office/drawing/2014/main" xmlns="" id="{7D2256B4-48EA-40FC-BBC0-AA1EE6E0080C}"/>
+                <a16:creationId xmlns="" xmlns:a16="http://schemas.microsoft.com/office/drawing/2014/main" id="{7D2256B4-48EA-40FC-BBC0-AA1EE6E0080C}"/>
               </a:ext>
               <a:ext uri="{C183D7F6-B498-43B3-948B-1728B52AA6E4}">
-                <adec:decorative xmlns:adec="http://schemas.microsoft.com/office/drawing/2017/decorative" xmlns="" val="1"/>
+                <adec:decorative xmlns="" xmlns:adec="http://schemas.microsoft.com/office/drawing/2017/decorative" val="1"/>
               </a:ext>
             </a:extLst>
           </p:cNvPr>
@@ -16652,7 +16902,7 @@
           <p:nvPr>
             <p:extLst>
               <p:ext uri="{386F3935-93C4-4BCD-93E2-E3B085C9AB24}">
-                <p16:designElem xmlns:p16="http://schemas.microsoft.com/office/powerpoint/2015/main" xmlns="" val="1"/>
+                <p16:designElem xmlns="" xmlns:p16="http://schemas.microsoft.com/office/powerpoint/2015/main" val="1"/>
               </p:ext>
             </p:extLst>
           </p:nvPr>
@@ -16694,10 +16944,10 @@
           <p:cNvPr id="11" name="Straight Connector 10">
             <a:extLst>
               <a:ext uri="{FF2B5EF4-FFF2-40B4-BE49-F238E27FC236}">
-                <a16:creationId xmlns:a16="http://schemas.microsoft.com/office/drawing/2014/main" xmlns="" id="{3D44BCCA-102D-4A9D-B1E4-2450CAF0B05E}"/>
+                <a16:creationId xmlns="" xmlns:a16="http://schemas.microsoft.com/office/drawing/2014/main" id="{3D44BCCA-102D-4A9D-B1E4-2450CAF0B05E}"/>
               </a:ext>
               <a:ext uri="{C183D7F6-B498-43B3-948B-1728B52AA6E4}">
-                <adec:decorative xmlns:adec="http://schemas.microsoft.com/office/drawing/2017/decorative" xmlns="" val="1"/>
+                <adec:decorative xmlns="" xmlns:adec="http://schemas.microsoft.com/office/drawing/2017/decorative" val="1"/>
               </a:ext>
             </a:extLst>
           </p:cNvPr>
@@ -16707,7 +16957,7 @@
           <p:nvPr>
             <p:extLst>
               <p:ext uri="{386F3935-93C4-4BCD-93E2-E3B085C9AB24}">
-                <p16:designElem xmlns:p16="http://schemas.microsoft.com/office/powerpoint/2015/main" xmlns="" val="1"/>
+                <p16:designElem xmlns="" xmlns:p16="http://schemas.microsoft.com/office/powerpoint/2015/main" val="1"/>
               </p:ext>
             </p:extLst>
           </p:nvPr>
@@ -16749,10 +16999,10 @@
           <p:cNvPr id="13" name="Rectangle 12">
             <a:extLst>
               <a:ext uri="{FF2B5EF4-FFF2-40B4-BE49-F238E27FC236}">
-                <a16:creationId xmlns:a16="http://schemas.microsoft.com/office/drawing/2014/main" xmlns="" id="{FBDCECDC-EEE3-4128-AA5E-82A8C08796E8}"/>
+                <a16:creationId xmlns="" xmlns:a16="http://schemas.microsoft.com/office/drawing/2014/main" id="{FBDCECDC-EEE3-4128-AA5E-82A8C08796E8}"/>
               </a:ext>
               <a:ext uri="{C183D7F6-B498-43B3-948B-1728B52AA6E4}">
-                <adec:decorative xmlns:adec="http://schemas.microsoft.com/office/drawing/2017/decorative" xmlns="" val="1"/>
+                <adec:decorative xmlns="" xmlns:adec="http://schemas.microsoft.com/office/drawing/2017/decorative" val="1"/>
               </a:ext>
             </a:extLst>
           </p:cNvPr>
@@ -16762,7 +17012,7 @@
           <p:nvPr>
             <p:extLst>
               <p:ext uri="{386F3935-93C4-4BCD-93E2-E3B085C9AB24}">
-                <p16:designElem xmlns:p16="http://schemas.microsoft.com/office/powerpoint/2015/main" xmlns="" val="1"/>
+                <p16:designElem xmlns="" xmlns:p16="http://schemas.microsoft.com/office/powerpoint/2015/main" val="1"/>
               </p:ext>
             </p:extLst>
           </p:nvPr>
@@ -16809,7 +17059,7 @@
           <p:cNvPr id="2" name="Title 1">
             <a:extLst>
               <a:ext uri="{FF2B5EF4-FFF2-40B4-BE49-F238E27FC236}">
-                <a16:creationId xmlns:a16="http://schemas.microsoft.com/office/drawing/2014/main" xmlns="" id="{701FBBE9-B805-49C1-B2A8-585E443C8491}"/>
+                <a16:creationId xmlns="" xmlns:a16="http://schemas.microsoft.com/office/drawing/2014/main" id="{701FBBE9-B805-49C1-B2A8-585E443C8491}"/>
               </a:ext>
             </a:extLst>
           </p:cNvPr>
@@ -16851,10 +17101,10 @@
           <p:cNvPr id="15" name="Rectangle 14">
             <a:extLst>
               <a:ext uri="{FF2B5EF4-FFF2-40B4-BE49-F238E27FC236}">
-                <a16:creationId xmlns:a16="http://schemas.microsoft.com/office/drawing/2014/main" xmlns="" id="{4260EDE0-989C-4E16-AF94-F652294D828E}"/>
+                <a16:creationId xmlns="" xmlns:a16="http://schemas.microsoft.com/office/drawing/2014/main" id="{4260EDE0-989C-4E16-AF94-F652294D828E}"/>
               </a:ext>
               <a:ext uri="{C183D7F6-B498-43B3-948B-1728B52AA6E4}">
-                <adec:decorative xmlns:adec="http://schemas.microsoft.com/office/drawing/2017/decorative" xmlns="" val="1"/>
+                <adec:decorative xmlns="" xmlns:adec="http://schemas.microsoft.com/office/drawing/2017/decorative" val="1"/>
               </a:ext>
             </a:extLst>
           </p:cNvPr>
@@ -16864,7 +17114,7 @@
           <p:nvPr>
             <p:extLst>
               <p:ext uri="{386F3935-93C4-4BCD-93E2-E3B085C9AB24}">
-                <p16:designElem xmlns:p16="http://schemas.microsoft.com/office/powerpoint/2015/main" xmlns="" val="1"/>
+                <p16:designElem xmlns="" xmlns:p16="http://schemas.microsoft.com/office/powerpoint/2015/main" val="1"/>
               </p:ext>
             </p:extLst>
           </p:nvPr>
@@ -16906,10 +17156,10 @@
           <p:cNvPr id="17" name="Rectangle 16">
             <a:extLst>
               <a:ext uri="{FF2B5EF4-FFF2-40B4-BE49-F238E27FC236}">
-                <a16:creationId xmlns:a16="http://schemas.microsoft.com/office/drawing/2014/main" xmlns="" id="{1F3985C0-E548-44D2-B30E-F3E42DADE133}"/>
+                <a16:creationId xmlns="" xmlns:a16="http://schemas.microsoft.com/office/drawing/2014/main" id="{1F3985C0-E548-44D2-B30E-F3E42DADE133}"/>
               </a:ext>
               <a:ext uri="{C183D7F6-B498-43B3-948B-1728B52AA6E4}">
-                <adec:decorative xmlns:adec="http://schemas.microsoft.com/office/drawing/2017/decorative" xmlns="" val="1"/>
+                <adec:decorative xmlns="" xmlns:adec="http://schemas.microsoft.com/office/drawing/2017/decorative" val="1"/>
               </a:ext>
             </a:extLst>
           </p:cNvPr>
@@ -16919,7 +17169,7 @@
           <p:nvPr>
             <p:extLst>
               <p:ext uri="{386F3935-93C4-4BCD-93E2-E3B085C9AB24}">
-                <p16:designElem xmlns:p16="http://schemas.microsoft.com/office/powerpoint/2015/main" xmlns="" val="1"/>
+                <p16:designElem xmlns="" xmlns:p16="http://schemas.microsoft.com/office/powerpoint/2015/main" val="1"/>
               </p:ext>
             </p:extLst>
           </p:nvPr>
@@ -16999,10 +17249,10 @@
           <p:cNvPr id="137" name="Rectangle 136">
             <a:extLst>
               <a:ext uri="{FF2B5EF4-FFF2-40B4-BE49-F238E27FC236}">
-                <a16:creationId xmlns:a16="http://schemas.microsoft.com/office/drawing/2014/main" xmlns="" id="{52ABB703-2B0E-4C3B-B4A2-F3973548E561}"/>
+                <a16:creationId xmlns="" xmlns:a16="http://schemas.microsoft.com/office/drawing/2014/main" id="{52ABB703-2B0E-4C3B-B4A2-F3973548E561}"/>
               </a:ext>
               <a:ext uri="{C183D7F6-B498-43B3-948B-1728B52AA6E4}">
-                <adec:decorative xmlns:adec="http://schemas.microsoft.com/office/drawing/2017/decorative" xmlns="" val="1"/>
+                <adec:decorative xmlns="" xmlns:adec="http://schemas.microsoft.com/office/drawing/2017/decorative" val="1"/>
               </a:ext>
             </a:extLst>
           </p:cNvPr>
@@ -17012,7 +17262,7 @@
           <p:nvPr>
             <p:extLst>
               <p:ext uri="{386F3935-93C4-4BCD-93E2-E3B085C9AB24}">
-                <p16:designElem xmlns:p16="http://schemas.microsoft.com/office/powerpoint/2015/main" xmlns="" val="1"/>
+                <p16:designElem xmlns="" xmlns:p16="http://schemas.microsoft.com/office/powerpoint/2015/main" val="1"/>
               </p:ext>
             </p:extLst>
           </p:nvPr>
@@ -17218,10 +17468,10 @@
           <p:cNvPr id="139" name="Straight Connector 138">
             <a:extLst>
               <a:ext uri="{FF2B5EF4-FFF2-40B4-BE49-F238E27FC236}">
-                <a16:creationId xmlns:a16="http://schemas.microsoft.com/office/drawing/2014/main" xmlns="" id="{9C21570E-E159-49A6-9891-FA397B7A92D3}"/>
+                <a16:creationId xmlns="" xmlns:a16="http://schemas.microsoft.com/office/drawing/2014/main" id="{9C21570E-E159-49A6-9891-FA397B7A92D3}"/>
               </a:ext>
               <a:ext uri="{C183D7F6-B498-43B3-948B-1728B52AA6E4}">
-                <adec:decorative xmlns:adec="http://schemas.microsoft.com/office/drawing/2017/decorative" xmlns="" val="1"/>
+                <adec:decorative xmlns="" xmlns:adec="http://schemas.microsoft.com/office/drawing/2017/decorative" val="1"/>
               </a:ext>
             </a:extLst>
           </p:cNvPr>
@@ -17231,7 +17481,7 @@
           <p:nvPr>
             <p:extLst>
               <p:ext uri="{386F3935-93C4-4BCD-93E2-E3B085C9AB24}">
-                <p16:designElem xmlns:p16="http://schemas.microsoft.com/office/powerpoint/2015/main" xmlns="" val="1"/>
+                <p16:designElem xmlns="" xmlns:p16="http://schemas.microsoft.com/office/powerpoint/2015/main" val="1"/>
               </p:ext>
             </p:extLst>
           </p:nvPr>
@@ -17274,10 +17524,10 @@
           <p:cNvPr id="141" name="Rectangle 140">
             <a:extLst>
               <a:ext uri="{FF2B5EF4-FFF2-40B4-BE49-F238E27FC236}">
-                <a16:creationId xmlns:a16="http://schemas.microsoft.com/office/drawing/2014/main" xmlns="" id="{E95DA498-D9A2-4DA9-B9DA-B3776E08CF7E}"/>
+                <a16:creationId xmlns="" xmlns:a16="http://schemas.microsoft.com/office/drawing/2014/main" id="{E95DA498-D9A2-4DA9-B9DA-B3776E08CF7E}"/>
               </a:ext>
               <a:ext uri="{C183D7F6-B498-43B3-948B-1728B52AA6E4}">
-                <adec:decorative xmlns:adec="http://schemas.microsoft.com/office/drawing/2017/decorative" xmlns="" val="1"/>
+                <adec:decorative xmlns="" xmlns:adec="http://schemas.microsoft.com/office/drawing/2017/decorative" val="1"/>
               </a:ext>
             </a:extLst>
           </p:cNvPr>
@@ -17287,7 +17537,7 @@
           <p:nvPr>
             <p:extLst>
               <p:ext uri="{386F3935-93C4-4BCD-93E2-E3B085C9AB24}">
-                <p16:designElem xmlns:p16="http://schemas.microsoft.com/office/powerpoint/2015/main" xmlns="" val="1"/>
+                <p16:designElem xmlns="" xmlns:p16="http://schemas.microsoft.com/office/powerpoint/2015/main" val="1"/>
               </p:ext>
             </p:extLst>
           </p:nvPr>
@@ -17329,10 +17579,10 @@
           <p:cNvPr id="143" name="Rectangle 142">
             <a:extLst>
               <a:ext uri="{FF2B5EF4-FFF2-40B4-BE49-F238E27FC236}">
-                <a16:creationId xmlns:a16="http://schemas.microsoft.com/office/drawing/2014/main" xmlns="" id="{82A73093-4B9D-420D-B17E-52293703A1D4}"/>
+                <a16:creationId xmlns="" xmlns:a16="http://schemas.microsoft.com/office/drawing/2014/main" id="{82A73093-4B9D-420D-B17E-52293703A1D4}"/>
               </a:ext>
               <a:ext uri="{C183D7F6-B498-43B3-948B-1728B52AA6E4}">
-                <adec:decorative xmlns:adec="http://schemas.microsoft.com/office/drawing/2017/decorative" xmlns="" val="1"/>
+                <adec:decorative xmlns="" xmlns:adec="http://schemas.microsoft.com/office/drawing/2017/decorative" val="1"/>
               </a:ext>
             </a:extLst>
           </p:cNvPr>
@@ -17342,7 +17592,7 @@
           <p:nvPr>
             <p:extLst>
               <p:ext uri="{386F3935-93C4-4BCD-93E2-E3B085C9AB24}">
-                <p16:designElem xmlns:p16="http://schemas.microsoft.com/office/powerpoint/2015/main" xmlns="" val="1"/>
+                <p16:designElem xmlns="" xmlns:p16="http://schemas.microsoft.com/office/powerpoint/2015/main" val="1"/>
               </p:ext>
             </p:extLst>
           </p:nvPr>
@@ -17444,7 +17694,7 @@
           <p:cNvPr id="3" name="Title 2">
             <a:extLst>
               <a:ext uri="{FF2B5EF4-FFF2-40B4-BE49-F238E27FC236}">
-                <a16:creationId xmlns:a16="http://schemas.microsoft.com/office/drawing/2014/main" xmlns="" id="{54645D8F-8901-4A5D-9036-4F5B286C9921}"/>
+                <a16:creationId xmlns="" xmlns:a16="http://schemas.microsoft.com/office/drawing/2014/main" id="{54645D8F-8901-4A5D-9036-4F5B286C9921}"/>
               </a:ext>
             </a:extLst>
           </p:cNvPr>
@@ -17486,7 +17736,7 @@
           <p:cNvPr id="5" name="Graphic 4" descr="Monitor">
             <a:extLst>
               <a:ext uri="{FF2B5EF4-FFF2-40B4-BE49-F238E27FC236}">
-                <a16:creationId xmlns:a16="http://schemas.microsoft.com/office/drawing/2014/main" xmlns="" id="{1BCF9DD2-5E9B-4798-9DB7-C8B4CB904EFC}"/>
+                <a16:creationId xmlns="" xmlns:a16="http://schemas.microsoft.com/office/drawing/2014/main" id="{1BCF9DD2-5E9B-4798-9DB7-C8B4CB904EFC}"/>
               </a:ext>
             </a:extLst>
           </p:cNvPr>
@@ -17502,7 +17752,7 @@
                 <a14:useLocalDpi xmlns:a14="http://schemas.microsoft.com/office/drawing/2010/main" val="0"/>
               </a:ext>
               <a:ext uri="{96DAC541-7B7A-43D3-8B79-37D633B846F1}">
-                <asvg:svgBlip xmlns:asvg="http://schemas.microsoft.com/office/drawing/2016/SVG/main" xmlns="" r:embed="rId3"/>
+                <asvg:svgBlip xmlns="" xmlns:asvg="http://schemas.microsoft.com/office/drawing/2016/SVG/main" r:embed="rId3"/>
               </a:ext>
             </a:extLst>
           </a:blip>
@@ -17525,7 +17775,7 @@
           <p:cNvPr id="6" name="Graphic 5" descr="Monitor">
             <a:extLst>
               <a:ext uri="{FF2B5EF4-FFF2-40B4-BE49-F238E27FC236}">
-                <a16:creationId xmlns:a16="http://schemas.microsoft.com/office/drawing/2014/main" xmlns="" id="{3D4E745E-DB09-48E3-AFD3-F499B3B7EA8D}"/>
+                <a16:creationId xmlns="" xmlns:a16="http://schemas.microsoft.com/office/drawing/2014/main" id="{3D4E745E-DB09-48E3-AFD3-F499B3B7EA8D}"/>
               </a:ext>
             </a:extLst>
           </p:cNvPr>
@@ -17541,7 +17791,7 @@
                 <a14:useLocalDpi xmlns:a14="http://schemas.microsoft.com/office/drawing/2010/main" val="0"/>
               </a:ext>
               <a:ext uri="{96DAC541-7B7A-43D3-8B79-37D633B846F1}">
-                <asvg:svgBlip xmlns:asvg="http://schemas.microsoft.com/office/drawing/2016/SVG/main" xmlns="" r:embed="rId3"/>
+                <asvg:svgBlip xmlns="" xmlns:asvg="http://schemas.microsoft.com/office/drawing/2016/SVG/main" r:embed="rId3"/>
               </a:ext>
             </a:extLst>
           </a:blip>
@@ -17564,7 +17814,7 @@
           <p:cNvPr id="7" name="Graphic 6" descr="Monitor">
             <a:extLst>
               <a:ext uri="{FF2B5EF4-FFF2-40B4-BE49-F238E27FC236}">
-                <a16:creationId xmlns:a16="http://schemas.microsoft.com/office/drawing/2014/main" xmlns="" id="{F30AA99E-2B7E-4A14-8196-0F53C3643088}"/>
+                <a16:creationId xmlns="" xmlns:a16="http://schemas.microsoft.com/office/drawing/2014/main" id="{F30AA99E-2B7E-4A14-8196-0F53C3643088}"/>
               </a:ext>
             </a:extLst>
           </p:cNvPr>
@@ -17580,7 +17830,7 @@
                 <a14:useLocalDpi xmlns:a14="http://schemas.microsoft.com/office/drawing/2010/main" val="0"/>
               </a:ext>
               <a:ext uri="{96DAC541-7B7A-43D3-8B79-37D633B846F1}">
-                <asvg:svgBlip xmlns:asvg="http://schemas.microsoft.com/office/drawing/2016/SVG/main" xmlns="" r:embed="rId3"/>
+                <asvg:svgBlip xmlns="" xmlns:asvg="http://schemas.microsoft.com/office/drawing/2016/SVG/main" r:embed="rId3"/>
               </a:ext>
             </a:extLst>
           </a:blip>
@@ -17603,7 +17853,7 @@
           <p:cNvPr id="8" name="TextBox 7">
             <a:extLst>
               <a:ext uri="{FF2B5EF4-FFF2-40B4-BE49-F238E27FC236}">
-                <a16:creationId xmlns:a16="http://schemas.microsoft.com/office/drawing/2014/main" xmlns="" id="{9EB22727-38C5-45AF-9493-78CA118A4514}"/>
+                <a16:creationId xmlns="" xmlns:a16="http://schemas.microsoft.com/office/drawing/2014/main" id="{9EB22727-38C5-45AF-9493-78CA118A4514}"/>
               </a:ext>
             </a:extLst>
           </p:cNvPr>
@@ -17638,7 +17888,7 @@
           <p:cNvPr id="10" name="Graphic 9" descr="Network">
             <a:extLst>
               <a:ext uri="{FF2B5EF4-FFF2-40B4-BE49-F238E27FC236}">
-                <a16:creationId xmlns:a16="http://schemas.microsoft.com/office/drawing/2014/main" xmlns="" id="{0C131711-8F51-40B3-9175-9AE7F4A7E296}"/>
+                <a16:creationId xmlns="" xmlns:a16="http://schemas.microsoft.com/office/drawing/2014/main" id="{0C131711-8F51-40B3-9175-9AE7F4A7E296}"/>
               </a:ext>
             </a:extLst>
           </p:cNvPr>
@@ -17654,7 +17904,7 @@
                 <a14:useLocalDpi xmlns:a14="http://schemas.microsoft.com/office/drawing/2010/main" val="0"/>
               </a:ext>
               <a:ext uri="{96DAC541-7B7A-43D3-8B79-37D633B846F1}">
-                <asvg:svgBlip xmlns:asvg="http://schemas.microsoft.com/office/drawing/2016/SVG/main" xmlns="" r:embed="rId5"/>
+                <asvg:svgBlip xmlns="" xmlns:asvg="http://schemas.microsoft.com/office/drawing/2016/SVG/main" r:embed="rId5"/>
               </a:ext>
             </a:extLst>
           </a:blip>
@@ -17677,7 +17927,7 @@
           <p:cNvPr id="11" name="TextBox 10">
             <a:extLst>
               <a:ext uri="{FF2B5EF4-FFF2-40B4-BE49-F238E27FC236}">
-                <a16:creationId xmlns:a16="http://schemas.microsoft.com/office/drawing/2014/main" xmlns="" id="{C1C63887-DCF1-424F-9543-167ED6D9170A}"/>
+                <a16:creationId xmlns="" xmlns:a16="http://schemas.microsoft.com/office/drawing/2014/main" id="{C1C63887-DCF1-424F-9543-167ED6D9170A}"/>
               </a:ext>
             </a:extLst>
           </p:cNvPr>
@@ -17712,7 +17962,7 @@
           <p:cNvPr id="17" name="Graphic 14" descr="Satellite">
             <a:extLst>
               <a:ext uri="{FF2B5EF4-FFF2-40B4-BE49-F238E27FC236}">
-                <a16:creationId xmlns:a16="http://schemas.microsoft.com/office/drawing/2014/main" xmlns="" id="{F21CA803-4EB6-4698-A83F-13ED0DF77122}"/>
+                <a16:creationId xmlns="" xmlns:a16="http://schemas.microsoft.com/office/drawing/2014/main" id="{F21CA803-4EB6-4698-A83F-13ED0DF77122}"/>
               </a:ext>
             </a:extLst>
           </p:cNvPr>
@@ -18864,7 +19114,7 @@
           <p:cNvPr id="18" name="TextBox 17">
             <a:extLst>
               <a:ext uri="{FF2B5EF4-FFF2-40B4-BE49-F238E27FC236}">
-                <a16:creationId xmlns:a16="http://schemas.microsoft.com/office/drawing/2014/main" xmlns="" id="{86A8D48B-3A0D-48CC-ADA1-9548969225EE}"/>
+                <a16:creationId xmlns="" xmlns:a16="http://schemas.microsoft.com/office/drawing/2014/main" id="{86A8D48B-3A0D-48CC-ADA1-9548969225EE}"/>
               </a:ext>
             </a:extLst>
           </p:cNvPr>
@@ -18899,7 +19149,7 @@
           <p:cNvPr id="19" name="Arrow: Right 18">
             <a:extLst>
               <a:ext uri="{FF2B5EF4-FFF2-40B4-BE49-F238E27FC236}">
-                <a16:creationId xmlns:a16="http://schemas.microsoft.com/office/drawing/2014/main" xmlns="" id="{7A55E352-20EA-45B9-B862-3813F24ADC1A}"/>
+                <a16:creationId xmlns="" xmlns:a16="http://schemas.microsoft.com/office/drawing/2014/main" id="{7A55E352-20EA-45B9-B862-3813F24ADC1A}"/>
               </a:ext>
             </a:extLst>
           </p:cNvPr>
@@ -18948,7 +19198,7 @@
           <p:cNvPr id="23" name="Arrow: Right 22">
             <a:extLst>
               <a:ext uri="{FF2B5EF4-FFF2-40B4-BE49-F238E27FC236}">
-                <a16:creationId xmlns:a16="http://schemas.microsoft.com/office/drawing/2014/main" xmlns="" id="{9C3DBFA4-0C22-42BD-A6AD-D689311B60D5}"/>
+                <a16:creationId xmlns="" xmlns:a16="http://schemas.microsoft.com/office/drawing/2014/main" id="{9C3DBFA4-0C22-42BD-A6AD-D689311B60D5}"/>
               </a:ext>
             </a:extLst>
           </p:cNvPr>
@@ -18997,7 +19247,7 @@
           <p:cNvPr id="26" name="Arrow: Left 25">
             <a:extLst>
               <a:ext uri="{FF2B5EF4-FFF2-40B4-BE49-F238E27FC236}">
-                <a16:creationId xmlns:a16="http://schemas.microsoft.com/office/drawing/2014/main" xmlns="" id="{5C12193B-2432-4A9C-ADF6-CD05730F6182}"/>
+                <a16:creationId xmlns="" xmlns:a16="http://schemas.microsoft.com/office/drawing/2014/main" id="{5C12193B-2432-4A9C-ADF6-CD05730F6182}"/>
               </a:ext>
             </a:extLst>
           </p:cNvPr>
@@ -19046,7 +19296,7 @@
           <p:cNvPr id="27" name="Arrow: Left 26">
             <a:extLst>
               <a:ext uri="{FF2B5EF4-FFF2-40B4-BE49-F238E27FC236}">
-                <a16:creationId xmlns:a16="http://schemas.microsoft.com/office/drawing/2014/main" xmlns="" id="{A759B877-5984-4B09-9AE5-E320DE5D578A}"/>
+                <a16:creationId xmlns="" xmlns:a16="http://schemas.microsoft.com/office/drawing/2014/main" id="{A759B877-5984-4B09-9AE5-E320DE5D578A}"/>
               </a:ext>
             </a:extLst>
           </p:cNvPr>
@@ -19095,7 +19345,7 @@
           <p:cNvPr id="28" name="Arrow: Left 27">
             <a:extLst>
               <a:ext uri="{FF2B5EF4-FFF2-40B4-BE49-F238E27FC236}">
-                <a16:creationId xmlns:a16="http://schemas.microsoft.com/office/drawing/2014/main" xmlns="" id="{BC43A78E-522B-463C-B544-DB7A3870F147}"/>
+                <a16:creationId xmlns="" xmlns:a16="http://schemas.microsoft.com/office/drawing/2014/main" id="{BC43A78E-522B-463C-B544-DB7A3870F147}"/>
               </a:ext>
             </a:extLst>
           </p:cNvPr>
@@ -19144,7 +19394,7 @@
           <p:cNvPr id="29" name="Arrow: Left 28">
             <a:extLst>
               <a:ext uri="{FF2B5EF4-FFF2-40B4-BE49-F238E27FC236}">
-                <a16:creationId xmlns:a16="http://schemas.microsoft.com/office/drawing/2014/main" xmlns="" id="{5CAD3B61-682F-4E6B-B30F-24857CB9D032}"/>
+                <a16:creationId xmlns="" xmlns:a16="http://schemas.microsoft.com/office/drawing/2014/main" id="{5CAD3B61-682F-4E6B-B30F-24857CB9D032}"/>
               </a:ext>
             </a:extLst>
           </p:cNvPr>
@@ -19193,7 +19443,7 @@
           <p:cNvPr id="20" name="Content Placeholder 1">
             <a:extLst>
               <a:ext uri="{FF2B5EF4-FFF2-40B4-BE49-F238E27FC236}">
-                <a16:creationId xmlns:a16="http://schemas.microsoft.com/office/drawing/2014/main" xmlns="" id="{80C5A564-6E44-498B-8A8B-BFE165B9B208}"/>
+                <a16:creationId xmlns="" xmlns:a16="http://schemas.microsoft.com/office/drawing/2014/main" id="{80C5A564-6E44-498B-8A8B-BFE165B9B208}"/>
               </a:ext>
             </a:extLst>
           </p:cNvPr>
@@ -19219,11 +19469,7 @@
             </a:pPr>
             <a:r>
               <a:rPr lang="en-US" dirty="0" smtClean="0"/>
-              <a:t>All </a:t>
-            </a:r>
-            <a:r>
-              <a:rPr lang="en-US" dirty="0" smtClean="0"/>
-              <a:t>communication between client side </a:t>
+              <a:t>All communication between client side </a:t>
             </a:r>
             <a:r>
               <a:rPr lang="en-US" dirty="0"/>
@@ -19283,9 +19529,36 @@
           <a:chExt cx="0" cy="0"/>
         </a:xfrm>
       </p:grpSpPr>
+      <p:sp>
+        <p:nvSpPr>
+          <p:cNvPr id="3" name="Title 2"/>
+          <p:cNvSpPr>
+            <a:spLocks noGrp="1"/>
+          </p:cNvSpPr>
+          <p:nvPr>
+            <p:ph type="title"/>
+          </p:nvPr>
+        </p:nvSpPr>
+        <p:spPr/>
+        <p:txBody>
+          <a:bodyPr/>
+          <a:lstStyle/>
+          <a:p>
+            <a:r>
+              <a:rPr lang="en-US" b="1" dirty="0">
+                <a:solidFill>
+                  <a:schemeClr val="tx1"/>
+                </a:solidFill>
+              </a:rPr>
+              <a:t>View - Login</a:t>
+            </a:r>
+            <a:endParaRPr lang="en-US" dirty="0"/>
+          </a:p>
+        </p:txBody>
+      </p:sp>
       <p:pic>
         <p:nvPicPr>
-          <p:cNvPr id="5" name="Picture 4" descr="Screen Shot 2018-11-27 at 15.59.54.png"/>
+          <p:cNvPr id="4" name="Picture 3" descr="Screen Shot 2018-11-27 at 21.33.45.png"/>
           <p:cNvPicPr>
             <a:picLocks noChangeAspect="1"/>
           </p:cNvPicPr>
@@ -19305,49 +19578,18 @@
         </p:blipFill>
         <p:spPr>
           <a:xfrm>
-            <a:off x="0" y="-177800"/>
-            <a:ext cx="12192000" cy="6703105"/>
+            <a:off x="0" y="2145080"/>
+            <a:ext cx="12192000" cy="2744044"/>
           </a:xfrm>
           <a:prstGeom prst="rect">
             <a:avLst/>
           </a:prstGeom>
         </p:spPr>
       </p:pic>
-      <p:sp>
-        <p:nvSpPr>
-          <p:cNvPr id="3" name="Title 2"/>
-          <p:cNvSpPr>
-            <a:spLocks noGrp="1"/>
-          </p:cNvSpPr>
-          <p:nvPr>
-            <p:ph type="title"/>
-          </p:nvPr>
-        </p:nvSpPr>
-        <p:spPr>
-          <a:xfrm>
-            <a:off x="10502900" y="5392928"/>
-            <a:ext cx="1689100" cy="1252728"/>
-          </a:xfrm>
-        </p:spPr>
-        <p:txBody>
-          <a:bodyPr/>
-          <a:lstStyle/>
-          <a:p>
-            <a:r>
-              <a:rPr lang="en-US" b="1" dirty="0">
-                <a:solidFill>
-                  <a:srgbClr val="000000"/>
-                </a:solidFill>
-              </a:rPr>
-              <a:t>View</a:t>
-            </a:r>
-          </a:p>
-        </p:txBody>
-      </p:sp>
     </p:spTree>
     <p:extLst>
       <p:ext uri="{BB962C8B-B14F-4D97-AF65-F5344CB8AC3E}">
-        <p14:creationId xmlns:p14="http://schemas.microsoft.com/office/powerpoint/2010/main" val="1276820169"/>
+        <p14:creationId xmlns:p14="http://schemas.microsoft.com/office/powerpoint/2010/main" val="3875401769"/>
       </p:ext>
     </p:extLst>
   </p:cSld>
@@ -19530,6 +19772,97 @@
           <a:chExt cx="0" cy="0"/>
         </a:xfrm>
       </p:grpSpPr>
+      <p:pic>
+        <p:nvPicPr>
+          <p:cNvPr id="5" name="Picture 4" descr="Screen Shot 2018-11-27 at 15.59.54.png"/>
+          <p:cNvPicPr>
+            <a:picLocks noChangeAspect="1"/>
+          </p:cNvPicPr>
+          <p:nvPr/>
+        </p:nvPicPr>
+        <p:blipFill>
+          <a:blip r:embed="rId2">
+            <a:extLst>
+              <a:ext uri="{28A0092B-C50C-407E-A947-70E740481C1C}">
+                <a14:useLocalDpi xmlns:a14="http://schemas.microsoft.com/office/drawing/2010/main" val="0"/>
+              </a:ext>
+            </a:extLst>
+          </a:blip>
+          <a:stretch>
+            <a:fillRect/>
+          </a:stretch>
+        </p:blipFill>
+        <p:spPr>
+          <a:xfrm>
+            <a:off x="0" y="-177800"/>
+            <a:ext cx="12192000" cy="6703105"/>
+          </a:xfrm>
+          <a:prstGeom prst="rect">
+            <a:avLst/>
+          </a:prstGeom>
+        </p:spPr>
+      </p:pic>
+      <p:sp>
+        <p:nvSpPr>
+          <p:cNvPr id="3" name="Title 2"/>
+          <p:cNvSpPr>
+            <a:spLocks noGrp="1"/>
+          </p:cNvSpPr>
+          <p:nvPr>
+            <p:ph type="title"/>
+          </p:nvPr>
+        </p:nvSpPr>
+        <p:spPr>
+          <a:xfrm>
+            <a:off x="10502900" y="5392928"/>
+            <a:ext cx="1689100" cy="1252728"/>
+          </a:xfrm>
+        </p:spPr>
+        <p:txBody>
+          <a:bodyPr/>
+          <a:lstStyle/>
+          <a:p>
+            <a:r>
+              <a:rPr lang="en-US" b="1" dirty="0">
+                <a:solidFill>
+                  <a:srgbClr val="000000"/>
+                </a:solidFill>
+              </a:rPr>
+              <a:t>View</a:t>
+            </a:r>
+          </a:p>
+        </p:txBody>
+      </p:sp>
+    </p:spTree>
+    <p:extLst>
+      <p:ext uri="{BB962C8B-B14F-4D97-AF65-F5344CB8AC3E}">
+        <p14:creationId xmlns:p14="http://schemas.microsoft.com/office/powerpoint/2010/main" val="1276820169"/>
+      </p:ext>
+    </p:extLst>
+  </p:cSld>
+  <p:clrMapOvr>
+    <a:masterClrMapping/>
+  </p:clrMapOvr>
+</p:sld>
+</file>
+
+<file path=ppt/slides/slide7.xml><?xml version="1.0" encoding="utf-8"?>
+<p:sld xmlns:a="http://schemas.openxmlformats.org/drawingml/2006/main" xmlns:r="http://schemas.openxmlformats.org/officeDocument/2006/relationships" xmlns:p="http://schemas.openxmlformats.org/presentationml/2006/main">
+  <p:cSld>
+    <p:spTree>
+      <p:nvGrpSpPr>
+        <p:cNvPr id="1" name=""/>
+        <p:cNvGrpSpPr/>
+        <p:nvPr/>
+      </p:nvGrpSpPr>
+      <p:grpSpPr>
+        <a:xfrm>
+          <a:off x="0" y="0"/>
+          <a:ext cx="0" cy="0"/>
+          <a:chOff x="0" y="0"/>
+          <a:chExt cx="0" cy="0"/>
+        </a:xfrm>
+      </p:grpSpPr>
       <p:sp>
         <p:nvSpPr>
           <p:cNvPr id="3" name="Title 2"/>
@@ -19577,7 +19910,7 @@
           <p:cNvPr id="4" name="TextBox 3">
             <a:extLst>
               <a:ext uri="{FF2B5EF4-FFF2-40B4-BE49-F238E27FC236}">
-                <a16:creationId xmlns:a16="http://schemas.microsoft.com/office/drawing/2014/main" xmlns="" id="{E0E949A8-92C6-4ECE-B7B1-87A5ADB62F5D}"/>
+                <a16:creationId xmlns="" xmlns:a16="http://schemas.microsoft.com/office/drawing/2014/main" id="{E0E949A8-92C6-4ECE-B7B1-87A5ADB62F5D}"/>
               </a:ext>
             </a:extLst>
           </p:cNvPr>
@@ -19618,11 +19951,7 @@
             </a:r>
             <a:r>
               <a:rPr lang="en-US" sz="2400" dirty="0" smtClean="0"/>
-              <a:t> </a:t>
-            </a:r>
-            <a:r>
-              <a:rPr lang="en-US" sz="2400" dirty="0" smtClean="0"/>
-              <a:t>rooms</a:t>
+              <a:t> rooms</a:t>
             </a:r>
             <a:r>
               <a:rPr lang="zh-CN" altLang="en-US" sz="2400" dirty="0" smtClean="0"/>
@@ -19803,7 +20132,7 @@
 </p:sld>
 </file>
 
-<file path=ppt/slides/slide7.xml><?xml version="1.0" encoding="utf-8"?>
+<file path=ppt/slides/slide8.xml><?xml version="1.0" encoding="utf-8"?>
 <p:sld xmlns:a="http://schemas.openxmlformats.org/drawingml/2006/main" xmlns:r="http://schemas.openxmlformats.org/officeDocument/2006/relationships" xmlns:p="http://schemas.openxmlformats.org/presentationml/2006/main">
   <p:cSld>
     <p:spTree>
@@ -19934,7 +20263,7 @@
 </p:sld>
 </file>
 
-<file path=ppt/slides/slide8.xml><?xml version="1.0" encoding="utf-8"?>
+<file path=ppt/slides/slide9.xml><?xml version="1.0" encoding="utf-8"?>
 <p:sld xmlns:a="http://schemas.openxmlformats.org/drawingml/2006/main" xmlns:r="http://schemas.openxmlformats.org/officeDocument/2006/relationships" xmlns:p="http://schemas.openxmlformats.org/presentationml/2006/main">
   <p:cSld>
     <p:spTree>
@@ -20050,113 +20379,6 @@
           <a:xfrm>
             <a:off x="6661533" y="2279987"/>
             <a:ext cx="4041149" cy="3244092"/>
-          </a:xfrm>
-          <a:prstGeom prst="rect">
-            <a:avLst/>
-          </a:prstGeom>
-        </p:spPr>
-      </p:pic>
-    </p:spTree>
-    <p:extLst>
-      <p:ext uri="{BB962C8B-B14F-4D97-AF65-F5344CB8AC3E}">
-        <p14:creationId xmlns:p14="http://schemas.microsoft.com/office/powerpoint/2010/main" val="1540565221"/>
-      </p:ext>
-    </p:extLst>
-  </p:cSld>
-  <p:clrMapOvr>
-    <a:masterClrMapping/>
-  </p:clrMapOvr>
-</p:sld>
-</file>
-
-<file path=ppt/slides/slide9.xml><?xml version="1.0" encoding="utf-8"?>
-<p:sld xmlns:a="http://schemas.openxmlformats.org/drawingml/2006/main" xmlns:r="http://schemas.openxmlformats.org/officeDocument/2006/relationships" xmlns:p="http://schemas.openxmlformats.org/presentationml/2006/main">
-  <p:cSld>
-    <p:spTree>
-      <p:nvGrpSpPr>
-        <p:cNvPr id="1" name=""/>
-        <p:cNvGrpSpPr/>
-        <p:nvPr/>
-      </p:nvGrpSpPr>
-      <p:grpSpPr>
-        <a:xfrm>
-          <a:off x="0" y="0"/>
-          <a:ext cx="0" cy="0"/>
-          <a:chOff x="0" y="0"/>
-          <a:chExt cx="0" cy="0"/>
-        </a:xfrm>
-      </p:grpSpPr>
-      <p:sp>
-        <p:nvSpPr>
-          <p:cNvPr id="3" name="Title 2"/>
-          <p:cNvSpPr>
-            <a:spLocks noGrp="1"/>
-          </p:cNvSpPr>
-          <p:nvPr>
-            <p:ph type="title"/>
-          </p:nvPr>
-        </p:nvSpPr>
-        <p:spPr>
-          <a:xfrm>
-            <a:off x="609600" y="0"/>
-            <a:ext cx="10972800" cy="1252728"/>
-          </a:xfrm>
-        </p:spPr>
-        <p:txBody>
-          <a:bodyPr/>
-          <a:lstStyle/>
-          <a:p>
-            <a:r>
-              <a:rPr lang="en-US" b="1" dirty="0">
-                <a:solidFill>
-                  <a:schemeClr val="tx1"/>
-                </a:solidFill>
-              </a:rPr>
-              <a:t>View - </a:t>
-            </a:r>
-            <a:r>
-              <a:rPr lang="en-US" b="1" dirty="0" smtClean="0">
-                <a:solidFill>
-                  <a:srgbClr val="000000"/>
-                </a:solidFill>
-              </a:rPr>
-              <a:t>My </a:t>
-            </a:r>
-            <a:r>
-              <a:rPr lang="en-US" b="1" dirty="0">
-                <a:solidFill>
-                  <a:srgbClr val="000000"/>
-                </a:solidFill>
-              </a:rPr>
-              <a:t>Chats</a:t>
-            </a:r>
-          </a:p>
-        </p:txBody>
-      </p:sp>
-      <p:pic>
-        <p:nvPicPr>
-          <p:cNvPr id="2" name="Picture 1">
-            <a:extLst>
-              <a:ext uri="{FF2B5EF4-FFF2-40B4-BE49-F238E27FC236}">
-                <a16:creationId xmlns:a16="http://schemas.microsoft.com/office/drawing/2014/main" xmlns="" id="{43788874-90B7-4DC4-BBD4-43923F84366B}"/>
-              </a:ext>
-            </a:extLst>
-          </p:cNvPr>
-          <p:cNvPicPr>
-            <a:picLocks noChangeAspect="1"/>
-          </p:cNvPicPr>
-          <p:nvPr/>
-        </p:nvPicPr>
-        <p:blipFill>
-          <a:blip r:embed="rId2"/>
-          <a:stretch>
-            <a:fillRect/>
-          </a:stretch>
-        </p:blipFill>
-        <p:spPr>
-          <a:xfrm>
-            <a:off x="3499192" y="985706"/>
-            <a:ext cx="5326026" cy="5721291"/>
           </a:xfrm>
           <a:prstGeom prst="rect">
             <a:avLst/>

--- a/src/main/resources/HW10PPT.pptx
+++ b/src/main/resources/HW10PPT.pptx
@@ -5,27 +5,19 @@
     <p:sldMasterId id="2147483718" r:id="rId1"/>
   </p:sldMasterIdLst>
   <p:notesMasterIdLst>
-    <p:notesMasterId r:id="rId20"/>
+    <p:notesMasterId r:id="rId12"/>
   </p:notesMasterIdLst>
   <p:sldIdLst>
     <p:sldId id="256" r:id="rId2"/>
     <p:sldId id="273" r:id="rId3"/>
-    <p:sldId id="299" r:id="rId4"/>
-    <p:sldId id="316" r:id="rId5"/>
-    <p:sldId id="309" r:id="rId6"/>
-    <p:sldId id="290" r:id="rId7"/>
-    <p:sldId id="291" r:id="rId8"/>
-    <p:sldId id="314" r:id="rId9"/>
-    <p:sldId id="292" r:id="rId10"/>
-    <p:sldId id="293" r:id="rId11"/>
-    <p:sldId id="315" r:id="rId12"/>
-    <p:sldId id="286" r:id="rId13"/>
-    <p:sldId id="311" r:id="rId14"/>
-    <p:sldId id="312" r:id="rId15"/>
-    <p:sldId id="313" r:id="rId16"/>
-    <p:sldId id="310" r:id="rId17"/>
-    <p:sldId id="317" r:id="rId18"/>
-    <p:sldId id="280" r:id="rId19"/>
+    <p:sldId id="317" r:id="rId4"/>
+    <p:sldId id="318" r:id="rId5"/>
+    <p:sldId id="316" r:id="rId6"/>
+    <p:sldId id="286" r:id="rId7"/>
+    <p:sldId id="311" r:id="rId8"/>
+    <p:sldId id="312" r:id="rId9"/>
+    <p:sldId id="313" r:id="rId10"/>
+    <p:sldId id="280" r:id="rId11"/>
   </p:sldIdLst>
   <p:sldSz cx="12192000" cy="6858000"/>
   <p:notesSz cx="6858000" cy="9144000"/>
@@ -131,28 +123,20 @@
           <p14:sldIdLst>
             <p14:sldId id="256"/>
             <p14:sldId id="273"/>
-            <p14:sldId id="299"/>
+            <p14:sldId id="317"/>
+            <p14:sldId id="318"/>
             <p14:sldId id="316"/>
-            <p14:sldId id="309"/>
-            <p14:sldId id="290"/>
-            <p14:sldId id="291"/>
-            <p14:sldId id="314"/>
-            <p14:sldId id="292"/>
-            <p14:sldId id="293"/>
-            <p14:sldId id="315"/>
             <p14:sldId id="286"/>
             <p14:sldId id="311"/>
             <p14:sldId id="312"/>
             <p14:sldId id="313"/>
-            <p14:sldId id="310"/>
-            <p14:sldId id="317"/>
             <p14:sldId id="280"/>
           </p14:sldIdLst>
         </p14:section>
       </p14:sectionLst>
     </p:ext>
     <p:ext uri="{EFAFB233-063F-42B5-8137-9DF3F51BA10A}">
-      <p15:sldGuideLst xmlns="" xmlns:p15="http://schemas.microsoft.com/office/powerpoint/2012/main">
+      <p15:sldGuideLst xmlns:p15="http://schemas.microsoft.com/office/powerpoint/2012/main" xmlns="">
         <p15:guide id="1" orient="horz" pos="2160">
           <p15:clr>
             <a:srgbClr val="A4A3A4"/>
@@ -583,7 +567,7 @@
           <a:p>
             <a:fld id="{E0C9FE79-DD5A-9445-AEE8-42DF44CA4EC3}" type="slidenum">
               <a:rPr lang="en-US" smtClean="0"/>
-              <a:t>12</a:t>
+              <a:t>6</a:t>
             </a:fld>
             <a:endParaRPr lang="en-US"/>
           </a:p>
@@ -15065,10 +15049,10 @@
           <p:cNvPr id="8" name="Rectangle 7">
             <a:extLst>
               <a:ext uri="{FF2B5EF4-FFF2-40B4-BE49-F238E27FC236}">
-                <a16:creationId xmlns="" xmlns:a16="http://schemas.microsoft.com/office/drawing/2014/main" id="{8C6E698C-8155-4B8B-BDC9-B7299772B509}"/>
+                <a16:creationId xmlns:a16="http://schemas.microsoft.com/office/drawing/2014/main" xmlns="" id="{8C6E698C-8155-4B8B-BDC9-B7299772B509}"/>
               </a:ext>
               <a:ext uri="{C183D7F6-B498-43B3-948B-1728B52AA6E4}">
-                <adec:decorative xmlns="" xmlns:adec="http://schemas.microsoft.com/office/drawing/2017/decorative" val="1"/>
+                <adec:decorative xmlns:adec="http://schemas.microsoft.com/office/drawing/2017/decorative" xmlns="" val="1"/>
               </a:ext>
             </a:extLst>
           </p:cNvPr>
@@ -15078,7 +15062,7 @@
           <p:nvPr>
             <p:extLst>
               <p:ext uri="{386F3935-93C4-4BCD-93E2-E3B085C9AB24}">
-                <p16:designElem xmlns="" xmlns:p16="http://schemas.microsoft.com/office/powerpoint/2015/main" val="1"/>
+                <p16:designElem xmlns:p16="http://schemas.microsoft.com/office/powerpoint/2015/main" xmlns="" val="1"/>
               </p:ext>
             </p:extLst>
           </p:nvPr>
@@ -15125,7 +15109,7 @@
           <p:cNvPr id="2" name="Title 1">
             <a:extLst>
               <a:ext uri="{FF2B5EF4-FFF2-40B4-BE49-F238E27FC236}">
-                <a16:creationId xmlns="" xmlns:a16="http://schemas.microsoft.com/office/drawing/2014/main" id="{851112BE-281F-4BF9-906C-997DF4C7A02F}"/>
+                <a16:creationId xmlns:a16="http://schemas.microsoft.com/office/drawing/2014/main" xmlns="" id="{851112BE-281F-4BF9-906C-997DF4C7A02F}"/>
               </a:ext>
             </a:extLst>
           </p:cNvPr>
@@ -15193,7 +15177,7 @@
           <p:cNvPr id="3" name="Subtitle 2">
             <a:extLst>
               <a:ext uri="{FF2B5EF4-FFF2-40B4-BE49-F238E27FC236}">
-                <a16:creationId xmlns="" xmlns:a16="http://schemas.microsoft.com/office/drawing/2014/main" id="{38114735-D296-4F43-949F-A7501E98755C}"/>
+                <a16:creationId xmlns:a16="http://schemas.microsoft.com/office/drawing/2014/main" xmlns="" id="{38114735-D296-4F43-949F-A7501E98755C}"/>
               </a:ext>
             </a:extLst>
           </p:cNvPr>
@@ -15248,10 +15232,10 @@
           <p:cNvPr id="10" name="Straight Connector 9">
             <a:extLst>
               <a:ext uri="{FF2B5EF4-FFF2-40B4-BE49-F238E27FC236}">
-                <a16:creationId xmlns="" xmlns:a16="http://schemas.microsoft.com/office/drawing/2014/main" id="{09525C9A-1972-4836-BA7A-706C946EF4DA}"/>
+                <a16:creationId xmlns:a16="http://schemas.microsoft.com/office/drawing/2014/main" xmlns="" id="{09525C9A-1972-4836-BA7A-706C946EF4DA}"/>
               </a:ext>
               <a:ext uri="{C183D7F6-B498-43B3-948B-1728B52AA6E4}">
-                <adec:decorative xmlns="" xmlns:adec="http://schemas.microsoft.com/office/drawing/2017/decorative" val="1"/>
+                <adec:decorative xmlns:adec="http://schemas.microsoft.com/office/drawing/2017/decorative" xmlns="" val="1"/>
               </a:ext>
             </a:extLst>
           </p:cNvPr>
@@ -15261,7 +15245,7 @@
           <p:nvPr>
             <p:extLst>
               <p:ext uri="{386F3935-93C4-4BCD-93E2-E3B085C9AB24}">
-                <p16:designElem xmlns="" xmlns:p16="http://schemas.microsoft.com/office/powerpoint/2015/main" val="1"/>
+                <p16:designElem xmlns:p16="http://schemas.microsoft.com/office/powerpoint/2015/main" xmlns="" val="1"/>
               </p:ext>
             </p:extLst>
           </p:nvPr>
@@ -15300,10 +15284,10 @@
           <p:cNvPr id="12" name="Rectangle 11">
             <a:extLst>
               <a:ext uri="{FF2B5EF4-FFF2-40B4-BE49-F238E27FC236}">
-                <a16:creationId xmlns="" xmlns:a16="http://schemas.microsoft.com/office/drawing/2014/main" id="{8A549DE7-671D-4575-AF43-858FD99981CF}"/>
+                <a16:creationId xmlns:a16="http://schemas.microsoft.com/office/drawing/2014/main" xmlns="" id="{8A549DE7-671D-4575-AF43-858FD99981CF}"/>
               </a:ext>
               <a:ext uri="{C183D7F6-B498-43B3-948B-1728B52AA6E4}">
-                <adec:decorative xmlns="" xmlns:adec="http://schemas.microsoft.com/office/drawing/2017/decorative" val="1"/>
+                <adec:decorative xmlns:adec="http://schemas.microsoft.com/office/drawing/2017/decorative" xmlns="" val="1"/>
               </a:ext>
             </a:extLst>
           </p:cNvPr>
@@ -15313,7 +15297,7 @@
           <p:nvPr>
             <p:extLst>
               <p:ext uri="{386F3935-93C4-4BCD-93E2-E3B085C9AB24}">
-                <p16:designElem xmlns="" xmlns:p16="http://schemas.microsoft.com/office/powerpoint/2015/main" val="1"/>
+                <p16:designElem xmlns:p16="http://schemas.microsoft.com/office/powerpoint/2015/main" xmlns="" val="1"/>
               </p:ext>
             </p:extLst>
           </p:nvPr>
@@ -15355,10 +15339,10 @@
           <p:cNvPr id="14" name="Rectangle 13">
             <a:extLst>
               <a:ext uri="{FF2B5EF4-FFF2-40B4-BE49-F238E27FC236}">
-                <a16:creationId xmlns="" xmlns:a16="http://schemas.microsoft.com/office/drawing/2014/main" id="{C22D9B36-9BE7-472B-8808-7E0D6810738F}"/>
+                <a16:creationId xmlns:a16="http://schemas.microsoft.com/office/drawing/2014/main" xmlns="" id="{C22D9B36-9BE7-472B-8808-7E0D6810738F}"/>
               </a:ext>
               <a:ext uri="{C183D7F6-B498-43B3-948B-1728B52AA6E4}">
-                <adec:decorative xmlns="" xmlns:adec="http://schemas.microsoft.com/office/drawing/2017/decorative" val="1"/>
+                <adec:decorative xmlns:adec="http://schemas.microsoft.com/office/drawing/2017/decorative" xmlns="" val="1"/>
               </a:ext>
             </a:extLst>
           </p:cNvPr>
@@ -15368,7 +15352,7 @@
           <p:nvPr>
             <p:extLst>
               <p:ext uri="{386F3935-93C4-4BCD-93E2-E3B085C9AB24}">
-                <p16:designElem xmlns="" xmlns:p16="http://schemas.microsoft.com/office/powerpoint/2015/main" val="1"/>
+                <p16:designElem xmlns:p16="http://schemas.microsoft.com/office/powerpoint/2015/main" xmlns="" val="1"/>
               </p:ext>
             </p:extLst>
           </p:nvPr>
@@ -15421,1392 +15405,6 @@
 <file path=ppt/slides/slide10.xml><?xml version="1.0" encoding="utf-8"?>
 <p:sld xmlns:a="http://schemas.openxmlformats.org/drawingml/2006/main" xmlns:r="http://schemas.openxmlformats.org/officeDocument/2006/relationships" xmlns:p="http://schemas.openxmlformats.org/presentationml/2006/main">
   <p:cSld>
-    <p:spTree>
-      <p:nvGrpSpPr>
-        <p:cNvPr id="1" name=""/>
-        <p:cNvGrpSpPr/>
-        <p:nvPr/>
-      </p:nvGrpSpPr>
-      <p:grpSpPr>
-        <a:xfrm>
-          <a:off x="0" y="0"/>
-          <a:ext cx="0" cy="0"/>
-          <a:chOff x="0" y="0"/>
-          <a:chExt cx="0" cy="0"/>
-        </a:xfrm>
-      </p:grpSpPr>
-      <p:sp>
-        <p:nvSpPr>
-          <p:cNvPr id="3" name="Title 2"/>
-          <p:cNvSpPr>
-            <a:spLocks noGrp="1"/>
-          </p:cNvSpPr>
-          <p:nvPr>
-            <p:ph type="title"/>
-          </p:nvPr>
-        </p:nvSpPr>
-        <p:spPr>
-          <a:xfrm>
-            <a:off x="609600" y="0"/>
-            <a:ext cx="10972800" cy="1252728"/>
-          </a:xfrm>
-        </p:spPr>
-        <p:txBody>
-          <a:bodyPr/>
-          <a:lstStyle/>
-          <a:p>
-            <a:r>
-              <a:rPr lang="en-US" b="1" dirty="0">
-                <a:solidFill>
-                  <a:schemeClr val="tx1"/>
-                </a:solidFill>
-              </a:rPr>
-              <a:t>View - </a:t>
-            </a:r>
-            <a:r>
-              <a:rPr lang="en-US" b="1" dirty="0" smtClean="0">
-                <a:solidFill>
-                  <a:srgbClr val="000000"/>
-                </a:solidFill>
-              </a:rPr>
-              <a:t>My </a:t>
-            </a:r>
-            <a:r>
-              <a:rPr lang="en-US" b="1" dirty="0">
-                <a:solidFill>
-                  <a:srgbClr val="000000"/>
-                </a:solidFill>
-              </a:rPr>
-              <a:t>Chats</a:t>
-            </a:r>
-          </a:p>
-        </p:txBody>
-      </p:sp>
-      <p:pic>
-        <p:nvPicPr>
-          <p:cNvPr id="2" name="Picture 1">
-            <a:extLst>
-              <a:ext uri="{FF2B5EF4-FFF2-40B4-BE49-F238E27FC236}">
-                <a16:creationId xmlns="" xmlns:a16="http://schemas.microsoft.com/office/drawing/2014/main" id="{43788874-90B7-4DC4-BBD4-43923F84366B}"/>
-              </a:ext>
-            </a:extLst>
-          </p:cNvPr>
-          <p:cNvPicPr>
-            <a:picLocks noChangeAspect="1"/>
-          </p:cNvPicPr>
-          <p:nvPr/>
-        </p:nvPicPr>
-        <p:blipFill>
-          <a:blip r:embed="rId2"/>
-          <a:stretch>
-            <a:fillRect/>
-          </a:stretch>
-        </p:blipFill>
-        <p:spPr>
-          <a:xfrm>
-            <a:off x="3499192" y="985706"/>
-            <a:ext cx="5326026" cy="5721291"/>
-          </a:xfrm>
-          <a:prstGeom prst="rect">
-            <a:avLst/>
-          </a:prstGeom>
-        </p:spPr>
-      </p:pic>
-    </p:spTree>
-    <p:extLst>
-      <p:ext uri="{BB962C8B-B14F-4D97-AF65-F5344CB8AC3E}">
-        <p14:creationId xmlns:p14="http://schemas.microsoft.com/office/powerpoint/2010/main" val="1540565221"/>
-      </p:ext>
-    </p:extLst>
-  </p:cSld>
-  <p:clrMapOvr>
-    <a:masterClrMapping/>
-  </p:clrMapOvr>
-</p:sld>
-</file>
-
-<file path=ppt/slides/slide11.xml><?xml version="1.0" encoding="utf-8"?>
-<p:sld xmlns:a="http://schemas.openxmlformats.org/drawingml/2006/main" xmlns:r="http://schemas.openxmlformats.org/officeDocument/2006/relationships" xmlns:p="http://schemas.openxmlformats.org/presentationml/2006/main">
-  <p:cSld>
-    <p:spTree>
-      <p:nvGrpSpPr>
-        <p:cNvPr id="1" name=""/>
-        <p:cNvGrpSpPr/>
-        <p:nvPr/>
-      </p:nvGrpSpPr>
-      <p:grpSpPr>
-        <a:xfrm>
-          <a:off x="0" y="0"/>
-          <a:ext cx="0" cy="0"/>
-          <a:chOff x="0" y="0"/>
-          <a:chExt cx="0" cy="0"/>
-        </a:xfrm>
-      </p:grpSpPr>
-      <p:sp>
-        <p:nvSpPr>
-          <p:cNvPr id="3" name="Title 2">
-            <a:extLst>
-              <a:ext uri="{FF2B5EF4-FFF2-40B4-BE49-F238E27FC236}">
-                <a16:creationId xmlns="" xmlns:a16="http://schemas.microsoft.com/office/drawing/2014/main" id="{76B8D3A3-0452-4D70-A307-CD2444B6E4F8}"/>
-              </a:ext>
-            </a:extLst>
-          </p:cNvPr>
-          <p:cNvSpPr>
-            <a:spLocks noGrp="1"/>
-          </p:cNvSpPr>
-          <p:nvPr>
-            <p:ph type="title"/>
-          </p:nvPr>
-        </p:nvSpPr>
-        <p:spPr/>
-        <p:txBody>
-          <a:bodyPr/>
-          <a:lstStyle/>
-          <a:p>
-            <a:r>
-              <a:rPr lang="en-US" b="1" dirty="0" smtClean="0">
-                <a:solidFill>
-                  <a:srgbClr val="000000"/>
-                </a:solidFill>
-              </a:rPr>
-              <a:t>Server</a:t>
-            </a:r>
-            <a:r>
-              <a:rPr lang="zh-CN" altLang="en-US" b="1" dirty="0">
-                <a:solidFill>
-                  <a:srgbClr val="000000"/>
-                </a:solidFill>
-              </a:rPr>
-              <a:t> </a:t>
-            </a:r>
-            <a:r>
-              <a:rPr lang="en-US" altLang="zh-CN" b="1" dirty="0" smtClean="0">
-                <a:solidFill>
-                  <a:srgbClr val="000000"/>
-                </a:solidFill>
-              </a:rPr>
-              <a:t>to</a:t>
-            </a:r>
-            <a:r>
-              <a:rPr lang="zh-CN" altLang="en-US" b="1" dirty="0" smtClean="0">
-                <a:solidFill>
-                  <a:srgbClr val="000000"/>
-                </a:solidFill>
-              </a:rPr>
-              <a:t> </a:t>
-            </a:r>
-            <a:r>
-              <a:rPr lang="en-US" altLang="zh-CN" b="1" dirty="0" smtClean="0">
-                <a:solidFill>
-                  <a:srgbClr val="000000"/>
-                </a:solidFill>
-              </a:rPr>
-              <a:t>Client</a:t>
-            </a:r>
-            <a:r>
-              <a:rPr lang="zh-CN" altLang="en-US" b="1" dirty="0" smtClean="0">
-                <a:solidFill>
-                  <a:srgbClr val="000000"/>
-                </a:solidFill>
-              </a:rPr>
-              <a:t> </a:t>
-            </a:r>
-            <a:r>
-              <a:rPr lang="en-US" altLang="zh-CN" b="1" dirty="0" smtClean="0">
-                <a:solidFill>
-                  <a:srgbClr val="000000"/>
-                </a:solidFill>
-              </a:rPr>
-              <a:t>communication</a:t>
-            </a:r>
-            <a:endParaRPr lang="en-US" b="1" dirty="0">
-              <a:solidFill>
-                <a:srgbClr val="000000"/>
-              </a:solidFill>
-            </a:endParaRPr>
-          </a:p>
-        </p:txBody>
-      </p:sp>
-      <p:sp>
-        <p:nvSpPr>
-          <p:cNvPr id="6" name="TextBox 5"/>
-          <p:cNvSpPr txBox="1"/>
-          <p:nvPr/>
-        </p:nvSpPr>
-        <p:spPr>
-          <a:xfrm>
-            <a:off x="274221" y="2442432"/>
-            <a:ext cx="13902219" cy="3046988"/>
-          </a:xfrm>
-          <a:prstGeom prst="rect">
-            <a:avLst/>
-          </a:prstGeom>
-          <a:noFill/>
-        </p:spPr>
-        <p:txBody>
-          <a:bodyPr wrap="square" rtlCol="0">
-            <a:spAutoFit/>
-          </a:bodyPr>
-          <a:lstStyle/>
-          <a:p>
-            <a:r>
-              <a:rPr lang="en-US" sz="3200" dirty="0" smtClean="0"/>
-              <a:t>Server</a:t>
-            </a:r>
-            <a:r>
-              <a:rPr lang="zh-CN" altLang="en-US" sz="3200" dirty="0" smtClean="0"/>
-              <a:t> </a:t>
-            </a:r>
-            <a:r>
-              <a:rPr lang="en-US" altLang="zh-CN" sz="3200" dirty="0" smtClean="0"/>
-              <a:t>s</a:t>
-            </a:r>
-            <a:r>
-              <a:rPr lang="en-US" sz="3200" dirty="0" smtClean="0"/>
-              <a:t>ends</a:t>
-            </a:r>
-            <a:r>
-              <a:rPr lang="zh-CN" altLang="en-US" sz="3200" dirty="0" smtClean="0"/>
-              <a:t> </a:t>
-            </a:r>
-            <a:r>
-              <a:rPr lang="en-US" altLang="zh-CN" sz="3200" dirty="0"/>
-              <a:t>t</a:t>
-            </a:r>
-            <a:r>
-              <a:rPr lang="en-US" sz="3200" dirty="0" smtClean="0"/>
-              <a:t>wo</a:t>
-            </a:r>
-            <a:r>
-              <a:rPr lang="zh-CN" altLang="en-US" sz="3200" dirty="0" smtClean="0"/>
-              <a:t> </a:t>
-            </a:r>
-            <a:r>
-              <a:rPr lang="en-US" altLang="zh-CN" sz="3200" dirty="0" smtClean="0"/>
-              <a:t>types</a:t>
-            </a:r>
-            <a:r>
-              <a:rPr lang="zh-CN" altLang="en-US" sz="3200" dirty="0" smtClean="0"/>
-              <a:t> </a:t>
-            </a:r>
-            <a:r>
-              <a:rPr lang="en-US" altLang="zh-CN" sz="3200" dirty="0" smtClean="0"/>
-              <a:t>of</a:t>
-            </a:r>
-            <a:r>
-              <a:rPr lang="zh-CN" altLang="en-US" sz="3200" dirty="0" smtClean="0"/>
-              <a:t> </a:t>
-            </a:r>
-            <a:r>
-              <a:rPr lang="en-US" altLang="zh-CN" sz="3200" dirty="0" smtClean="0"/>
-              <a:t>information:</a:t>
-            </a:r>
-          </a:p>
-          <a:p>
-            <a:endParaRPr lang="en-US" altLang="zh-CN" sz="3200" dirty="0" smtClean="0"/>
-          </a:p>
-          <a:p>
-            <a:pPr marL="285750" indent="-285750">
-              <a:buFont typeface="Arial"/>
-              <a:buChar char="•"/>
-            </a:pPr>
-            <a:r>
-              <a:rPr lang="en-US" altLang="zh-CN" sz="3200" dirty="0"/>
-              <a:t>allows the view to update the room information </a:t>
-            </a:r>
-            <a:r>
-              <a:rPr lang="zh-CN" altLang="zh-CN" sz="3200" dirty="0" smtClean="0"/>
-              <a:t>(</a:t>
-            </a:r>
-            <a:r>
-              <a:rPr lang="en-US" altLang="zh-CN" sz="3200" dirty="0" smtClean="0"/>
-              <a:t>middle column)</a:t>
-            </a:r>
-          </a:p>
-          <a:p>
-            <a:pPr marL="285750" indent="-285750">
-              <a:buFont typeface="Arial"/>
-              <a:buChar char="•"/>
-            </a:pPr>
-            <a:r>
-              <a:rPr lang="en-US" altLang="zh-CN" sz="3200" dirty="0" smtClean="0"/>
-              <a:t>allows </a:t>
-            </a:r>
-            <a:r>
-              <a:rPr lang="en-US" altLang="zh-CN" sz="3200" dirty="0"/>
-              <a:t>the view to update the </a:t>
-            </a:r>
-            <a:r>
-              <a:rPr lang="en-US" altLang="zh-CN" sz="3200" dirty="0" smtClean="0"/>
-              <a:t>chat information (right</a:t>
-            </a:r>
-            <a:r>
-              <a:rPr lang="zh-CN" altLang="en-US" sz="3200" dirty="0" smtClean="0"/>
-              <a:t> </a:t>
-            </a:r>
-            <a:r>
-              <a:rPr lang="en-US" altLang="zh-CN" sz="3200" dirty="0" smtClean="0"/>
-              <a:t>column)</a:t>
-            </a:r>
-            <a:endParaRPr lang="en-US" altLang="zh-CN" sz="3200" dirty="0"/>
-          </a:p>
-          <a:p>
-            <a:pPr marL="285750" indent="-285750">
-              <a:buFont typeface="Arial"/>
-              <a:buChar char="•"/>
-            </a:pPr>
-            <a:endParaRPr lang="en-US" altLang="zh-CN" sz="3200" dirty="0"/>
-          </a:p>
-          <a:p>
-            <a:pPr marL="285750" indent="-285750">
-              <a:buFont typeface="Arial"/>
-              <a:buChar char="•"/>
-            </a:pPr>
-            <a:endParaRPr lang="en-US" sz="3200" dirty="0"/>
-          </a:p>
-        </p:txBody>
-      </p:sp>
-    </p:spTree>
-    <p:extLst>
-      <p:ext uri="{BB962C8B-B14F-4D97-AF65-F5344CB8AC3E}">
-        <p14:creationId xmlns:p14="http://schemas.microsoft.com/office/powerpoint/2010/main" val="1597786197"/>
-      </p:ext>
-    </p:extLst>
-  </p:cSld>
-  <p:clrMapOvr>
-    <a:masterClrMapping/>
-  </p:clrMapOvr>
-</p:sld>
-</file>
-
-<file path=ppt/slides/slide12.xml><?xml version="1.0" encoding="utf-8"?>
-<p:sld xmlns:a="http://schemas.openxmlformats.org/drawingml/2006/main" xmlns:r="http://schemas.openxmlformats.org/officeDocument/2006/relationships" xmlns:p="http://schemas.openxmlformats.org/presentationml/2006/main">
-  <p:cSld>
-    <p:spTree>
-      <p:nvGrpSpPr>
-        <p:cNvPr id="1" name=""/>
-        <p:cNvGrpSpPr/>
-        <p:nvPr/>
-      </p:nvGrpSpPr>
-      <p:grpSpPr>
-        <a:xfrm>
-          <a:off x="0" y="0"/>
-          <a:ext cx="0" cy="0"/>
-          <a:chOff x="0" y="0"/>
-          <a:chExt cx="0" cy="0"/>
-        </a:xfrm>
-      </p:grpSpPr>
-      <p:sp>
-        <p:nvSpPr>
-          <p:cNvPr id="2" name="Title 1"/>
-          <p:cNvSpPr>
-            <a:spLocks noGrp="1"/>
-          </p:cNvSpPr>
-          <p:nvPr>
-            <p:ph type="title"/>
-          </p:nvPr>
-        </p:nvSpPr>
-        <p:spPr/>
-        <p:txBody>
-          <a:bodyPr>
-            <a:normAutofit/>
-          </a:bodyPr>
-          <a:lstStyle/>
-          <a:p>
-            <a:r>
-              <a:rPr lang="en-US" b="1" dirty="0" smtClean="0">
-                <a:solidFill>
-                  <a:srgbClr val="000000"/>
-                </a:solidFill>
-              </a:rPr>
-              <a:t>Controller </a:t>
-            </a:r>
-            <a:endParaRPr lang="en-US" b="1" dirty="0">
-              <a:solidFill>
-                <a:srgbClr val="000000"/>
-              </a:solidFill>
-            </a:endParaRPr>
-          </a:p>
-        </p:txBody>
-      </p:sp>
-      <p:sp>
-        <p:nvSpPr>
-          <p:cNvPr id="5" name="TextBox 4">
-            <a:extLst>
-              <a:ext uri="{FF2B5EF4-FFF2-40B4-BE49-F238E27FC236}">
-                <a16:creationId xmlns="" xmlns:a16="http://schemas.microsoft.com/office/drawing/2014/main" id="{84F02290-10A9-4B22-A3D0-BD285571D0DB}"/>
-              </a:ext>
-            </a:extLst>
-          </p:cNvPr>
-          <p:cNvSpPr txBox="1"/>
-          <p:nvPr/>
-        </p:nvSpPr>
-        <p:spPr>
-          <a:xfrm>
-            <a:off x="1083708" y="2347544"/>
-            <a:ext cx="7233856" cy="3539431"/>
-          </a:xfrm>
-          <a:prstGeom prst="rect">
-            <a:avLst/>
-          </a:prstGeom>
-          <a:noFill/>
-        </p:spPr>
-        <p:txBody>
-          <a:bodyPr wrap="square" rtlCol="0">
-            <a:spAutoFit/>
-          </a:bodyPr>
-          <a:lstStyle/>
-          <a:p>
-            <a:pPr marL="285750" indent="-285750">
-              <a:buFont typeface="Arial"/>
-              <a:buChar char="•"/>
-            </a:pPr>
-            <a:r>
-              <a:rPr lang="en-US" sz="2800" b="1" dirty="0" err="1" smtClean="0">
-                <a:solidFill>
-                  <a:srgbClr val="000000"/>
-                </a:solidFill>
-              </a:rPr>
-              <a:t>ChatAppController</a:t>
-            </a:r>
-            <a:endParaRPr lang="en-US" sz="2800" b="1" dirty="0" smtClean="0">
-              <a:solidFill>
-                <a:srgbClr val="000000"/>
-              </a:solidFill>
-            </a:endParaRPr>
-          </a:p>
-          <a:p>
-            <a:pPr marL="742950" lvl="1" indent="-285750">
-              <a:buFont typeface="Arial"/>
-              <a:buChar char="•"/>
-            </a:pPr>
-            <a:r>
-              <a:rPr lang="en-US" sz="2800" dirty="0" smtClean="0">
-                <a:solidFill>
-                  <a:srgbClr val="000000"/>
-                </a:solidFill>
-              </a:rPr>
-              <a:t>Setup</a:t>
-            </a:r>
-            <a:r>
-              <a:rPr lang="zh-CN" altLang="en-US" sz="2800" dirty="0" smtClean="0">
-                <a:solidFill>
-                  <a:srgbClr val="000000"/>
-                </a:solidFill>
-              </a:rPr>
-              <a:t> </a:t>
-            </a:r>
-            <a:r>
-              <a:rPr lang="en-US" altLang="zh-CN" sz="2800" dirty="0" err="1" smtClean="0">
-                <a:solidFill>
-                  <a:srgbClr val="000000"/>
-                </a:solidFill>
-              </a:rPr>
-              <a:t>Websocket</a:t>
-            </a:r>
-            <a:r>
-              <a:rPr lang="zh-CN" altLang="en-US" sz="2800" dirty="0" smtClean="0">
-                <a:solidFill>
-                  <a:srgbClr val="000000"/>
-                </a:solidFill>
-              </a:rPr>
-              <a:t> </a:t>
-            </a:r>
-            <a:r>
-              <a:rPr lang="en-US" altLang="zh-CN" sz="2800" dirty="0" smtClean="0">
-                <a:solidFill>
-                  <a:srgbClr val="000000"/>
-                </a:solidFill>
-              </a:rPr>
-              <a:t>on</a:t>
-            </a:r>
-            <a:r>
-              <a:rPr lang="zh-CN" altLang="en-US" sz="2800" dirty="0" smtClean="0">
-                <a:solidFill>
-                  <a:srgbClr val="000000"/>
-                </a:solidFill>
-              </a:rPr>
-              <a:t> </a:t>
-            </a:r>
-            <a:r>
-              <a:rPr lang="en-US" altLang="zh-CN" sz="2800" dirty="0" smtClean="0">
-                <a:solidFill>
-                  <a:srgbClr val="000000"/>
-                </a:solidFill>
-              </a:rPr>
-              <a:t>server</a:t>
-            </a:r>
-            <a:r>
-              <a:rPr lang="zh-CN" altLang="en-US" sz="2800" dirty="0" smtClean="0">
-                <a:solidFill>
-                  <a:srgbClr val="000000"/>
-                </a:solidFill>
-              </a:rPr>
-              <a:t> </a:t>
-            </a:r>
-            <a:r>
-              <a:rPr lang="en-US" altLang="zh-CN" sz="2800" dirty="0" smtClean="0">
-                <a:solidFill>
-                  <a:srgbClr val="000000"/>
-                </a:solidFill>
-              </a:rPr>
-              <a:t>side</a:t>
-            </a:r>
-          </a:p>
-          <a:p>
-            <a:pPr marL="742950" lvl="1" indent="-285750">
-              <a:buFont typeface="Arial"/>
-              <a:buChar char="•"/>
-            </a:pPr>
-            <a:r>
-              <a:rPr lang="en-US" sz="2800" dirty="0" smtClean="0">
-                <a:solidFill>
-                  <a:srgbClr val="000000"/>
-                </a:solidFill>
-              </a:rPr>
-              <a:t>Setup</a:t>
-            </a:r>
-            <a:r>
-              <a:rPr lang="zh-CN" altLang="en-US" sz="2800" dirty="0" smtClean="0">
-                <a:solidFill>
-                  <a:srgbClr val="000000"/>
-                </a:solidFill>
-              </a:rPr>
-              <a:t> </a:t>
-            </a:r>
-            <a:r>
-              <a:rPr lang="en-US" altLang="zh-CN" sz="2800" dirty="0" err="1" smtClean="0">
-                <a:solidFill>
-                  <a:srgbClr val="000000"/>
-                </a:solidFill>
-              </a:rPr>
-              <a:t>Heroku</a:t>
-            </a:r>
-            <a:r>
-              <a:rPr lang="zh-CN" altLang="en-US" sz="2800" dirty="0" smtClean="0">
-                <a:solidFill>
-                  <a:srgbClr val="000000"/>
-                </a:solidFill>
-              </a:rPr>
-              <a:t> </a:t>
-            </a:r>
-            <a:r>
-              <a:rPr lang="en-US" altLang="zh-CN" sz="2800" dirty="0" smtClean="0">
-                <a:solidFill>
-                  <a:srgbClr val="000000"/>
-                </a:solidFill>
-              </a:rPr>
-              <a:t>port</a:t>
-            </a:r>
-          </a:p>
-          <a:p>
-            <a:pPr lvl="1"/>
-            <a:endParaRPr lang="en-US" sz="2800" dirty="0" smtClean="0"/>
-          </a:p>
-          <a:p>
-            <a:pPr marL="285750" indent="-285750">
-              <a:buFont typeface="Arial"/>
-              <a:buChar char="•"/>
-            </a:pPr>
-            <a:r>
-              <a:rPr lang="en-US" sz="2800" b="1" dirty="0" err="1" smtClean="0">
-                <a:solidFill>
-                  <a:srgbClr val="000000"/>
-                </a:solidFill>
-              </a:rPr>
-              <a:t>WebSocketController</a:t>
-            </a:r>
-            <a:endParaRPr lang="en-US" sz="2800" b="1" dirty="0" smtClean="0">
-              <a:solidFill>
-                <a:srgbClr val="000000"/>
-              </a:solidFill>
-            </a:endParaRPr>
-          </a:p>
-          <a:p>
-            <a:pPr marL="742950" lvl="1" indent="-285750">
-              <a:buFont typeface="Arial"/>
-              <a:buChar char="•"/>
-            </a:pPr>
-            <a:r>
-              <a:rPr lang="en-US" sz="2800" dirty="0" smtClean="0">
-                <a:solidFill>
-                  <a:srgbClr val="000000"/>
-                </a:solidFill>
-              </a:rPr>
-              <a:t>H</a:t>
-            </a:r>
-            <a:r>
-              <a:rPr lang="en-US" altLang="zh-CN" sz="2800" dirty="0" smtClean="0">
-                <a:solidFill>
-                  <a:srgbClr val="000000"/>
-                </a:solidFill>
-              </a:rPr>
-              <a:t>andle</a:t>
-            </a:r>
-            <a:r>
-              <a:rPr lang="zh-CN" altLang="en-US" sz="2800" dirty="0" smtClean="0">
-                <a:solidFill>
-                  <a:srgbClr val="000000"/>
-                </a:solidFill>
-              </a:rPr>
-              <a:t> </a:t>
-            </a:r>
-            <a:r>
-              <a:rPr lang="en-US" altLang="zh-CN" sz="2800" dirty="0" err="1">
-                <a:solidFill>
-                  <a:srgbClr val="000000"/>
-                </a:solidFill>
-              </a:rPr>
-              <a:t>W</a:t>
-            </a:r>
-            <a:r>
-              <a:rPr lang="en-US" altLang="zh-CN" sz="2800" dirty="0" err="1" smtClean="0">
-                <a:solidFill>
-                  <a:srgbClr val="000000"/>
-                </a:solidFill>
-              </a:rPr>
-              <a:t>ebsocket</a:t>
-            </a:r>
-            <a:r>
-              <a:rPr lang="zh-CN" altLang="en-US" sz="2800" dirty="0" smtClean="0">
-                <a:solidFill>
-                  <a:srgbClr val="000000"/>
-                </a:solidFill>
-              </a:rPr>
-              <a:t> </a:t>
-            </a:r>
-            <a:r>
-              <a:rPr lang="en-US" altLang="zh-CN" sz="2800" dirty="0" smtClean="0">
-                <a:solidFill>
-                  <a:srgbClr val="000000"/>
-                </a:solidFill>
-              </a:rPr>
-              <a:t>communications</a:t>
-            </a:r>
-            <a:r>
-              <a:rPr lang="zh-CN" altLang="en-US" sz="2800" dirty="0" smtClean="0">
-                <a:solidFill>
-                  <a:srgbClr val="000000"/>
-                </a:solidFill>
-              </a:rPr>
-              <a:t> </a:t>
-            </a:r>
-            <a:r>
-              <a:rPr lang="en-US" altLang="zh-CN" sz="2800" dirty="0" smtClean="0">
-                <a:solidFill>
-                  <a:srgbClr val="000000"/>
-                </a:solidFill>
-              </a:rPr>
-              <a:t>from</a:t>
-            </a:r>
-            <a:r>
-              <a:rPr lang="zh-CN" altLang="en-US" sz="2800" dirty="0" smtClean="0">
-                <a:solidFill>
-                  <a:srgbClr val="000000"/>
-                </a:solidFill>
-              </a:rPr>
-              <a:t> </a:t>
-            </a:r>
-            <a:r>
-              <a:rPr lang="en-US" altLang="zh-CN" sz="2800" dirty="0" smtClean="0">
-                <a:solidFill>
-                  <a:srgbClr val="000000"/>
-                </a:solidFill>
-              </a:rPr>
-              <a:t>client</a:t>
-            </a:r>
-            <a:r>
-              <a:rPr lang="zh-CN" altLang="en-US" sz="2800" dirty="0" smtClean="0">
-                <a:solidFill>
-                  <a:srgbClr val="000000"/>
-                </a:solidFill>
-              </a:rPr>
-              <a:t> </a:t>
-            </a:r>
-            <a:r>
-              <a:rPr lang="en-US" altLang="zh-CN" sz="2800" dirty="0" smtClean="0">
-                <a:solidFill>
-                  <a:srgbClr val="000000"/>
-                </a:solidFill>
-              </a:rPr>
-              <a:t>side</a:t>
-            </a:r>
-          </a:p>
-          <a:p>
-            <a:pPr marL="742950" lvl="1" indent="-285750">
-              <a:buFont typeface="Arial"/>
-              <a:buChar char="•"/>
-            </a:pPr>
-            <a:r>
-              <a:rPr lang="en-US" sz="2800" dirty="0" smtClean="0"/>
-              <a:t>Utilize</a:t>
-            </a:r>
-            <a:r>
-              <a:rPr lang="zh-CN" altLang="en-US" sz="2800" dirty="0" smtClean="0"/>
-              <a:t> </a:t>
-            </a:r>
-            <a:r>
-              <a:rPr lang="en-US" altLang="zh-CN" sz="2800" dirty="0" err="1" smtClean="0"/>
-              <a:t>DispatcherAdapter</a:t>
-            </a:r>
-            <a:r>
-              <a:rPr lang="zh-CN" altLang="en-US" sz="2800" dirty="0" smtClean="0"/>
-              <a:t> </a:t>
-            </a:r>
-            <a:endParaRPr lang="en-US" altLang="zh-CN" sz="2800" dirty="0" smtClean="0"/>
-          </a:p>
-        </p:txBody>
-      </p:sp>
-    </p:spTree>
-    <p:extLst>
-      <p:ext uri="{BB962C8B-B14F-4D97-AF65-F5344CB8AC3E}">
-        <p14:creationId xmlns:p14="http://schemas.microsoft.com/office/powerpoint/2010/main" val="1732787951"/>
-      </p:ext>
-    </p:extLst>
-  </p:cSld>
-  <p:clrMapOvr>
-    <a:masterClrMapping/>
-  </p:clrMapOvr>
-</p:sld>
-</file>
-
-<file path=ppt/slides/slide13.xml><?xml version="1.0" encoding="utf-8"?>
-<p:sld xmlns:a="http://schemas.openxmlformats.org/drawingml/2006/main" xmlns:r="http://schemas.openxmlformats.org/officeDocument/2006/relationships" xmlns:p="http://schemas.openxmlformats.org/presentationml/2006/main">
-  <p:cSld>
-    <p:spTree>
-      <p:nvGrpSpPr>
-        <p:cNvPr id="1" name=""/>
-        <p:cNvGrpSpPr/>
-        <p:nvPr/>
-      </p:nvGrpSpPr>
-      <p:grpSpPr>
-        <a:xfrm>
-          <a:off x="0" y="0"/>
-          <a:ext cx="0" cy="0"/>
-          <a:chOff x="0" y="0"/>
-          <a:chExt cx="0" cy="0"/>
-        </a:xfrm>
-      </p:grpSpPr>
-      <p:pic>
-        <p:nvPicPr>
-          <p:cNvPr id="4" name="Content Placeholder 3" descr="Screen Shot 2018-11-27 at 14.51.01.png"/>
-          <p:cNvPicPr>
-            <a:picLocks noGrp="1" noChangeAspect="1"/>
-          </p:cNvPicPr>
-          <p:nvPr>
-            <p:ph idx="1"/>
-          </p:nvPr>
-        </p:nvPicPr>
-        <p:blipFill>
-          <a:blip r:embed="rId2">
-            <a:extLst>
-              <a:ext uri="{28A0092B-C50C-407E-A947-70E740481C1C}">
-                <a14:useLocalDpi xmlns:a14="http://schemas.microsoft.com/office/drawing/2010/main" val="0"/>
-              </a:ext>
-            </a:extLst>
-          </a:blip>
-          <a:srcRect t="-15652" b="-15652"/>
-          <a:stretch>
-            <a:fillRect/>
-          </a:stretch>
-        </p:blipFill>
-        <p:spPr>
-          <a:xfrm>
-            <a:off x="32344" y="1702726"/>
-            <a:ext cx="12181088" cy="4577815"/>
-          </a:xfrm>
-        </p:spPr>
-      </p:pic>
-      <p:sp>
-        <p:nvSpPr>
-          <p:cNvPr id="3" name="Title 2"/>
-          <p:cNvSpPr>
-            <a:spLocks noGrp="1"/>
-          </p:cNvSpPr>
-          <p:nvPr>
-            <p:ph type="title"/>
-          </p:nvPr>
-        </p:nvSpPr>
-        <p:spPr/>
-        <p:txBody>
-          <a:bodyPr/>
-          <a:lstStyle/>
-          <a:p>
-            <a:r>
-              <a:rPr lang="en-US" b="1" dirty="0" smtClean="0">
-                <a:solidFill>
-                  <a:srgbClr val="000000"/>
-                </a:solidFill>
-              </a:rPr>
-              <a:t>Model -</a:t>
-            </a:r>
-            <a:r>
-              <a:rPr lang="zh-CN" altLang="en-US" b="1" dirty="0" smtClean="0">
-                <a:solidFill>
-                  <a:srgbClr val="000000"/>
-                </a:solidFill>
-              </a:rPr>
-              <a:t> </a:t>
-            </a:r>
-            <a:r>
-              <a:rPr lang="en-US" b="1" dirty="0" smtClean="0">
-                <a:solidFill>
-                  <a:srgbClr val="000000"/>
-                </a:solidFill>
-              </a:rPr>
-              <a:t>Package</a:t>
-            </a:r>
-            <a:r>
-              <a:rPr lang="zh-CN" altLang="en-US" b="1" dirty="0" smtClean="0">
-                <a:solidFill>
-                  <a:srgbClr val="000000"/>
-                </a:solidFill>
-              </a:rPr>
-              <a:t> </a:t>
-            </a:r>
-            <a:r>
-              <a:rPr lang="en-US" b="1" dirty="0" err="1" smtClean="0">
-                <a:solidFill>
-                  <a:srgbClr val="000000"/>
-                </a:solidFill>
-              </a:rPr>
-              <a:t>cmd</a:t>
-            </a:r>
-            <a:endParaRPr lang="en-US" b="1" dirty="0">
-              <a:solidFill>
-                <a:srgbClr val="000000"/>
-              </a:solidFill>
-            </a:endParaRPr>
-          </a:p>
-        </p:txBody>
-      </p:sp>
-    </p:spTree>
-    <p:extLst>
-      <p:ext uri="{BB962C8B-B14F-4D97-AF65-F5344CB8AC3E}">
-        <p14:creationId xmlns:p14="http://schemas.microsoft.com/office/powerpoint/2010/main" val="2898121556"/>
-      </p:ext>
-    </p:extLst>
-  </p:cSld>
-  <p:clrMapOvr>
-    <a:masterClrMapping/>
-  </p:clrMapOvr>
-</p:sld>
-</file>
-
-<file path=ppt/slides/slide14.xml><?xml version="1.0" encoding="utf-8"?>
-<p:sld xmlns:a="http://schemas.openxmlformats.org/drawingml/2006/main" xmlns:r="http://schemas.openxmlformats.org/officeDocument/2006/relationships" xmlns:p="http://schemas.openxmlformats.org/presentationml/2006/main">
-  <p:cSld>
-    <p:spTree>
-      <p:nvGrpSpPr>
-        <p:cNvPr id="1" name=""/>
-        <p:cNvGrpSpPr/>
-        <p:nvPr/>
-      </p:nvGrpSpPr>
-      <p:grpSpPr>
-        <a:xfrm>
-          <a:off x="0" y="0"/>
-          <a:ext cx="0" cy="0"/>
-          <a:chOff x="0" y="0"/>
-          <a:chExt cx="0" cy="0"/>
-        </a:xfrm>
-      </p:grpSpPr>
-      <p:sp>
-        <p:nvSpPr>
-          <p:cNvPr id="3" name="Title 2"/>
-          <p:cNvSpPr>
-            <a:spLocks noGrp="1"/>
-          </p:cNvSpPr>
-          <p:nvPr>
-            <p:ph type="title"/>
-          </p:nvPr>
-        </p:nvSpPr>
-        <p:spPr/>
-        <p:txBody>
-          <a:bodyPr/>
-          <a:lstStyle/>
-          <a:p>
-            <a:r>
-              <a:rPr lang="en-US" b="1" dirty="0" smtClean="0">
-                <a:solidFill>
-                  <a:srgbClr val="000000"/>
-                </a:solidFill>
-              </a:rPr>
-              <a:t>Model</a:t>
-            </a:r>
-            <a:r>
-              <a:rPr lang="zh-CN" altLang="en-US" b="1" dirty="0" smtClean="0">
-                <a:solidFill>
-                  <a:srgbClr val="000000"/>
-                </a:solidFill>
-              </a:rPr>
-              <a:t> </a:t>
-            </a:r>
-            <a:r>
-              <a:rPr lang="en-US" b="1" dirty="0" smtClean="0">
-                <a:solidFill>
-                  <a:srgbClr val="000000"/>
-                </a:solidFill>
-              </a:rPr>
-              <a:t>-</a:t>
-            </a:r>
-            <a:r>
-              <a:rPr lang="zh-CN" altLang="en-US" b="1" dirty="0" smtClean="0">
-                <a:solidFill>
-                  <a:srgbClr val="000000"/>
-                </a:solidFill>
-              </a:rPr>
-              <a:t> </a:t>
-            </a:r>
-            <a:r>
-              <a:rPr lang="en-US" b="1" dirty="0" smtClean="0">
-                <a:solidFill>
-                  <a:srgbClr val="000000"/>
-                </a:solidFill>
-              </a:rPr>
-              <a:t>Package</a:t>
-            </a:r>
-            <a:r>
-              <a:rPr lang="zh-CN" altLang="en-US" b="1" dirty="0" smtClean="0">
-                <a:solidFill>
-                  <a:srgbClr val="000000"/>
-                </a:solidFill>
-              </a:rPr>
-              <a:t> </a:t>
-            </a:r>
-            <a:r>
-              <a:rPr lang="en-US" b="1" dirty="0" err="1" smtClean="0">
-                <a:solidFill>
-                  <a:srgbClr val="000000"/>
-                </a:solidFill>
-              </a:rPr>
-              <a:t>obj</a:t>
-            </a:r>
-            <a:endParaRPr lang="en-US" b="1" dirty="0">
-              <a:solidFill>
-                <a:srgbClr val="000000"/>
-              </a:solidFill>
-            </a:endParaRPr>
-          </a:p>
-        </p:txBody>
-      </p:sp>
-      <p:pic>
-        <p:nvPicPr>
-          <p:cNvPr id="8" name="Picture 7" descr="Screen Shot 2018-11-27 at 15.23.16.png"/>
-          <p:cNvPicPr>
-            <a:picLocks noChangeAspect="1"/>
-          </p:cNvPicPr>
-          <p:nvPr/>
-        </p:nvPicPr>
-        <p:blipFill>
-          <a:blip r:embed="rId2">
-            <a:extLst>
-              <a:ext uri="{28A0092B-C50C-407E-A947-70E740481C1C}">
-                <a14:useLocalDpi xmlns:a14="http://schemas.microsoft.com/office/drawing/2010/main" val="0"/>
-              </a:ext>
-            </a:extLst>
-          </a:blip>
-          <a:stretch>
-            <a:fillRect/>
-          </a:stretch>
-        </p:blipFill>
-        <p:spPr>
-          <a:xfrm>
-            <a:off x="921071" y="1507330"/>
-            <a:ext cx="10020153" cy="5246259"/>
-          </a:xfrm>
-          <a:prstGeom prst="rect">
-            <a:avLst/>
-          </a:prstGeom>
-        </p:spPr>
-      </p:pic>
-    </p:spTree>
-    <p:extLst>
-      <p:ext uri="{BB962C8B-B14F-4D97-AF65-F5344CB8AC3E}">
-        <p14:creationId xmlns:p14="http://schemas.microsoft.com/office/powerpoint/2010/main" val="2825297420"/>
-      </p:ext>
-    </p:extLst>
-  </p:cSld>
-  <p:clrMapOvr>
-    <a:masterClrMapping/>
-  </p:clrMapOvr>
-</p:sld>
-</file>
-
-<file path=ppt/slides/slide15.xml><?xml version="1.0" encoding="utf-8"?>
-<p:sld xmlns:a="http://schemas.openxmlformats.org/drawingml/2006/main" xmlns:r="http://schemas.openxmlformats.org/officeDocument/2006/relationships" xmlns:p="http://schemas.openxmlformats.org/presentationml/2006/main">
-  <p:cSld>
-    <p:spTree>
-      <p:nvGrpSpPr>
-        <p:cNvPr id="1" name=""/>
-        <p:cNvGrpSpPr/>
-        <p:nvPr/>
-      </p:nvGrpSpPr>
-      <p:grpSpPr>
-        <a:xfrm>
-          <a:off x="0" y="0"/>
-          <a:ext cx="0" cy="0"/>
-          <a:chOff x="0" y="0"/>
-          <a:chExt cx="0" cy="0"/>
-        </a:xfrm>
-      </p:grpSpPr>
-      <p:sp>
-        <p:nvSpPr>
-          <p:cNvPr id="3" name="Title 2"/>
-          <p:cNvSpPr>
-            <a:spLocks noGrp="1"/>
-          </p:cNvSpPr>
-          <p:nvPr>
-            <p:ph type="title"/>
-          </p:nvPr>
-        </p:nvSpPr>
-        <p:spPr/>
-        <p:txBody>
-          <a:bodyPr/>
-          <a:lstStyle/>
-          <a:p>
-            <a:r>
-              <a:rPr lang="en-US" b="1" dirty="0" smtClean="0">
-                <a:solidFill>
-                  <a:srgbClr val="000000"/>
-                </a:solidFill>
-              </a:rPr>
-              <a:t>Model</a:t>
-            </a:r>
-            <a:r>
-              <a:rPr lang="zh-CN" altLang="en-US" b="1" dirty="0" smtClean="0">
-                <a:solidFill>
-                  <a:srgbClr val="000000"/>
-                </a:solidFill>
-              </a:rPr>
-              <a:t> </a:t>
-            </a:r>
-            <a:r>
-              <a:rPr lang="en-US" b="1" dirty="0" smtClean="0">
-                <a:solidFill>
-                  <a:srgbClr val="000000"/>
-                </a:solidFill>
-              </a:rPr>
-              <a:t>-</a:t>
-            </a:r>
-            <a:r>
-              <a:rPr lang="zh-CN" altLang="en-US" b="1" dirty="0" smtClean="0">
-                <a:solidFill>
-                  <a:srgbClr val="000000"/>
-                </a:solidFill>
-              </a:rPr>
-              <a:t> </a:t>
-            </a:r>
-            <a:r>
-              <a:rPr lang="en-US" b="1" dirty="0" smtClean="0">
-                <a:solidFill>
-                  <a:srgbClr val="000000"/>
-                </a:solidFill>
-              </a:rPr>
-              <a:t>Package</a:t>
-            </a:r>
-            <a:r>
-              <a:rPr lang="zh-CN" altLang="en-US" b="1" dirty="0" smtClean="0">
-                <a:solidFill>
-                  <a:srgbClr val="000000"/>
-                </a:solidFill>
-              </a:rPr>
-              <a:t> </a:t>
-            </a:r>
-            <a:r>
-              <a:rPr lang="en-US" b="1" dirty="0" smtClean="0">
-                <a:solidFill>
-                  <a:srgbClr val="000000"/>
-                </a:solidFill>
-              </a:rPr>
-              <a:t>res</a:t>
-            </a:r>
-            <a:endParaRPr lang="en-US" b="1" dirty="0">
-              <a:solidFill>
-                <a:srgbClr val="000000"/>
-              </a:solidFill>
-            </a:endParaRPr>
-          </a:p>
-        </p:txBody>
-      </p:sp>
-      <p:pic>
-        <p:nvPicPr>
-          <p:cNvPr id="2" name="Picture 1" descr="Screen Shot 2018-11-27 at 15.24.42.png"/>
-          <p:cNvPicPr>
-            <a:picLocks noChangeAspect="1"/>
-          </p:cNvPicPr>
-          <p:nvPr/>
-        </p:nvPicPr>
-        <p:blipFill>
-          <a:blip r:embed="rId2">
-            <a:extLst>
-              <a:ext uri="{28A0092B-C50C-407E-A947-70E740481C1C}">
-                <a14:useLocalDpi xmlns:a14="http://schemas.microsoft.com/office/drawing/2010/main" val="0"/>
-              </a:ext>
-            </a:extLst>
-          </a:blip>
-          <a:stretch>
-            <a:fillRect/>
-          </a:stretch>
-        </p:blipFill>
-        <p:spPr>
-          <a:xfrm>
-            <a:off x="0" y="2700955"/>
-            <a:ext cx="12192000" cy="3362933"/>
-          </a:xfrm>
-          <a:prstGeom prst="rect">
-            <a:avLst/>
-          </a:prstGeom>
-        </p:spPr>
-      </p:pic>
-    </p:spTree>
-    <p:extLst>
-      <p:ext uri="{BB962C8B-B14F-4D97-AF65-F5344CB8AC3E}">
-        <p14:creationId xmlns:p14="http://schemas.microsoft.com/office/powerpoint/2010/main" val="3695703181"/>
-      </p:ext>
-    </p:extLst>
-  </p:cSld>
-  <p:clrMapOvr>
-    <a:masterClrMapping/>
-  </p:clrMapOvr>
-</p:sld>
-</file>
-
-<file path=ppt/slides/slide16.xml><?xml version="1.0" encoding="utf-8"?>
-<p:sld xmlns:a="http://schemas.openxmlformats.org/drawingml/2006/main" xmlns:r="http://schemas.openxmlformats.org/officeDocument/2006/relationships" xmlns:p="http://schemas.openxmlformats.org/presentationml/2006/main">
-  <p:cSld>
-    <p:spTree>
-      <p:nvGrpSpPr>
-        <p:cNvPr id="1" name=""/>
-        <p:cNvGrpSpPr/>
-        <p:nvPr/>
-      </p:nvGrpSpPr>
-      <p:grpSpPr>
-        <a:xfrm>
-          <a:off x="0" y="0"/>
-          <a:ext cx="0" cy="0"/>
-          <a:chOff x="0" y="0"/>
-          <a:chExt cx="0" cy="0"/>
-        </a:xfrm>
-      </p:grpSpPr>
-      <p:sp>
-        <p:nvSpPr>
-          <p:cNvPr id="3" name="Title 2"/>
-          <p:cNvSpPr>
-            <a:spLocks noGrp="1"/>
-          </p:cNvSpPr>
-          <p:nvPr>
-            <p:ph type="title"/>
-          </p:nvPr>
-        </p:nvSpPr>
-        <p:spPr/>
-        <p:txBody>
-          <a:bodyPr/>
-          <a:lstStyle/>
-          <a:p>
-            <a:r>
-              <a:rPr lang="en-US" b="1" dirty="0" smtClean="0">
-                <a:solidFill>
-                  <a:srgbClr val="000000"/>
-                </a:solidFill>
-              </a:rPr>
-              <a:t>Demo</a:t>
-            </a:r>
-            <a:endParaRPr lang="en-US" b="1" dirty="0">
-              <a:solidFill>
-                <a:srgbClr val="000000"/>
-              </a:solidFill>
-            </a:endParaRPr>
-          </a:p>
-        </p:txBody>
-      </p:sp>
-      <p:sp>
-        <p:nvSpPr>
-          <p:cNvPr id="4" name="矩形 3"/>
-          <p:cNvSpPr/>
-          <p:nvPr/>
-        </p:nvSpPr>
-        <p:spPr>
-          <a:xfrm>
-            <a:off x="3299700" y="2231637"/>
-            <a:ext cx="5533937" cy="923330"/>
-          </a:xfrm>
-          <a:prstGeom prst="rect">
-            <a:avLst/>
-          </a:prstGeom>
-          <a:noFill/>
-        </p:spPr>
-        <p:txBody>
-          <a:bodyPr wrap="none" lIns="91440" tIns="45720" rIns="91440" bIns="45720">
-            <a:spAutoFit/>
-            <a:scene3d>
-              <a:camera prst="orthographicFront"/>
-              <a:lightRig rig="soft" dir="t">
-                <a:rot lat="0" lon="0" rev="15600000"/>
-              </a:lightRig>
-            </a:scene3d>
-            <a:sp3d extrusionH="57150" prstMaterial="softEdge">
-              <a:bevelT w="25400" h="38100"/>
-            </a:sp3d>
-          </a:bodyPr>
-          <a:lstStyle/>
-          <a:p>
-            <a:pPr algn="ctr"/>
-            <a:r>
-              <a:rPr lang="en-US" altLang="zh-CN" sz="5400" b="1" dirty="0">
-                <a:ln/>
-                <a:solidFill>
-                  <a:schemeClr val="accent4"/>
-                </a:solidFill>
-              </a:rPr>
-              <a:t>Deploy on </a:t>
-            </a:r>
-            <a:r>
-              <a:rPr lang="en-US" altLang="zh-CN" sz="5400" b="1" dirty="0" err="1">
-                <a:ln/>
-                <a:solidFill>
-                  <a:schemeClr val="accent4"/>
-                </a:solidFill>
-              </a:rPr>
-              <a:t>Heroku</a:t>
-            </a:r>
-            <a:endParaRPr lang="zh-CN" altLang="en-US" sz="5400" b="1" cap="none" spc="0" dirty="0">
-              <a:ln/>
-              <a:solidFill>
-                <a:schemeClr val="accent4"/>
-              </a:solidFill>
-              <a:effectLst/>
-            </a:endParaRPr>
-          </a:p>
-        </p:txBody>
-      </p:sp>
-      <p:sp>
-        <p:nvSpPr>
-          <p:cNvPr id="5" name="文本框 5"/>
-          <p:cNvSpPr txBox="1"/>
-          <p:nvPr/>
-        </p:nvSpPr>
-        <p:spPr>
-          <a:xfrm>
-            <a:off x="3179407" y="3388757"/>
-            <a:ext cx="7996052" cy="646331"/>
-          </a:xfrm>
-          <a:prstGeom prst="rect">
-            <a:avLst/>
-          </a:prstGeom>
-          <a:noFill/>
-        </p:spPr>
-        <p:txBody>
-          <a:bodyPr wrap="square" rtlCol="0">
-            <a:spAutoFit/>
-          </a:bodyPr>
-          <a:lstStyle/>
-          <a:p>
-            <a:r>
-              <a:rPr kumimoji="1" lang="en-US" altLang="zh-CN" dirty="0"/>
-              <a:t>URL</a:t>
-            </a:r>
-            <a:r>
-              <a:rPr kumimoji="1" lang="en-US" altLang="zh-CN" dirty="0" smtClean="0"/>
-              <a:t>:</a:t>
-            </a:r>
-            <a:r>
-              <a:rPr kumimoji="1" lang="zh-CN" altLang="en-US" dirty="0" smtClean="0"/>
-              <a:t>  </a:t>
-            </a:r>
-            <a:r>
-              <a:rPr kumimoji="1" lang="en-US" altLang="zh-CN" dirty="0" smtClean="0">
-                <a:hlinkClick r:id="rId2"/>
-              </a:rPr>
-              <a:t>https</a:t>
-            </a:r>
-            <a:r>
-              <a:rPr kumimoji="1" lang="en-US" altLang="zh-CN" dirty="0">
-                <a:hlinkClick r:id="rId2"/>
-              </a:rPr>
-              <a:t>://chatapp-team-nullsleep.herokuapp.com</a:t>
-            </a:r>
-            <a:r>
-              <a:rPr kumimoji="1" lang="en-US" altLang="zh-CN" dirty="0" smtClean="0">
-                <a:hlinkClick r:id="rId2"/>
-              </a:rPr>
-              <a:t>/</a:t>
-            </a:r>
-            <a:endParaRPr kumimoji="1" lang="en-US" altLang="zh-CN" dirty="0" smtClean="0"/>
-          </a:p>
-          <a:p>
-            <a:endParaRPr kumimoji="1" lang="zh-CN" altLang="en-US" dirty="0"/>
-          </a:p>
-        </p:txBody>
-      </p:sp>
-    </p:spTree>
-    <p:extLst>
-      <p:ext uri="{BB962C8B-B14F-4D97-AF65-F5344CB8AC3E}">
-        <p14:creationId xmlns:p14="http://schemas.microsoft.com/office/powerpoint/2010/main" val="3578770255"/>
-      </p:ext>
-    </p:extLst>
-  </p:cSld>
-  <p:clrMapOvr>
-    <a:masterClrMapping/>
-  </p:clrMapOvr>
-</p:sld>
-</file>
-
-<file path=ppt/slides/slide17.xml><?xml version="1.0" encoding="utf-8"?>
-<p:sld xmlns:a="http://schemas.openxmlformats.org/drawingml/2006/main" xmlns:r="http://schemas.openxmlformats.org/officeDocument/2006/relationships" xmlns:p="http://schemas.openxmlformats.org/presentationml/2006/main">
-  <p:cSld>
-    <p:spTree>
-      <p:nvGrpSpPr>
-        <p:cNvPr id="1" name=""/>
-        <p:cNvGrpSpPr/>
-        <p:nvPr/>
-      </p:nvGrpSpPr>
-      <p:grpSpPr>
-        <a:xfrm>
-          <a:off x="0" y="0"/>
-          <a:ext cx="0" cy="0"/>
-          <a:chOff x="0" y="0"/>
-          <a:chExt cx="0" cy="0"/>
-        </a:xfrm>
-      </p:grpSpPr>
-      <p:sp>
-        <p:nvSpPr>
-          <p:cNvPr id="2" name="Title 1"/>
-          <p:cNvSpPr>
-            <a:spLocks noGrp="1"/>
-          </p:cNvSpPr>
-          <p:nvPr>
-            <p:ph type="title"/>
-          </p:nvPr>
-        </p:nvSpPr>
-        <p:spPr/>
-        <p:txBody>
-          <a:bodyPr/>
-          <a:lstStyle/>
-          <a:p>
-            <a:r>
-              <a:rPr lang="en-US" dirty="0" smtClean="0"/>
-              <a:t>Demo	</a:t>
-            </a:r>
-            <a:endParaRPr lang="en-US" dirty="0"/>
-          </a:p>
-        </p:txBody>
-      </p:sp>
-    </p:spTree>
-    <p:extLst>
-      <p:ext uri="{BB962C8B-B14F-4D97-AF65-F5344CB8AC3E}">
-        <p14:creationId xmlns:p14="http://schemas.microsoft.com/office/powerpoint/2010/main" val="1127311349"/>
-      </p:ext>
-    </p:extLst>
-  </p:cSld>
-  <p:clrMapOvr>
-    <a:masterClrMapping/>
-  </p:clrMapOvr>
-</p:sld>
-</file>
-
-<file path=ppt/slides/slide18.xml><?xml version="1.0" encoding="utf-8"?>
-<p:sld xmlns:a="http://schemas.openxmlformats.org/drawingml/2006/main" xmlns:r="http://schemas.openxmlformats.org/officeDocument/2006/relationships" xmlns:p="http://schemas.openxmlformats.org/presentationml/2006/main">
-  <p:cSld>
     <p:bg>
       <p:bgPr>
         <a:solidFill>
@@ -16834,10 +15432,10 @@
           <p:cNvPr id="7" name="Rectangle 6">
             <a:extLst>
               <a:ext uri="{FF2B5EF4-FFF2-40B4-BE49-F238E27FC236}">
-                <a16:creationId xmlns="" xmlns:a16="http://schemas.microsoft.com/office/drawing/2014/main" id="{52C0B2E1-0268-42EC-ABD3-94F81A05BCBD}"/>
+                <a16:creationId xmlns:a16="http://schemas.microsoft.com/office/drawing/2014/main" xmlns="" id="{52C0B2E1-0268-42EC-ABD3-94F81A05BCBD}"/>
               </a:ext>
               <a:ext uri="{C183D7F6-B498-43B3-948B-1728B52AA6E4}">
-                <adec:decorative xmlns="" xmlns:adec="http://schemas.microsoft.com/office/drawing/2017/decorative" val="1"/>
+                <adec:decorative xmlns:adec="http://schemas.microsoft.com/office/drawing/2017/decorative" xmlns="" val="1"/>
               </a:ext>
             </a:extLst>
           </p:cNvPr>
@@ -16847,7 +15445,7 @@
           <p:nvPr>
             <p:extLst>
               <p:ext uri="{386F3935-93C4-4BCD-93E2-E3B085C9AB24}">
-                <p16:designElem xmlns="" xmlns:p16="http://schemas.microsoft.com/office/powerpoint/2015/main" val="1"/>
+                <p16:designElem xmlns:p16="http://schemas.microsoft.com/office/powerpoint/2015/main" xmlns="" val="1"/>
               </p:ext>
             </p:extLst>
           </p:nvPr>
@@ -16889,10 +15487,10 @@
           <p:cNvPr id="9" name="Rectangle 8">
             <a:extLst>
               <a:ext uri="{FF2B5EF4-FFF2-40B4-BE49-F238E27FC236}">
-                <a16:creationId xmlns="" xmlns:a16="http://schemas.microsoft.com/office/drawing/2014/main" id="{7D2256B4-48EA-40FC-BBC0-AA1EE6E0080C}"/>
+                <a16:creationId xmlns:a16="http://schemas.microsoft.com/office/drawing/2014/main" xmlns="" id="{7D2256B4-48EA-40FC-BBC0-AA1EE6E0080C}"/>
               </a:ext>
               <a:ext uri="{C183D7F6-B498-43B3-948B-1728B52AA6E4}">
-                <adec:decorative xmlns="" xmlns:adec="http://schemas.microsoft.com/office/drawing/2017/decorative" val="1"/>
+                <adec:decorative xmlns:adec="http://schemas.microsoft.com/office/drawing/2017/decorative" xmlns="" val="1"/>
               </a:ext>
             </a:extLst>
           </p:cNvPr>
@@ -16902,7 +15500,7 @@
           <p:nvPr>
             <p:extLst>
               <p:ext uri="{386F3935-93C4-4BCD-93E2-E3B085C9AB24}">
-                <p16:designElem xmlns="" xmlns:p16="http://schemas.microsoft.com/office/powerpoint/2015/main" val="1"/>
+                <p16:designElem xmlns:p16="http://schemas.microsoft.com/office/powerpoint/2015/main" xmlns="" val="1"/>
               </p:ext>
             </p:extLst>
           </p:nvPr>
@@ -16944,10 +15542,10 @@
           <p:cNvPr id="11" name="Straight Connector 10">
             <a:extLst>
               <a:ext uri="{FF2B5EF4-FFF2-40B4-BE49-F238E27FC236}">
-                <a16:creationId xmlns="" xmlns:a16="http://schemas.microsoft.com/office/drawing/2014/main" id="{3D44BCCA-102D-4A9D-B1E4-2450CAF0B05E}"/>
+                <a16:creationId xmlns:a16="http://schemas.microsoft.com/office/drawing/2014/main" xmlns="" id="{3D44BCCA-102D-4A9D-B1E4-2450CAF0B05E}"/>
               </a:ext>
               <a:ext uri="{C183D7F6-B498-43B3-948B-1728B52AA6E4}">
-                <adec:decorative xmlns="" xmlns:adec="http://schemas.microsoft.com/office/drawing/2017/decorative" val="1"/>
+                <adec:decorative xmlns:adec="http://schemas.microsoft.com/office/drawing/2017/decorative" xmlns="" val="1"/>
               </a:ext>
             </a:extLst>
           </p:cNvPr>
@@ -16957,7 +15555,7 @@
           <p:nvPr>
             <p:extLst>
               <p:ext uri="{386F3935-93C4-4BCD-93E2-E3B085C9AB24}">
-                <p16:designElem xmlns="" xmlns:p16="http://schemas.microsoft.com/office/powerpoint/2015/main" val="1"/>
+                <p16:designElem xmlns:p16="http://schemas.microsoft.com/office/powerpoint/2015/main" xmlns="" val="1"/>
               </p:ext>
             </p:extLst>
           </p:nvPr>
@@ -16999,10 +15597,10 @@
           <p:cNvPr id="13" name="Rectangle 12">
             <a:extLst>
               <a:ext uri="{FF2B5EF4-FFF2-40B4-BE49-F238E27FC236}">
-                <a16:creationId xmlns="" xmlns:a16="http://schemas.microsoft.com/office/drawing/2014/main" id="{FBDCECDC-EEE3-4128-AA5E-82A8C08796E8}"/>
+                <a16:creationId xmlns:a16="http://schemas.microsoft.com/office/drawing/2014/main" xmlns="" id="{FBDCECDC-EEE3-4128-AA5E-82A8C08796E8}"/>
               </a:ext>
               <a:ext uri="{C183D7F6-B498-43B3-948B-1728B52AA6E4}">
-                <adec:decorative xmlns="" xmlns:adec="http://schemas.microsoft.com/office/drawing/2017/decorative" val="1"/>
+                <adec:decorative xmlns:adec="http://schemas.microsoft.com/office/drawing/2017/decorative" xmlns="" val="1"/>
               </a:ext>
             </a:extLst>
           </p:cNvPr>
@@ -17012,7 +15610,7 @@
           <p:nvPr>
             <p:extLst>
               <p:ext uri="{386F3935-93C4-4BCD-93E2-E3B085C9AB24}">
-                <p16:designElem xmlns="" xmlns:p16="http://schemas.microsoft.com/office/powerpoint/2015/main" val="1"/>
+                <p16:designElem xmlns:p16="http://schemas.microsoft.com/office/powerpoint/2015/main" xmlns="" val="1"/>
               </p:ext>
             </p:extLst>
           </p:nvPr>
@@ -17059,7 +15657,7 @@
           <p:cNvPr id="2" name="Title 1">
             <a:extLst>
               <a:ext uri="{FF2B5EF4-FFF2-40B4-BE49-F238E27FC236}">
-                <a16:creationId xmlns="" xmlns:a16="http://schemas.microsoft.com/office/drawing/2014/main" id="{701FBBE9-B805-49C1-B2A8-585E443C8491}"/>
+                <a16:creationId xmlns:a16="http://schemas.microsoft.com/office/drawing/2014/main" xmlns="" id="{701FBBE9-B805-49C1-B2A8-585E443C8491}"/>
               </a:ext>
             </a:extLst>
           </p:cNvPr>
@@ -17101,10 +15699,10 @@
           <p:cNvPr id="15" name="Rectangle 14">
             <a:extLst>
               <a:ext uri="{FF2B5EF4-FFF2-40B4-BE49-F238E27FC236}">
-                <a16:creationId xmlns="" xmlns:a16="http://schemas.microsoft.com/office/drawing/2014/main" id="{4260EDE0-989C-4E16-AF94-F652294D828E}"/>
+                <a16:creationId xmlns:a16="http://schemas.microsoft.com/office/drawing/2014/main" xmlns="" id="{4260EDE0-989C-4E16-AF94-F652294D828E}"/>
               </a:ext>
               <a:ext uri="{C183D7F6-B498-43B3-948B-1728B52AA6E4}">
-                <adec:decorative xmlns="" xmlns:adec="http://schemas.microsoft.com/office/drawing/2017/decorative" val="1"/>
+                <adec:decorative xmlns:adec="http://schemas.microsoft.com/office/drawing/2017/decorative" xmlns="" val="1"/>
               </a:ext>
             </a:extLst>
           </p:cNvPr>
@@ -17114,7 +15712,7 @@
           <p:nvPr>
             <p:extLst>
               <p:ext uri="{386F3935-93C4-4BCD-93E2-E3B085C9AB24}">
-                <p16:designElem xmlns="" xmlns:p16="http://schemas.microsoft.com/office/powerpoint/2015/main" val="1"/>
+                <p16:designElem xmlns:p16="http://schemas.microsoft.com/office/powerpoint/2015/main" xmlns="" val="1"/>
               </p:ext>
             </p:extLst>
           </p:nvPr>
@@ -17156,10 +15754,10 @@
           <p:cNvPr id="17" name="Rectangle 16">
             <a:extLst>
               <a:ext uri="{FF2B5EF4-FFF2-40B4-BE49-F238E27FC236}">
-                <a16:creationId xmlns="" xmlns:a16="http://schemas.microsoft.com/office/drawing/2014/main" id="{1F3985C0-E548-44D2-B30E-F3E42DADE133}"/>
+                <a16:creationId xmlns:a16="http://schemas.microsoft.com/office/drawing/2014/main" xmlns="" id="{1F3985C0-E548-44D2-B30E-F3E42DADE133}"/>
               </a:ext>
               <a:ext uri="{C183D7F6-B498-43B3-948B-1728B52AA6E4}">
-                <adec:decorative xmlns="" xmlns:adec="http://schemas.microsoft.com/office/drawing/2017/decorative" val="1"/>
+                <adec:decorative xmlns:adec="http://schemas.microsoft.com/office/drawing/2017/decorative" xmlns="" val="1"/>
               </a:ext>
             </a:extLst>
           </p:cNvPr>
@@ -17169,7 +15767,7 @@
           <p:nvPr>
             <p:extLst>
               <p:ext uri="{386F3935-93C4-4BCD-93E2-E3B085C9AB24}">
-                <p16:designElem xmlns="" xmlns:p16="http://schemas.microsoft.com/office/powerpoint/2015/main" val="1"/>
+                <p16:designElem xmlns:p16="http://schemas.microsoft.com/office/powerpoint/2015/main" xmlns="" val="1"/>
               </p:ext>
             </p:extLst>
           </p:nvPr>
@@ -17249,10 +15847,10 @@
           <p:cNvPr id="137" name="Rectangle 136">
             <a:extLst>
               <a:ext uri="{FF2B5EF4-FFF2-40B4-BE49-F238E27FC236}">
-                <a16:creationId xmlns="" xmlns:a16="http://schemas.microsoft.com/office/drawing/2014/main" id="{52ABB703-2B0E-4C3B-B4A2-F3973548E561}"/>
+                <a16:creationId xmlns:a16="http://schemas.microsoft.com/office/drawing/2014/main" xmlns="" id="{52ABB703-2B0E-4C3B-B4A2-F3973548E561}"/>
               </a:ext>
               <a:ext uri="{C183D7F6-B498-43B3-948B-1728B52AA6E4}">
-                <adec:decorative xmlns="" xmlns:adec="http://schemas.microsoft.com/office/drawing/2017/decorative" val="1"/>
+                <adec:decorative xmlns:adec="http://schemas.microsoft.com/office/drawing/2017/decorative" xmlns="" val="1"/>
               </a:ext>
             </a:extLst>
           </p:cNvPr>
@@ -17262,7 +15860,7 @@
           <p:nvPr>
             <p:extLst>
               <p:ext uri="{386F3935-93C4-4BCD-93E2-E3B085C9AB24}">
-                <p16:designElem xmlns="" xmlns:p16="http://schemas.microsoft.com/office/powerpoint/2015/main" val="1"/>
+                <p16:designElem xmlns:p16="http://schemas.microsoft.com/office/powerpoint/2015/main" xmlns="" val="1"/>
               </p:ext>
             </p:extLst>
           </p:nvPr>
@@ -17468,10 +16066,10 @@
           <p:cNvPr id="139" name="Straight Connector 138">
             <a:extLst>
               <a:ext uri="{FF2B5EF4-FFF2-40B4-BE49-F238E27FC236}">
-                <a16:creationId xmlns="" xmlns:a16="http://schemas.microsoft.com/office/drawing/2014/main" id="{9C21570E-E159-49A6-9891-FA397B7A92D3}"/>
+                <a16:creationId xmlns:a16="http://schemas.microsoft.com/office/drawing/2014/main" xmlns="" id="{9C21570E-E159-49A6-9891-FA397B7A92D3}"/>
               </a:ext>
               <a:ext uri="{C183D7F6-B498-43B3-948B-1728B52AA6E4}">
-                <adec:decorative xmlns="" xmlns:adec="http://schemas.microsoft.com/office/drawing/2017/decorative" val="1"/>
+                <adec:decorative xmlns:adec="http://schemas.microsoft.com/office/drawing/2017/decorative" xmlns="" val="1"/>
               </a:ext>
             </a:extLst>
           </p:cNvPr>
@@ -17481,7 +16079,7 @@
           <p:nvPr>
             <p:extLst>
               <p:ext uri="{386F3935-93C4-4BCD-93E2-E3B085C9AB24}">
-                <p16:designElem xmlns="" xmlns:p16="http://schemas.microsoft.com/office/powerpoint/2015/main" val="1"/>
+                <p16:designElem xmlns:p16="http://schemas.microsoft.com/office/powerpoint/2015/main" xmlns="" val="1"/>
               </p:ext>
             </p:extLst>
           </p:nvPr>
@@ -17524,10 +16122,10 @@
           <p:cNvPr id="141" name="Rectangle 140">
             <a:extLst>
               <a:ext uri="{FF2B5EF4-FFF2-40B4-BE49-F238E27FC236}">
-                <a16:creationId xmlns="" xmlns:a16="http://schemas.microsoft.com/office/drawing/2014/main" id="{E95DA498-D9A2-4DA9-B9DA-B3776E08CF7E}"/>
+                <a16:creationId xmlns:a16="http://schemas.microsoft.com/office/drawing/2014/main" xmlns="" id="{E95DA498-D9A2-4DA9-B9DA-B3776E08CF7E}"/>
               </a:ext>
               <a:ext uri="{C183D7F6-B498-43B3-948B-1728B52AA6E4}">
-                <adec:decorative xmlns="" xmlns:adec="http://schemas.microsoft.com/office/drawing/2017/decorative" val="1"/>
+                <adec:decorative xmlns:adec="http://schemas.microsoft.com/office/drawing/2017/decorative" xmlns="" val="1"/>
               </a:ext>
             </a:extLst>
           </p:cNvPr>
@@ -17537,7 +16135,7 @@
           <p:nvPr>
             <p:extLst>
               <p:ext uri="{386F3935-93C4-4BCD-93E2-E3B085C9AB24}">
-                <p16:designElem xmlns="" xmlns:p16="http://schemas.microsoft.com/office/powerpoint/2015/main" val="1"/>
+                <p16:designElem xmlns:p16="http://schemas.microsoft.com/office/powerpoint/2015/main" xmlns="" val="1"/>
               </p:ext>
             </p:extLst>
           </p:nvPr>
@@ -17579,10 +16177,10 @@
           <p:cNvPr id="143" name="Rectangle 142">
             <a:extLst>
               <a:ext uri="{FF2B5EF4-FFF2-40B4-BE49-F238E27FC236}">
-                <a16:creationId xmlns="" xmlns:a16="http://schemas.microsoft.com/office/drawing/2014/main" id="{82A73093-4B9D-420D-B17E-52293703A1D4}"/>
+                <a16:creationId xmlns:a16="http://schemas.microsoft.com/office/drawing/2014/main" xmlns="" id="{82A73093-4B9D-420D-B17E-52293703A1D4}"/>
               </a:ext>
               <a:ext uri="{C183D7F6-B498-43B3-948B-1728B52AA6E4}">
-                <adec:decorative xmlns="" xmlns:adec="http://schemas.microsoft.com/office/drawing/2017/decorative" val="1"/>
+                <adec:decorative xmlns:adec="http://schemas.microsoft.com/office/drawing/2017/decorative" xmlns="" val="1"/>
               </a:ext>
             </a:extLst>
           </p:cNvPr>
@@ -17592,7 +16190,7 @@
           <p:nvPr>
             <p:extLst>
               <p:ext uri="{386F3935-93C4-4BCD-93E2-E3B085C9AB24}">
-                <p16:designElem xmlns="" xmlns:p16="http://schemas.microsoft.com/office/powerpoint/2015/main" val="1"/>
+                <p16:designElem xmlns:p16="http://schemas.microsoft.com/office/powerpoint/2015/main" xmlns="" val="1"/>
               </p:ext>
             </p:extLst>
           </p:nvPr>
@@ -17691,13 +16289,223 @@
       </p:grpSpPr>
       <p:sp>
         <p:nvSpPr>
-          <p:cNvPr id="3" name="Title 2">
-            <a:extLst>
-              <a:ext uri="{FF2B5EF4-FFF2-40B4-BE49-F238E27FC236}">
-                <a16:creationId xmlns="" xmlns:a16="http://schemas.microsoft.com/office/drawing/2014/main" id="{54645D8F-8901-4A5D-9036-4F5B286C9921}"/>
-              </a:ext>
-            </a:extLst>
-          </p:cNvPr>
+          <p:cNvPr id="2" name="Content Placeholder 1"/>
+          <p:cNvSpPr>
+            <a:spLocks noGrp="1"/>
+          </p:cNvSpPr>
+          <p:nvPr>
+            <p:ph idx="1"/>
+          </p:nvPr>
+        </p:nvSpPr>
+        <p:spPr/>
+        <p:txBody>
+          <a:bodyPr/>
+          <a:lstStyle/>
+          <a:p>
+            <a:pPr>
+              <a:buFont typeface="Wingdings" charset="2"/>
+              <a:buChar char="v"/>
+            </a:pPr>
+            <a:r>
+              <a:rPr lang="en-US" dirty="0"/>
+              <a:t>Server</a:t>
+            </a:r>
+            <a:r>
+              <a:rPr lang="zh-CN" altLang="en-US" dirty="0"/>
+              <a:t> </a:t>
+            </a:r>
+            <a:r>
+              <a:rPr lang="en-US" altLang="zh-CN" dirty="0"/>
+              <a:t>s</a:t>
+            </a:r>
+            <a:r>
+              <a:rPr lang="en-US" dirty="0"/>
+              <a:t>ends</a:t>
+            </a:r>
+            <a:r>
+              <a:rPr lang="zh-CN" altLang="en-US" dirty="0"/>
+              <a:t> </a:t>
+            </a:r>
+            <a:r>
+              <a:rPr lang="en-US" altLang="zh-CN" dirty="0"/>
+              <a:t>t</a:t>
+            </a:r>
+            <a:r>
+              <a:rPr lang="en-US" dirty="0"/>
+              <a:t>wo</a:t>
+            </a:r>
+            <a:r>
+              <a:rPr lang="zh-CN" altLang="en-US" dirty="0"/>
+              <a:t> </a:t>
+            </a:r>
+            <a:r>
+              <a:rPr lang="en-US" altLang="zh-CN" dirty="0"/>
+              <a:t>types</a:t>
+            </a:r>
+            <a:r>
+              <a:rPr lang="zh-CN" altLang="en-US" dirty="0"/>
+              <a:t> </a:t>
+            </a:r>
+            <a:r>
+              <a:rPr lang="en-US" altLang="zh-CN" dirty="0"/>
+              <a:t>of</a:t>
+            </a:r>
+            <a:r>
+              <a:rPr lang="zh-CN" altLang="en-US" dirty="0"/>
+              <a:t> </a:t>
+            </a:r>
+            <a:r>
+              <a:rPr lang="en-US" altLang="zh-CN" dirty="0"/>
+              <a:t>information</a:t>
+            </a:r>
+            <a:r>
+              <a:rPr lang="zh-CN" altLang="en-US" dirty="0"/>
+              <a:t> </a:t>
+            </a:r>
+            <a:r>
+              <a:rPr lang="en-US" altLang="zh-CN" dirty="0"/>
+              <a:t>to</a:t>
+            </a:r>
+            <a:r>
+              <a:rPr lang="zh-CN" altLang="en-US" dirty="0"/>
+              <a:t> </a:t>
+            </a:r>
+            <a:r>
+              <a:rPr lang="en-US" altLang="zh-CN" dirty="0"/>
+              <a:t>client</a:t>
+            </a:r>
+            <a:r>
+              <a:rPr lang="en-US" altLang="zh-CN" dirty="0" smtClean="0"/>
+              <a:t>:</a:t>
+            </a:r>
+            <a:endParaRPr lang="en-US" altLang="zh-CN" dirty="0"/>
+          </a:p>
+          <a:p>
+            <a:pPr marL="587693" lvl="1" indent="-285750">
+              <a:buFont typeface="Arial"/>
+              <a:buChar char="•"/>
+            </a:pPr>
+            <a:r>
+              <a:rPr lang="en-US" altLang="zh-CN" dirty="0"/>
+              <a:t>allows the view to update the room information </a:t>
+            </a:r>
+            <a:r>
+              <a:rPr lang="zh-CN" altLang="zh-CN" dirty="0" smtClean="0"/>
+              <a:t>(</a:t>
+            </a:r>
+            <a:r>
+              <a:rPr lang="en-US" altLang="zh-CN" dirty="0" smtClean="0"/>
+              <a:t>left and middle columns)</a:t>
+            </a:r>
+            <a:endParaRPr lang="en-US" altLang="zh-CN" dirty="0"/>
+          </a:p>
+          <a:p>
+            <a:pPr marL="587693" lvl="1" indent="-285750">
+              <a:buFont typeface="Arial"/>
+              <a:buChar char="•"/>
+            </a:pPr>
+            <a:r>
+              <a:rPr lang="en-US" altLang="zh-CN" dirty="0"/>
+              <a:t>allows the view to update the chat information (right</a:t>
+            </a:r>
+            <a:r>
+              <a:rPr lang="zh-CN" altLang="en-US" dirty="0"/>
+              <a:t> </a:t>
+            </a:r>
+            <a:r>
+              <a:rPr lang="en-US" altLang="zh-CN" dirty="0"/>
+              <a:t>column</a:t>
+            </a:r>
+            <a:r>
+              <a:rPr lang="en-US" altLang="zh-CN" dirty="0" smtClean="0"/>
+              <a:t>)</a:t>
+            </a:r>
+          </a:p>
+          <a:p>
+            <a:pPr marL="587693" lvl="1" indent="-285750">
+              <a:buFont typeface="Arial"/>
+              <a:buChar char="•"/>
+            </a:pPr>
+            <a:endParaRPr lang="en-US" altLang="zh-CN" dirty="0" smtClean="0"/>
+          </a:p>
+          <a:p>
+            <a:pPr>
+              <a:buFont typeface="Wingdings" charset="2"/>
+              <a:buChar char="v"/>
+            </a:pPr>
+            <a:r>
+              <a:rPr lang="en-US" altLang="zh-CN" dirty="0" smtClean="0"/>
+              <a:t>We</a:t>
+            </a:r>
+            <a:r>
+              <a:rPr lang="zh-CN" altLang="en-US" dirty="0" smtClean="0"/>
+              <a:t> </a:t>
+            </a:r>
+            <a:r>
+              <a:rPr lang="en-US" altLang="zh-CN" dirty="0" smtClean="0"/>
+              <a:t>use</a:t>
+            </a:r>
+            <a:r>
+              <a:rPr lang="zh-CN" altLang="en-US" dirty="0" smtClean="0"/>
+              <a:t> </a:t>
+            </a:r>
+            <a:r>
+              <a:rPr lang="en-US" altLang="zh-CN" dirty="0" smtClean="0"/>
+              <a:t>special</a:t>
+            </a:r>
+            <a:r>
+              <a:rPr lang="zh-CN" altLang="en-US" dirty="0" smtClean="0"/>
+              <a:t> </a:t>
+            </a:r>
+            <a:r>
+              <a:rPr lang="en-US" altLang="zh-CN" dirty="0" smtClean="0"/>
+              <a:t>character</a:t>
+            </a:r>
+            <a:r>
+              <a:rPr lang="zh-CN" altLang="en-US" dirty="0" smtClean="0"/>
+              <a:t> </a:t>
+            </a:r>
+            <a:r>
+              <a:rPr lang="en-US" altLang="zh-CN" dirty="0" smtClean="0"/>
+              <a:t>‘|’ as delimiter, so that inputs can contain space</a:t>
+            </a:r>
+          </a:p>
+          <a:p>
+            <a:pPr>
+              <a:buFont typeface="Wingdings" charset="2"/>
+              <a:buChar char="v"/>
+            </a:pPr>
+            <a:endParaRPr lang="en-US" altLang="zh-CN" dirty="0"/>
+          </a:p>
+          <a:p>
+            <a:pPr marL="285750" indent="-285750">
+              <a:buFont typeface="Arial"/>
+              <a:buChar char="•"/>
+            </a:pPr>
+            <a:endParaRPr lang="en-US" altLang="zh-CN" dirty="0"/>
+          </a:p>
+          <a:p>
+            <a:pPr marL="285750" indent="-285750">
+              <a:buFont typeface="Arial"/>
+              <a:buChar char="•"/>
+            </a:pPr>
+            <a:endParaRPr lang="en-US" altLang="zh-CN" dirty="0"/>
+          </a:p>
+          <a:p>
+            <a:pPr marL="285750" indent="-285750">
+              <a:buFont typeface="Arial"/>
+              <a:buChar char="•"/>
+            </a:pPr>
+            <a:endParaRPr lang="en-US" dirty="0"/>
+          </a:p>
+          <a:p>
+            <a:endParaRPr lang="en-US" dirty="0"/>
+          </a:p>
+        </p:txBody>
+      </p:sp>
+      <p:sp>
+        <p:nvSpPr>
+          <p:cNvPr id="3" name="Title 2"/>
           <p:cNvSpPr>
             <a:spLocks noGrp="1"/>
           </p:cNvSpPr>
@@ -17705,12 +16513,7 @@
             <p:ph type="title"/>
           </p:nvPr>
         </p:nvSpPr>
-        <p:spPr>
-          <a:xfrm>
-            <a:off x="609600" y="208458"/>
-            <a:ext cx="10972800" cy="1252728"/>
-          </a:xfrm>
-        </p:spPr>
+        <p:spPr/>
         <p:txBody>
           <a:bodyPr/>
           <a:lstStyle/>
@@ -17721,7 +16524,15 @@
                   <a:srgbClr val="000000"/>
                 </a:solidFill>
               </a:rPr>
-              <a:t>Framework </a:t>
+              <a:t>Design</a:t>
+            </a:r>
+            <a:r>
+              <a:rPr lang="en-US" b="1" dirty="0" smtClean="0">
+                <a:solidFill>
+                  <a:srgbClr val="000000"/>
+                </a:solidFill>
+              </a:rPr>
+              <a:t> decisions	</a:t>
             </a:r>
             <a:endParaRPr lang="en-US" b="1" dirty="0">
               <a:solidFill>
@@ -17731,1778 +16542,10 @@
           </a:p>
         </p:txBody>
       </p:sp>
-      <p:pic>
-        <p:nvPicPr>
-          <p:cNvPr id="5" name="Graphic 4" descr="Monitor">
-            <a:extLst>
-              <a:ext uri="{FF2B5EF4-FFF2-40B4-BE49-F238E27FC236}">
-                <a16:creationId xmlns="" xmlns:a16="http://schemas.microsoft.com/office/drawing/2014/main" id="{1BCF9DD2-5E9B-4798-9DB7-C8B4CB904EFC}"/>
-              </a:ext>
-            </a:extLst>
-          </p:cNvPr>
-          <p:cNvPicPr>
-            <a:picLocks noChangeAspect="1"/>
-          </p:cNvPicPr>
-          <p:nvPr/>
-        </p:nvPicPr>
-        <p:blipFill>
-          <a:blip r:embed="rId2">
-            <a:extLst>
-              <a:ext uri="{28A0092B-C50C-407E-A947-70E740481C1C}">
-                <a14:useLocalDpi xmlns:a14="http://schemas.microsoft.com/office/drawing/2010/main" val="0"/>
-              </a:ext>
-              <a:ext uri="{96DAC541-7B7A-43D3-8B79-37D633B846F1}">
-                <asvg:svgBlip xmlns="" xmlns:asvg="http://schemas.microsoft.com/office/drawing/2016/SVG/main" r:embed="rId3"/>
-              </a:ext>
-            </a:extLst>
-          </a:blip>
-          <a:stretch>
-            <a:fillRect/>
-          </a:stretch>
-        </p:blipFill>
-        <p:spPr>
-          <a:xfrm>
-            <a:off x="2065089" y="2401325"/>
-            <a:ext cx="914400" cy="914400"/>
-          </a:xfrm>
-          <a:prstGeom prst="rect">
-            <a:avLst/>
-          </a:prstGeom>
-        </p:spPr>
-      </p:pic>
-      <p:pic>
-        <p:nvPicPr>
-          <p:cNvPr id="6" name="Graphic 5" descr="Monitor">
-            <a:extLst>
-              <a:ext uri="{FF2B5EF4-FFF2-40B4-BE49-F238E27FC236}">
-                <a16:creationId xmlns="" xmlns:a16="http://schemas.microsoft.com/office/drawing/2014/main" id="{3D4E745E-DB09-48E3-AFD3-F499B3B7EA8D}"/>
-              </a:ext>
-            </a:extLst>
-          </p:cNvPr>
-          <p:cNvPicPr>
-            <a:picLocks noChangeAspect="1"/>
-          </p:cNvPicPr>
-          <p:nvPr/>
-        </p:nvPicPr>
-        <p:blipFill>
-          <a:blip r:embed="rId2">
-            <a:extLst>
-              <a:ext uri="{28A0092B-C50C-407E-A947-70E740481C1C}">
-                <a14:useLocalDpi xmlns:a14="http://schemas.microsoft.com/office/drawing/2010/main" val="0"/>
-              </a:ext>
-              <a:ext uri="{96DAC541-7B7A-43D3-8B79-37D633B846F1}">
-                <asvg:svgBlip xmlns="" xmlns:asvg="http://schemas.microsoft.com/office/drawing/2016/SVG/main" r:embed="rId3"/>
-              </a:ext>
-            </a:extLst>
-          </a:blip>
-          <a:stretch>
-            <a:fillRect/>
-          </a:stretch>
-        </p:blipFill>
-        <p:spPr>
-          <a:xfrm>
-            <a:off x="2065089" y="3286366"/>
-            <a:ext cx="914400" cy="914400"/>
-          </a:xfrm>
-          <a:prstGeom prst="rect">
-            <a:avLst/>
-          </a:prstGeom>
-        </p:spPr>
-      </p:pic>
-      <p:pic>
-        <p:nvPicPr>
-          <p:cNvPr id="7" name="Graphic 6" descr="Monitor">
-            <a:extLst>
-              <a:ext uri="{FF2B5EF4-FFF2-40B4-BE49-F238E27FC236}">
-                <a16:creationId xmlns="" xmlns:a16="http://schemas.microsoft.com/office/drawing/2014/main" id="{F30AA99E-2B7E-4A14-8196-0F53C3643088}"/>
-              </a:ext>
-            </a:extLst>
-          </p:cNvPr>
-          <p:cNvPicPr>
-            <a:picLocks noChangeAspect="1"/>
-          </p:cNvPicPr>
-          <p:nvPr/>
-        </p:nvPicPr>
-        <p:blipFill>
-          <a:blip r:embed="rId2">
-            <a:extLst>
-              <a:ext uri="{28A0092B-C50C-407E-A947-70E740481C1C}">
-                <a14:useLocalDpi xmlns:a14="http://schemas.microsoft.com/office/drawing/2010/main" val="0"/>
-              </a:ext>
-              <a:ext uri="{96DAC541-7B7A-43D3-8B79-37D633B846F1}">
-                <asvg:svgBlip xmlns="" xmlns:asvg="http://schemas.microsoft.com/office/drawing/2016/SVG/main" r:embed="rId3"/>
-              </a:ext>
-            </a:extLst>
-          </a:blip>
-          <a:stretch>
-            <a:fillRect/>
-          </a:stretch>
-        </p:blipFill>
-        <p:spPr>
-          <a:xfrm>
-            <a:off x="2065089" y="4171407"/>
-            <a:ext cx="914400" cy="914400"/>
-          </a:xfrm>
-          <a:prstGeom prst="rect">
-            <a:avLst/>
-          </a:prstGeom>
-        </p:spPr>
-      </p:pic>
-      <p:sp>
-        <p:nvSpPr>
-          <p:cNvPr id="8" name="TextBox 7">
-            <a:extLst>
-              <a:ext uri="{FF2B5EF4-FFF2-40B4-BE49-F238E27FC236}">
-                <a16:creationId xmlns="" xmlns:a16="http://schemas.microsoft.com/office/drawing/2014/main" id="{9EB22727-38C5-45AF-9493-78CA118A4514}"/>
-              </a:ext>
-            </a:extLst>
-          </p:cNvPr>
-          <p:cNvSpPr txBox="1"/>
-          <p:nvPr/>
-        </p:nvSpPr>
-        <p:spPr>
-          <a:xfrm>
-            <a:off x="2101442" y="5322791"/>
-            <a:ext cx="1111541" cy="369332"/>
-          </a:xfrm>
-          <a:prstGeom prst="rect">
-            <a:avLst/>
-          </a:prstGeom>
-          <a:noFill/>
-        </p:spPr>
-        <p:txBody>
-          <a:bodyPr wrap="square" rtlCol="0">
-            <a:spAutoFit/>
-          </a:bodyPr>
-          <a:lstStyle/>
-          <a:p>
-            <a:r>
-              <a:rPr lang="en-US" dirty="0"/>
-              <a:t>Clients</a:t>
-            </a:r>
-          </a:p>
-        </p:txBody>
-      </p:sp>
-      <p:pic>
-        <p:nvPicPr>
-          <p:cNvPr id="10" name="Graphic 9" descr="Network">
-            <a:extLst>
-              <a:ext uri="{FF2B5EF4-FFF2-40B4-BE49-F238E27FC236}">
-                <a16:creationId xmlns="" xmlns:a16="http://schemas.microsoft.com/office/drawing/2014/main" id="{0C131711-8F51-40B3-9175-9AE7F4A7E296}"/>
-              </a:ext>
-            </a:extLst>
-          </p:cNvPr>
-          <p:cNvPicPr>
-            <a:picLocks noChangeAspect="1"/>
-          </p:cNvPicPr>
-          <p:nvPr/>
-        </p:nvPicPr>
-        <p:blipFill>
-          <a:blip r:embed="rId4">
-            <a:extLst>
-              <a:ext uri="{28A0092B-C50C-407E-A947-70E740481C1C}">
-                <a14:useLocalDpi xmlns:a14="http://schemas.microsoft.com/office/drawing/2010/main" val="0"/>
-              </a:ext>
-              <a:ext uri="{96DAC541-7B7A-43D3-8B79-37D633B846F1}">
-                <asvg:svgBlip xmlns="" xmlns:asvg="http://schemas.microsoft.com/office/drawing/2016/SVG/main" r:embed="rId5"/>
-              </a:ext>
-            </a:extLst>
-          </a:blip>
-          <a:stretch>
-            <a:fillRect/>
-          </a:stretch>
-        </p:blipFill>
-        <p:spPr>
-          <a:xfrm>
-            <a:off x="5638800" y="3110195"/>
-            <a:ext cx="914400" cy="914400"/>
-          </a:xfrm>
-          <a:prstGeom prst="rect">
-            <a:avLst/>
-          </a:prstGeom>
-        </p:spPr>
-      </p:pic>
-      <p:sp>
-        <p:nvSpPr>
-          <p:cNvPr id="11" name="TextBox 10">
-            <a:extLst>
-              <a:ext uri="{FF2B5EF4-FFF2-40B4-BE49-F238E27FC236}">
-                <a16:creationId xmlns="" xmlns:a16="http://schemas.microsoft.com/office/drawing/2014/main" id="{C1C63887-DCF1-424F-9543-167ED6D9170A}"/>
-              </a:ext>
-            </a:extLst>
-          </p:cNvPr>
-          <p:cNvSpPr txBox="1"/>
-          <p:nvPr/>
-        </p:nvSpPr>
-        <p:spPr>
-          <a:xfrm>
-            <a:off x="5701717" y="4200766"/>
-            <a:ext cx="1111541" cy="369332"/>
-          </a:xfrm>
-          <a:prstGeom prst="rect">
-            <a:avLst/>
-          </a:prstGeom>
-          <a:noFill/>
-        </p:spPr>
-        <p:txBody>
-          <a:bodyPr wrap="square" rtlCol="0">
-            <a:spAutoFit/>
-          </a:bodyPr>
-          <a:lstStyle/>
-          <a:p>
-            <a:r>
-              <a:rPr lang="en-US" dirty="0"/>
-              <a:t>Socket</a:t>
-            </a:r>
-          </a:p>
-        </p:txBody>
-      </p:sp>
-      <p:sp>
-        <p:nvSpPr>
-          <p:cNvPr id="17" name="Graphic 14" descr="Satellite">
-            <a:extLst>
-              <a:ext uri="{FF2B5EF4-FFF2-40B4-BE49-F238E27FC236}">
-                <a16:creationId xmlns="" xmlns:a16="http://schemas.microsoft.com/office/drawing/2014/main" id="{F21CA803-4EB6-4698-A83F-13ED0DF77122}"/>
-              </a:ext>
-            </a:extLst>
-          </p:cNvPr>
-          <p:cNvSpPr/>
-          <p:nvPr/>
-        </p:nvSpPr>
-        <p:spPr>
-          <a:xfrm>
-            <a:off x="8956667" y="3234020"/>
-            <a:ext cx="790575" cy="790575"/>
-          </a:xfrm>
-          <a:custGeom>
-            <a:avLst/>
-            <a:gdLst>
-              <a:gd name="connsiteX0" fmla="*/ 543401 w 790575"/>
-              <a:gd name="connsiteY0" fmla="*/ 725329 h 790575"/>
-              <a:gd name="connsiteX1" fmla="*/ 624364 w 790575"/>
-              <a:gd name="connsiteY1" fmla="*/ 644366 h 790575"/>
-              <a:gd name="connsiteX2" fmla="*/ 651034 w 790575"/>
-              <a:gd name="connsiteY2" fmla="*/ 671036 h 790575"/>
-              <a:gd name="connsiteX3" fmla="*/ 570071 w 790575"/>
-              <a:gd name="connsiteY3" fmla="*/ 751999 h 790575"/>
-              <a:gd name="connsiteX4" fmla="*/ 543401 w 790575"/>
-              <a:gd name="connsiteY4" fmla="*/ 725329 h 790575"/>
-              <a:gd name="connsiteX5" fmla="*/ 515779 w 790575"/>
-              <a:gd name="connsiteY5" fmla="*/ 536734 h 790575"/>
-              <a:gd name="connsiteX6" fmla="*/ 542449 w 790575"/>
-              <a:gd name="connsiteY6" fmla="*/ 563404 h 790575"/>
-              <a:gd name="connsiteX7" fmla="*/ 461486 w 790575"/>
-              <a:gd name="connsiteY7" fmla="*/ 644366 h 790575"/>
-              <a:gd name="connsiteX8" fmla="*/ 434816 w 790575"/>
-              <a:gd name="connsiteY8" fmla="*/ 617696 h 790575"/>
-              <a:gd name="connsiteX9" fmla="*/ 515779 w 790575"/>
-              <a:gd name="connsiteY9" fmla="*/ 536734 h 790575"/>
-              <a:gd name="connsiteX10" fmla="*/ 617696 w 790575"/>
-              <a:gd name="connsiteY10" fmla="*/ 435769 h 790575"/>
-              <a:gd name="connsiteX11" fmla="*/ 644366 w 790575"/>
-              <a:gd name="connsiteY11" fmla="*/ 462439 h 790575"/>
-              <a:gd name="connsiteX12" fmla="*/ 570071 w 790575"/>
-              <a:gd name="connsiteY12" fmla="*/ 536734 h 790575"/>
-              <a:gd name="connsiteX13" fmla="*/ 543401 w 790575"/>
-              <a:gd name="connsiteY13" fmla="*/ 510064 h 790575"/>
-              <a:gd name="connsiteX14" fmla="*/ 617696 w 790575"/>
-              <a:gd name="connsiteY14" fmla="*/ 435769 h 790575"/>
-              <a:gd name="connsiteX15" fmla="*/ 596741 w 790575"/>
-              <a:gd name="connsiteY15" fmla="*/ 617696 h 790575"/>
-              <a:gd name="connsiteX16" fmla="*/ 515779 w 790575"/>
-              <a:gd name="connsiteY16" fmla="*/ 698659 h 790575"/>
-              <a:gd name="connsiteX17" fmla="*/ 489109 w 790575"/>
-              <a:gd name="connsiteY17" fmla="*/ 671989 h 790575"/>
-              <a:gd name="connsiteX18" fmla="*/ 570071 w 790575"/>
-              <a:gd name="connsiteY18" fmla="*/ 591026 h 790575"/>
-              <a:gd name="connsiteX19" fmla="*/ 596741 w 790575"/>
-              <a:gd name="connsiteY19" fmla="*/ 617696 h 790575"/>
-              <a:gd name="connsiteX20" fmla="*/ 596741 w 790575"/>
-              <a:gd name="connsiteY20" fmla="*/ 563404 h 790575"/>
-              <a:gd name="connsiteX21" fmla="*/ 671036 w 790575"/>
-              <a:gd name="connsiteY21" fmla="*/ 489109 h 790575"/>
-              <a:gd name="connsiteX22" fmla="*/ 697706 w 790575"/>
-              <a:gd name="connsiteY22" fmla="*/ 515779 h 790575"/>
-              <a:gd name="connsiteX23" fmla="*/ 623411 w 790575"/>
-              <a:gd name="connsiteY23" fmla="*/ 590074 h 790575"/>
-              <a:gd name="connsiteX24" fmla="*/ 596741 w 790575"/>
-              <a:gd name="connsiteY24" fmla="*/ 563404 h 790575"/>
-              <a:gd name="connsiteX25" fmla="*/ 677704 w 790575"/>
-              <a:gd name="connsiteY25" fmla="*/ 644366 h 790575"/>
-              <a:gd name="connsiteX26" fmla="*/ 651034 w 790575"/>
-              <a:gd name="connsiteY26" fmla="*/ 617696 h 790575"/>
-              <a:gd name="connsiteX27" fmla="*/ 725329 w 790575"/>
-              <a:gd name="connsiteY27" fmla="*/ 543401 h 790575"/>
-              <a:gd name="connsiteX28" fmla="*/ 751999 w 790575"/>
-              <a:gd name="connsiteY28" fmla="*/ 570071 h 790575"/>
-              <a:gd name="connsiteX29" fmla="*/ 677704 w 790575"/>
-              <a:gd name="connsiteY29" fmla="*/ 644366 h 790575"/>
-              <a:gd name="connsiteX30" fmla="*/ 131921 w 790575"/>
-              <a:gd name="connsiteY30" fmla="*/ 691991 h 790575"/>
-              <a:gd name="connsiteX31" fmla="*/ 172879 w 790575"/>
-              <a:gd name="connsiteY31" fmla="*/ 651034 h 790575"/>
-              <a:gd name="connsiteX32" fmla="*/ 213836 w 790575"/>
-              <a:gd name="connsiteY32" fmla="*/ 691991 h 790575"/>
-              <a:gd name="connsiteX33" fmla="*/ 131921 w 790575"/>
-              <a:gd name="connsiteY33" fmla="*/ 691991 h 790575"/>
-              <a:gd name="connsiteX34" fmla="*/ 146209 w 790575"/>
-              <a:gd name="connsiteY34" fmla="*/ 624364 h 790575"/>
-              <a:gd name="connsiteX35" fmla="*/ 104299 w 790575"/>
-              <a:gd name="connsiteY35" fmla="*/ 666274 h 790575"/>
-              <a:gd name="connsiteX36" fmla="*/ 104299 w 790575"/>
-              <a:gd name="connsiteY36" fmla="*/ 582454 h 790575"/>
-              <a:gd name="connsiteX37" fmla="*/ 146209 w 790575"/>
-              <a:gd name="connsiteY37" fmla="*/ 624364 h 790575"/>
-              <a:gd name="connsiteX38" fmla="*/ 179546 w 790575"/>
-              <a:gd name="connsiteY38" fmla="*/ 361474 h 790575"/>
-              <a:gd name="connsiteX39" fmla="*/ 152876 w 790575"/>
-              <a:gd name="connsiteY39" fmla="*/ 334804 h 790575"/>
-              <a:gd name="connsiteX40" fmla="*/ 233839 w 790575"/>
-              <a:gd name="connsiteY40" fmla="*/ 253841 h 790575"/>
-              <a:gd name="connsiteX41" fmla="*/ 260509 w 790575"/>
-              <a:gd name="connsiteY41" fmla="*/ 280511 h 790575"/>
-              <a:gd name="connsiteX42" fmla="*/ 179546 w 790575"/>
-              <a:gd name="connsiteY42" fmla="*/ 361474 h 790575"/>
-              <a:gd name="connsiteX43" fmla="*/ 125254 w 790575"/>
-              <a:gd name="connsiteY43" fmla="*/ 146209 h 790575"/>
-              <a:gd name="connsiteX44" fmla="*/ 151924 w 790575"/>
-              <a:gd name="connsiteY44" fmla="*/ 172879 h 790575"/>
-              <a:gd name="connsiteX45" fmla="*/ 70961 w 790575"/>
-              <a:gd name="connsiteY45" fmla="*/ 253841 h 790575"/>
-              <a:gd name="connsiteX46" fmla="*/ 44291 w 790575"/>
-              <a:gd name="connsiteY46" fmla="*/ 227171 h 790575"/>
-              <a:gd name="connsiteX47" fmla="*/ 125254 w 790575"/>
-              <a:gd name="connsiteY47" fmla="*/ 146209 h 790575"/>
-              <a:gd name="connsiteX48" fmla="*/ 253841 w 790575"/>
-              <a:gd name="connsiteY48" fmla="*/ 71914 h 790575"/>
-              <a:gd name="connsiteX49" fmla="*/ 179546 w 790575"/>
-              <a:gd name="connsiteY49" fmla="*/ 146209 h 790575"/>
-              <a:gd name="connsiteX50" fmla="*/ 152876 w 790575"/>
-              <a:gd name="connsiteY50" fmla="*/ 119539 h 790575"/>
-              <a:gd name="connsiteX51" fmla="*/ 226219 w 790575"/>
-              <a:gd name="connsiteY51" fmla="*/ 45244 h 790575"/>
-              <a:gd name="connsiteX52" fmla="*/ 253841 w 790575"/>
-              <a:gd name="connsiteY52" fmla="*/ 71914 h 790575"/>
-              <a:gd name="connsiteX53" fmla="*/ 206216 w 790575"/>
-              <a:gd name="connsiteY53" fmla="*/ 227171 h 790575"/>
-              <a:gd name="connsiteX54" fmla="*/ 125254 w 790575"/>
-              <a:gd name="connsiteY54" fmla="*/ 308134 h 790575"/>
-              <a:gd name="connsiteX55" fmla="*/ 98584 w 790575"/>
-              <a:gd name="connsiteY55" fmla="*/ 281464 h 790575"/>
-              <a:gd name="connsiteX56" fmla="*/ 179546 w 790575"/>
-              <a:gd name="connsiteY56" fmla="*/ 200501 h 790575"/>
-              <a:gd name="connsiteX57" fmla="*/ 206216 w 790575"/>
-              <a:gd name="connsiteY57" fmla="*/ 227171 h 790575"/>
-              <a:gd name="connsiteX58" fmla="*/ 206216 w 790575"/>
-              <a:gd name="connsiteY58" fmla="*/ 172879 h 790575"/>
-              <a:gd name="connsiteX59" fmla="*/ 280511 w 790575"/>
-              <a:gd name="connsiteY59" fmla="*/ 98584 h 790575"/>
-              <a:gd name="connsiteX60" fmla="*/ 307181 w 790575"/>
-              <a:gd name="connsiteY60" fmla="*/ 125254 h 790575"/>
-              <a:gd name="connsiteX61" fmla="*/ 232886 w 790575"/>
-              <a:gd name="connsiteY61" fmla="*/ 199549 h 790575"/>
-              <a:gd name="connsiteX62" fmla="*/ 206216 w 790575"/>
-              <a:gd name="connsiteY62" fmla="*/ 172879 h 790575"/>
-              <a:gd name="connsiteX63" fmla="*/ 287179 w 790575"/>
-              <a:gd name="connsiteY63" fmla="*/ 253841 h 790575"/>
-              <a:gd name="connsiteX64" fmla="*/ 260509 w 790575"/>
-              <a:gd name="connsiteY64" fmla="*/ 227171 h 790575"/>
-              <a:gd name="connsiteX65" fmla="*/ 334804 w 790575"/>
-              <a:gd name="connsiteY65" fmla="*/ 152876 h 790575"/>
-              <a:gd name="connsiteX66" fmla="*/ 361474 w 790575"/>
-              <a:gd name="connsiteY66" fmla="*/ 179546 h 790575"/>
-              <a:gd name="connsiteX67" fmla="*/ 287179 w 790575"/>
-              <a:gd name="connsiteY67" fmla="*/ 253841 h 790575"/>
-              <a:gd name="connsiteX68" fmla="*/ 778669 w 790575"/>
-              <a:gd name="connsiteY68" fmla="*/ 543401 h 790575"/>
-              <a:gd name="connsiteX69" fmla="*/ 644366 w 790575"/>
-              <a:gd name="connsiteY69" fmla="*/ 409099 h 790575"/>
-              <a:gd name="connsiteX70" fmla="*/ 617696 w 790575"/>
-              <a:gd name="connsiteY70" fmla="*/ 397669 h 790575"/>
-              <a:gd name="connsiteX71" fmla="*/ 591026 w 790575"/>
-              <a:gd name="connsiteY71" fmla="*/ 409099 h 790575"/>
-              <a:gd name="connsiteX72" fmla="*/ 515779 w 790575"/>
-              <a:gd name="connsiteY72" fmla="*/ 483394 h 790575"/>
-              <a:gd name="connsiteX73" fmla="*/ 489109 w 790575"/>
-              <a:gd name="connsiteY73" fmla="*/ 456724 h 790575"/>
-              <a:gd name="connsiteX74" fmla="*/ 583406 w 790575"/>
-              <a:gd name="connsiteY74" fmla="*/ 362426 h 790575"/>
-              <a:gd name="connsiteX75" fmla="*/ 594836 w 790575"/>
-              <a:gd name="connsiteY75" fmla="*/ 335756 h 790575"/>
-              <a:gd name="connsiteX76" fmla="*/ 583406 w 790575"/>
-              <a:gd name="connsiteY76" fmla="*/ 309086 h 790575"/>
-              <a:gd name="connsiteX77" fmla="*/ 568166 w 790575"/>
-              <a:gd name="connsiteY77" fmla="*/ 292894 h 790575"/>
-              <a:gd name="connsiteX78" fmla="*/ 603409 w 790575"/>
-              <a:gd name="connsiteY78" fmla="*/ 273844 h 790575"/>
-              <a:gd name="connsiteX79" fmla="*/ 523399 w 790575"/>
-              <a:gd name="connsiteY79" fmla="*/ 193834 h 790575"/>
-              <a:gd name="connsiteX80" fmla="*/ 504349 w 790575"/>
-              <a:gd name="connsiteY80" fmla="*/ 229076 h 790575"/>
-              <a:gd name="connsiteX81" fmla="*/ 489109 w 790575"/>
-              <a:gd name="connsiteY81" fmla="*/ 213836 h 790575"/>
-              <a:gd name="connsiteX82" fmla="*/ 462439 w 790575"/>
-              <a:gd name="connsiteY82" fmla="*/ 202406 h 790575"/>
-              <a:gd name="connsiteX83" fmla="*/ 435769 w 790575"/>
-              <a:gd name="connsiteY83" fmla="*/ 213836 h 790575"/>
-              <a:gd name="connsiteX84" fmla="*/ 341471 w 790575"/>
-              <a:gd name="connsiteY84" fmla="*/ 308134 h 790575"/>
-              <a:gd name="connsiteX85" fmla="*/ 313849 w 790575"/>
-              <a:gd name="connsiteY85" fmla="*/ 281464 h 790575"/>
-              <a:gd name="connsiteX86" fmla="*/ 388144 w 790575"/>
-              <a:gd name="connsiteY86" fmla="*/ 207169 h 790575"/>
-              <a:gd name="connsiteX87" fmla="*/ 399574 w 790575"/>
-              <a:gd name="connsiteY87" fmla="*/ 180499 h 790575"/>
-              <a:gd name="connsiteX88" fmla="*/ 388144 w 790575"/>
-              <a:gd name="connsiteY88" fmla="*/ 153829 h 790575"/>
-              <a:gd name="connsiteX89" fmla="*/ 253841 w 790575"/>
-              <a:gd name="connsiteY89" fmla="*/ 18574 h 790575"/>
-              <a:gd name="connsiteX90" fmla="*/ 226219 w 790575"/>
-              <a:gd name="connsiteY90" fmla="*/ 7144 h 790575"/>
-              <a:gd name="connsiteX91" fmla="*/ 199549 w 790575"/>
-              <a:gd name="connsiteY91" fmla="*/ 18574 h 790575"/>
-              <a:gd name="connsiteX92" fmla="*/ 17621 w 790575"/>
-              <a:gd name="connsiteY92" fmla="*/ 200501 h 790575"/>
-              <a:gd name="connsiteX93" fmla="*/ 7144 w 790575"/>
-              <a:gd name="connsiteY93" fmla="*/ 227171 h 790575"/>
-              <a:gd name="connsiteX94" fmla="*/ 18574 w 790575"/>
-              <a:gd name="connsiteY94" fmla="*/ 253841 h 790575"/>
-              <a:gd name="connsiteX95" fmla="*/ 152876 w 790575"/>
-              <a:gd name="connsiteY95" fmla="*/ 388144 h 790575"/>
-              <a:gd name="connsiteX96" fmla="*/ 179546 w 790575"/>
-              <a:gd name="connsiteY96" fmla="*/ 399574 h 790575"/>
-              <a:gd name="connsiteX97" fmla="*/ 206216 w 790575"/>
-              <a:gd name="connsiteY97" fmla="*/ 388144 h 790575"/>
-              <a:gd name="connsiteX98" fmla="*/ 287179 w 790575"/>
-              <a:gd name="connsiteY98" fmla="*/ 307181 h 790575"/>
-              <a:gd name="connsiteX99" fmla="*/ 313849 w 790575"/>
-              <a:gd name="connsiteY99" fmla="*/ 333851 h 790575"/>
-              <a:gd name="connsiteX100" fmla="*/ 219551 w 790575"/>
-              <a:gd name="connsiteY100" fmla="*/ 428149 h 790575"/>
-              <a:gd name="connsiteX101" fmla="*/ 208121 w 790575"/>
-              <a:gd name="connsiteY101" fmla="*/ 454819 h 790575"/>
-              <a:gd name="connsiteX102" fmla="*/ 219551 w 790575"/>
-              <a:gd name="connsiteY102" fmla="*/ 481489 h 790575"/>
-              <a:gd name="connsiteX103" fmla="*/ 247174 w 790575"/>
-              <a:gd name="connsiteY103" fmla="*/ 508159 h 790575"/>
-              <a:gd name="connsiteX104" fmla="*/ 218599 w 790575"/>
-              <a:gd name="connsiteY104" fmla="*/ 536734 h 790575"/>
-              <a:gd name="connsiteX105" fmla="*/ 37624 w 790575"/>
-              <a:gd name="connsiteY105" fmla="*/ 515779 h 790575"/>
-              <a:gd name="connsiteX106" fmla="*/ 66199 w 790575"/>
-              <a:gd name="connsiteY106" fmla="*/ 543401 h 790575"/>
-              <a:gd name="connsiteX107" fmla="*/ 65246 w 790575"/>
-              <a:gd name="connsiteY107" fmla="*/ 686276 h 790575"/>
-              <a:gd name="connsiteX108" fmla="*/ 32861 w 790575"/>
-              <a:gd name="connsiteY108" fmla="*/ 726281 h 790575"/>
-              <a:gd name="connsiteX109" fmla="*/ 70009 w 790575"/>
-              <a:gd name="connsiteY109" fmla="*/ 761524 h 790575"/>
-              <a:gd name="connsiteX110" fmla="*/ 109061 w 790575"/>
-              <a:gd name="connsiteY110" fmla="*/ 728186 h 790575"/>
-              <a:gd name="connsiteX111" fmla="*/ 251936 w 790575"/>
-              <a:gd name="connsiteY111" fmla="*/ 729139 h 790575"/>
-              <a:gd name="connsiteX112" fmla="*/ 280511 w 790575"/>
-              <a:gd name="connsiteY112" fmla="*/ 757714 h 790575"/>
-              <a:gd name="connsiteX113" fmla="*/ 259556 w 790575"/>
-              <a:gd name="connsiteY113" fmla="*/ 576739 h 790575"/>
-              <a:gd name="connsiteX114" fmla="*/ 288131 w 790575"/>
-              <a:gd name="connsiteY114" fmla="*/ 548164 h 790575"/>
-              <a:gd name="connsiteX115" fmla="*/ 313849 w 790575"/>
-              <a:gd name="connsiteY115" fmla="*/ 576739 h 790575"/>
-              <a:gd name="connsiteX116" fmla="*/ 340519 w 790575"/>
-              <a:gd name="connsiteY116" fmla="*/ 588169 h 790575"/>
-              <a:gd name="connsiteX117" fmla="*/ 367189 w 790575"/>
-              <a:gd name="connsiteY117" fmla="*/ 576739 h 790575"/>
-              <a:gd name="connsiteX118" fmla="*/ 461486 w 790575"/>
-              <a:gd name="connsiteY118" fmla="*/ 482441 h 790575"/>
-              <a:gd name="connsiteX119" fmla="*/ 488156 w 790575"/>
-              <a:gd name="connsiteY119" fmla="*/ 509111 h 790575"/>
-              <a:gd name="connsiteX120" fmla="*/ 407194 w 790575"/>
-              <a:gd name="connsiteY120" fmla="*/ 590074 h 790575"/>
-              <a:gd name="connsiteX121" fmla="*/ 395764 w 790575"/>
-              <a:gd name="connsiteY121" fmla="*/ 616744 h 790575"/>
-              <a:gd name="connsiteX122" fmla="*/ 407194 w 790575"/>
-              <a:gd name="connsiteY122" fmla="*/ 643414 h 790575"/>
-              <a:gd name="connsiteX123" fmla="*/ 542449 w 790575"/>
-              <a:gd name="connsiteY123" fmla="*/ 777716 h 790575"/>
-              <a:gd name="connsiteX124" fmla="*/ 569119 w 790575"/>
-              <a:gd name="connsiteY124" fmla="*/ 789146 h 790575"/>
-              <a:gd name="connsiteX125" fmla="*/ 595789 w 790575"/>
-              <a:gd name="connsiteY125" fmla="*/ 777716 h 790575"/>
-              <a:gd name="connsiteX126" fmla="*/ 778669 w 790575"/>
-              <a:gd name="connsiteY126" fmla="*/ 597694 h 790575"/>
-              <a:gd name="connsiteX127" fmla="*/ 790099 w 790575"/>
-              <a:gd name="connsiteY127" fmla="*/ 571024 h 790575"/>
-              <a:gd name="connsiteX128" fmla="*/ 778669 w 790575"/>
-              <a:gd name="connsiteY128" fmla="*/ 543401 h 790575"/>
-            </a:gdLst>
-            <a:ahLst/>
-            <a:cxnLst>
-              <a:cxn ang="0">
-                <a:pos x="connsiteX0" y="connsiteY0"/>
-              </a:cxn>
-              <a:cxn ang="0">
-                <a:pos x="connsiteX1" y="connsiteY1"/>
-              </a:cxn>
-              <a:cxn ang="0">
-                <a:pos x="connsiteX2" y="connsiteY2"/>
-              </a:cxn>
-              <a:cxn ang="0">
-                <a:pos x="connsiteX3" y="connsiteY3"/>
-              </a:cxn>
-              <a:cxn ang="0">
-                <a:pos x="connsiteX4" y="connsiteY4"/>
-              </a:cxn>
-              <a:cxn ang="0">
-                <a:pos x="connsiteX5" y="connsiteY5"/>
-              </a:cxn>
-              <a:cxn ang="0">
-                <a:pos x="connsiteX6" y="connsiteY6"/>
-              </a:cxn>
-              <a:cxn ang="0">
-                <a:pos x="connsiteX7" y="connsiteY7"/>
-              </a:cxn>
-              <a:cxn ang="0">
-                <a:pos x="connsiteX8" y="connsiteY8"/>
-              </a:cxn>
-              <a:cxn ang="0">
-                <a:pos x="connsiteX9" y="connsiteY9"/>
-              </a:cxn>
-              <a:cxn ang="0">
-                <a:pos x="connsiteX10" y="connsiteY10"/>
-              </a:cxn>
-              <a:cxn ang="0">
-                <a:pos x="connsiteX11" y="connsiteY11"/>
-              </a:cxn>
-              <a:cxn ang="0">
-                <a:pos x="connsiteX12" y="connsiteY12"/>
-              </a:cxn>
-              <a:cxn ang="0">
-                <a:pos x="connsiteX13" y="connsiteY13"/>
-              </a:cxn>
-              <a:cxn ang="0">
-                <a:pos x="connsiteX14" y="connsiteY14"/>
-              </a:cxn>
-              <a:cxn ang="0">
-                <a:pos x="connsiteX15" y="connsiteY15"/>
-              </a:cxn>
-              <a:cxn ang="0">
-                <a:pos x="connsiteX16" y="connsiteY16"/>
-              </a:cxn>
-              <a:cxn ang="0">
-                <a:pos x="connsiteX17" y="connsiteY17"/>
-              </a:cxn>
-              <a:cxn ang="0">
-                <a:pos x="connsiteX18" y="connsiteY18"/>
-              </a:cxn>
-              <a:cxn ang="0">
-                <a:pos x="connsiteX19" y="connsiteY19"/>
-              </a:cxn>
-              <a:cxn ang="0">
-                <a:pos x="connsiteX20" y="connsiteY20"/>
-              </a:cxn>
-              <a:cxn ang="0">
-                <a:pos x="connsiteX21" y="connsiteY21"/>
-              </a:cxn>
-              <a:cxn ang="0">
-                <a:pos x="connsiteX22" y="connsiteY22"/>
-              </a:cxn>
-              <a:cxn ang="0">
-                <a:pos x="connsiteX23" y="connsiteY23"/>
-              </a:cxn>
-              <a:cxn ang="0">
-                <a:pos x="connsiteX24" y="connsiteY24"/>
-              </a:cxn>
-              <a:cxn ang="0">
-                <a:pos x="connsiteX25" y="connsiteY25"/>
-              </a:cxn>
-              <a:cxn ang="0">
-                <a:pos x="connsiteX26" y="connsiteY26"/>
-              </a:cxn>
-              <a:cxn ang="0">
-                <a:pos x="connsiteX27" y="connsiteY27"/>
-              </a:cxn>
-              <a:cxn ang="0">
-                <a:pos x="connsiteX28" y="connsiteY28"/>
-              </a:cxn>
-              <a:cxn ang="0">
-                <a:pos x="connsiteX29" y="connsiteY29"/>
-              </a:cxn>
-              <a:cxn ang="0">
-                <a:pos x="connsiteX30" y="connsiteY30"/>
-              </a:cxn>
-              <a:cxn ang="0">
-                <a:pos x="connsiteX31" y="connsiteY31"/>
-              </a:cxn>
-              <a:cxn ang="0">
-                <a:pos x="connsiteX32" y="connsiteY32"/>
-              </a:cxn>
-              <a:cxn ang="0">
-                <a:pos x="connsiteX33" y="connsiteY33"/>
-              </a:cxn>
-              <a:cxn ang="0">
-                <a:pos x="connsiteX34" y="connsiteY34"/>
-              </a:cxn>
-              <a:cxn ang="0">
-                <a:pos x="connsiteX35" y="connsiteY35"/>
-              </a:cxn>
-              <a:cxn ang="0">
-                <a:pos x="connsiteX36" y="connsiteY36"/>
-              </a:cxn>
-              <a:cxn ang="0">
-                <a:pos x="connsiteX37" y="connsiteY37"/>
-              </a:cxn>
-              <a:cxn ang="0">
-                <a:pos x="connsiteX38" y="connsiteY38"/>
-              </a:cxn>
-              <a:cxn ang="0">
-                <a:pos x="connsiteX39" y="connsiteY39"/>
-              </a:cxn>
-              <a:cxn ang="0">
-                <a:pos x="connsiteX40" y="connsiteY40"/>
-              </a:cxn>
-              <a:cxn ang="0">
-                <a:pos x="connsiteX41" y="connsiteY41"/>
-              </a:cxn>
-              <a:cxn ang="0">
-                <a:pos x="connsiteX42" y="connsiteY42"/>
-              </a:cxn>
-              <a:cxn ang="0">
-                <a:pos x="connsiteX43" y="connsiteY43"/>
-              </a:cxn>
-              <a:cxn ang="0">
-                <a:pos x="connsiteX44" y="connsiteY44"/>
-              </a:cxn>
-              <a:cxn ang="0">
-                <a:pos x="connsiteX45" y="connsiteY45"/>
-              </a:cxn>
-              <a:cxn ang="0">
-                <a:pos x="connsiteX46" y="connsiteY46"/>
-              </a:cxn>
-              <a:cxn ang="0">
-                <a:pos x="connsiteX47" y="connsiteY47"/>
-              </a:cxn>
-              <a:cxn ang="0">
-                <a:pos x="connsiteX48" y="connsiteY48"/>
-              </a:cxn>
-              <a:cxn ang="0">
-                <a:pos x="connsiteX49" y="connsiteY49"/>
-              </a:cxn>
-              <a:cxn ang="0">
-                <a:pos x="connsiteX50" y="connsiteY50"/>
-              </a:cxn>
-              <a:cxn ang="0">
-                <a:pos x="connsiteX51" y="connsiteY51"/>
-              </a:cxn>
-              <a:cxn ang="0">
-                <a:pos x="connsiteX52" y="connsiteY52"/>
-              </a:cxn>
-              <a:cxn ang="0">
-                <a:pos x="connsiteX53" y="connsiteY53"/>
-              </a:cxn>
-              <a:cxn ang="0">
-                <a:pos x="connsiteX54" y="connsiteY54"/>
-              </a:cxn>
-              <a:cxn ang="0">
-                <a:pos x="connsiteX55" y="connsiteY55"/>
-              </a:cxn>
-              <a:cxn ang="0">
-                <a:pos x="connsiteX56" y="connsiteY56"/>
-              </a:cxn>
-              <a:cxn ang="0">
-                <a:pos x="connsiteX57" y="connsiteY57"/>
-              </a:cxn>
-              <a:cxn ang="0">
-                <a:pos x="connsiteX58" y="connsiteY58"/>
-              </a:cxn>
-              <a:cxn ang="0">
-                <a:pos x="connsiteX59" y="connsiteY59"/>
-              </a:cxn>
-              <a:cxn ang="0">
-                <a:pos x="connsiteX60" y="connsiteY60"/>
-              </a:cxn>
-              <a:cxn ang="0">
-                <a:pos x="connsiteX61" y="connsiteY61"/>
-              </a:cxn>
-              <a:cxn ang="0">
-                <a:pos x="connsiteX62" y="connsiteY62"/>
-              </a:cxn>
-              <a:cxn ang="0">
-                <a:pos x="connsiteX63" y="connsiteY63"/>
-              </a:cxn>
-              <a:cxn ang="0">
-                <a:pos x="connsiteX64" y="connsiteY64"/>
-              </a:cxn>
-              <a:cxn ang="0">
-                <a:pos x="connsiteX65" y="connsiteY65"/>
-              </a:cxn>
-              <a:cxn ang="0">
-                <a:pos x="connsiteX66" y="connsiteY66"/>
-              </a:cxn>
-              <a:cxn ang="0">
-                <a:pos x="connsiteX67" y="connsiteY67"/>
-              </a:cxn>
-              <a:cxn ang="0">
-                <a:pos x="connsiteX68" y="connsiteY68"/>
-              </a:cxn>
-              <a:cxn ang="0">
-                <a:pos x="connsiteX69" y="connsiteY69"/>
-              </a:cxn>
-              <a:cxn ang="0">
-                <a:pos x="connsiteX70" y="connsiteY70"/>
-              </a:cxn>
-              <a:cxn ang="0">
-                <a:pos x="connsiteX71" y="connsiteY71"/>
-              </a:cxn>
-              <a:cxn ang="0">
-                <a:pos x="connsiteX72" y="connsiteY72"/>
-              </a:cxn>
-              <a:cxn ang="0">
-                <a:pos x="connsiteX73" y="connsiteY73"/>
-              </a:cxn>
-              <a:cxn ang="0">
-                <a:pos x="connsiteX74" y="connsiteY74"/>
-              </a:cxn>
-              <a:cxn ang="0">
-                <a:pos x="connsiteX75" y="connsiteY75"/>
-              </a:cxn>
-              <a:cxn ang="0">
-                <a:pos x="connsiteX76" y="connsiteY76"/>
-              </a:cxn>
-              <a:cxn ang="0">
-                <a:pos x="connsiteX77" y="connsiteY77"/>
-              </a:cxn>
-              <a:cxn ang="0">
-                <a:pos x="connsiteX78" y="connsiteY78"/>
-              </a:cxn>
-              <a:cxn ang="0">
-                <a:pos x="connsiteX79" y="connsiteY79"/>
-              </a:cxn>
-              <a:cxn ang="0">
-                <a:pos x="connsiteX80" y="connsiteY80"/>
-              </a:cxn>
-              <a:cxn ang="0">
-                <a:pos x="connsiteX81" y="connsiteY81"/>
-              </a:cxn>
-              <a:cxn ang="0">
-                <a:pos x="connsiteX82" y="connsiteY82"/>
-              </a:cxn>
-              <a:cxn ang="0">
-                <a:pos x="connsiteX83" y="connsiteY83"/>
-              </a:cxn>
-              <a:cxn ang="0">
-                <a:pos x="connsiteX84" y="connsiteY84"/>
-              </a:cxn>
-              <a:cxn ang="0">
-                <a:pos x="connsiteX85" y="connsiteY85"/>
-              </a:cxn>
-              <a:cxn ang="0">
-                <a:pos x="connsiteX86" y="connsiteY86"/>
-              </a:cxn>
-              <a:cxn ang="0">
-                <a:pos x="connsiteX87" y="connsiteY87"/>
-              </a:cxn>
-              <a:cxn ang="0">
-                <a:pos x="connsiteX88" y="connsiteY88"/>
-              </a:cxn>
-              <a:cxn ang="0">
-                <a:pos x="connsiteX89" y="connsiteY89"/>
-              </a:cxn>
-              <a:cxn ang="0">
-                <a:pos x="connsiteX90" y="connsiteY90"/>
-              </a:cxn>
-              <a:cxn ang="0">
-                <a:pos x="connsiteX91" y="connsiteY91"/>
-              </a:cxn>
-              <a:cxn ang="0">
-                <a:pos x="connsiteX92" y="connsiteY92"/>
-              </a:cxn>
-              <a:cxn ang="0">
-                <a:pos x="connsiteX93" y="connsiteY93"/>
-              </a:cxn>
-              <a:cxn ang="0">
-                <a:pos x="connsiteX94" y="connsiteY94"/>
-              </a:cxn>
-              <a:cxn ang="0">
-                <a:pos x="connsiteX95" y="connsiteY95"/>
-              </a:cxn>
-              <a:cxn ang="0">
-                <a:pos x="connsiteX96" y="connsiteY96"/>
-              </a:cxn>
-              <a:cxn ang="0">
-                <a:pos x="connsiteX97" y="connsiteY97"/>
-              </a:cxn>
-              <a:cxn ang="0">
-                <a:pos x="connsiteX98" y="connsiteY98"/>
-              </a:cxn>
-              <a:cxn ang="0">
-                <a:pos x="connsiteX99" y="connsiteY99"/>
-              </a:cxn>
-              <a:cxn ang="0">
-                <a:pos x="connsiteX100" y="connsiteY100"/>
-              </a:cxn>
-              <a:cxn ang="0">
-                <a:pos x="connsiteX101" y="connsiteY101"/>
-              </a:cxn>
-              <a:cxn ang="0">
-                <a:pos x="connsiteX102" y="connsiteY102"/>
-              </a:cxn>
-              <a:cxn ang="0">
-                <a:pos x="connsiteX103" y="connsiteY103"/>
-              </a:cxn>
-              <a:cxn ang="0">
-                <a:pos x="connsiteX104" y="connsiteY104"/>
-              </a:cxn>
-              <a:cxn ang="0">
-                <a:pos x="connsiteX105" y="connsiteY105"/>
-              </a:cxn>
-              <a:cxn ang="0">
-                <a:pos x="connsiteX106" y="connsiteY106"/>
-              </a:cxn>
-              <a:cxn ang="0">
-                <a:pos x="connsiteX107" y="connsiteY107"/>
-              </a:cxn>
-              <a:cxn ang="0">
-                <a:pos x="connsiteX108" y="connsiteY108"/>
-              </a:cxn>
-              <a:cxn ang="0">
-                <a:pos x="connsiteX109" y="connsiteY109"/>
-              </a:cxn>
-              <a:cxn ang="0">
-                <a:pos x="connsiteX110" y="connsiteY110"/>
-              </a:cxn>
-              <a:cxn ang="0">
-                <a:pos x="connsiteX111" y="connsiteY111"/>
-              </a:cxn>
-              <a:cxn ang="0">
-                <a:pos x="connsiteX112" y="connsiteY112"/>
-              </a:cxn>
-              <a:cxn ang="0">
-                <a:pos x="connsiteX113" y="connsiteY113"/>
-              </a:cxn>
-              <a:cxn ang="0">
-                <a:pos x="connsiteX114" y="connsiteY114"/>
-              </a:cxn>
-              <a:cxn ang="0">
-                <a:pos x="connsiteX115" y="connsiteY115"/>
-              </a:cxn>
-              <a:cxn ang="0">
-                <a:pos x="connsiteX116" y="connsiteY116"/>
-              </a:cxn>
-              <a:cxn ang="0">
-                <a:pos x="connsiteX117" y="connsiteY117"/>
-              </a:cxn>
-              <a:cxn ang="0">
-                <a:pos x="connsiteX118" y="connsiteY118"/>
-              </a:cxn>
-              <a:cxn ang="0">
-                <a:pos x="connsiteX119" y="connsiteY119"/>
-              </a:cxn>
-              <a:cxn ang="0">
-                <a:pos x="connsiteX120" y="connsiteY120"/>
-              </a:cxn>
-              <a:cxn ang="0">
-                <a:pos x="connsiteX121" y="connsiteY121"/>
-              </a:cxn>
-              <a:cxn ang="0">
-                <a:pos x="connsiteX122" y="connsiteY122"/>
-              </a:cxn>
-              <a:cxn ang="0">
-                <a:pos x="connsiteX123" y="connsiteY123"/>
-              </a:cxn>
-              <a:cxn ang="0">
-                <a:pos x="connsiteX124" y="connsiteY124"/>
-              </a:cxn>
-              <a:cxn ang="0">
-                <a:pos x="connsiteX125" y="connsiteY125"/>
-              </a:cxn>
-              <a:cxn ang="0">
-                <a:pos x="connsiteX126" y="connsiteY126"/>
-              </a:cxn>
-              <a:cxn ang="0">
-                <a:pos x="connsiteX127" y="connsiteY127"/>
-              </a:cxn>
-              <a:cxn ang="0">
-                <a:pos x="connsiteX128" y="connsiteY128"/>
-              </a:cxn>
-            </a:cxnLst>
-            <a:rect l="l" t="t" r="r" b="b"/>
-            <a:pathLst>
-              <a:path w="790575" h="790575">
-                <a:moveTo>
-                  <a:pt x="543401" y="725329"/>
-                </a:moveTo>
-                <a:lnTo>
-                  <a:pt x="624364" y="644366"/>
-                </a:lnTo>
-                <a:lnTo>
-                  <a:pt x="651034" y="671036"/>
-                </a:lnTo>
-                <a:lnTo>
-                  <a:pt x="570071" y="751999"/>
-                </a:lnTo>
-                <a:lnTo>
-                  <a:pt x="543401" y="725329"/>
-                </a:lnTo>
-                <a:close/>
-                <a:moveTo>
-                  <a:pt x="515779" y="536734"/>
-                </a:moveTo>
-                <a:lnTo>
-                  <a:pt x="542449" y="563404"/>
-                </a:lnTo>
-                <a:lnTo>
-                  <a:pt x="461486" y="644366"/>
-                </a:lnTo>
-                <a:lnTo>
-                  <a:pt x="434816" y="617696"/>
-                </a:lnTo>
-                <a:lnTo>
-                  <a:pt x="515779" y="536734"/>
-                </a:lnTo>
-                <a:close/>
-                <a:moveTo>
-                  <a:pt x="617696" y="435769"/>
-                </a:moveTo>
-                <a:lnTo>
-                  <a:pt x="644366" y="462439"/>
-                </a:lnTo>
-                <a:lnTo>
-                  <a:pt x="570071" y="536734"/>
-                </a:lnTo>
-                <a:lnTo>
-                  <a:pt x="543401" y="510064"/>
-                </a:lnTo>
-                <a:lnTo>
-                  <a:pt x="617696" y="435769"/>
-                </a:lnTo>
-                <a:close/>
-                <a:moveTo>
-                  <a:pt x="596741" y="617696"/>
-                </a:moveTo>
-                <a:lnTo>
-                  <a:pt x="515779" y="698659"/>
-                </a:lnTo>
-                <a:lnTo>
-                  <a:pt x="489109" y="671989"/>
-                </a:lnTo>
-                <a:lnTo>
-                  <a:pt x="570071" y="591026"/>
-                </a:lnTo>
-                <a:lnTo>
-                  <a:pt x="596741" y="617696"/>
-                </a:lnTo>
-                <a:close/>
-                <a:moveTo>
-                  <a:pt x="596741" y="563404"/>
-                </a:moveTo>
-                <a:lnTo>
-                  <a:pt x="671036" y="489109"/>
-                </a:lnTo>
-                <a:lnTo>
-                  <a:pt x="697706" y="515779"/>
-                </a:lnTo>
-                <a:lnTo>
-                  <a:pt x="623411" y="590074"/>
-                </a:lnTo>
-                <a:lnTo>
-                  <a:pt x="596741" y="563404"/>
-                </a:lnTo>
-                <a:close/>
-                <a:moveTo>
-                  <a:pt x="677704" y="644366"/>
-                </a:moveTo>
-                <a:lnTo>
-                  <a:pt x="651034" y="617696"/>
-                </a:lnTo>
-                <a:lnTo>
-                  <a:pt x="725329" y="543401"/>
-                </a:lnTo>
-                <a:lnTo>
-                  <a:pt x="751999" y="570071"/>
-                </a:lnTo>
-                <a:lnTo>
-                  <a:pt x="677704" y="644366"/>
-                </a:lnTo>
-                <a:close/>
-                <a:moveTo>
-                  <a:pt x="131921" y="691991"/>
-                </a:moveTo>
-                <a:lnTo>
-                  <a:pt x="172879" y="651034"/>
-                </a:lnTo>
-                <a:lnTo>
-                  <a:pt x="213836" y="691991"/>
-                </a:lnTo>
-                <a:lnTo>
-                  <a:pt x="131921" y="691991"/>
-                </a:lnTo>
-                <a:close/>
-                <a:moveTo>
-                  <a:pt x="146209" y="624364"/>
-                </a:moveTo>
-                <a:lnTo>
-                  <a:pt x="104299" y="666274"/>
-                </a:lnTo>
-                <a:lnTo>
-                  <a:pt x="104299" y="582454"/>
-                </a:lnTo>
-                <a:lnTo>
-                  <a:pt x="146209" y="624364"/>
-                </a:lnTo>
-                <a:close/>
-                <a:moveTo>
-                  <a:pt x="179546" y="361474"/>
-                </a:moveTo>
-                <a:lnTo>
-                  <a:pt x="152876" y="334804"/>
-                </a:lnTo>
-                <a:lnTo>
-                  <a:pt x="233839" y="253841"/>
-                </a:lnTo>
-                <a:lnTo>
-                  <a:pt x="260509" y="280511"/>
-                </a:lnTo>
-                <a:lnTo>
-                  <a:pt x="179546" y="361474"/>
-                </a:lnTo>
-                <a:close/>
-                <a:moveTo>
-                  <a:pt x="125254" y="146209"/>
-                </a:moveTo>
-                <a:lnTo>
-                  <a:pt x="151924" y="172879"/>
-                </a:lnTo>
-                <a:lnTo>
-                  <a:pt x="70961" y="253841"/>
-                </a:lnTo>
-                <a:lnTo>
-                  <a:pt x="44291" y="227171"/>
-                </a:lnTo>
-                <a:lnTo>
-                  <a:pt x="125254" y="146209"/>
-                </a:lnTo>
-                <a:close/>
-                <a:moveTo>
-                  <a:pt x="253841" y="71914"/>
-                </a:moveTo>
-                <a:lnTo>
-                  <a:pt x="179546" y="146209"/>
-                </a:lnTo>
-                <a:lnTo>
-                  <a:pt x="152876" y="119539"/>
-                </a:lnTo>
-                <a:lnTo>
-                  <a:pt x="226219" y="45244"/>
-                </a:lnTo>
-                <a:lnTo>
-                  <a:pt x="253841" y="71914"/>
-                </a:lnTo>
-                <a:close/>
-                <a:moveTo>
-                  <a:pt x="206216" y="227171"/>
-                </a:moveTo>
-                <a:lnTo>
-                  <a:pt x="125254" y="308134"/>
-                </a:lnTo>
-                <a:lnTo>
-                  <a:pt x="98584" y="281464"/>
-                </a:lnTo>
-                <a:lnTo>
-                  <a:pt x="179546" y="200501"/>
-                </a:lnTo>
-                <a:lnTo>
-                  <a:pt x="206216" y="227171"/>
-                </a:lnTo>
-                <a:close/>
-                <a:moveTo>
-                  <a:pt x="206216" y="172879"/>
-                </a:moveTo>
-                <a:lnTo>
-                  <a:pt x="280511" y="98584"/>
-                </a:lnTo>
-                <a:lnTo>
-                  <a:pt x="307181" y="125254"/>
-                </a:lnTo>
-                <a:lnTo>
-                  <a:pt x="232886" y="199549"/>
-                </a:lnTo>
-                <a:lnTo>
-                  <a:pt x="206216" y="172879"/>
-                </a:lnTo>
-                <a:close/>
-                <a:moveTo>
-                  <a:pt x="287179" y="253841"/>
-                </a:moveTo>
-                <a:lnTo>
-                  <a:pt x="260509" y="227171"/>
-                </a:lnTo>
-                <a:lnTo>
-                  <a:pt x="334804" y="152876"/>
-                </a:lnTo>
-                <a:lnTo>
-                  <a:pt x="361474" y="179546"/>
-                </a:lnTo>
-                <a:lnTo>
-                  <a:pt x="287179" y="253841"/>
-                </a:lnTo>
-                <a:close/>
-                <a:moveTo>
-                  <a:pt x="778669" y="543401"/>
-                </a:moveTo>
-                <a:lnTo>
-                  <a:pt x="644366" y="409099"/>
-                </a:lnTo>
-                <a:cubicBezTo>
-                  <a:pt x="636746" y="401479"/>
-                  <a:pt x="627221" y="397669"/>
-                  <a:pt x="617696" y="397669"/>
-                </a:cubicBezTo>
-                <a:cubicBezTo>
-                  <a:pt x="608171" y="397669"/>
-                  <a:pt x="597694" y="401479"/>
-                  <a:pt x="591026" y="409099"/>
-                </a:cubicBezTo>
-                <a:lnTo>
-                  <a:pt x="515779" y="483394"/>
-                </a:lnTo>
-                <a:lnTo>
-                  <a:pt x="489109" y="456724"/>
-                </a:lnTo>
-                <a:lnTo>
-                  <a:pt x="583406" y="362426"/>
-                </a:lnTo>
-                <a:cubicBezTo>
-                  <a:pt x="591026" y="354806"/>
-                  <a:pt x="594836" y="345281"/>
-                  <a:pt x="594836" y="335756"/>
-                </a:cubicBezTo>
-                <a:cubicBezTo>
-                  <a:pt x="594836" y="325279"/>
-                  <a:pt x="591026" y="315754"/>
-                  <a:pt x="583406" y="309086"/>
-                </a:cubicBezTo>
-                <a:lnTo>
-                  <a:pt x="568166" y="292894"/>
-                </a:lnTo>
-                <a:lnTo>
-                  <a:pt x="603409" y="273844"/>
-                </a:lnTo>
-                <a:lnTo>
-                  <a:pt x="523399" y="193834"/>
-                </a:lnTo>
-                <a:lnTo>
-                  <a:pt x="504349" y="229076"/>
-                </a:lnTo>
-                <a:lnTo>
-                  <a:pt x="489109" y="213836"/>
-                </a:lnTo>
-                <a:cubicBezTo>
-                  <a:pt x="481489" y="206216"/>
-                  <a:pt x="471964" y="202406"/>
-                  <a:pt x="462439" y="202406"/>
-                </a:cubicBezTo>
-                <a:cubicBezTo>
-                  <a:pt x="451961" y="202406"/>
-                  <a:pt x="442436" y="206216"/>
-                  <a:pt x="435769" y="213836"/>
-                </a:cubicBezTo>
-                <a:lnTo>
-                  <a:pt x="341471" y="308134"/>
-                </a:lnTo>
-                <a:lnTo>
-                  <a:pt x="313849" y="281464"/>
-                </a:lnTo>
-                <a:lnTo>
-                  <a:pt x="388144" y="207169"/>
-                </a:lnTo>
-                <a:cubicBezTo>
-                  <a:pt x="395764" y="199549"/>
-                  <a:pt x="399574" y="190024"/>
-                  <a:pt x="399574" y="180499"/>
-                </a:cubicBezTo>
-                <a:cubicBezTo>
-                  <a:pt x="399574" y="170021"/>
-                  <a:pt x="395764" y="160496"/>
-                  <a:pt x="388144" y="153829"/>
-                </a:cubicBezTo>
-                <a:lnTo>
-                  <a:pt x="253841" y="18574"/>
-                </a:lnTo>
-                <a:cubicBezTo>
-                  <a:pt x="246221" y="10954"/>
-                  <a:pt x="236696" y="7144"/>
-                  <a:pt x="226219" y="7144"/>
-                </a:cubicBezTo>
-                <a:cubicBezTo>
-                  <a:pt x="215741" y="7144"/>
-                  <a:pt x="206216" y="10954"/>
-                  <a:pt x="199549" y="18574"/>
-                </a:cubicBezTo>
-                <a:lnTo>
-                  <a:pt x="17621" y="200501"/>
-                </a:lnTo>
-                <a:cubicBezTo>
-                  <a:pt x="10954" y="207169"/>
-                  <a:pt x="7144" y="216694"/>
-                  <a:pt x="7144" y="227171"/>
-                </a:cubicBezTo>
-                <a:cubicBezTo>
-                  <a:pt x="7144" y="237649"/>
-                  <a:pt x="10954" y="247174"/>
-                  <a:pt x="18574" y="253841"/>
-                </a:cubicBezTo>
-                <a:lnTo>
-                  <a:pt x="152876" y="388144"/>
-                </a:lnTo>
-                <a:cubicBezTo>
-                  <a:pt x="160496" y="395764"/>
-                  <a:pt x="170021" y="399574"/>
-                  <a:pt x="179546" y="399574"/>
-                </a:cubicBezTo>
-                <a:cubicBezTo>
-                  <a:pt x="189071" y="399574"/>
-                  <a:pt x="199549" y="395764"/>
-                  <a:pt x="206216" y="388144"/>
-                </a:cubicBezTo>
-                <a:lnTo>
-                  <a:pt x="287179" y="307181"/>
-                </a:lnTo>
-                <a:lnTo>
-                  <a:pt x="313849" y="333851"/>
-                </a:lnTo>
-                <a:lnTo>
-                  <a:pt x="219551" y="428149"/>
-                </a:lnTo>
-                <a:cubicBezTo>
-                  <a:pt x="211931" y="435769"/>
-                  <a:pt x="208121" y="445294"/>
-                  <a:pt x="208121" y="454819"/>
-                </a:cubicBezTo>
-                <a:cubicBezTo>
-                  <a:pt x="208121" y="465296"/>
-                  <a:pt x="211931" y="474821"/>
-                  <a:pt x="219551" y="481489"/>
-                </a:cubicBezTo>
-                <a:lnTo>
-                  <a:pt x="247174" y="508159"/>
-                </a:lnTo>
-                <a:lnTo>
-                  <a:pt x="218599" y="536734"/>
-                </a:lnTo>
-                <a:cubicBezTo>
-                  <a:pt x="154781" y="486251"/>
-                  <a:pt x="77629" y="474821"/>
-                  <a:pt x="37624" y="515779"/>
-                </a:cubicBezTo>
-                <a:lnTo>
-                  <a:pt x="66199" y="543401"/>
-                </a:lnTo>
-                <a:lnTo>
-                  <a:pt x="65246" y="686276"/>
-                </a:lnTo>
-                <a:cubicBezTo>
-                  <a:pt x="46196" y="689134"/>
-                  <a:pt x="31909" y="706279"/>
-                  <a:pt x="32861" y="726281"/>
-                </a:cubicBezTo>
-                <a:cubicBezTo>
-                  <a:pt x="33814" y="746284"/>
-                  <a:pt x="50006" y="761524"/>
-                  <a:pt x="70009" y="761524"/>
-                </a:cubicBezTo>
-                <a:cubicBezTo>
-                  <a:pt x="90011" y="762476"/>
-                  <a:pt x="106204" y="747236"/>
-                  <a:pt x="109061" y="728186"/>
-                </a:cubicBezTo>
-                <a:lnTo>
-                  <a:pt x="251936" y="729139"/>
-                </a:lnTo>
-                <a:lnTo>
-                  <a:pt x="280511" y="757714"/>
-                </a:lnTo>
-                <a:cubicBezTo>
-                  <a:pt x="320516" y="717709"/>
-                  <a:pt x="310039" y="640556"/>
-                  <a:pt x="259556" y="576739"/>
-                </a:cubicBezTo>
-                <a:lnTo>
-                  <a:pt x="288131" y="548164"/>
-                </a:lnTo>
-                <a:lnTo>
-                  <a:pt x="313849" y="576739"/>
-                </a:lnTo>
-                <a:cubicBezTo>
-                  <a:pt x="321469" y="584359"/>
-                  <a:pt x="330994" y="588169"/>
-                  <a:pt x="340519" y="588169"/>
-                </a:cubicBezTo>
-                <a:cubicBezTo>
-                  <a:pt x="350996" y="588169"/>
-                  <a:pt x="360521" y="584359"/>
-                  <a:pt x="367189" y="576739"/>
-                </a:cubicBezTo>
-                <a:lnTo>
-                  <a:pt x="461486" y="482441"/>
-                </a:lnTo>
-                <a:lnTo>
-                  <a:pt x="488156" y="509111"/>
-                </a:lnTo>
-                <a:lnTo>
-                  <a:pt x="407194" y="590074"/>
-                </a:lnTo>
-                <a:cubicBezTo>
-                  <a:pt x="399574" y="597694"/>
-                  <a:pt x="395764" y="607219"/>
-                  <a:pt x="395764" y="616744"/>
-                </a:cubicBezTo>
-                <a:cubicBezTo>
-                  <a:pt x="395764" y="626269"/>
-                  <a:pt x="399574" y="636746"/>
-                  <a:pt x="407194" y="643414"/>
-                </a:cubicBezTo>
-                <a:lnTo>
-                  <a:pt x="542449" y="777716"/>
-                </a:lnTo>
-                <a:cubicBezTo>
-                  <a:pt x="550069" y="785336"/>
-                  <a:pt x="559594" y="789146"/>
-                  <a:pt x="569119" y="789146"/>
-                </a:cubicBezTo>
-                <a:cubicBezTo>
-                  <a:pt x="579596" y="789146"/>
-                  <a:pt x="589121" y="785336"/>
-                  <a:pt x="595789" y="777716"/>
-                </a:cubicBezTo>
-                <a:lnTo>
-                  <a:pt x="778669" y="597694"/>
-                </a:lnTo>
-                <a:cubicBezTo>
-                  <a:pt x="786289" y="590074"/>
-                  <a:pt x="790099" y="580549"/>
-                  <a:pt x="790099" y="571024"/>
-                </a:cubicBezTo>
-                <a:cubicBezTo>
-                  <a:pt x="790099" y="560546"/>
-                  <a:pt x="786289" y="551021"/>
-                  <a:pt x="778669" y="543401"/>
-                </a:cubicBezTo>
-                <a:close/>
-              </a:path>
-            </a:pathLst>
-          </a:custGeom>
-          <a:solidFill>
-            <a:srgbClr val="000000"/>
-          </a:solidFill>
-          <a:ln w="9525" cap="flat">
-            <a:noFill/>
-            <a:prstDash val="solid"/>
-            <a:miter/>
-          </a:ln>
-        </p:spPr>
-        <p:txBody>
-          <a:bodyPr rtlCol="0" anchor="ctr"/>
-          <a:lstStyle/>
-          <a:p>
-            <a:endParaRPr lang="en-US"/>
-          </a:p>
-        </p:txBody>
-      </p:sp>
-      <p:sp>
-        <p:nvSpPr>
-          <p:cNvPr id="18" name="TextBox 17">
-            <a:extLst>
-              <a:ext uri="{FF2B5EF4-FFF2-40B4-BE49-F238E27FC236}">
-                <a16:creationId xmlns="" xmlns:a16="http://schemas.microsoft.com/office/drawing/2014/main" id="{86A8D48B-3A0D-48CC-ADA1-9548969225EE}"/>
-              </a:ext>
-            </a:extLst>
-          </p:cNvPr>
-          <p:cNvSpPr txBox="1"/>
-          <p:nvPr/>
-        </p:nvSpPr>
-        <p:spPr>
-          <a:xfrm>
-            <a:off x="8899320" y="4171407"/>
-            <a:ext cx="1111541" cy="369332"/>
-          </a:xfrm>
-          <a:prstGeom prst="rect">
-            <a:avLst/>
-          </a:prstGeom>
-          <a:noFill/>
-        </p:spPr>
-        <p:txBody>
-          <a:bodyPr wrap="square" rtlCol="0">
-            <a:spAutoFit/>
-          </a:bodyPr>
-          <a:lstStyle/>
-          <a:p>
-            <a:r>
-              <a:rPr lang="en-US" dirty="0"/>
-              <a:t>Server</a:t>
-            </a:r>
-          </a:p>
-        </p:txBody>
-      </p:sp>
-      <p:sp>
-        <p:nvSpPr>
-          <p:cNvPr id="19" name="Arrow: Right 18">
-            <a:extLst>
-              <a:ext uri="{FF2B5EF4-FFF2-40B4-BE49-F238E27FC236}">
-                <a16:creationId xmlns="" xmlns:a16="http://schemas.microsoft.com/office/drawing/2014/main" id="{7A55E352-20EA-45B9-B862-3813F24ADC1A}"/>
-              </a:ext>
-            </a:extLst>
-          </p:cNvPr>
-          <p:cNvSpPr/>
-          <p:nvPr/>
-        </p:nvSpPr>
-        <p:spPr>
-          <a:xfrm rot="1090266">
-            <a:off x="4035247" y="2287009"/>
-            <a:ext cx="1265730" cy="511115"/>
-          </a:xfrm>
-          <a:prstGeom prst="rightArrow">
-            <a:avLst/>
-          </a:prstGeom>
-        </p:spPr>
-        <p:style>
-          <a:lnRef idx="2">
-            <a:schemeClr val="accent1">
-              <a:shade val="50000"/>
-            </a:schemeClr>
-          </a:lnRef>
-          <a:fillRef idx="1">
-            <a:schemeClr val="accent1"/>
-          </a:fillRef>
-          <a:effectRef idx="0">
-            <a:schemeClr val="accent1"/>
-          </a:effectRef>
-          <a:fontRef idx="minor">
-            <a:schemeClr val="lt1"/>
-          </a:fontRef>
-        </p:style>
-        <p:txBody>
-          <a:bodyPr rtlCol="0" anchor="ctr"/>
-          <a:lstStyle/>
-          <a:p>
-            <a:pPr algn="ctr"/>
-            <a:r>
-              <a:rPr lang="en-US" sz="1200" dirty="0"/>
-              <a:t>Events (JSON)</a:t>
-            </a:r>
-          </a:p>
-        </p:txBody>
-      </p:sp>
-      <p:sp>
-        <p:nvSpPr>
-          <p:cNvPr id="23" name="Arrow: Right 22">
-            <a:extLst>
-              <a:ext uri="{FF2B5EF4-FFF2-40B4-BE49-F238E27FC236}">
-                <a16:creationId xmlns="" xmlns:a16="http://schemas.microsoft.com/office/drawing/2014/main" id="{9C3DBFA4-0C22-42BD-A6AD-D689311B60D5}"/>
-              </a:ext>
-            </a:extLst>
-          </p:cNvPr>
-          <p:cNvSpPr/>
-          <p:nvPr/>
-        </p:nvSpPr>
-        <p:spPr>
-          <a:xfrm>
-            <a:off x="7194596" y="3008434"/>
-            <a:ext cx="1317072" cy="620873"/>
-          </a:xfrm>
-          <a:prstGeom prst="rightArrow">
-            <a:avLst/>
-          </a:prstGeom>
-        </p:spPr>
-        <p:style>
-          <a:lnRef idx="2">
-            <a:schemeClr val="accent1">
-              <a:shade val="50000"/>
-            </a:schemeClr>
-          </a:lnRef>
-          <a:fillRef idx="1">
-            <a:schemeClr val="accent1"/>
-          </a:fillRef>
-          <a:effectRef idx="0">
-            <a:schemeClr val="accent1"/>
-          </a:effectRef>
-          <a:fontRef idx="minor">
-            <a:schemeClr val="lt1"/>
-          </a:fontRef>
-        </p:style>
-        <p:txBody>
-          <a:bodyPr rtlCol="0" anchor="ctr"/>
-          <a:lstStyle/>
-          <a:p>
-            <a:pPr algn="ctr"/>
-            <a:r>
-              <a:rPr lang="en-US" sz="1100" dirty="0"/>
-              <a:t>Events (Object)</a:t>
-            </a:r>
-          </a:p>
-        </p:txBody>
-      </p:sp>
-      <p:sp>
-        <p:nvSpPr>
-          <p:cNvPr id="26" name="Arrow: Left 25">
-            <a:extLst>
-              <a:ext uri="{FF2B5EF4-FFF2-40B4-BE49-F238E27FC236}">
-                <a16:creationId xmlns="" xmlns:a16="http://schemas.microsoft.com/office/drawing/2014/main" id="{5C12193B-2432-4A9C-ADF6-CD05730F6182}"/>
-              </a:ext>
-            </a:extLst>
-          </p:cNvPr>
-          <p:cNvSpPr/>
-          <p:nvPr/>
-        </p:nvSpPr>
-        <p:spPr>
-          <a:xfrm>
-            <a:off x="7087783" y="3854826"/>
-            <a:ext cx="1274738" cy="620873"/>
-          </a:xfrm>
-          <a:prstGeom prst="leftArrow">
-            <a:avLst/>
-          </a:prstGeom>
-        </p:spPr>
-        <p:style>
-          <a:lnRef idx="2">
-            <a:schemeClr val="accent1">
-              <a:shade val="50000"/>
-            </a:schemeClr>
-          </a:lnRef>
-          <a:fillRef idx="1">
-            <a:schemeClr val="accent1"/>
-          </a:fillRef>
-          <a:effectRef idx="0">
-            <a:schemeClr val="accent1"/>
-          </a:effectRef>
-          <a:fontRef idx="minor">
-            <a:schemeClr val="lt1"/>
-          </a:fontRef>
-        </p:style>
-        <p:txBody>
-          <a:bodyPr rtlCol="0" anchor="ctr"/>
-          <a:lstStyle/>
-          <a:p>
-            <a:pPr algn="ctr"/>
-            <a:r>
-              <a:rPr lang="en-US" sz="900" dirty="0"/>
-              <a:t>Response (object)</a:t>
-            </a:r>
-          </a:p>
-        </p:txBody>
-      </p:sp>
-      <p:sp>
-        <p:nvSpPr>
-          <p:cNvPr id="27" name="Arrow: Left 26">
-            <a:extLst>
-              <a:ext uri="{FF2B5EF4-FFF2-40B4-BE49-F238E27FC236}">
-                <a16:creationId xmlns="" xmlns:a16="http://schemas.microsoft.com/office/drawing/2014/main" id="{A759B877-5984-4B09-9AE5-E320DE5D578A}"/>
-              </a:ext>
-            </a:extLst>
-          </p:cNvPr>
-          <p:cNvSpPr/>
-          <p:nvPr/>
-        </p:nvSpPr>
-        <p:spPr>
-          <a:xfrm rot="980634">
-            <a:off x="3853322" y="2742920"/>
-            <a:ext cx="1204711" cy="501247"/>
-          </a:xfrm>
-          <a:prstGeom prst="leftArrow">
-            <a:avLst/>
-          </a:prstGeom>
-        </p:spPr>
-        <p:style>
-          <a:lnRef idx="2">
-            <a:schemeClr val="accent1">
-              <a:shade val="50000"/>
-            </a:schemeClr>
-          </a:lnRef>
-          <a:fillRef idx="1">
-            <a:schemeClr val="accent1"/>
-          </a:fillRef>
-          <a:effectRef idx="0">
-            <a:schemeClr val="accent1"/>
-          </a:effectRef>
-          <a:fontRef idx="minor">
-            <a:schemeClr val="lt1"/>
-          </a:fontRef>
-        </p:style>
-        <p:txBody>
-          <a:bodyPr rtlCol="0" anchor="ctr"/>
-          <a:lstStyle/>
-          <a:p>
-            <a:pPr algn="ctr"/>
-            <a:r>
-              <a:rPr lang="en-US" sz="900" dirty="0"/>
-              <a:t>Response (JSON)</a:t>
-            </a:r>
-          </a:p>
-        </p:txBody>
-      </p:sp>
-      <p:sp>
-        <p:nvSpPr>
-          <p:cNvPr id="28" name="Arrow: Left 27">
-            <a:extLst>
-              <a:ext uri="{FF2B5EF4-FFF2-40B4-BE49-F238E27FC236}">
-                <a16:creationId xmlns="" xmlns:a16="http://schemas.microsoft.com/office/drawing/2014/main" id="{BC43A78E-522B-463C-B544-DB7A3870F147}"/>
-              </a:ext>
-            </a:extLst>
-          </p:cNvPr>
-          <p:cNvSpPr/>
-          <p:nvPr/>
-        </p:nvSpPr>
-        <p:spPr>
-          <a:xfrm rot="20646579">
-            <a:off x="3792693" y="4339530"/>
-            <a:ext cx="1204711" cy="501247"/>
-          </a:xfrm>
-          <a:prstGeom prst="leftArrow">
-            <a:avLst/>
-          </a:prstGeom>
-        </p:spPr>
-        <p:style>
-          <a:lnRef idx="2">
-            <a:schemeClr val="accent1">
-              <a:shade val="50000"/>
-            </a:schemeClr>
-          </a:lnRef>
-          <a:fillRef idx="1">
-            <a:schemeClr val="accent1"/>
-          </a:fillRef>
-          <a:effectRef idx="0">
-            <a:schemeClr val="accent1"/>
-          </a:effectRef>
-          <a:fontRef idx="minor">
-            <a:schemeClr val="lt1"/>
-          </a:fontRef>
-        </p:style>
-        <p:txBody>
-          <a:bodyPr rtlCol="0" anchor="ctr"/>
-          <a:lstStyle/>
-          <a:p>
-            <a:pPr algn="ctr"/>
-            <a:r>
-              <a:rPr lang="en-US" sz="900" dirty="0"/>
-              <a:t>Response (JSON)</a:t>
-            </a:r>
-          </a:p>
-        </p:txBody>
-      </p:sp>
-      <p:sp>
-        <p:nvSpPr>
-          <p:cNvPr id="29" name="Arrow: Left 28">
-            <a:extLst>
-              <a:ext uri="{FF2B5EF4-FFF2-40B4-BE49-F238E27FC236}">
-                <a16:creationId xmlns="" xmlns:a16="http://schemas.microsoft.com/office/drawing/2014/main" id="{5CAD3B61-682F-4E6B-B30F-24857CB9D032}"/>
-              </a:ext>
-            </a:extLst>
-          </p:cNvPr>
-          <p:cNvSpPr/>
-          <p:nvPr/>
-        </p:nvSpPr>
-        <p:spPr>
-          <a:xfrm>
-            <a:off x="3792693" y="3567395"/>
-            <a:ext cx="1204711" cy="501247"/>
-          </a:xfrm>
-          <a:prstGeom prst="leftArrow">
-            <a:avLst/>
-          </a:prstGeom>
-        </p:spPr>
-        <p:style>
-          <a:lnRef idx="2">
-            <a:schemeClr val="accent1">
-              <a:shade val="50000"/>
-            </a:schemeClr>
-          </a:lnRef>
-          <a:fillRef idx="1">
-            <a:schemeClr val="accent1"/>
-          </a:fillRef>
-          <a:effectRef idx="0">
-            <a:schemeClr val="accent1"/>
-          </a:effectRef>
-          <a:fontRef idx="minor">
-            <a:schemeClr val="lt1"/>
-          </a:fontRef>
-        </p:style>
-        <p:txBody>
-          <a:bodyPr rtlCol="0" anchor="ctr"/>
-          <a:lstStyle/>
-          <a:p>
-            <a:pPr algn="ctr"/>
-            <a:r>
-              <a:rPr lang="en-US" sz="900" dirty="0"/>
-              <a:t>Response (JSON)</a:t>
-            </a:r>
-          </a:p>
-        </p:txBody>
-      </p:sp>
-      <p:sp>
-        <p:nvSpPr>
-          <p:cNvPr id="20" name="Content Placeholder 1">
-            <a:extLst>
-              <a:ext uri="{FF2B5EF4-FFF2-40B4-BE49-F238E27FC236}">
-                <a16:creationId xmlns="" xmlns:a16="http://schemas.microsoft.com/office/drawing/2014/main" id="{80C5A564-6E44-498B-8A8B-BFE165B9B208}"/>
-              </a:ext>
-            </a:extLst>
-          </p:cNvPr>
-          <p:cNvSpPr>
-            <a:spLocks noGrp="1"/>
-          </p:cNvSpPr>
-          <p:nvPr>
-            <p:ph idx="1"/>
-          </p:nvPr>
-        </p:nvSpPr>
-        <p:spPr>
-          <a:xfrm>
-            <a:off x="1790762" y="5731997"/>
-            <a:ext cx="9877777" cy="3450696"/>
-          </a:xfrm>
-        </p:spPr>
-        <p:txBody>
-          <a:bodyPr/>
-          <a:lstStyle/>
-          <a:p>
-            <a:pPr marL="0" indent="0">
-              <a:buNone/>
-            </a:pPr>
-            <a:r>
-              <a:rPr lang="en-US" dirty="0" smtClean="0"/>
-              <a:t>All communication between client side </a:t>
-            </a:r>
-            <a:r>
-              <a:rPr lang="en-US" dirty="0"/>
-              <a:t>and </a:t>
-            </a:r>
-            <a:r>
-              <a:rPr lang="en-US" dirty="0" smtClean="0"/>
-              <a:t>server side </a:t>
-            </a:r>
-            <a:r>
-              <a:rPr lang="en-US" dirty="0"/>
-              <a:t>are transferred through web </a:t>
-            </a:r>
-            <a:r>
-              <a:rPr lang="en-US" dirty="0" smtClean="0"/>
-              <a:t>socket</a:t>
-            </a:r>
-            <a:r>
-              <a:rPr lang="en-US" altLang="zh-CN" dirty="0" smtClean="0"/>
-              <a:t>.</a:t>
-            </a:r>
-            <a:r>
-              <a:rPr lang="zh-CN" altLang="en-US" dirty="0" smtClean="0"/>
-              <a:t> </a:t>
-            </a:r>
-            <a:endParaRPr lang="en-US" dirty="0"/>
-          </a:p>
-        </p:txBody>
-      </p:sp>
     </p:spTree>
     <p:extLst>
       <p:ext uri="{BB962C8B-B14F-4D97-AF65-F5344CB8AC3E}">
-        <p14:creationId xmlns:p14="http://schemas.microsoft.com/office/powerpoint/2010/main" val="3179656841"/>
+        <p14:creationId xmlns:p14="http://schemas.microsoft.com/office/powerpoint/2010/main" val="392836840"/>
       </p:ext>
     </p:extLst>
   </p:cSld>
@@ -19531,6 +16574,80 @@
       </p:grpSpPr>
       <p:sp>
         <p:nvSpPr>
+          <p:cNvPr id="2" name="Content Placeholder 1"/>
+          <p:cNvSpPr>
+            <a:spLocks noGrp="1"/>
+          </p:cNvSpPr>
+          <p:nvPr>
+            <p:ph idx="1"/>
+          </p:nvPr>
+        </p:nvSpPr>
+        <p:spPr/>
+        <p:txBody>
+          <a:bodyPr/>
+          <a:lstStyle/>
+          <a:p>
+            <a:pPr>
+              <a:buFont typeface="Wingdings" charset="2"/>
+              <a:buChar char="v"/>
+            </a:pPr>
+            <a:r>
+              <a:rPr lang="en-US" altLang="zh-CN" dirty="0" smtClean="0"/>
+              <a:t>To view the private message from user B, user A needs to click “chat” button first.</a:t>
+            </a:r>
+          </a:p>
+          <a:p>
+            <a:pPr>
+              <a:buFont typeface="Wingdings" charset="2"/>
+              <a:buChar char="v"/>
+            </a:pPr>
+            <a:endParaRPr lang="en-US" altLang="zh-CN" dirty="0" smtClean="0"/>
+          </a:p>
+          <a:p>
+            <a:pPr>
+              <a:buFont typeface="Wingdings" charset="2"/>
+              <a:buChar char="v"/>
+            </a:pPr>
+            <a:r>
+              <a:rPr lang="en-US" altLang="zh-CN" dirty="0" smtClean="0"/>
+              <a:t>Broadcast messages and notifications are shown in the “My room” column only. They are not shown in private chat box.</a:t>
+            </a:r>
+          </a:p>
+          <a:p>
+            <a:pPr>
+              <a:buFont typeface="Wingdings" charset="2"/>
+              <a:buChar char="v"/>
+            </a:pPr>
+            <a:endParaRPr lang="en-US" altLang="zh-CN" dirty="0"/>
+          </a:p>
+          <a:p>
+            <a:pPr marL="285750" indent="-285750">
+              <a:buFont typeface="Arial"/>
+              <a:buChar char="•"/>
+            </a:pPr>
+            <a:endParaRPr lang="en-US" altLang="zh-CN" dirty="0"/>
+          </a:p>
+          <a:p>
+            <a:pPr marL="285750" indent="-285750">
+              <a:buFont typeface="Arial"/>
+              <a:buChar char="•"/>
+            </a:pPr>
+            <a:endParaRPr lang="en-US" altLang="zh-CN" dirty="0"/>
+          </a:p>
+          <a:p>
+            <a:pPr marL="285750" indent="-285750">
+              <a:buFont typeface="Arial"/>
+              <a:buChar char="•"/>
+            </a:pPr>
+            <a:endParaRPr lang="en-US" dirty="0"/>
+          </a:p>
+          <a:p>
+            <a:endParaRPr lang="en-US" dirty="0"/>
+          </a:p>
+        </p:txBody>
+      </p:sp>
+      <p:sp>
+        <p:nvSpPr>
           <p:cNvPr id="3" name="Title 2"/>
           <p:cNvSpPr>
             <a:spLocks noGrp="1"/>
@@ -19545,51 +16662,33 @@
           <a:lstStyle/>
           <a:p>
             <a:r>
-              <a:rPr lang="en-US" b="1" dirty="0">
+              <a:rPr lang="en-US" b="1" dirty="0" smtClean="0">
                 <a:solidFill>
-                  <a:schemeClr val="tx1"/>
+                  <a:srgbClr val="000000"/>
                 </a:solidFill>
               </a:rPr>
-              <a:t>View - Login</a:t>
-            </a:r>
-            <a:endParaRPr lang="en-US" dirty="0"/>
+              <a:t>Design</a:t>
+            </a:r>
+            <a:r>
+              <a:rPr lang="en-US" b="1" dirty="0" smtClean="0">
+                <a:solidFill>
+                  <a:srgbClr val="000000"/>
+                </a:solidFill>
+              </a:rPr>
+              <a:t> decisions	</a:t>
+            </a:r>
+            <a:endParaRPr lang="en-US" b="1" dirty="0">
+              <a:solidFill>
+                <a:srgbClr val="000000"/>
+              </a:solidFill>
+            </a:endParaRPr>
           </a:p>
         </p:txBody>
       </p:sp>
-      <p:pic>
-        <p:nvPicPr>
-          <p:cNvPr id="4" name="Picture 3" descr="Screen Shot 2018-11-27 at 21.33.45.png"/>
-          <p:cNvPicPr>
-            <a:picLocks noChangeAspect="1"/>
-          </p:cNvPicPr>
-          <p:nvPr/>
-        </p:nvPicPr>
-        <p:blipFill>
-          <a:blip r:embed="rId2">
-            <a:extLst>
-              <a:ext uri="{28A0092B-C50C-407E-A947-70E740481C1C}">
-                <a14:useLocalDpi xmlns:a14="http://schemas.microsoft.com/office/drawing/2010/main" val="0"/>
-              </a:ext>
-            </a:extLst>
-          </a:blip>
-          <a:stretch>
-            <a:fillRect/>
-          </a:stretch>
-        </p:blipFill>
-        <p:spPr>
-          <a:xfrm>
-            <a:off x="0" y="2145080"/>
-            <a:ext cx="12192000" cy="2744044"/>
-          </a:xfrm>
-          <a:prstGeom prst="rect">
-            <a:avLst/>
-          </a:prstGeom>
-        </p:spPr>
-      </p:pic>
     </p:spTree>
     <p:extLst>
       <p:ext uri="{BB962C8B-B14F-4D97-AF65-F5344CB8AC3E}">
-        <p14:creationId xmlns:p14="http://schemas.microsoft.com/office/powerpoint/2010/main" val="3875401769"/>
+        <p14:creationId xmlns:p14="http://schemas.microsoft.com/office/powerpoint/2010/main" val="2179219685"/>
       </p:ext>
     </p:extLst>
   </p:cSld>
@@ -19626,12 +16725,7 @@
             <p:ph type="title"/>
           </p:nvPr>
         </p:nvSpPr>
-        <p:spPr>
-          <a:xfrm>
-            <a:off x="652898" y="121867"/>
-            <a:ext cx="10972800" cy="1252728"/>
-          </a:xfrm>
-        </p:spPr>
+        <p:spPr/>
         <p:txBody>
           <a:bodyPr/>
           <a:lstStyle/>
@@ -19639,113 +16733,252 @@
             <a:r>
               <a:rPr lang="en-US" b="1" dirty="0" smtClean="0">
                 <a:solidFill>
-                  <a:schemeClr val="tx1"/>
+                  <a:srgbClr val="000000"/>
                 </a:solidFill>
               </a:rPr>
-              <a:t>View</a:t>
-            </a:r>
-            <a:r>
-              <a:rPr lang="en-US" b="1" dirty="0">
-                <a:solidFill>
-                  <a:schemeClr val="tx1"/>
-                </a:solidFill>
-              </a:rPr>
-              <a:t> </a:t>
-            </a:r>
-            <a:r>
-              <a:rPr lang="en-US" b="1" dirty="0" smtClean="0">
-                <a:solidFill>
-                  <a:schemeClr val="tx1"/>
-                </a:solidFill>
-              </a:rPr>
-              <a:t>- Login</a:t>
+              <a:t>Demo</a:t>
             </a:r>
             <a:endParaRPr lang="en-US" b="1" dirty="0">
               <a:solidFill>
-                <a:schemeClr val="tx1"/>
+                <a:srgbClr val="000000"/>
               </a:solidFill>
             </a:endParaRPr>
           </a:p>
         </p:txBody>
       </p:sp>
-      <p:pic>
-        <p:nvPicPr>
-          <p:cNvPr id="7" name="Picture 6" descr="Screen Shot 2018-11-27 at 16.06.10.png"/>
-          <p:cNvPicPr>
-            <a:picLocks noChangeAspect="1"/>
-          </p:cNvPicPr>
-          <p:nvPr/>
-        </p:nvPicPr>
-        <p:blipFill rotWithShape="1">
-          <a:blip r:embed="rId2">
-            <a:extLst>
-              <a:ext uri="{28A0092B-C50C-407E-A947-70E740481C1C}">
-                <a14:useLocalDpi xmlns:a14="http://schemas.microsoft.com/office/drawing/2010/main" val="0"/>
-              </a:ext>
-            </a:extLst>
-          </a:blip>
-          <a:srcRect l="-7324" t="-2562" r="26055" b="2562"/>
-          <a:stretch/>
-        </p:blipFill>
-        <p:spPr>
-          <a:xfrm>
-            <a:off x="678335" y="1481234"/>
-            <a:ext cx="9908508" cy="5214295"/>
-          </a:xfrm>
-          <a:prstGeom prst="rect">
-            <a:avLst/>
-          </a:prstGeom>
-        </p:spPr>
-      </p:pic>
       <p:sp>
         <p:nvSpPr>
-          <p:cNvPr id="6" name="Rectangle 5"/>
+          <p:cNvPr id="4" name="矩形 3"/>
           <p:cNvSpPr/>
           <p:nvPr/>
         </p:nvSpPr>
         <p:spPr>
           <a:xfrm>
-            <a:off x="2925904" y="1490781"/>
-            <a:ext cx="1130407" cy="683881"/>
+            <a:off x="3299700" y="2911177"/>
+            <a:ext cx="5533937" cy="923330"/>
           </a:xfrm>
           <a:prstGeom prst="rect">
             <a:avLst/>
           </a:prstGeom>
           <a:noFill/>
-          <a:ln w="38100" cmpd="sng">
-            <a:solidFill>
-              <a:srgbClr val="FF0000"/>
-            </a:solidFill>
-          </a:ln>
-          <a:effectLst/>
         </p:spPr>
-        <p:style>
-          <a:lnRef idx="1">
-            <a:schemeClr val="accent1"/>
-          </a:lnRef>
-          <a:fillRef idx="3">
-            <a:schemeClr val="accent1"/>
-          </a:fillRef>
-          <a:effectRef idx="2">
-            <a:schemeClr val="accent1"/>
-          </a:effectRef>
-          <a:fontRef idx="minor">
-            <a:schemeClr val="lt1"/>
-          </a:fontRef>
-        </p:style>
         <p:txBody>
-          <a:bodyPr rtlCol="0" anchor="ctr"/>
+          <a:bodyPr wrap="none" lIns="91440" tIns="45720" rIns="91440" bIns="45720">
+            <a:spAutoFit/>
+          </a:bodyPr>
           <a:lstStyle/>
           <a:p>
             <a:pPr algn="ctr"/>
-            <a:endParaRPr lang="en-US"/>
+            <a:r>
+              <a:rPr lang="en-US" altLang="zh-CN" sz="5400" b="1" dirty="0">
+                <a:ln w="10541" cmpd="sng">
+                  <a:solidFill>
+                    <a:schemeClr val="accent1">
+                      <a:shade val="88000"/>
+                      <a:satMod val="110000"/>
+                    </a:schemeClr>
+                  </a:solidFill>
+                  <a:prstDash val="solid"/>
+                </a:ln>
+                <a:gradFill>
+                  <a:gsLst>
+                    <a:gs pos="0">
+                      <a:schemeClr val="accent1">
+                        <a:tint val="40000"/>
+                        <a:satMod val="250000"/>
+                      </a:schemeClr>
+                    </a:gs>
+                    <a:gs pos="9000">
+                      <a:schemeClr val="accent1">
+                        <a:tint val="52000"/>
+                        <a:satMod val="300000"/>
+                      </a:schemeClr>
+                    </a:gs>
+                    <a:gs pos="50000">
+                      <a:schemeClr val="accent1">
+                        <a:shade val="20000"/>
+                        <a:satMod val="300000"/>
+                      </a:schemeClr>
+                    </a:gs>
+                    <a:gs pos="79000">
+                      <a:schemeClr val="accent1">
+                        <a:tint val="52000"/>
+                        <a:satMod val="300000"/>
+                      </a:schemeClr>
+                    </a:gs>
+                    <a:gs pos="100000">
+                      <a:schemeClr val="accent1">
+                        <a:tint val="40000"/>
+                        <a:satMod val="250000"/>
+                      </a:schemeClr>
+                    </a:gs>
+                  </a:gsLst>
+                  <a:lin ang="5400000"/>
+                </a:gradFill>
+              </a:rPr>
+              <a:t>Deploy on </a:t>
+            </a:r>
+            <a:r>
+              <a:rPr lang="en-US" altLang="zh-CN" sz="5400" b="1" dirty="0" err="1">
+                <a:ln w="10541" cmpd="sng">
+                  <a:solidFill>
+                    <a:schemeClr val="accent1">
+                      <a:shade val="88000"/>
+                      <a:satMod val="110000"/>
+                    </a:schemeClr>
+                  </a:solidFill>
+                  <a:prstDash val="solid"/>
+                </a:ln>
+                <a:gradFill>
+                  <a:gsLst>
+                    <a:gs pos="0">
+                      <a:schemeClr val="accent1">
+                        <a:tint val="40000"/>
+                        <a:satMod val="250000"/>
+                      </a:schemeClr>
+                    </a:gs>
+                    <a:gs pos="9000">
+                      <a:schemeClr val="accent1">
+                        <a:tint val="52000"/>
+                        <a:satMod val="300000"/>
+                      </a:schemeClr>
+                    </a:gs>
+                    <a:gs pos="50000">
+                      <a:schemeClr val="accent1">
+                        <a:shade val="20000"/>
+                        <a:satMod val="300000"/>
+                      </a:schemeClr>
+                    </a:gs>
+                    <a:gs pos="79000">
+                      <a:schemeClr val="accent1">
+                        <a:tint val="52000"/>
+                        <a:satMod val="300000"/>
+                      </a:schemeClr>
+                    </a:gs>
+                    <a:gs pos="100000">
+                      <a:schemeClr val="accent1">
+                        <a:tint val="40000"/>
+                        <a:satMod val="250000"/>
+                      </a:schemeClr>
+                    </a:gs>
+                  </a:gsLst>
+                  <a:lin ang="5400000"/>
+                </a:gradFill>
+              </a:rPr>
+              <a:t>Heroku</a:t>
+            </a:r>
+            <a:endParaRPr lang="zh-CN" altLang="en-US" sz="5400" b="1" dirty="0">
+              <a:ln w="10541" cmpd="sng">
+                <a:solidFill>
+                  <a:schemeClr val="accent1">
+                    <a:shade val="88000"/>
+                    <a:satMod val="110000"/>
+                  </a:schemeClr>
+                </a:solidFill>
+                <a:prstDash val="solid"/>
+              </a:ln>
+              <a:gradFill>
+                <a:gsLst>
+                  <a:gs pos="0">
+                    <a:schemeClr val="accent1">
+                      <a:tint val="40000"/>
+                      <a:satMod val="250000"/>
+                    </a:schemeClr>
+                  </a:gs>
+                  <a:gs pos="9000">
+                    <a:schemeClr val="accent1">
+                      <a:tint val="52000"/>
+                      <a:satMod val="300000"/>
+                    </a:schemeClr>
+                  </a:gs>
+                  <a:gs pos="50000">
+                    <a:schemeClr val="accent1">
+                      <a:shade val="20000"/>
+                      <a:satMod val="300000"/>
+                    </a:schemeClr>
+                  </a:gs>
+                  <a:gs pos="79000">
+                    <a:schemeClr val="accent1">
+                      <a:tint val="52000"/>
+                      <a:satMod val="300000"/>
+                    </a:schemeClr>
+                  </a:gs>
+                  <a:gs pos="100000">
+                    <a:schemeClr val="accent1">
+                      <a:tint val="40000"/>
+                      <a:satMod val="250000"/>
+                    </a:schemeClr>
+                  </a:gs>
+                </a:gsLst>
+                <a:lin ang="5400000"/>
+              </a:gradFill>
+            </a:endParaRPr>
+          </a:p>
+        </p:txBody>
+      </p:sp>
+      <p:sp>
+        <p:nvSpPr>
+          <p:cNvPr id="5" name="文本框 5"/>
+          <p:cNvSpPr txBox="1"/>
+          <p:nvPr/>
+        </p:nvSpPr>
+        <p:spPr>
+          <a:xfrm>
+            <a:off x="3179407" y="4068297"/>
+            <a:ext cx="7996052" cy="646331"/>
+          </a:xfrm>
+          <a:prstGeom prst="rect">
+            <a:avLst/>
+          </a:prstGeom>
+          <a:noFill/>
+        </p:spPr>
+        <p:txBody>
+          <a:bodyPr wrap="square" rtlCol="0">
+            <a:spAutoFit/>
+          </a:bodyPr>
+          <a:lstStyle/>
+          <a:p>
+            <a:r>
+              <a:rPr kumimoji="1" lang="en-US" altLang="zh-CN" dirty="0"/>
+              <a:t>URL</a:t>
+            </a:r>
+            <a:r>
+              <a:rPr kumimoji="1" lang="en-US" altLang="zh-CN" dirty="0" smtClean="0"/>
+              <a:t>:</a:t>
+            </a:r>
+            <a:r>
+              <a:rPr kumimoji="1" lang="zh-CN" altLang="en-US" dirty="0" smtClean="0"/>
+              <a:t>  </a:t>
+            </a:r>
+            <a:r>
+              <a:rPr kumimoji="1" lang="en-US" altLang="zh-CN" dirty="0" smtClean="0">
+                <a:hlinkClick r:id="rId2"/>
+              </a:rPr>
+              <a:t>http:</a:t>
+            </a:r>
+            <a:r>
+              <a:rPr kumimoji="1" lang="en-US" altLang="zh-CN" dirty="0">
+                <a:hlinkClick r:id="rId2"/>
+              </a:rPr>
+              <a:t>//chatapp-team-nullsleep.herokuapp.com</a:t>
+            </a:r>
+            <a:r>
+              <a:rPr kumimoji="1" lang="en-US" altLang="zh-CN" dirty="0" smtClean="0">
+                <a:hlinkClick r:id="rId2"/>
+              </a:rPr>
+              <a:t>/</a:t>
+            </a:r>
+            <a:endParaRPr kumimoji="1" lang="en-US" altLang="zh-CN" dirty="0" smtClean="0"/>
+          </a:p>
+          <a:p>
+            <a:endParaRPr kumimoji="1" lang="zh-CN" altLang="en-US" dirty="0"/>
           </a:p>
         </p:txBody>
       </p:sp>
     </p:spTree>
     <p:extLst>
       <p:ext uri="{BB962C8B-B14F-4D97-AF65-F5344CB8AC3E}">
-        <p14:creationId xmlns:p14="http://schemas.microsoft.com/office/powerpoint/2010/main" val="4035950559"/>
+        <p14:creationId xmlns:p14="http://schemas.microsoft.com/office/powerpoint/2010/main" val="1239821159"/>
       </p:ext>
     </p:extLst>
   </p:cSld>
@@ -19772,39 +17005,9 @@
           <a:chExt cx="0" cy="0"/>
         </a:xfrm>
       </p:grpSpPr>
-      <p:pic>
-        <p:nvPicPr>
-          <p:cNvPr id="5" name="Picture 4" descr="Screen Shot 2018-11-27 at 15.59.54.png"/>
-          <p:cNvPicPr>
-            <a:picLocks noChangeAspect="1"/>
-          </p:cNvPicPr>
-          <p:nvPr/>
-        </p:nvPicPr>
-        <p:blipFill>
-          <a:blip r:embed="rId2">
-            <a:extLst>
-              <a:ext uri="{28A0092B-C50C-407E-A947-70E740481C1C}">
-                <a14:useLocalDpi xmlns:a14="http://schemas.microsoft.com/office/drawing/2010/main" val="0"/>
-              </a:ext>
-            </a:extLst>
-          </a:blip>
-          <a:stretch>
-            <a:fillRect/>
-          </a:stretch>
-        </p:blipFill>
-        <p:spPr>
-          <a:xfrm>
-            <a:off x="0" y="-177800"/>
-            <a:ext cx="12192000" cy="6703105"/>
-          </a:xfrm>
-          <a:prstGeom prst="rect">
-            <a:avLst/>
-          </a:prstGeom>
-        </p:spPr>
-      </p:pic>
       <p:sp>
         <p:nvSpPr>
-          <p:cNvPr id="3" name="Title 2"/>
+          <p:cNvPr id="2" name="Title 1"/>
           <p:cNvSpPr>
             <a:spLocks noGrp="1"/>
           </p:cNvSpPr>
@@ -19812,31 +17015,361 @@
             <p:ph type="title"/>
           </p:nvPr>
         </p:nvSpPr>
-        <p:spPr>
-          <a:xfrm>
-            <a:off x="10502900" y="5392928"/>
-            <a:ext cx="1689100" cy="1252728"/>
-          </a:xfrm>
-        </p:spPr>
+        <p:spPr/>
         <p:txBody>
-          <a:bodyPr/>
+          <a:bodyPr>
+            <a:normAutofit/>
+          </a:bodyPr>
           <a:lstStyle/>
           <a:p>
             <a:r>
-              <a:rPr lang="en-US" b="1" dirty="0">
+              <a:rPr lang="en-US" b="1" dirty="0" smtClean="0">
                 <a:solidFill>
                   <a:srgbClr val="000000"/>
                 </a:solidFill>
               </a:rPr>
-              <a:t>View</a:t>
-            </a:r>
+              <a:t>Controller </a:t>
+            </a:r>
+            <a:endParaRPr lang="en-US" b="1" dirty="0">
+              <a:solidFill>
+                <a:srgbClr val="000000"/>
+              </a:solidFill>
+            </a:endParaRPr>
+          </a:p>
+        </p:txBody>
+      </p:sp>
+      <p:sp>
+        <p:nvSpPr>
+          <p:cNvPr id="5" name="TextBox 4">
+            <a:extLst>
+              <a:ext uri="{FF2B5EF4-FFF2-40B4-BE49-F238E27FC236}">
+                <a16:creationId xmlns:a16="http://schemas.microsoft.com/office/drawing/2014/main" xmlns="" id="{84F02290-10A9-4B22-A3D0-BD285571D0DB}"/>
+              </a:ext>
+            </a:extLst>
+          </p:cNvPr>
+          <p:cNvSpPr txBox="1"/>
+          <p:nvPr/>
+        </p:nvSpPr>
+        <p:spPr>
+          <a:xfrm>
+            <a:off x="1083708" y="2347544"/>
+            <a:ext cx="7233856" cy="3539431"/>
+          </a:xfrm>
+          <a:prstGeom prst="rect">
+            <a:avLst/>
+          </a:prstGeom>
+          <a:noFill/>
+        </p:spPr>
+        <p:txBody>
+          <a:bodyPr wrap="square" rtlCol="0">
+            <a:spAutoFit/>
+          </a:bodyPr>
+          <a:lstStyle/>
+          <a:p>
+            <a:pPr marL="285750" indent="-285750">
+              <a:buFont typeface="Arial"/>
+              <a:buChar char="•"/>
+            </a:pPr>
+            <a:r>
+              <a:rPr lang="en-US" sz="2800" b="1" dirty="0" err="1" smtClean="0">
+                <a:solidFill>
+                  <a:srgbClr val="000000"/>
+                </a:solidFill>
+              </a:rPr>
+              <a:t>ChatAppController</a:t>
+            </a:r>
+            <a:endParaRPr lang="en-US" sz="2800" b="1" dirty="0" smtClean="0">
+              <a:solidFill>
+                <a:srgbClr val="000000"/>
+              </a:solidFill>
+            </a:endParaRPr>
+          </a:p>
+          <a:p>
+            <a:pPr marL="742950" lvl="1" indent="-285750">
+              <a:buFont typeface="Arial"/>
+              <a:buChar char="•"/>
+            </a:pPr>
+            <a:r>
+              <a:rPr lang="en-US" sz="2800" dirty="0" smtClean="0">
+                <a:solidFill>
+                  <a:srgbClr val="000000"/>
+                </a:solidFill>
+              </a:rPr>
+              <a:t>Setup</a:t>
+            </a:r>
+            <a:r>
+              <a:rPr lang="zh-CN" altLang="en-US" sz="2800" dirty="0" smtClean="0">
+                <a:solidFill>
+                  <a:srgbClr val="000000"/>
+                </a:solidFill>
+              </a:rPr>
+              <a:t> </a:t>
+            </a:r>
+            <a:r>
+              <a:rPr lang="en-US" altLang="zh-CN" sz="2800" dirty="0" err="1" smtClean="0">
+                <a:solidFill>
+                  <a:srgbClr val="000000"/>
+                </a:solidFill>
+              </a:rPr>
+              <a:t>Websocket</a:t>
+            </a:r>
+            <a:r>
+              <a:rPr lang="zh-CN" altLang="en-US" sz="2800" dirty="0" smtClean="0">
+                <a:solidFill>
+                  <a:srgbClr val="000000"/>
+                </a:solidFill>
+              </a:rPr>
+              <a:t> </a:t>
+            </a:r>
+            <a:r>
+              <a:rPr lang="en-US" altLang="zh-CN" sz="2800" dirty="0" smtClean="0">
+                <a:solidFill>
+                  <a:srgbClr val="000000"/>
+                </a:solidFill>
+              </a:rPr>
+              <a:t>on</a:t>
+            </a:r>
+            <a:r>
+              <a:rPr lang="zh-CN" altLang="en-US" sz="2800" dirty="0" smtClean="0">
+                <a:solidFill>
+                  <a:srgbClr val="000000"/>
+                </a:solidFill>
+              </a:rPr>
+              <a:t> </a:t>
+            </a:r>
+            <a:r>
+              <a:rPr lang="en-US" altLang="zh-CN" sz="2800" dirty="0" smtClean="0">
+                <a:solidFill>
+                  <a:srgbClr val="000000"/>
+                </a:solidFill>
+              </a:rPr>
+              <a:t>server</a:t>
+            </a:r>
+            <a:r>
+              <a:rPr lang="zh-CN" altLang="en-US" sz="2800" dirty="0" smtClean="0">
+                <a:solidFill>
+                  <a:srgbClr val="000000"/>
+                </a:solidFill>
+              </a:rPr>
+              <a:t> </a:t>
+            </a:r>
+            <a:r>
+              <a:rPr lang="en-US" altLang="zh-CN" sz="2800" dirty="0" smtClean="0">
+                <a:solidFill>
+                  <a:srgbClr val="000000"/>
+                </a:solidFill>
+              </a:rPr>
+              <a:t>side</a:t>
+            </a:r>
+          </a:p>
+          <a:p>
+            <a:pPr marL="742950" lvl="1" indent="-285750">
+              <a:buFont typeface="Arial"/>
+              <a:buChar char="•"/>
+            </a:pPr>
+            <a:r>
+              <a:rPr lang="en-US" sz="2800" dirty="0" smtClean="0">
+                <a:solidFill>
+                  <a:srgbClr val="000000"/>
+                </a:solidFill>
+              </a:rPr>
+              <a:t>Setup</a:t>
+            </a:r>
+            <a:r>
+              <a:rPr lang="zh-CN" altLang="en-US" sz="2800" dirty="0" smtClean="0">
+                <a:solidFill>
+                  <a:srgbClr val="000000"/>
+                </a:solidFill>
+              </a:rPr>
+              <a:t> </a:t>
+            </a:r>
+            <a:r>
+              <a:rPr lang="en-US" altLang="zh-CN" sz="2800" dirty="0" err="1" smtClean="0">
+                <a:solidFill>
+                  <a:srgbClr val="000000"/>
+                </a:solidFill>
+              </a:rPr>
+              <a:t>Heroku</a:t>
+            </a:r>
+            <a:r>
+              <a:rPr lang="zh-CN" altLang="en-US" sz="2800" dirty="0" smtClean="0">
+                <a:solidFill>
+                  <a:srgbClr val="000000"/>
+                </a:solidFill>
+              </a:rPr>
+              <a:t> </a:t>
+            </a:r>
+            <a:r>
+              <a:rPr lang="en-US" altLang="zh-CN" sz="2800" dirty="0" smtClean="0">
+                <a:solidFill>
+                  <a:srgbClr val="000000"/>
+                </a:solidFill>
+              </a:rPr>
+              <a:t>port</a:t>
+            </a:r>
+          </a:p>
+          <a:p>
+            <a:pPr lvl="1"/>
+            <a:endParaRPr lang="en-US" sz="2800" dirty="0" smtClean="0"/>
+          </a:p>
+          <a:p>
+            <a:pPr marL="285750" indent="-285750">
+              <a:buFont typeface="Arial"/>
+              <a:buChar char="•"/>
+            </a:pPr>
+            <a:r>
+              <a:rPr lang="en-US" sz="2800" b="1" dirty="0" err="1" smtClean="0">
+                <a:solidFill>
+                  <a:srgbClr val="000000"/>
+                </a:solidFill>
+              </a:rPr>
+              <a:t>WebSocketController</a:t>
+            </a:r>
+            <a:endParaRPr lang="en-US" sz="2800" b="1" dirty="0" smtClean="0">
+              <a:solidFill>
+                <a:srgbClr val="000000"/>
+              </a:solidFill>
+            </a:endParaRPr>
+          </a:p>
+          <a:p>
+            <a:pPr marL="742950" lvl="1" indent="-285750">
+              <a:buFont typeface="Arial"/>
+              <a:buChar char="•"/>
+            </a:pPr>
+            <a:r>
+              <a:rPr lang="en-US" sz="2800" dirty="0" smtClean="0">
+                <a:solidFill>
+                  <a:srgbClr val="000000"/>
+                </a:solidFill>
+              </a:rPr>
+              <a:t>H</a:t>
+            </a:r>
+            <a:r>
+              <a:rPr lang="en-US" altLang="zh-CN" sz="2800" dirty="0" smtClean="0">
+                <a:solidFill>
+                  <a:srgbClr val="000000"/>
+                </a:solidFill>
+              </a:rPr>
+              <a:t>andle</a:t>
+            </a:r>
+            <a:r>
+              <a:rPr lang="zh-CN" altLang="en-US" sz="2800" dirty="0" smtClean="0">
+                <a:solidFill>
+                  <a:srgbClr val="000000"/>
+                </a:solidFill>
+              </a:rPr>
+              <a:t> </a:t>
+            </a:r>
+            <a:r>
+              <a:rPr lang="en-US" altLang="zh-CN" sz="2800" dirty="0" err="1">
+                <a:solidFill>
+                  <a:srgbClr val="000000"/>
+                </a:solidFill>
+              </a:rPr>
+              <a:t>W</a:t>
+            </a:r>
+            <a:r>
+              <a:rPr lang="en-US" altLang="zh-CN" sz="2800" dirty="0" err="1" smtClean="0">
+                <a:solidFill>
+                  <a:srgbClr val="000000"/>
+                </a:solidFill>
+              </a:rPr>
+              <a:t>ebsocket</a:t>
+            </a:r>
+            <a:r>
+              <a:rPr lang="zh-CN" altLang="en-US" sz="2800" dirty="0" smtClean="0">
+                <a:solidFill>
+                  <a:srgbClr val="000000"/>
+                </a:solidFill>
+              </a:rPr>
+              <a:t> </a:t>
+            </a:r>
+            <a:r>
+              <a:rPr lang="en-US" altLang="zh-CN" sz="2800" dirty="0" smtClean="0">
+                <a:solidFill>
+                  <a:srgbClr val="000000"/>
+                </a:solidFill>
+              </a:rPr>
+              <a:t>communications</a:t>
+            </a:r>
+            <a:r>
+              <a:rPr lang="zh-CN" altLang="en-US" sz="2800" dirty="0" smtClean="0">
+                <a:solidFill>
+                  <a:srgbClr val="000000"/>
+                </a:solidFill>
+              </a:rPr>
+              <a:t> </a:t>
+            </a:r>
+            <a:r>
+              <a:rPr lang="en-US" altLang="zh-CN" sz="2800" dirty="0" smtClean="0">
+                <a:solidFill>
+                  <a:srgbClr val="000000"/>
+                </a:solidFill>
+              </a:rPr>
+              <a:t>from</a:t>
+            </a:r>
+            <a:r>
+              <a:rPr lang="zh-CN" altLang="en-US" sz="2800" dirty="0" smtClean="0">
+                <a:solidFill>
+                  <a:srgbClr val="000000"/>
+                </a:solidFill>
+              </a:rPr>
+              <a:t> </a:t>
+            </a:r>
+            <a:r>
+              <a:rPr lang="en-US" altLang="zh-CN" sz="2800" dirty="0" smtClean="0">
+                <a:solidFill>
+                  <a:srgbClr val="000000"/>
+                </a:solidFill>
+              </a:rPr>
+              <a:t>client</a:t>
+            </a:r>
+            <a:r>
+              <a:rPr lang="zh-CN" altLang="en-US" sz="2800" dirty="0" smtClean="0">
+                <a:solidFill>
+                  <a:srgbClr val="000000"/>
+                </a:solidFill>
+              </a:rPr>
+              <a:t> </a:t>
+            </a:r>
+            <a:r>
+              <a:rPr lang="en-US" altLang="zh-CN" sz="2800" dirty="0" smtClean="0">
+                <a:solidFill>
+                  <a:srgbClr val="000000"/>
+                </a:solidFill>
+              </a:rPr>
+              <a:t>side</a:t>
+            </a:r>
+          </a:p>
+          <a:p>
+            <a:pPr marL="742950" lvl="1" indent="-285750">
+              <a:buFont typeface="Arial"/>
+              <a:buChar char="•"/>
+            </a:pPr>
+            <a:r>
+              <a:rPr lang="en-US" sz="2800" dirty="0" smtClean="0"/>
+              <a:t>Utilize</a:t>
+            </a:r>
+            <a:r>
+              <a:rPr lang="zh-CN" altLang="en-US" sz="2800" dirty="0" smtClean="0"/>
+              <a:t> </a:t>
+            </a:r>
+            <a:r>
+              <a:rPr lang="en-US" altLang="zh-CN" sz="2800" dirty="0" err="1" smtClean="0"/>
+              <a:t>DispatcherAdapter</a:t>
+            </a:r>
+            <a:r>
+              <a:rPr lang="zh-CN" altLang="en-US" sz="2800" dirty="0" smtClean="0"/>
+              <a:t> </a:t>
+            </a:r>
+            <a:endParaRPr lang="en-US" altLang="zh-CN" sz="2800" dirty="0" smtClean="0"/>
           </a:p>
         </p:txBody>
       </p:sp>
     </p:spTree>
     <p:extLst>
       <p:ext uri="{BB962C8B-B14F-4D97-AF65-F5344CB8AC3E}">
-        <p14:creationId xmlns:p14="http://schemas.microsoft.com/office/powerpoint/2010/main" val="1276820169"/>
+        <p14:creationId xmlns:p14="http://schemas.microsoft.com/office/powerpoint/2010/main" val="1732787951"/>
       </p:ext>
     </p:extLst>
   </p:cSld>
@@ -19863,6 +17396,36 @@
           <a:chExt cx="0" cy="0"/>
         </a:xfrm>
       </p:grpSpPr>
+      <p:pic>
+        <p:nvPicPr>
+          <p:cNvPr id="4" name="Content Placeholder 3" descr="Screen Shot 2018-11-27 at 14.51.01.png"/>
+          <p:cNvPicPr>
+            <a:picLocks noGrp="1" noChangeAspect="1"/>
+          </p:cNvPicPr>
+          <p:nvPr>
+            <p:ph idx="1"/>
+          </p:nvPr>
+        </p:nvPicPr>
+        <p:blipFill>
+          <a:blip r:embed="rId2">
+            <a:extLst>
+              <a:ext uri="{28A0092B-C50C-407E-A947-70E740481C1C}">
+                <a14:useLocalDpi xmlns:a14="http://schemas.microsoft.com/office/drawing/2010/main" val="0"/>
+              </a:ext>
+            </a:extLst>
+          </a:blip>
+          <a:srcRect t="-15652" b="-15652"/>
+          <a:stretch>
+            <a:fillRect/>
+          </a:stretch>
+        </p:blipFill>
+        <p:spPr>
+          <a:xfrm>
+            <a:off x="32344" y="1702726"/>
+            <a:ext cx="12181088" cy="4577815"/>
+          </a:xfrm>
+        </p:spPr>
+      </p:pic>
       <p:sp>
         <p:nvSpPr>
           <p:cNvPr id="3" name="Title 2"/>
@@ -19879,250 +17442,57 @@
           <a:lstStyle/>
           <a:p>
             <a:r>
-              <a:rPr lang="en-US" b="1" dirty="0">
-                <a:solidFill>
-                  <a:schemeClr val="tx1"/>
-                </a:solidFill>
-              </a:rPr>
-              <a:t>View - </a:t>
-            </a:r>
-            <a:r>
               <a:rPr lang="en-US" b="1" dirty="0" smtClean="0">
                 <a:solidFill>
                   <a:srgbClr val="000000"/>
                 </a:solidFill>
               </a:rPr>
-              <a:t>Room </a:t>
-            </a:r>
-            <a:r>
-              <a:rPr lang="en-US" b="1" dirty="0">
+              <a:t>Model -</a:t>
+            </a:r>
+            <a:r>
+              <a:rPr lang="zh-CN" altLang="en-US" b="1" dirty="0" smtClean="0">
                 <a:solidFill>
                   <a:srgbClr val="000000"/>
                 </a:solidFill>
               </a:rPr>
-              <a:t>List</a:t>
-            </a:r>
+              <a:t> </a:t>
+            </a:r>
+            <a:r>
+              <a:rPr lang="en-US" b="1" dirty="0" smtClean="0">
+                <a:solidFill>
+                  <a:srgbClr val="000000"/>
+                </a:solidFill>
+              </a:rPr>
+              <a:t>Package</a:t>
+            </a:r>
+            <a:r>
+              <a:rPr lang="zh-CN" altLang="en-US" b="1" dirty="0" smtClean="0">
+                <a:solidFill>
+                  <a:srgbClr val="000000"/>
+                </a:solidFill>
+              </a:rPr>
+              <a:t> </a:t>
+            </a:r>
+            <a:r>
+              <a:rPr lang="en-US" b="1" dirty="0" err="1" smtClean="0">
+                <a:solidFill>
+                  <a:srgbClr val="000000"/>
+                </a:solidFill>
+              </a:rPr>
+              <a:t>cmd</a:t>
+            </a:r>
+            <a:endParaRPr lang="en-US" b="1" dirty="0">
+              <a:solidFill>
+                <a:srgbClr val="000000"/>
+              </a:solidFill>
+            </a:endParaRPr>
           </a:p>
         </p:txBody>
       </p:sp>
-      <p:sp>
-        <p:nvSpPr>
-          <p:cNvPr id="4" name="TextBox 3">
-            <a:extLst>
-              <a:ext uri="{FF2B5EF4-FFF2-40B4-BE49-F238E27FC236}">
-                <a16:creationId xmlns="" xmlns:a16="http://schemas.microsoft.com/office/drawing/2014/main" id="{E0E949A8-92C6-4ECE-B7B1-87A5ADB62F5D}"/>
-              </a:ext>
-            </a:extLst>
-          </p:cNvPr>
-          <p:cNvSpPr txBox="1"/>
-          <p:nvPr/>
-        </p:nvSpPr>
-        <p:spPr>
-          <a:xfrm>
-            <a:off x="5585444" y="1958267"/>
-            <a:ext cx="6606556" cy="2677656"/>
-          </a:xfrm>
-          <a:prstGeom prst="rect">
-            <a:avLst/>
-          </a:prstGeom>
-          <a:noFill/>
-        </p:spPr>
-        <p:txBody>
-          <a:bodyPr wrap="square" rtlCol="0">
-            <a:spAutoFit/>
-          </a:bodyPr>
-          <a:lstStyle/>
-          <a:p>
-            <a:pPr marL="285750" indent="-285750">
-              <a:buFont typeface="Arial" panose="020B0604020202020204" pitchFamily="34" charset="0"/>
-              <a:buChar char="•"/>
-            </a:pPr>
-            <a:r>
-              <a:rPr lang="en-US" sz="2400" dirty="0" smtClean="0"/>
-              <a:t>All</a:t>
-            </a:r>
-            <a:r>
-              <a:rPr lang="zh-CN" altLang="en-US" sz="2400" dirty="0" smtClean="0"/>
-              <a:t> </a:t>
-            </a:r>
-            <a:r>
-              <a:rPr lang="en-US" altLang="zh-CN" sz="2400" dirty="0" smtClean="0"/>
-              <a:t>available</a:t>
-            </a:r>
-            <a:r>
-              <a:rPr lang="en-US" sz="2400" dirty="0" smtClean="0"/>
-              <a:t> rooms</a:t>
-            </a:r>
-            <a:r>
-              <a:rPr lang="zh-CN" altLang="en-US" sz="2400" dirty="0" smtClean="0"/>
-              <a:t> </a:t>
-            </a:r>
-            <a:r>
-              <a:rPr lang="en-US" altLang="zh-CN" sz="2400" dirty="0" smtClean="0"/>
-              <a:t>are</a:t>
-            </a:r>
-            <a:r>
-              <a:rPr lang="en-US" sz="2400" dirty="0" smtClean="0"/>
-              <a:t> </a:t>
-            </a:r>
-            <a:r>
-              <a:rPr lang="en-US" sz="2400" dirty="0"/>
-              <a:t>displayed in the room list</a:t>
-            </a:r>
-          </a:p>
-          <a:p>
-            <a:pPr marL="285750" indent="-285750">
-              <a:buFont typeface="Arial" panose="020B0604020202020204" pitchFamily="34" charset="0"/>
-              <a:buChar char="•"/>
-            </a:pPr>
-            <a:r>
-              <a:rPr lang="en-US" sz="2400" dirty="0"/>
-              <a:t>Buttons </a:t>
-            </a:r>
-            <a:r>
-              <a:rPr lang="en-US" sz="2400" dirty="0" smtClean="0"/>
-              <a:t>show </a:t>
-            </a:r>
-            <a:r>
-              <a:rPr lang="en-US" sz="2400" dirty="0"/>
-              <a:t>the status/valid operation of a </a:t>
-            </a:r>
-            <a:r>
-              <a:rPr lang="en-US" sz="2400" dirty="0" smtClean="0"/>
-              <a:t>room</a:t>
-            </a:r>
-            <a:r>
-              <a:rPr lang="zh-CN" altLang="en-US" sz="2400" dirty="0" smtClean="0"/>
-              <a:t> </a:t>
-            </a:r>
-            <a:r>
-              <a:rPr lang="en-US" altLang="zh-CN" sz="2400" dirty="0" smtClean="0"/>
-              <a:t>for</a:t>
-            </a:r>
-            <a:r>
-              <a:rPr lang="zh-CN" altLang="en-US" sz="2400" dirty="0" smtClean="0"/>
-              <a:t> </a:t>
-            </a:r>
-            <a:r>
-              <a:rPr lang="en-US" altLang="zh-CN" sz="2400" dirty="0" smtClean="0"/>
-              <a:t>current</a:t>
-            </a:r>
-            <a:r>
-              <a:rPr lang="zh-CN" altLang="en-US" sz="2400" dirty="0" smtClean="0"/>
-              <a:t> </a:t>
-            </a:r>
-            <a:r>
-              <a:rPr lang="en-US" altLang="zh-CN" sz="2400" dirty="0" smtClean="0"/>
-              <a:t>user</a:t>
-            </a:r>
-          </a:p>
-          <a:p>
-            <a:pPr marL="285750" indent="-285750">
-              <a:buFont typeface="Arial" panose="020B0604020202020204" pitchFamily="34" charset="0"/>
-              <a:buChar char="•"/>
-            </a:pPr>
-            <a:r>
-              <a:rPr lang="en-US" sz="2400" dirty="0" smtClean="0"/>
-              <a:t>Button</a:t>
-            </a:r>
-            <a:r>
-              <a:rPr lang="zh-CN" altLang="en-US" sz="2400" dirty="0" smtClean="0"/>
-              <a:t> </a:t>
-            </a:r>
-            <a:r>
-              <a:rPr lang="en-US" altLang="zh-CN" sz="2400" dirty="0" smtClean="0"/>
-              <a:t>to</a:t>
-            </a:r>
-            <a:r>
-              <a:rPr lang="zh-CN" altLang="en-US" sz="2400" dirty="0" smtClean="0"/>
-              <a:t> </a:t>
-            </a:r>
-            <a:r>
-              <a:rPr lang="en-US" altLang="zh-CN" sz="2400" dirty="0" smtClean="0"/>
-              <a:t>create</a:t>
-            </a:r>
-            <a:r>
-              <a:rPr lang="zh-CN" altLang="en-US" sz="2400" dirty="0" smtClean="0"/>
-              <a:t> </a:t>
-            </a:r>
-            <a:r>
-              <a:rPr lang="en-US" altLang="zh-CN" sz="2400" dirty="0" smtClean="0"/>
-              <a:t>a</a:t>
-            </a:r>
-            <a:r>
-              <a:rPr lang="zh-CN" altLang="en-US" sz="2400" dirty="0" smtClean="0"/>
-              <a:t> </a:t>
-            </a:r>
-            <a:r>
-              <a:rPr lang="en-US" altLang="zh-CN" sz="2400" dirty="0" smtClean="0"/>
-              <a:t>new</a:t>
-            </a:r>
-            <a:r>
-              <a:rPr lang="zh-CN" altLang="en-US" sz="2400" dirty="0" smtClean="0"/>
-              <a:t> </a:t>
-            </a:r>
-            <a:r>
-              <a:rPr lang="en-US" altLang="zh-CN" sz="2400" dirty="0" smtClean="0"/>
-              <a:t>chat</a:t>
-            </a:r>
-            <a:r>
-              <a:rPr lang="zh-CN" altLang="en-US" sz="2400" dirty="0" smtClean="0"/>
-              <a:t> </a:t>
-            </a:r>
-            <a:r>
-              <a:rPr lang="en-US" altLang="zh-CN" sz="2400" dirty="0" smtClean="0"/>
-              <a:t>room</a:t>
-            </a:r>
-            <a:endParaRPr lang="en-US" sz="2400" dirty="0"/>
-          </a:p>
-          <a:p>
-            <a:pPr marL="285750" indent="-285750">
-              <a:buFont typeface="Arial" panose="020B0604020202020204" pitchFamily="34" charset="0"/>
-              <a:buChar char="•"/>
-            </a:pPr>
-            <a:endParaRPr lang="en-US" sz="2400" dirty="0"/>
-          </a:p>
-          <a:p>
-            <a:r>
-              <a:rPr lang="en-US" sz="2400" dirty="0"/>
-              <a:t> </a:t>
-            </a:r>
-          </a:p>
-        </p:txBody>
-      </p:sp>
-      <p:pic>
-        <p:nvPicPr>
-          <p:cNvPr id="5" name="Picture 4" descr="Screen Shot 2018-11-27 at 15.59.54.png"/>
-          <p:cNvPicPr>
-            <a:picLocks noChangeAspect="1"/>
-          </p:cNvPicPr>
-          <p:nvPr/>
-        </p:nvPicPr>
-        <p:blipFill rotWithShape="1">
-          <a:blip r:embed="rId2">
-            <a:extLst>
-              <a:ext uri="{28A0092B-C50C-407E-A947-70E740481C1C}">
-                <a14:useLocalDpi xmlns:a14="http://schemas.microsoft.com/office/drawing/2010/main" val="0"/>
-              </a:ext>
-            </a:extLst>
-          </a:blip>
-          <a:srcRect t="7819" r="75496" b="37932"/>
-          <a:stretch/>
-        </p:blipFill>
-        <p:spPr>
-          <a:xfrm>
-            <a:off x="1529863" y="1861510"/>
-            <a:ext cx="3224670" cy="3925040"/>
-          </a:xfrm>
-          <a:prstGeom prst="rect">
-            <a:avLst/>
-          </a:prstGeom>
-        </p:spPr>
-      </p:pic>
     </p:spTree>
     <p:extLst>
       <p:ext uri="{BB962C8B-B14F-4D97-AF65-F5344CB8AC3E}">
-        <p14:creationId xmlns:p14="http://schemas.microsoft.com/office/powerpoint/2010/main" val="1540565221"/>
+        <p14:creationId xmlns:p14="http://schemas.microsoft.com/office/powerpoint/2010/main" val="2898121556"/>
       </p:ext>
     </p:extLst>
   </p:cSld>
@@ -20165,20 +17535,12 @@
           <a:lstStyle/>
           <a:p>
             <a:r>
-              <a:rPr lang="en-US" b="1" dirty="0">
-                <a:solidFill>
-                  <a:schemeClr val="tx1"/>
-                </a:solidFill>
-              </a:rPr>
-              <a:t>View - </a:t>
-            </a:r>
-            <a:r>
               <a:rPr lang="en-US" b="1" dirty="0" smtClean="0">
                 <a:solidFill>
                   <a:srgbClr val="000000"/>
                 </a:solidFill>
               </a:rPr>
-              <a:t>Create</a:t>
+              <a:t>Model</a:t>
             </a:r>
             <a:r>
               <a:rPr lang="zh-CN" altLang="en-US" b="1" dirty="0" smtClean="0">
@@ -20189,12 +17551,12 @@
               <a:t> </a:t>
             </a:r>
             <a:r>
-              <a:rPr lang="en-US" altLang="zh-CN" b="1" dirty="0" smtClean="0">
+              <a:rPr lang="en-US" b="1" dirty="0" smtClean="0">
                 <a:solidFill>
                   <a:srgbClr val="000000"/>
                 </a:solidFill>
               </a:rPr>
-              <a:t>a</a:t>
+              <a:t>-</a:t>
             </a:r>
             <a:r>
               <a:rPr lang="zh-CN" altLang="en-US" b="1" dirty="0" smtClean="0">
@@ -20205,12 +17567,28 @@
               <a:t> </a:t>
             </a:r>
             <a:r>
-              <a:rPr lang="en-US" altLang="zh-CN" b="1" dirty="0" smtClean="0">
+              <a:rPr lang="en-US" b="1" dirty="0" smtClean="0">
                 <a:solidFill>
                   <a:srgbClr val="000000"/>
                 </a:solidFill>
               </a:rPr>
-              <a:t>room</a:t>
+              <a:t>Package</a:t>
+            </a:r>
+            <a:r>
+              <a:rPr lang="zh-CN" altLang="en-US" b="1" dirty="0" smtClean="0">
+                <a:solidFill>
+                  <a:srgbClr val="000000"/>
+                </a:solidFill>
+              </a:rPr>
+              <a:t> </a:t>
+            </a:r>
+            <a:r>
+              <a:rPr lang="en-US" b="1" dirty="0" err="1" smtClean="0">
+                <a:solidFill>
+                  <a:srgbClr val="000000"/>
+                </a:solidFill>
+              </a:rPr>
+              <a:t>obj</a:t>
             </a:r>
             <a:endParaRPr lang="en-US" b="1" dirty="0">
               <a:solidFill>
@@ -20222,7 +17600,7 @@
       </p:sp>
       <p:pic>
         <p:nvPicPr>
-          <p:cNvPr id="4" name="Picture 3" descr="Screen Shot 2018-11-27 at 16.12.29.png"/>
+          <p:cNvPr id="8" name="Picture 7" descr="Screen Shot 2018-11-27 at 15.23.16.png"/>
           <p:cNvPicPr>
             <a:picLocks noChangeAspect="1"/>
           </p:cNvPicPr>
@@ -20242,8 +17620,8 @@
         </p:blipFill>
         <p:spPr>
           <a:xfrm>
-            <a:off x="2521949" y="1517549"/>
-            <a:ext cx="7526396" cy="5166047"/>
+            <a:off x="921071" y="1507330"/>
+            <a:ext cx="10020153" cy="5246259"/>
           </a:xfrm>
           <a:prstGeom prst="rect">
             <a:avLst/>
@@ -20253,7 +17631,7 @@
     </p:spTree>
     <p:extLst>
       <p:ext uri="{BB962C8B-B14F-4D97-AF65-F5344CB8AC3E}">
-        <p14:creationId xmlns:p14="http://schemas.microsoft.com/office/powerpoint/2010/main" val="3653060256"/>
+        <p14:creationId xmlns:p14="http://schemas.microsoft.com/office/powerpoint/2010/main" val="2825297420"/>
       </p:ext>
     </p:extLst>
   </p:cSld>
@@ -20290,52 +17668,84 @@
             <p:ph type="title"/>
           </p:nvPr>
         </p:nvSpPr>
-        <p:spPr>
-          <a:xfrm>
-            <a:off x="609600" y="0"/>
-            <a:ext cx="10972800" cy="1252728"/>
-          </a:xfrm>
-        </p:spPr>
+        <p:spPr/>
         <p:txBody>
           <a:bodyPr/>
           <a:lstStyle/>
           <a:p>
-            <a:r>
-              <a:rPr lang="en-US" b="1" dirty="0">
-                <a:solidFill>
-                  <a:schemeClr val="tx1"/>
-                </a:solidFill>
-              </a:rPr>
-              <a:t>View - </a:t>
-            </a:r>
             <a:r>
               <a:rPr lang="en-US" b="1" dirty="0" smtClean="0">
                 <a:solidFill>
                   <a:srgbClr val="000000"/>
                 </a:solidFill>
               </a:rPr>
-              <a:t>My </a:t>
-            </a:r>
-            <a:r>
-              <a:rPr lang="en-US" b="1" dirty="0">
+              <a:t>Model</a:t>
+            </a:r>
+            <a:r>
+              <a:rPr lang="zh-CN" altLang="en-US" b="1" dirty="0" smtClean="0">
                 <a:solidFill>
                   <a:srgbClr val="000000"/>
                 </a:solidFill>
               </a:rPr>
-              <a:t>Rooms</a:t>
-            </a:r>
+              <a:t> </a:t>
+            </a:r>
+            <a:r>
+              <a:rPr lang="en-US" b="1" dirty="0" smtClean="0">
+                <a:solidFill>
+                  <a:srgbClr val="000000"/>
+                </a:solidFill>
+              </a:rPr>
+              <a:t>-</a:t>
+            </a:r>
+            <a:r>
+              <a:rPr lang="zh-CN" altLang="en-US" b="1" dirty="0" smtClean="0">
+                <a:solidFill>
+                  <a:srgbClr val="000000"/>
+                </a:solidFill>
+              </a:rPr>
+              <a:t> </a:t>
+            </a:r>
+            <a:r>
+              <a:rPr lang="en-US" b="1" dirty="0" smtClean="0">
+                <a:solidFill>
+                  <a:srgbClr val="000000"/>
+                </a:solidFill>
+              </a:rPr>
+              <a:t>Package</a:t>
+            </a:r>
+            <a:r>
+              <a:rPr lang="zh-CN" altLang="en-US" b="1" dirty="0" smtClean="0">
+                <a:solidFill>
+                  <a:srgbClr val="000000"/>
+                </a:solidFill>
+              </a:rPr>
+              <a:t> </a:t>
+            </a:r>
+            <a:r>
+              <a:rPr lang="en-US" b="1" dirty="0" smtClean="0">
+                <a:solidFill>
+                  <a:srgbClr val="000000"/>
+                </a:solidFill>
+              </a:rPr>
+              <a:t>res</a:t>
+            </a:r>
+            <a:endParaRPr lang="en-US" b="1" dirty="0">
+              <a:solidFill>
+                <a:srgbClr val="000000"/>
+              </a:solidFill>
+            </a:endParaRPr>
           </a:p>
         </p:txBody>
       </p:sp>
       <p:pic>
         <p:nvPicPr>
-          <p:cNvPr id="6" name="Picture 5" descr="Screen Shot 2018-11-27 at 15.59.54.png"/>
+          <p:cNvPr id="2" name="Picture 1" descr="Screen Shot 2018-11-27 at 15.24.42.png"/>
           <p:cNvPicPr>
             <a:picLocks noChangeAspect="1"/>
           </p:cNvPicPr>
           <p:nvPr/>
         </p:nvPicPr>
-        <p:blipFill rotWithShape="1">
+        <p:blipFill>
           <a:blip r:embed="rId2">
             <a:extLst>
               <a:ext uri="{28A0092B-C50C-407E-A947-70E740481C1C}">
@@ -20343,42 +17753,14 @@
               </a:ext>
             </a:extLst>
           </a:blip>
-          <a:srcRect l="24859" t="9111" r="41995" b="47846"/>
-          <a:stretch/>
+          <a:stretch>
+            <a:fillRect/>
+          </a:stretch>
         </p:blipFill>
         <p:spPr>
           <a:xfrm>
-            <a:off x="1472131" y="2425089"/>
-            <a:ext cx="4041149" cy="2885262"/>
-          </a:xfrm>
-          <a:prstGeom prst="rect">
-            <a:avLst/>
-          </a:prstGeom>
-        </p:spPr>
-      </p:pic>
-      <p:pic>
-        <p:nvPicPr>
-          <p:cNvPr id="8" name="Picture 7" descr="Screen Shot 2018-11-27 at 15.59.54.png"/>
-          <p:cNvPicPr>
-            <a:picLocks noChangeAspect="1"/>
-          </p:cNvPicPr>
-          <p:nvPr/>
-        </p:nvPicPr>
-        <p:blipFill rotWithShape="1">
-          <a:blip r:embed="rId2">
-            <a:extLst>
-              <a:ext uri="{28A0092B-C50C-407E-A947-70E740481C1C}">
-                <a14:useLocalDpi xmlns:a14="http://schemas.microsoft.com/office/drawing/2010/main" val="0"/>
-              </a:ext>
-            </a:extLst>
-          </a:blip>
-          <a:srcRect l="24859" t="51603" r="41995"/>
-          <a:stretch/>
-        </p:blipFill>
-        <p:spPr>
-          <a:xfrm>
-            <a:off x="6661533" y="2279987"/>
-            <a:ext cx="4041149" cy="3244092"/>
+            <a:off x="0" y="2700955"/>
+            <a:ext cx="12192000" cy="3362933"/>
           </a:xfrm>
           <a:prstGeom prst="rect">
             <a:avLst/>
@@ -20388,7 +17770,7 @@
     </p:spTree>
     <p:extLst>
       <p:ext uri="{BB962C8B-B14F-4D97-AF65-F5344CB8AC3E}">
-        <p14:creationId xmlns:p14="http://schemas.microsoft.com/office/powerpoint/2010/main" val="1540565221"/>
+        <p14:creationId xmlns:p14="http://schemas.microsoft.com/office/powerpoint/2010/main" val="3695703181"/>
       </p:ext>
     </p:extLst>
   </p:cSld>

--- a/src/main/resources/HW10PPT.pptx
+++ b/src/main/resources/HW10PPT.pptx
@@ -12,11 +12,11 @@
     <p:sldId id="273" r:id="rId3"/>
     <p:sldId id="317" r:id="rId4"/>
     <p:sldId id="318" r:id="rId5"/>
-    <p:sldId id="316" r:id="rId6"/>
-    <p:sldId id="286" r:id="rId7"/>
-    <p:sldId id="311" r:id="rId8"/>
-    <p:sldId id="312" r:id="rId9"/>
-    <p:sldId id="313" r:id="rId10"/>
+    <p:sldId id="286" r:id="rId6"/>
+    <p:sldId id="311" r:id="rId7"/>
+    <p:sldId id="312" r:id="rId8"/>
+    <p:sldId id="313" r:id="rId9"/>
+    <p:sldId id="319" r:id="rId10"/>
     <p:sldId id="280" r:id="rId11"/>
   </p:sldIdLst>
   <p:sldSz cx="12192000" cy="6858000"/>
@@ -125,18 +125,18 @@
             <p14:sldId id="273"/>
             <p14:sldId id="317"/>
             <p14:sldId id="318"/>
-            <p14:sldId id="316"/>
             <p14:sldId id="286"/>
             <p14:sldId id="311"/>
             <p14:sldId id="312"/>
             <p14:sldId id="313"/>
+            <p14:sldId id="319"/>
             <p14:sldId id="280"/>
           </p14:sldIdLst>
         </p14:section>
       </p14:sectionLst>
     </p:ext>
     <p:ext uri="{EFAFB233-063F-42B5-8137-9DF3F51BA10A}">
-      <p15:sldGuideLst xmlns:p15="http://schemas.microsoft.com/office/powerpoint/2012/main" xmlns="">
+      <p15:sldGuideLst xmlns="" xmlns:p15="http://schemas.microsoft.com/office/powerpoint/2012/main">
         <p15:guide id="1" orient="horz" pos="2160">
           <p15:clr>
             <a:srgbClr val="A4A3A4"/>
@@ -567,7 +567,7 @@
           <a:p>
             <a:fld id="{E0C9FE79-DD5A-9445-AEE8-42DF44CA4EC3}" type="slidenum">
               <a:rPr lang="en-US" smtClean="0"/>
-              <a:t>6</a:t>
+              <a:t>5</a:t>
             </a:fld>
             <a:endParaRPr lang="en-US"/>
           </a:p>
@@ -15049,10 +15049,10 @@
           <p:cNvPr id="8" name="Rectangle 7">
             <a:extLst>
               <a:ext uri="{FF2B5EF4-FFF2-40B4-BE49-F238E27FC236}">
-                <a16:creationId xmlns:a16="http://schemas.microsoft.com/office/drawing/2014/main" xmlns="" id="{8C6E698C-8155-4B8B-BDC9-B7299772B509}"/>
+                <a16:creationId xmlns="" xmlns:a16="http://schemas.microsoft.com/office/drawing/2014/main" id="{8C6E698C-8155-4B8B-BDC9-B7299772B509}"/>
               </a:ext>
               <a:ext uri="{C183D7F6-B498-43B3-948B-1728B52AA6E4}">
-                <adec:decorative xmlns:adec="http://schemas.microsoft.com/office/drawing/2017/decorative" xmlns="" val="1"/>
+                <adec:decorative xmlns="" xmlns:adec="http://schemas.microsoft.com/office/drawing/2017/decorative" val="1"/>
               </a:ext>
             </a:extLst>
           </p:cNvPr>
@@ -15062,7 +15062,7 @@
           <p:nvPr>
             <p:extLst>
               <p:ext uri="{386F3935-93C4-4BCD-93E2-E3B085C9AB24}">
-                <p16:designElem xmlns:p16="http://schemas.microsoft.com/office/powerpoint/2015/main" xmlns="" val="1"/>
+                <p16:designElem xmlns="" xmlns:p16="http://schemas.microsoft.com/office/powerpoint/2015/main" val="1"/>
               </p:ext>
             </p:extLst>
           </p:nvPr>
@@ -15109,7 +15109,7 @@
           <p:cNvPr id="2" name="Title 1">
             <a:extLst>
               <a:ext uri="{FF2B5EF4-FFF2-40B4-BE49-F238E27FC236}">
-                <a16:creationId xmlns:a16="http://schemas.microsoft.com/office/drawing/2014/main" xmlns="" id="{851112BE-281F-4BF9-906C-997DF4C7A02F}"/>
+                <a16:creationId xmlns="" xmlns:a16="http://schemas.microsoft.com/office/drawing/2014/main" id="{851112BE-281F-4BF9-906C-997DF4C7A02F}"/>
               </a:ext>
             </a:extLst>
           </p:cNvPr>
@@ -15177,7 +15177,7 @@
           <p:cNvPr id="3" name="Subtitle 2">
             <a:extLst>
               <a:ext uri="{FF2B5EF4-FFF2-40B4-BE49-F238E27FC236}">
-                <a16:creationId xmlns:a16="http://schemas.microsoft.com/office/drawing/2014/main" xmlns="" id="{38114735-D296-4F43-949F-A7501E98755C}"/>
+                <a16:creationId xmlns="" xmlns:a16="http://schemas.microsoft.com/office/drawing/2014/main" id="{38114735-D296-4F43-949F-A7501E98755C}"/>
               </a:ext>
             </a:extLst>
           </p:cNvPr>
@@ -15232,10 +15232,10 @@
           <p:cNvPr id="10" name="Straight Connector 9">
             <a:extLst>
               <a:ext uri="{FF2B5EF4-FFF2-40B4-BE49-F238E27FC236}">
-                <a16:creationId xmlns:a16="http://schemas.microsoft.com/office/drawing/2014/main" xmlns="" id="{09525C9A-1972-4836-BA7A-706C946EF4DA}"/>
+                <a16:creationId xmlns="" xmlns:a16="http://schemas.microsoft.com/office/drawing/2014/main" id="{09525C9A-1972-4836-BA7A-706C946EF4DA}"/>
               </a:ext>
               <a:ext uri="{C183D7F6-B498-43B3-948B-1728B52AA6E4}">
-                <adec:decorative xmlns:adec="http://schemas.microsoft.com/office/drawing/2017/decorative" xmlns="" val="1"/>
+                <adec:decorative xmlns="" xmlns:adec="http://schemas.microsoft.com/office/drawing/2017/decorative" val="1"/>
               </a:ext>
             </a:extLst>
           </p:cNvPr>
@@ -15245,7 +15245,7 @@
           <p:nvPr>
             <p:extLst>
               <p:ext uri="{386F3935-93C4-4BCD-93E2-E3B085C9AB24}">
-                <p16:designElem xmlns:p16="http://schemas.microsoft.com/office/powerpoint/2015/main" xmlns="" val="1"/>
+                <p16:designElem xmlns="" xmlns:p16="http://schemas.microsoft.com/office/powerpoint/2015/main" val="1"/>
               </p:ext>
             </p:extLst>
           </p:nvPr>
@@ -15284,10 +15284,10 @@
           <p:cNvPr id="12" name="Rectangle 11">
             <a:extLst>
               <a:ext uri="{FF2B5EF4-FFF2-40B4-BE49-F238E27FC236}">
-                <a16:creationId xmlns:a16="http://schemas.microsoft.com/office/drawing/2014/main" xmlns="" id="{8A549DE7-671D-4575-AF43-858FD99981CF}"/>
+                <a16:creationId xmlns="" xmlns:a16="http://schemas.microsoft.com/office/drawing/2014/main" id="{8A549DE7-671D-4575-AF43-858FD99981CF}"/>
               </a:ext>
               <a:ext uri="{C183D7F6-B498-43B3-948B-1728B52AA6E4}">
-                <adec:decorative xmlns:adec="http://schemas.microsoft.com/office/drawing/2017/decorative" xmlns="" val="1"/>
+                <adec:decorative xmlns="" xmlns:adec="http://schemas.microsoft.com/office/drawing/2017/decorative" val="1"/>
               </a:ext>
             </a:extLst>
           </p:cNvPr>
@@ -15297,7 +15297,7 @@
           <p:nvPr>
             <p:extLst>
               <p:ext uri="{386F3935-93C4-4BCD-93E2-E3B085C9AB24}">
-                <p16:designElem xmlns:p16="http://schemas.microsoft.com/office/powerpoint/2015/main" xmlns="" val="1"/>
+                <p16:designElem xmlns="" xmlns:p16="http://schemas.microsoft.com/office/powerpoint/2015/main" val="1"/>
               </p:ext>
             </p:extLst>
           </p:nvPr>
@@ -15339,10 +15339,10 @@
           <p:cNvPr id="14" name="Rectangle 13">
             <a:extLst>
               <a:ext uri="{FF2B5EF4-FFF2-40B4-BE49-F238E27FC236}">
-                <a16:creationId xmlns:a16="http://schemas.microsoft.com/office/drawing/2014/main" xmlns="" id="{C22D9B36-9BE7-472B-8808-7E0D6810738F}"/>
+                <a16:creationId xmlns="" xmlns:a16="http://schemas.microsoft.com/office/drawing/2014/main" id="{C22D9B36-9BE7-472B-8808-7E0D6810738F}"/>
               </a:ext>
               <a:ext uri="{C183D7F6-B498-43B3-948B-1728B52AA6E4}">
-                <adec:decorative xmlns:adec="http://schemas.microsoft.com/office/drawing/2017/decorative" xmlns="" val="1"/>
+                <adec:decorative xmlns="" xmlns:adec="http://schemas.microsoft.com/office/drawing/2017/decorative" val="1"/>
               </a:ext>
             </a:extLst>
           </p:cNvPr>
@@ -15352,7 +15352,7 @@
           <p:nvPr>
             <p:extLst>
               <p:ext uri="{386F3935-93C4-4BCD-93E2-E3B085C9AB24}">
-                <p16:designElem xmlns:p16="http://schemas.microsoft.com/office/powerpoint/2015/main" xmlns="" val="1"/>
+                <p16:designElem xmlns="" xmlns:p16="http://schemas.microsoft.com/office/powerpoint/2015/main" val="1"/>
               </p:ext>
             </p:extLst>
           </p:nvPr>
@@ -15432,10 +15432,10 @@
           <p:cNvPr id="7" name="Rectangle 6">
             <a:extLst>
               <a:ext uri="{FF2B5EF4-FFF2-40B4-BE49-F238E27FC236}">
-                <a16:creationId xmlns:a16="http://schemas.microsoft.com/office/drawing/2014/main" xmlns="" id="{52C0B2E1-0268-42EC-ABD3-94F81A05BCBD}"/>
+                <a16:creationId xmlns="" xmlns:a16="http://schemas.microsoft.com/office/drawing/2014/main" id="{52C0B2E1-0268-42EC-ABD3-94F81A05BCBD}"/>
               </a:ext>
               <a:ext uri="{C183D7F6-B498-43B3-948B-1728B52AA6E4}">
-                <adec:decorative xmlns:adec="http://schemas.microsoft.com/office/drawing/2017/decorative" xmlns="" val="1"/>
+                <adec:decorative xmlns="" xmlns:adec="http://schemas.microsoft.com/office/drawing/2017/decorative" val="1"/>
               </a:ext>
             </a:extLst>
           </p:cNvPr>
@@ -15445,7 +15445,7 @@
           <p:nvPr>
             <p:extLst>
               <p:ext uri="{386F3935-93C4-4BCD-93E2-E3B085C9AB24}">
-                <p16:designElem xmlns:p16="http://schemas.microsoft.com/office/powerpoint/2015/main" xmlns="" val="1"/>
+                <p16:designElem xmlns="" xmlns:p16="http://schemas.microsoft.com/office/powerpoint/2015/main" val="1"/>
               </p:ext>
             </p:extLst>
           </p:nvPr>
@@ -15487,10 +15487,10 @@
           <p:cNvPr id="9" name="Rectangle 8">
             <a:extLst>
               <a:ext uri="{FF2B5EF4-FFF2-40B4-BE49-F238E27FC236}">
-                <a16:creationId xmlns:a16="http://schemas.microsoft.com/office/drawing/2014/main" xmlns="" id="{7D2256B4-48EA-40FC-BBC0-AA1EE6E0080C}"/>
+                <a16:creationId xmlns="" xmlns:a16="http://schemas.microsoft.com/office/drawing/2014/main" id="{7D2256B4-48EA-40FC-BBC0-AA1EE6E0080C}"/>
               </a:ext>
               <a:ext uri="{C183D7F6-B498-43B3-948B-1728B52AA6E4}">
-                <adec:decorative xmlns:adec="http://schemas.microsoft.com/office/drawing/2017/decorative" xmlns="" val="1"/>
+                <adec:decorative xmlns="" xmlns:adec="http://schemas.microsoft.com/office/drawing/2017/decorative" val="1"/>
               </a:ext>
             </a:extLst>
           </p:cNvPr>
@@ -15500,7 +15500,7 @@
           <p:nvPr>
             <p:extLst>
               <p:ext uri="{386F3935-93C4-4BCD-93E2-E3B085C9AB24}">
-                <p16:designElem xmlns:p16="http://schemas.microsoft.com/office/powerpoint/2015/main" xmlns="" val="1"/>
+                <p16:designElem xmlns="" xmlns:p16="http://schemas.microsoft.com/office/powerpoint/2015/main" val="1"/>
               </p:ext>
             </p:extLst>
           </p:nvPr>
@@ -15542,10 +15542,10 @@
           <p:cNvPr id="11" name="Straight Connector 10">
             <a:extLst>
               <a:ext uri="{FF2B5EF4-FFF2-40B4-BE49-F238E27FC236}">
-                <a16:creationId xmlns:a16="http://schemas.microsoft.com/office/drawing/2014/main" xmlns="" id="{3D44BCCA-102D-4A9D-B1E4-2450CAF0B05E}"/>
+                <a16:creationId xmlns="" xmlns:a16="http://schemas.microsoft.com/office/drawing/2014/main" id="{3D44BCCA-102D-4A9D-B1E4-2450CAF0B05E}"/>
               </a:ext>
               <a:ext uri="{C183D7F6-B498-43B3-948B-1728B52AA6E4}">
-                <adec:decorative xmlns:adec="http://schemas.microsoft.com/office/drawing/2017/decorative" xmlns="" val="1"/>
+                <adec:decorative xmlns="" xmlns:adec="http://schemas.microsoft.com/office/drawing/2017/decorative" val="1"/>
               </a:ext>
             </a:extLst>
           </p:cNvPr>
@@ -15555,7 +15555,7 @@
           <p:nvPr>
             <p:extLst>
               <p:ext uri="{386F3935-93C4-4BCD-93E2-E3B085C9AB24}">
-                <p16:designElem xmlns:p16="http://schemas.microsoft.com/office/powerpoint/2015/main" xmlns="" val="1"/>
+                <p16:designElem xmlns="" xmlns:p16="http://schemas.microsoft.com/office/powerpoint/2015/main" val="1"/>
               </p:ext>
             </p:extLst>
           </p:nvPr>
@@ -15597,10 +15597,10 @@
           <p:cNvPr id="13" name="Rectangle 12">
             <a:extLst>
               <a:ext uri="{FF2B5EF4-FFF2-40B4-BE49-F238E27FC236}">
-                <a16:creationId xmlns:a16="http://schemas.microsoft.com/office/drawing/2014/main" xmlns="" id="{FBDCECDC-EEE3-4128-AA5E-82A8C08796E8}"/>
+                <a16:creationId xmlns="" xmlns:a16="http://schemas.microsoft.com/office/drawing/2014/main" id="{FBDCECDC-EEE3-4128-AA5E-82A8C08796E8}"/>
               </a:ext>
               <a:ext uri="{C183D7F6-B498-43B3-948B-1728B52AA6E4}">
-                <adec:decorative xmlns:adec="http://schemas.microsoft.com/office/drawing/2017/decorative" xmlns="" val="1"/>
+                <adec:decorative xmlns="" xmlns:adec="http://schemas.microsoft.com/office/drawing/2017/decorative" val="1"/>
               </a:ext>
             </a:extLst>
           </p:cNvPr>
@@ -15610,7 +15610,7 @@
           <p:nvPr>
             <p:extLst>
               <p:ext uri="{386F3935-93C4-4BCD-93E2-E3B085C9AB24}">
-                <p16:designElem xmlns:p16="http://schemas.microsoft.com/office/powerpoint/2015/main" xmlns="" val="1"/>
+                <p16:designElem xmlns="" xmlns:p16="http://schemas.microsoft.com/office/powerpoint/2015/main" val="1"/>
               </p:ext>
             </p:extLst>
           </p:nvPr>
@@ -15657,7 +15657,7 @@
           <p:cNvPr id="2" name="Title 1">
             <a:extLst>
               <a:ext uri="{FF2B5EF4-FFF2-40B4-BE49-F238E27FC236}">
-                <a16:creationId xmlns:a16="http://schemas.microsoft.com/office/drawing/2014/main" xmlns="" id="{701FBBE9-B805-49C1-B2A8-585E443C8491}"/>
+                <a16:creationId xmlns="" xmlns:a16="http://schemas.microsoft.com/office/drawing/2014/main" id="{701FBBE9-B805-49C1-B2A8-585E443C8491}"/>
               </a:ext>
             </a:extLst>
           </p:cNvPr>
@@ -15699,10 +15699,10 @@
           <p:cNvPr id="15" name="Rectangle 14">
             <a:extLst>
               <a:ext uri="{FF2B5EF4-FFF2-40B4-BE49-F238E27FC236}">
-                <a16:creationId xmlns:a16="http://schemas.microsoft.com/office/drawing/2014/main" xmlns="" id="{4260EDE0-989C-4E16-AF94-F652294D828E}"/>
+                <a16:creationId xmlns="" xmlns:a16="http://schemas.microsoft.com/office/drawing/2014/main" id="{4260EDE0-989C-4E16-AF94-F652294D828E}"/>
               </a:ext>
               <a:ext uri="{C183D7F6-B498-43B3-948B-1728B52AA6E4}">
-                <adec:decorative xmlns:adec="http://schemas.microsoft.com/office/drawing/2017/decorative" xmlns="" val="1"/>
+                <adec:decorative xmlns="" xmlns:adec="http://schemas.microsoft.com/office/drawing/2017/decorative" val="1"/>
               </a:ext>
             </a:extLst>
           </p:cNvPr>
@@ -15712,7 +15712,7 @@
           <p:nvPr>
             <p:extLst>
               <p:ext uri="{386F3935-93C4-4BCD-93E2-E3B085C9AB24}">
-                <p16:designElem xmlns:p16="http://schemas.microsoft.com/office/powerpoint/2015/main" xmlns="" val="1"/>
+                <p16:designElem xmlns="" xmlns:p16="http://schemas.microsoft.com/office/powerpoint/2015/main" val="1"/>
               </p:ext>
             </p:extLst>
           </p:nvPr>
@@ -15754,10 +15754,10 @@
           <p:cNvPr id="17" name="Rectangle 16">
             <a:extLst>
               <a:ext uri="{FF2B5EF4-FFF2-40B4-BE49-F238E27FC236}">
-                <a16:creationId xmlns:a16="http://schemas.microsoft.com/office/drawing/2014/main" xmlns="" id="{1F3985C0-E548-44D2-B30E-F3E42DADE133}"/>
+                <a16:creationId xmlns="" xmlns:a16="http://schemas.microsoft.com/office/drawing/2014/main" id="{1F3985C0-E548-44D2-B30E-F3E42DADE133}"/>
               </a:ext>
               <a:ext uri="{C183D7F6-B498-43B3-948B-1728B52AA6E4}">
-                <adec:decorative xmlns:adec="http://schemas.microsoft.com/office/drawing/2017/decorative" xmlns="" val="1"/>
+                <adec:decorative xmlns="" xmlns:adec="http://schemas.microsoft.com/office/drawing/2017/decorative" val="1"/>
               </a:ext>
             </a:extLst>
           </p:cNvPr>
@@ -15767,7 +15767,7 @@
           <p:nvPr>
             <p:extLst>
               <p:ext uri="{386F3935-93C4-4BCD-93E2-E3B085C9AB24}">
-                <p16:designElem xmlns:p16="http://schemas.microsoft.com/office/powerpoint/2015/main" xmlns="" val="1"/>
+                <p16:designElem xmlns="" xmlns:p16="http://schemas.microsoft.com/office/powerpoint/2015/main" val="1"/>
               </p:ext>
             </p:extLst>
           </p:nvPr>
@@ -15847,10 +15847,10 @@
           <p:cNvPr id="137" name="Rectangle 136">
             <a:extLst>
               <a:ext uri="{FF2B5EF4-FFF2-40B4-BE49-F238E27FC236}">
-                <a16:creationId xmlns:a16="http://schemas.microsoft.com/office/drawing/2014/main" xmlns="" id="{52ABB703-2B0E-4C3B-B4A2-F3973548E561}"/>
+                <a16:creationId xmlns="" xmlns:a16="http://schemas.microsoft.com/office/drawing/2014/main" id="{52ABB703-2B0E-4C3B-B4A2-F3973548E561}"/>
               </a:ext>
               <a:ext uri="{C183D7F6-B498-43B3-948B-1728B52AA6E4}">
-                <adec:decorative xmlns:adec="http://schemas.microsoft.com/office/drawing/2017/decorative" xmlns="" val="1"/>
+                <adec:decorative xmlns="" xmlns:adec="http://schemas.microsoft.com/office/drawing/2017/decorative" val="1"/>
               </a:ext>
             </a:extLst>
           </p:cNvPr>
@@ -15860,7 +15860,7 @@
           <p:nvPr>
             <p:extLst>
               <p:ext uri="{386F3935-93C4-4BCD-93E2-E3B085C9AB24}">
-                <p16:designElem xmlns:p16="http://schemas.microsoft.com/office/powerpoint/2015/main" xmlns="" val="1"/>
+                <p16:designElem xmlns="" xmlns:p16="http://schemas.microsoft.com/office/powerpoint/2015/main" val="1"/>
               </p:ext>
             </p:extLst>
           </p:nvPr>
@@ -16066,10 +16066,10 @@
           <p:cNvPr id="139" name="Straight Connector 138">
             <a:extLst>
               <a:ext uri="{FF2B5EF4-FFF2-40B4-BE49-F238E27FC236}">
-                <a16:creationId xmlns:a16="http://schemas.microsoft.com/office/drawing/2014/main" xmlns="" id="{9C21570E-E159-49A6-9891-FA397B7A92D3}"/>
+                <a16:creationId xmlns="" xmlns:a16="http://schemas.microsoft.com/office/drawing/2014/main" id="{9C21570E-E159-49A6-9891-FA397B7A92D3}"/>
               </a:ext>
               <a:ext uri="{C183D7F6-B498-43B3-948B-1728B52AA6E4}">
-                <adec:decorative xmlns:adec="http://schemas.microsoft.com/office/drawing/2017/decorative" xmlns="" val="1"/>
+                <adec:decorative xmlns="" xmlns:adec="http://schemas.microsoft.com/office/drawing/2017/decorative" val="1"/>
               </a:ext>
             </a:extLst>
           </p:cNvPr>
@@ -16079,7 +16079,7 @@
           <p:nvPr>
             <p:extLst>
               <p:ext uri="{386F3935-93C4-4BCD-93E2-E3B085C9AB24}">
-                <p16:designElem xmlns:p16="http://schemas.microsoft.com/office/powerpoint/2015/main" xmlns="" val="1"/>
+                <p16:designElem xmlns="" xmlns:p16="http://schemas.microsoft.com/office/powerpoint/2015/main" val="1"/>
               </p:ext>
             </p:extLst>
           </p:nvPr>
@@ -16122,10 +16122,10 @@
           <p:cNvPr id="141" name="Rectangle 140">
             <a:extLst>
               <a:ext uri="{FF2B5EF4-FFF2-40B4-BE49-F238E27FC236}">
-                <a16:creationId xmlns:a16="http://schemas.microsoft.com/office/drawing/2014/main" xmlns="" id="{E95DA498-D9A2-4DA9-B9DA-B3776E08CF7E}"/>
+                <a16:creationId xmlns="" xmlns:a16="http://schemas.microsoft.com/office/drawing/2014/main" id="{E95DA498-D9A2-4DA9-B9DA-B3776E08CF7E}"/>
               </a:ext>
               <a:ext uri="{C183D7F6-B498-43B3-948B-1728B52AA6E4}">
-                <adec:decorative xmlns:adec="http://schemas.microsoft.com/office/drawing/2017/decorative" xmlns="" val="1"/>
+                <adec:decorative xmlns="" xmlns:adec="http://schemas.microsoft.com/office/drawing/2017/decorative" val="1"/>
               </a:ext>
             </a:extLst>
           </p:cNvPr>
@@ -16135,7 +16135,7 @@
           <p:nvPr>
             <p:extLst>
               <p:ext uri="{386F3935-93C4-4BCD-93E2-E3B085C9AB24}">
-                <p16:designElem xmlns:p16="http://schemas.microsoft.com/office/powerpoint/2015/main" xmlns="" val="1"/>
+                <p16:designElem xmlns="" xmlns:p16="http://schemas.microsoft.com/office/powerpoint/2015/main" val="1"/>
               </p:ext>
             </p:extLst>
           </p:nvPr>
@@ -16177,10 +16177,10 @@
           <p:cNvPr id="143" name="Rectangle 142">
             <a:extLst>
               <a:ext uri="{FF2B5EF4-FFF2-40B4-BE49-F238E27FC236}">
-                <a16:creationId xmlns:a16="http://schemas.microsoft.com/office/drawing/2014/main" xmlns="" id="{82A73093-4B9D-420D-B17E-52293703A1D4}"/>
+                <a16:creationId xmlns="" xmlns:a16="http://schemas.microsoft.com/office/drawing/2014/main" id="{82A73093-4B9D-420D-B17E-52293703A1D4}"/>
               </a:ext>
               <a:ext uri="{C183D7F6-B498-43B3-948B-1728B52AA6E4}">
-                <adec:decorative xmlns:adec="http://schemas.microsoft.com/office/drawing/2017/decorative" xmlns="" val="1"/>
+                <adec:decorative xmlns="" xmlns:adec="http://schemas.microsoft.com/office/drawing/2017/decorative" val="1"/>
               </a:ext>
             </a:extLst>
           </p:cNvPr>
@@ -16190,7 +16190,7 @@
           <p:nvPr>
             <p:extLst>
               <p:ext uri="{386F3935-93C4-4BCD-93E2-E3B085C9AB24}">
-                <p16:designElem xmlns:p16="http://schemas.microsoft.com/office/powerpoint/2015/main" xmlns="" val="1"/>
+                <p16:designElem xmlns="" xmlns:p16="http://schemas.microsoft.com/office/powerpoint/2015/main" val="1"/>
               </p:ext>
             </p:extLst>
           </p:nvPr>
@@ -16524,15 +16524,7 @@
                   <a:srgbClr val="000000"/>
                 </a:solidFill>
               </a:rPr>
-              <a:t>Design</a:t>
-            </a:r>
-            <a:r>
-              <a:rPr lang="en-US" b="1" dirty="0" smtClean="0">
-                <a:solidFill>
-                  <a:srgbClr val="000000"/>
-                </a:solidFill>
-              </a:rPr>
-              <a:t> decisions	</a:t>
+              <a:t>Design decisions	</a:t>
             </a:r>
             <a:endParaRPr lang="en-US" b="1" dirty="0">
               <a:solidFill>
@@ -16667,15 +16659,7 @@
                   <a:srgbClr val="000000"/>
                 </a:solidFill>
               </a:rPr>
-              <a:t>Design</a:t>
-            </a:r>
-            <a:r>
-              <a:rPr lang="en-US" b="1" dirty="0" smtClean="0">
-                <a:solidFill>
-                  <a:srgbClr val="000000"/>
-                </a:solidFill>
-              </a:rPr>
-              <a:t> decisions	</a:t>
+              <a:t>Design decisions	</a:t>
             </a:r>
             <a:endParaRPr lang="en-US" b="1" dirty="0">
               <a:solidFill>
@@ -16699,6 +16683,798 @@
 </file>
 
 <file path=ppt/slides/slide5.xml><?xml version="1.0" encoding="utf-8"?>
+<p:sld xmlns:a="http://schemas.openxmlformats.org/drawingml/2006/main" xmlns:r="http://schemas.openxmlformats.org/officeDocument/2006/relationships" xmlns:p="http://schemas.openxmlformats.org/presentationml/2006/main">
+  <p:cSld>
+    <p:spTree>
+      <p:nvGrpSpPr>
+        <p:cNvPr id="1" name=""/>
+        <p:cNvGrpSpPr/>
+        <p:nvPr/>
+      </p:nvGrpSpPr>
+      <p:grpSpPr>
+        <a:xfrm>
+          <a:off x="0" y="0"/>
+          <a:ext cx="0" cy="0"/>
+          <a:chOff x="0" y="0"/>
+          <a:chExt cx="0" cy="0"/>
+        </a:xfrm>
+      </p:grpSpPr>
+      <p:sp>
+        <p:nvSpPr>
+          <p:cNvPr id="2" name="Title 1"/>
+          <p:cNvSpPr>
+            <a:spLocks noGrp="1"/>
+          </p:cNvSpPr>
+          <p:nvPr>
+            <p:ph type="title"/>
+          </p:nvPr>
+        </p:nvSpPr>
+        <p:spPr/>
+        <p:txBody>
+          <a:bodyPr>
+            <a:normAutofit/>
+          </a:bodyPr>
+          <a:lstStyle/>
+          <a:p>
+            <a:r>
+              <a:rPr lang="en-US" b="1" dirty="0" smtClean="0">
+                <a:solidFill>
+                  <a:srgbClr val="000000"/>
+                </a:solidFill>
+              </a:rPr>
+              <a:t>Controller </a:t>
+            </a:r>
+            <a:endParaRPr lang="en-US" b="1" dirty="0">
+              <a:solidFill>
+                <a:srgbClr val="000000"/>
+              </a:solidFill>
+            </a:endParaRPr>
+          </a:p>
+        </p:txBody>
+      </p:sp>
+      <p:sp>
+        <p:nvSpPr>
+          <p:cNvPr id="5" name="TextBox 4">
+            <a:extLst>
+              <a:ext uri="{FF2B5EF4-FFF2-40B4-BE49-F238E27FC236}">
+                <a16:creationId xmlns="" xmlns:a16="http://schemas.microsoft.com/office/drawing/2014/main" id="{84F02290-10A9-4B22-A3D0-BD285571D0DB}"/>
+              </a:ext>
+            </a:extLst>
+          </p:cNvPr>
+          <p:cNvSpPr txBox="1"/>
+          <p:nvPr/>
+        </p:nvSpPr>
+        <p:spPr>
+          <a:xfrm>
+            <a:off x="1083708" y="2347544"/>
+            <a:ext cx="7233856" cy="3539431"/>
+          </a:xfrm>
+          <a:prstGeom prst="rect">
+            <a:avLst/>
+          </a:prstGeom>
+          <a:noFill/>
+        </p:spPr>
+        <p:txBody>
+          <a:bodyPr wrap="square" rtlCol="0">
+            <a:spAutoFit/>
+          </a:bodyPr>
+          <a:lstStyle/>
+          <a:p>
+            <a:pPr marL="285750" indent="-285750">
+              <a:buFont typeface="Arial"/>
+              <a:buChar char="•"/>
+            </a:pPr>
+            <a:r>
+              <a:rPr lang="en-US" sz="2800" b="1" dirty="0" err="1" smtClean="0">
+                <a:solidFill>
+                  <a:srgbClr val="000000"/>
+                </a:solidFill>
+              </a:rPr>
+              <a:t>ChatAppController</a:t>
+            </a:r>
+            <a:endParaRPr lang="en-US" sz="2800" b="1" dirty="0" smtClean="0">
+              <a:solidFill>
+                <a:srgbClr val="000000"/>
+              </a:solidFill>
+            </a:endParaRPr>
+          </a:p>
+          <a:p>
+            <a:pPr marL="742950" lvl="1" indent="-285750">
+              <a:buFont typeface="Arial"/>
+              <a:buChar char="•"/>
+            </a:pPr>
+            <a:r>
+              <a:rPr lang="en-US" sz="2800" dirty="0" smtClean="0">
+                <a:solidFill>
+                  <a:srgbClr val="000000"/>
+                </a:solidFill>
+              </a:rPr>
+              <a:t>Setup</a:t>
+            </a:r>
+            <a:r>
+              <a:rPr lang="zh-CN" altLang="en-US" sz="2800" dirty="0" smtClean="0">
+                <a:solidFill>
+                  <a:srgbClr val="000000"/>
+                </a:solidFill>
+              </a:rPr>
+              <a:t> </a:t>
+            </a:r>
+            <a:r>
+              <a:rPr lang="en-US" altLang="zh-CN" sz="2800" dirty="0" err="1" smtClean="0">
+                <a:solidFill>
+                  <a:srgbClr val="000000"/>
+                </a:solidFill>
+              </a:rPr>
+              <a:t>Websocket</a:t>
+            </a:r>
+            <a:r>
+              <a:rPr lang="zh-CN" altLang="en-US" sz="2800" dirty="0" smtClean="0">
+                <a:solidFill>
+                  <a:srgbClr val="000000"/>
+                </a:solidFill>
+              </a:rPr>
+              <a:t> </a:t>
+            </a:r>
+            <a:r>
+              <a:rPr lang="en-US" altLang="zh-CN" sz="2800" dirty="0" smtClean="0">
+                <a:solidFill>
+                  <a:srgbClr val="000000"/>
+                </a:solidFill>
+              </a:rPr>
+              <a:t>on</a:t>
+            </a:r>
+            <a:r>
+              <a:rPr lang="zh-CN" altLang="en-US" sz="2800" dirty="0" smtClean="0">
+                <a:solidFill>
+                  <a:srgbClr val="000000"/>
+                </a:solidFill>
+              </a:rPr>
+              <a:t> </a:t>
+            </a:r>
+            <a:r>
+              <a:rPr lang="en-US" altLang="zh-CN" sz="2800" dirty="0" smtClean="0">
+                <a:solidFill>
+                  <a:srgbClr val="000000"/>
+                </a:solidFill>
+              </a:rPr>
+              <a:t>server</a:t>
+            </a:r>
+            <a:r>
+              <a:rPr lang="zh-CN" altLang="en-US" sz="2800" dirty="0" smtClean="0">
+                <a:solidFill>
+                  <a:srgbClr val="000000"/>
+                </a:solidFill>
+              </a:rPr>
+              <a:t> </a:t>
+            </a:r>
+            <a:r>
+              <a:rPr lang="en-US" altLang="zh-CN" sz="2800" dirty="0" smtClean="0">
+                <a:solidFill>
+                  <a:srgbClr val="000000"/>
+                </a:solidFill>
+              </a:rPr>
+              <a:t>side</a:t>
+            </a:r>
+          </a:p>
+          <a:p>
+            <a:pPr marL="742950" lvl="1" indent="-285750">
+              <a:buFont typeface="Arial"/>
+              <a:buChar char="•"/>
+            </a:pPr>
+            <a:r>
+              <a:rPr lang="en-US" sz="2800" dirty="0" smtClean="0">
+                <a:solidFill>
+                  <a:srgbClr val="000000"/>
+                </a:solidFill>
+              </a:rPr>
+              <a:t>Setup</a:t>
+            </a:r>
+            <a:r>
+              <a:rPr lang="zh-CN" altLang="en-US" sz="2800" dirty="0" smtClean="0">
+                <a:solidFill>
+                  <a:srgbClr val="000000"/>
+                </a:solidFill>
+              </a:rPr>
+              <a:t> </a:t>
+            </a:r>
+            <a:r>
+              <a:rPr lang="en-US" altLang="zh-CN" sz="2800" dirty="0" err="1" smtClean="0">
+                <a:solidFill>
+                  <a:srgbClr val="000000"/>
+                </a:solidFill>
+              </a:rPr>
+              <a:t>Heroku</a:t>
+            </a:r>
+            <a:r>
+              <a:rPr lang="zh-CN" altLang="en-US" sz="2800" dirty="0" smtClean="0">
+                <a:solidFill>
+                  <a:srgbClr val="000000"/>
+                </a:solidFill>
+              </a:rPr>
+              <a:t> </a:t>
+            </a:r>
+            <a:r>
+              <a:rPr lang="en-US" altLang="zh-CN" sz="2800" dirty="0" smtClean="0">
+                <a:solidFill>
+                  <a:srgbClr val="000000"/>
+                </a:solidFill>
+              </a:rPr>
+              <a:t>port</a:t>
+            </a:r>
+          </a:p>
+          <a:p>
+            <a:pPr lvl="1"/>
+            <a:endParaRPr lang="en-US" sz="2800" dirty="0" smtClean="0"/>
+          </a:p>
+          <a:p>
+            <a:pPr marL="285750" indent="-285750">
+              <a:buFont typeface="Arial"/>
+              <a:buChar char="•"/>
+            </a:pPr>
+            <a:r>
+              <a:rPr lang="en-US" sz="2800" b="1" dirty="0" err="1" smtClean="0">
+                <a:solidFill>
+                  <a:srgbClr val="000000"/>
+                </a:solidFill>
+              </a:rPr>
+              <a:t>WebSocketController</a:t>
+            </a:r>
+            <a:endParaRPr lang="en-US" sz="2800" b="1" dirty="0" smtClean="0">
+              <a:solidFill>
+                <a:srgbClr val="000000"/>
+              </a:solidFill>
+            </a:endParaRPr>
+          </a:p>
+          <a:p>
+            <a:pPr marL="742950" lvl="1" indent="-285750">
+              <a:buFont typeface="Arial"/>
+              <a:buChar char="•"/>
+            </a:pPr>
+            <a:r>
+              <a:rPr lang="en-US" sz="2800" dirty="0" smtClean="0">
+                <a:solidFill>
+                  <a:srgbClr val="000000"/>
+                </a:solidFill>
+              </a:rPr>
+              <a:t>H</a:t>
+            </a:r>
+            <a:r>
+              <a:rPr lang="en-US" altLang="zh-CN" sz="2800" dirty="0" smtClean="0">
+                <a:solidFill>
+                  <a:srgbClr val="000000"/>
+                </a:solidFill>
+              </a:rPr>
+              <a:t>andle</a:t>
+            </a:r>
+            <a:r>
+              <a:rPr lang="zh-CN" altLang="en-US" sz="2800" dirty="0" smtClean="0">
+                <a:solidFill>
+                  <a:srgbClr val="000000"/>
+                </a:solidFill>
+              </a:rPr>
+              <a:t> </a:t>
+            </a:r>
+            <a:r>
+              <a:rPr lang="en-US" altLang="zh-CN" sz="2800" dirty="0" err="1">
+                <a:solidFill>
+                  <a:srgbClr val="000000"/>
+                </a:solidFill>
+              </a:rPr>
+              <a:t>W</a:t>
+            </a:r>
+            <a:r>
+              <a:rPr lang="en-US" altLang="zh-CN" sz="2800" dirty="0" err="1" smtClean="0">
+                <a:solidFill>
+                  <a:srgbClr val="000000"/>
+                </a:solidFill>
+              </a:rPr>
+              <a:t>ebsocket</a:t>
+            </a:r>
+            <a:r>
+              <a:rPr lang="zh-CN" altLang="en-US" sz="2800" dirty="0" smtClean="0">
+                <a:solidFill>
+                  <a:srgbClr val="000000"/>
+                </a:solidFill>
+              </a:rPr>
+              <a:t> </a:t>
+            </a:r>
+            <a:r>
+              <a:rPr lang="en-US" altLang="zh-CN" sz="2800" dirty="0" smtClean="0">
+                <a:solidFill>
+                  <a:srgbClr val="000000"/>
+                </a:solidFill>
+              </a:rPr>
+              <a:t>communications</a:t>
+            </a:r>
+            <a:r>
+              <a:rPr lang="zh-CN" altLang="en-US" sz="2800" dirty="0" smtClean="0">
+                <a:solidFill>
+                  <a:srgbClr val="000000"/>
+                </a:solidFill>
+              </a:rPr>
+              <a:t> </a:t>
+            </a:r>
+            <a:r>
+              <a:rPr lang="en-US" altLang="zh-CN" sz="2800" dirty="0" smtClean="0">
+                <a:solidFill>
+                  <a:srgbClr val="000000"/>
+                </a:solidFill>
+              </a:rPr>
+              <a:t>from</a:t>
+            </a:r>
+            <a:r>
+              <a:rPr lang="zh-CN" altLang="en-US" sz="2800" dirty="0" smtClean="0">
+                <a:solidFill>
+                  <a:srgbClr val="000000"/>
+                </a:solidFill>
+              </a:rPr>
+              <a:t> </a:t>
+            </a:r>
+            <a:r>
+              <a:rPr lang="en-US" altLang="zh-CN" sz="2800" dirty="0" smtClean="0">
+                <a:solidFill>
+                  <a:srgbClr val="000000"/>
+                </a:solidFill>
+              </a:rPr>
+              <a:t>client</a:t>
+            </a:r>
+            <a:r>
+              <a:rPr lang="zh-CN" altLang="en-US" sz="2800" dirty="0" smtClean="0">
+                <a:solidFill>
+                  <a:srgbClr val="000000"/>
+                </a:solidFill>
+              </a:rPr>
+              <a:t> </a:t>
+            </a:r>
+            <a:r>
+              <a:rPr lang="en-US" altLang="zh-CN" sz="2800" dirty="0" smtClean="0">
+                <a:solidFill>
+                  <a:srgbClr val="000000"/>
+                </a:solidFill>
+              </a:rPr>
+              <a:t>side</a:t>
+            </a:r>
+          </a:p>
+          <a:p>
+            <a:pPr marL="742950" lvl="1" indent="-285750">
+              <a:buFont typeface="Arial"/>
+              <a:buChar char="•"/>
+            </a:pPr>
+            <a:r>
+              <a:rPr lang="en-US" sz="2800" dirty="0" smtClean="0"/>
+              <a:t>Utilize</a:t>
+            </a:r>
+            <a:r>
+              <a:rPr lang="zh-CN" altLang="en-US" sz="2800" dirty="0" smtClean="0"/>
+              <a:t> </a:t>
+            </a:r>
+            <a:r>
+              <a:rPr lang="en-US" altLang="zh-CN" sz="2800" dirty="0" err="1" smtClean="0"/>
+              <a:t>DispatcherAdapter</a:t>
+            </a:r>
+            <a:r>
+              <a:rPr lang="zh-CN" altLang="en-US" sz="2800" dirty="0" smtClean="0"/>
+              <a:t> </a:t>
+            </a:r>
+            <a:endParaRPr lang="en-US" altLang="zh-CN" sz="2800" dirty="0" smtClean="0"/>
+          </a:p>
+        </p:txBody>
+      </p:sp>
+    </p:spTree>
+    <p:extLst>
+      <p:ext uri="{BB962C8B-B14F-4D97-AF65-F5344CB8AC3E}">
+        <p14:creationId xmlns:p14="http://schemas.microsoft.com/office/powerpoint/2010/main" val="1732787951"/>
+      </p:ext>
+    </p:extLst>
+  </p:cSld>
+  <p:clrMapOvr>
+    <a:masterClrMapping/>
+  </p:clrMapOvr>
+</p:sld>
+</file>
+
+<file path=ppt/slides/slide6.xml><?xml version="1.0" encoding="utf-8"?>
+<p:sld xmlns:a="http://schemas.openxmlformats.org/drawingml/2006/main" xmlns:r="http://schemas.openxmlformats.org/officeDocument/2006/relationships" xmlns:p="http://schemas.openxmlformats.org/presentationml/2006/main">
+  <p:cSld>
+    <p:spTree>
+      <p:nvGrpSpPr>
+        <p:cNvPr id="1" name=""/>
+        <p:cNvGrpSpPr/>
+        <p:nvPr/>
+      </p:nvGrpSpPr>
+      <p:grpSpPr>
+        <a:xfrm>
+          <a:off x="0" y="0"/>
+          <a:ext cx="0" cy="0"/>
+          <a:chOff x="0" y="0"/>
+          <a:chExt cx="0" cy="0"/>
+        </a:xfrm>
+      </p:grpSpPr>
+      <p:pic>
+        <p:nvPicPr>
+          <p:cNvPr id="4" name="Content Placeholder 3" descr="Screen Shot 2018-11-27 at 14.51.01.png"/>
+          <p:cNvPicPr>
+            <a:picLocks noGrp="1" noChangeAspect="1"/>
+          </p:cNvPicPr>
+          <p:nvPr>
+            <p:ph idx="1"/>
+          </p:nvPr>
+        </p:nvPicPr>
+        <p:blipFill>
+          <a:blip r:embed="rId2">
+            <a:extLst>
+              <a:ext uri="{28A0092B-C50C-407E-A947-70E740481C1C}">
+                <a14:useLocalDpi xmlns:a14="http://schemas.microsoft.com/office/drawing/2010/main" val="0"/>
+              </a:ext>
+            </a:extLst>
+          </a:blip>
+          <a:srcRect t="-15652" b="-15652"/>
+          <a:stretch>
+            <a:fillRect/>
+          </a:stretch>
+        </p:blipFill>
+        <p:spPr>
+          <a:xfrm>
+            <a:off x="32344" y="1702726"/>
+            <a:ext cx="12181088" cy="4577815"/>
+          </a:xfrm>
+        </p:spPr>
+      </p:pic>
+      <p:sp>
+        <p:nvSpPr>
+          <p:cNvPr id="3" name="Title 2"/>
+          <p:cNvSpPr>
+            <a:spLocks noGrp="1"/>
+          </p:cNvSpPr>
+          <p:nvPr>
+            <p:ph type="title"/>
+          </p:nvPr>
+        </p:nvSpPr>
+        <p:spPr/>
+        <p:txBody>
+          <a:bodyPr/>
+          <a:lstStyle/>
+          <a:p>
+            <a:r>
+              <a:rPr lang="en-US" b="1" dirty="0" smtClean="0">
+                <a:solidFill>
+                  <a:srgbClr val="000000"/>
+                </a:solidFill>
+              </a:rPr>
+              <a:t>Model -</a:t>
+            </a:r>
+            <a:r>
+              <a:rPr lang="zh-CN" altLang="en-US" b="1" dirty="0" smtClean="0">
+                <a:solidFill>
+                  <a:srgbClr val="000000"/>
+                </a:solidFill>
+              </a:rPr>
+              <a:t> </a:t>
+            </a:r>
+            <a:r>
+              <a:rPr lang="en-US" b="1" dirty="0" smtClean="0">
+                <a:solidFill>
+                  <a:srgbClr val="000000"/>
+                </a:solidFill>
+              </a:rPr>
+              <a:t>Package</a:t>
+            </a:r>
+            <a:r>
+              <a:rPr lang="zh-CN" altLang="en-US" b="1" dirty="0" smtClean="0">
+                <a:solidFill>
+                  <a:srgbClr val="000000"/>
+                </a:solidFill>
+              </a:rPr>
+              <a:t> </a:t>
+            </a:r>
+            <a:r>
+              <a:rPr lang="en-US" b="1" dirty="0" err="1" smtClean="0">
+                <a:solidFill>
+                  <a:srgbClr val="000000"/>
+                </a:solidFill>
+              </a:rPr>
+              <a:t>cmd</a:t>
+            </a:r>
+            <a:endParaRPr lang="en-US" b="1" dirty="0">
+              <a:solidFill>
+                <a:srgbClr val="000000"/>
+              </a:solidFill>
+            </a:endParaRPr>
+          </a:p>
+        </p:txBody>
+      </p:sp>
+    </p:spTree>
+    <p:extLst>
+      <p:ext uri="{BB962C8B-B14F-4D97-AF65-F5344CB8AC3E}">
+        <p14:creationId xmlns:p14="http://schemas.microsoft.com/office/powerpoint/2010/main" val="2898121556"/>
+      </p:ext>
+    </p:extLst>
+  </p:cSld>
+  <p:clrMapOvr>
+    <a:masterClrMapping/>
+  </p:clrMapOvr>
+</p:sld>
+</file>
+
+<file path=ppt/slides/slide7.xml><?xml version="1.0" encoding="utf-8"?>
+<p:sld xmlns:a="http://schemas.openxmlformats.org/drawingml/2006/main" xmlns:r="http://schemas.openxmlformats.org/officeDocument/2006/relationships" xmlns:p="http://schemas.openxmlformats.org/presentationml/2006/main">
+  <p:cSld>
+    <p:spTree>
+      <p:nvGrpSpPr>
+        <p:cNvPr id="1" name=""/>
+        <p:cNvGrpSpPr/>
+        <p:nvPr/>
+      </p:nvGrpSpPr>
+      <p:grpSpPr>
+        <a:xfrm>
+          <a:off x="0" y="0"/>
+          <a:ext cx="0" cy="0"/>
+          <a:chOff x="0" y="0"/>
+          <a:chExt cx="0" cy="0"/>
+        </a:xfrm>
+      </p:grpSpPr>
+      <p:sp>
+        <p:nvSpPr>
+          <p:cNvPr id="3" name="Title 2"/>
+          <p:cNvSpPr>
+            <a:spLocks noGrp="1"/>
+          </p:cNvSpPr>
+          <p:nvPr>
+            <p:ph type="title"/>
+          </p:nvPr>
+        </p:nvSpPr>
+        <p:spPr/>
+        <p:txBody>
+          <a:bodyPr/>
+          <a:lstStyle/>
+          <a:p>
+            <a:r>
+              <a:rPr lang="en-US" b="1" dirty="0" smtClean="0">
+                <a:solidFill>
+                  <a:srgbClr val="000000"/>
+                </a:solidFill>
+              </a:rPr>
+              <a:t>Model</a:t>
+            </a:r>
+            <a:r>
+              <a:rPr lang="zh-CN" altLang="en-US" b="1" dirty="0" smtClean="0">
+                <a:solidFill>
+                  <a:srgbClr val="000000"/>
+                </a:solidFill>
+              </a:rPr>
+              <a:t> </a:t>
+            </a:r>
+            <a:r>
+              <a:rPr lang="en-US" b="1" dirty="0" smtClean="0">
+                <a:solidFill>
+                  <a:srgbClr val="000000"/>
+                </a:solidFill>
+              </a:rPr>
+              <a:t>-</a:t>
+            </a:r>
+            <a:r>
+              <a:rPr lang="zh-CN" altLang="en-US" b="1" dirty="0" smtClean="0">
+                <a:solidFill>
+                  <a:srgbClr val="000000"/>
+                </a:solidFill>
+              </a:rPr>
+              <a:t> </a:t>
+            </a:r>
+            <a:r>
+              <a:rPr lang="en-US" b="1" dirty="0" smtClean="0">
+                <a:solidFill>
+                  <a:srgbClr val="000000"/>
+                </a:solidFill>
+              </a:rPr>
+              <a:t>Package</a:t>
+            </a:r>
+            <a:r>
+              <a:rPr lang="zh-CN" altLang="en-US" b="1" dirty="0" smtClean="0">
+                <a:solidFill>
+                  <a:srgbClr val="000000"/>
+                </a:solidFill>
+              </a:rPr>
+              <a:t> </a:t>
+            </a:r>
+            <a:r>
+              <a:rPr lang="en-US" b="1" dirty="0" err="1" smtClean="0">
+                <a:solidFill>
+                  <a:srgbClr val="000000"/>
+                </a:solidFill>
+              </a:rPr>
+              <a:t>obj</a:t>
+            </a:r>
+            <a:endParaRPr lang="en-US" b="1" dirty="0">
+              <a:solidFill>
+                <a:srgbClr val="000000"/>
+              </a:solidFill>
+            </a:endParaRPr>
+          </a:p>
+        </p:txBody>
+      </p:sp>
+      <p:pic>
+        <p:nvPicPr>
+          <p:cNvPr id="8" name="Picture 7" descr="Screen Shot 2018-11-27 at 15.23.16.png"/>
+          <p:cNvPicPr>
+            <a:picLocks noChangeAspect="1"/>
+          </p:cNvPicPr>
+          <p:nvPr/>
+        </p:nvPicPr>
+        <p:blipFill>
+          <a:blip r:embed="rId2">
+            <a:extLst>
+              <a:ext uri="{28A0092B-C50C-407E-A947-70E740481C1C}">
+                <a14:useLocalDpi xmlns:a14="http://schemas.microsoft.com/office/drawing/2010/main" val="0"/>
+              </a:ext>
+            </a:extLst>
+          </a:blip>
+          <a:stretch>
+            <a:fillRect/>
+          </a:stretch>
+        </p:blipFill>
+        <p:spPr>
+          <a:xfrm>
+            <a:off x="921071" y="1507330"/>
+            <a:ext cx="10020153" cy="5246259"/>
+          </a:xfrm>
+          <a:prstGeom prst="rect">
+            <a:avLst/>
+          </a:prstGeom>
+        </p:spPr>
+      </p:pic>
+    </p:spTree>
+    <p:extLst>
+      <p:ext uri="{BB962C8B-B14F-4D97-AF65-F5344CB8AC3E}">
+        <p14:creationId xmlns:p14="http://schemas.microsoft.com/office/powerpoint/2010/main" val="2825297420"/>
+      </p:ext>
+    </p:extLst>
+  </p:cSld>
+  <p:clrMapOvr>
+    <a:masterClrMapping/>
+  </p:clrMapOvr>
+</p:sld>
+</file>
+
+<file path=ppt/slides/slide8.xml><?xml version="1.0" encoding="utf-8"?>
+<p:sld xmlns:a="http://schemas.openxmlformats.org/drawingml/2006/main" xmlns:r="http://schemas.openxmlformats.org/officeDocument/2006/relationships" xmlns:p="http://schemas.openxmlformats.org/presentationml/2006/main">
+  <p:cSld>
+    <p:spTree>
+      <p:nvGrpSpPr>
+        <p:cNvPr id="1" name=""/>
+        <p:cNvGrpSpPr/>
+        <p:nvPr/>
+      </p:nvGrpSpPr>
+      <p:grpSpPr>
+        <a:xfrm>
+          <a:off x="0" y="0"/>
+          <a:ext cx="0" cy="0"/>
+          <a:chOff x="0" y="0"/>
+          <a:chExt cx="0" cy="0"/>
+        </a:xfrm>
+      </p:grpSpPr>
+      <p:sp>
+        <p:nvSpPr>
+          <p:cNvPr id="3" name="Title 2"/>
+          <p:cNvSpPr>
+            <a:spLocks noGrp="1"/>
+          </p:cNvSpPr>
+          <p:nvPr>
+            <p:ph type="title"/>
+          </p:nvPr>
+        </p:nvSpPr>
+        <p:spPr/>
+        <p:txBody>
+          <a:bodyPr/>
+          <a:lstStyle/>
+          <a:p>
+            <a:r>
+              <a:rPr lang="en-US" b="1" dirty="0" smtClean="0">
+                <a:solidFill>
+                  <a:srgbClr val="000000"/>
+                </a:solidFill>
+              </a:rPr>
+              <a:t>Model</a:t>
+            </a:r>
+            <a:r>
+              <a:rPr lang="zh-CN" altLang="en-US" b="1" dirty="0" smtClean="0">
+                <a:solidFill>
+                  <a:srgbClr val="000000"/>
+                </a:solidFill>
+              </a:rPr>
+              <a:t> </a:t>
+            </a:r>
+            <a:r>
+              <a:rPr lang="en-US" b="1" dirty="0" smtClean="0">
+                <a:solidFill>
+                  <a:srgbClr val="000000"/>
+                </a:solidFill>
+              </a:rPr>
+              <a:t>-</a:t>
+            </a:r>
+            <a:r>
+              <a:rPr lang="zh-CN" altLang="en-US" b="1" dirty="0" smtClean="0">
+                <a:solidFill>
+                  <a:srgbClr val="000000"/>
+                </a:solidFill>
+              </a:rPr>
+              <a:t> </a:t>
+            </a:r>
+            <a:r>
+              <a:rPr lang="en-US" b="1" dirty="0" smtClean="0">
+                <a:solidFill>
+                  <a:srgbClr val="000000"/>
+                </a:solidFill>
+              </a:rPr>
+              <a:t>Package</a:t>
+            </a:r>
+            <a:r>
+              <a:rPr lang="zh-CN" altLang="en-US" b="1" dirty="0" smtClean="0">
+                <a:solidFill>
+                  <a:srgbClr val="000000"/>
+                </a:solidFill>
+              </a:rPr>
+              <a:t> </a:t>
+            </a:r>
+            <a:r>
+              <a:rPr lang="en-US" b="1" dirty="0" smtClean="0">
+                <a:solidFill>
+                  <a:srgbClr val="000000"/>
+                </a:solidFill>
+              </a:rPr>
+              <a:t>res</a:t>
+            </a:r>
+            <a:endParaRPr lang="en-US" b="1" dirty="0">
+              <a:solidFill>
+                <a:srgbClr val="000000"/>
+              </a:solidFill>
+            </a:endParaRPr>
+          </a:p>
+        </p:txBody>
+      </p:sp>
+      <p:pic>
+        <p:nvPicPr>
+          <p:cNvPr id="2" name="Picture 1" descr="Screen Shot 2018-11-27 at 15.24.42.png"/>
+          <p:cNvPicPr>
+            <a:picLocks noChangeAspect="1"/>
+          </p:cNvPicPr>
+          <p:nvPr/>
+        </p:nvPicPr>
+        <p:blipFill>
+          <a:blip r:embed="rId2">
+            <a:extLst>
+              <a:ext uri="{28A0092B-C50C-407E-A947-70E740481C1C}">
+                <a14:useLocalDpi xmlns:a14="http://schemas.microsoft.com/office/drawing/2010/main" val="0"/>
+              </a:ext>
+            </a:extLst>
+          </a:blip>
+          <a:stretch>
+            <a:fillRect/>
+          </a:stretch>
+        </p:blipFill>
+        <p:spPr>
+          <a:xfrm>
+            <a:off x="0" y="2700955"/>
+            <a:ext cx="12192000" cy="3362933"/>
+          </a:xfrm>
+          <a:prstGeom prst="rect">
+            <a:avLst/>
+          </a:prstGeom>
+        </p:spPr>
+      </p:pic>
+    </p:spTree>
+    <p:extLst>
+      <p:ext uri="{BB962C8B-B14F-4D97-AF65-F5344CB8AC3E}">
+        <p14:creationId xmlns:p14="http://schemas.microsoft.com/office/powerpoint/2010/main" val="3695703181"/>
+      </p:ext>
+    </p:extLst>
+  </p:cSld>
+  <p:clrMapOvr>
+    <a:masterClrMapping/>
+  </p:clrMapOvr>
+</p:sld>
+</file>
+
+<file path=ppt/slides/slide9.xml><?xml version="1.0" encoding="utf-8"?>
 <p:sld xmlns:a="http://schemas.openxmlformats.org/drawingml/2006/main" xmlns:r="http://schemas.openxmlformats.org/officeDocument/2006/relationships" xmlns:p="http://schemas.openxmlformats.org/presentationml/2006/main">
   <p:cSld>
     <p:spTree>
@@ -16978,799 +17754,7 @@
     </p:spTree>
     <p:extLst>
       <p:ext uri="{BB962C8B-B14F-4D97-AF65-F5344CB8AC3E}">
-        <p14:creationId xmlns:p14="http://schemas.microsoft.com/office/powerpoint/2010/main" val="1239821159"/>
-      </p:ext>
-    </p:extLst>
-  </p:cSld>
-  <p:clrMapOvr>
-    <a:masterClrMapping/>
-  </p:clrMapOvr>
-</p:sld>
-</file>
-
-<file path=ppt/slides/slide6.xml><?xml version="1.0" encoding="utf-8"?>
-<p:sld xmlns:a="http://schemas.openxmlformats.org/drawingml/2006/main" xmlns:r="http://schemas.openxmlformats.org/officeDocument/2006/relationships" xmlns:p="http://schemas.openxmlformats.org/presentationml/2006/main">
-  <p:cSld>
-    <p:spTree>
-      <p:nvGrpSpPr>
-        <p:cNvPr id="1" name=""/>
-        <p:cNvGrpSpPr/>
-        <p:nvPr/>
-      </p:nvGrpSpPr>
-      <p:grpSpPr>
-        <a:xfrm>
-          <a:off x="0" y="0"/>
-          <a:ext cx="0" cy="0"/>
-          <a:chOff x="0" y="0"/>
-          <a:chExt cx="0" cy="0"/>
-        </a:xfrm>
-      </p:grpSpPr>
-      <p:sp>
-        <p:nvSpPr>
-          <p:cNvPr id="2" name="Title 1"/>
-          <p:cNvSpPr>
-            <a:spLocks noGrp="1"/>
-          </p:cNvSpPr>
-          <p:nvPr>
-            <p:ph type="title"/>
-          </p:nvPr>
-        </p:nvSpPr>
-        <p:spPr/>
-        <p:txBody>
-          <a:bodyPr>
-            <a:normAutofit/>
-          </a:bodyPr>
-          <a:lstStyle/>
-          <a:p>
-            <a:r>
-              <a:rPr lang="en-US" b="1" dirty="0" smtClean="0">
-                <a:solidFill>
-                  <a:srgbClr val="000000"/>
-                </a:solidFill>
-              </a:rPr>
-              <a:t>Controller </a:t>
-            </a:r>
-            <a:endParaRPr lang="en-US" b="1" dirty="0">
-              <a:solidFill>
-                <a:srgbClr val="000000"/>
-              </a:solidFill>
-            </a:endParaRPr>
-          </a:p>
-        </p:txBody>
-      </p:sp>
-      <p:sp>
-        <p:nvSpPr>
-          <p:cNvPr id="5" name="TextBox 4">
-            <a:extLst>
-              <a:ext uri="{FF2B5EF4-FFF2-40B4-BE49-F238E27FC236}">
-                <a16:creationId xmlns:a16="http://schemas.microsoft.com/office/drawing/2014/main" xmlns="" id="{84F02290-10A9-4B22-A3D0-BD285571D0DB}"/>
-              </a:ext>
-            </a:extLst>
-          </p:cNvPr>
-          <p:cNvSpPr txBox="1"/>
-          <p:nvPr/>
-        </p:nvSpPr>
-        <p:spPr>
-          <a:xfrm>
-            <a:off x="1083708" y="2347544"/>
-            <a:ext cx="7233856" cy="3539431"/>
-          </a:xfrm>
-          <a:prstGeom prst="rect">
-            <a:avLst/>
-          </a:prstGeom>
-          <a:noFill/>
-        </p:spPr>
-        <p:txBody>
-          <a:bodyPr wrap="square" rtlCol="0">
-            <a:spAutoFit/>
-          </a:bodyPr>
-          <a:lstStyle/>
-          <a:p>
-            <a:pPr marL="285750" indent="-285750">
-              <a:buFont typeface="Arial"/>
-              <a:buChar char="•"/>
-            </a:pPr>
-            <a:r>
-              <a:rPr lang="en-US" sz="2800" b="1" dirty="0" err="1" smtClean="0">
-                <a:solidFill>
-                  <a:srgbClr val="000000"/>
-                </a:solidFill>
-              </a:rPr>
-              <a:t>ChatAppController</a:t>
-            </a:r>
-            <a:endParaRPr lang="en-US" sz="2800" b="1" dirty="0" smtClean="0">
-              <a:solidFill>
-                <a:srgbClr val="000000"/>
-              </a:solidFill>
-            </a:endParaRPr>
-          </a:p>
-          <a:p>
-            <a:pPr marL="742950" lvl="1" indent="-285750">
-              <a:buFont typeface="Arial"/>
-              <a:buChar char="•"/>
-            </a:pPr>
-            <a:r>
-              <a:rPr lang="en-US" sz="2800" dirty="0" smtClean="0">
-                <a:solidFill>
-                  <a:srgbClr val="000000"/>
-                </a:solidFill>
-              </a:rPr>
-              <a:t>Setup</a:t>
-            </a:r>
-            <a:r>
-              <a:rPr lang="zh-CN" altLang="en-US" sz="2800" dirty="0" smtClean="0">
-                <a:solidFill>
-                  <a:srgbClr val="000000"/>
-                </a:solidFill>
-              </a:rPr>
-              <a:t> </a:t>
-            </a:r>
-            <a:r>
-              <a:rPr lang="en-US" altLang="zh-CN" sz="2800" dirty="0" err="1" smtClean="0">
-                <a:solidFill>
-                  <a:srgbClr val="000000"/>
-                </a:solidFill>
-              </a:rPr>
-              <a:t>Websocket</a:t>
-            </a:r>
-            <a:r>
-              <a:rPr lang="zh-CN" altLang="en-US" sz="2800" dirty="0" smtClean="0">
-                <a:solidFill>
-                  <a:srgbClr val="000000"/>
-                </a:solidFill>
-              </a:rPr>
-              <a:t> </a:t>
-            </a:r>
-            <a:r>
-              <a:rPr lang="en-US" altLang="zh-CN" sz="2800" dirty="0" smtClean="0">
-                <a:solidFill>
-                  <a:srgbClr val="000000"/>
-                </a:solidFill>
-              </a:rPr>
-              <a:t>on</a:t>
-            </a:r>
-            <a:r>
-              <a:rPr lang="zh-CN" altLang="en-US" sz="2800" dirty="0" smtClean="0">
-                <a:solidFill>
-                  <a:srgbClr val="000000"/>
-                </a:solidFill>
-              </a:rPr>
-              <a:t> </a:t>
-            </a:r>
-            <a:r>
-              <a:rPr lang="en-US" altLang="zh-CN" sz="2800" dirty="0" smtClean="0">
-                <a:solidFill>
-                  <a:srgbClr val="000000"/>
-                </a:solidFill>
-              </a:rPr>
-              <a:t>server</a:t>
-            </a:r>
-            <a:r>
-              <a:rPr lang="zh-CN" altLang="en-US" sz="2800" dirty="0" smtClean="0">
-                <a:solidFill>
-                  <a:srgbClr val="000000"/>
-                </a:solidFill>
-              </a:rPr>
-              <a:t> </a:t>
-            </a:r>
-            <a:r>
-              <a:rPr lang="en-US" altLang="zh-CN" sz="2800" dirty="0" smtClean="0">
-                <a:solidFill>
-                  <a:srgbClr val="000000"/>
-                </a:solidFill>
-              </a:rPr>
-              <a:t>side</a:t>
-            </a:r>
-          </a:p>
-          <a:p>
-            <a:pPr marL="742950" lvl="1" indent="-285750">
-              <a:buFont typeface="Arial"/>
-              <a:buChar char="•"/>
-            </a:pPr>
-            <a:r>
-              <a:rPr lang="en-US" sz="2800" dirty="0" smtClean="0">
-                <a:solidFill>
-                  <a:srgbClr val="000000"/>
-                </a:solidFill>
-              </a:rPr>
-              <a:t>Setup</a:t>
-            </a:r>
-            <a:r>
-              <a:rPr lang="zh-CN" altLang="en-US" sz="2800" dirty="0" smtClean="0">
-                <a:solidFill>
-                  <a:srgbClr val="000000"/>
-                </a:solidFill>
-              </a:rPr>
-              <a:t> </a:t>
-            </a:r>
-            <a:r>
-              <a:rPr lang="en-US" altLang="zh-CN" sz="2800" dirty="0" err="1" smtClean="0">
-                <a:solidFill>
-                  <a:srgbClr val="000000"/>
-                </a:solidFill>
-              </a:rPr>
-              <a:t>Heroku</a:t>
-            </a:r>
-            <a:r>
-              <a:rPr lang="zh-CN" altLang="en-US" sz="2800" dirty="0" smtClean="0">
-                <a:solidFill>
-                  <a:srgbClr val="000000"/>
-                </a:solidFill>
-              </a:rPr>
-              <a:t> </a:t>
-            </a:r>
-            <a:r>
-              <a:rPr lang="en-US" altLang="zh-CN" sz="2800" dirty="0" smtClean="0">
-                <a:solidFill>
-                  <a:srgbClr val="000000"/>
-                </a:solidFill>
-              </a:rPr>
-              <a:t>port</a:t>
-            </a:r>
-          </a:p>
-          <a:p>
-            <a:pPr lvl="1"/>
-            <a:endParaRPr lang="en-US" sz="2800" dirty="0" smtClean="0"/>
-          </a:p>
-          <a:p>
-            <a:pPr marL="285750" indent="-285750">
-              <a:buFont typeface="Arial"/>
-              <a:buChar char="•"/>
-            </a:pPr>
-            <a:r>
-              <a:rPr lang="en-US" sz="2800" b="1" dirty="0" err="1" smtClean="0">
-                <a:solidFill>
-                  <a:srgbClr val="000000"/>
-                </a:solidFill>
-              </a:rPr>
-              <a:t>WebSocketController</a:t>
-            </a:r>
-            <a:endParaRPr lang="en-US" sz="2800" b="1" dirty="0" smtClean="0">
-              <a:solidFill>
-                <a:srgbClr val="000000"/>
-              </a:solidFill>
-            </a:endParaRPr>
-          </a:p>
-          <a:p>
-            <a:pPr marL="742950" lvl="1" indent="-285750">
-              <a:buFont typeface="Arial"/>
-              <a:buChar char="•"/>
-            </a:pPr>
-            <a:r>
-              <a:rPr lang="en-US" sz="2800" dirty="0" smtClean="0">
-                <a:solidFill>
-                  <a:srgbClr val="000000"/>
-                </a:solidFill>
-              </a:rPr>
-              <a:t>H</a:t>
-            </a:r>
-            <a:r>
-              <a:rPr lang="en-US" altLang="zh-CN" sz="2800" dirty="0" smtClean="0">
-                <a:solidFill>
-                  <a:srgbClr val="000000"/>
-                </a:solidFill>
-              </a:rPr>
-              <a:t>andle</a:t>
-            </a:r>
-            <a:r>
-              <a:rPr lang="zh-CN" altLang="en-US" sz="2800" dirty="0" smtClean="0">
-                <a:solidFill>
-                  <a:srgbClr val="000000"/>
-                </a:solidFill>
-              </a:rPr>
-              <a:t> </a:t>
-            </a:r>
-            <a:r>
-              <a:rPr lang="en-US" altLang="zh-CN" sz="2800" dirty="0" err="1">
-                <a:solidFill>
-                  <a:srgbClr val="000000"/>
-                </a:solidFill>
-              </a:rPr>
-              <a:t>W</a:t>
-            </a:r>
-            <a:r>
-              <a:rPr lang="en-US" altLang="zh-CN" sz="2800" dirty="0" err="1" smtClean="0">
-                <a:solidFill>
-                  <a:srgbClr val="000000"/>
-                </a:solidFill>
-              </a:rPr>
-              <a:t>ebsocket</a:t>
-            </a:r>
-            <a:r>
-              <a:rPr lang="zh-CN" altLang="en-US" sz="2800" dirty="0" smtClean="0">
-                <a:solidFill>
-                  <a:srgbClr val="000000"/>
-                </a:solidFill>
-              </a:rPr>
-              <a:t> </a:t>
-            </a:r>
-            <a:r>
-              <a:rPr lang="en-US" altLang="zh-CN" sz="2800" dirty="0" smtClean="0">
-                <a:solidFill>
-                  <a:srgbClr val="000000"/>
-                </a:solidFill>
-              </a:rPr>
-              <a:t>communications</a:t>
-            </a:r>
-            <a:r>
-              <a:rPr lang="zh-CN" altLang="en-US" sz="2800" dirty="0" smtClean="0">
-                <a:solidFill>
-                  <a:srgbClr val="000000"/>
-                </a:solidFill>
-              </a:rPr>
-              <a:t> </a:t>
-            </a:r>
-            <a:r>
-              <a:rPr lang="en-US" altLang="zh-CN" sz="2800" dirty="0" smtClean="0">
-                <a:solidFill>
-                  <a:srgbClr val="000000"/>
-                </a:solidFill>
-              </a:rPr>
-              <a:t>from</a:t>
-            </a:r>
-            <a:r>
-              <a:rPr lang="zh-CN" altLang="en-US" sz="2800" dirty="0" smtClean="0">
-                <a:solidFill>
-                  <a:srgbClr val="000000"/>
-                </a:solidFill>
-              </a:rPr>
-              <a:t> </a:t>
-            </a:r>
-            <a:r>
-              <a:rPr lang="en-US" altLang="zh-CN" sz="2800" dirty="0" smtClean="0">
-                <a:solidFill>
-                  <a:srgbClr val="000000"/>
-                </a:solidFill>
-              </a:rPr>
-              <a:t>client</a:t>
-            </a:r>
-            <a:r>
-              <a:rPr lang="zh-CN" altLang="en-US" sz="2800" dirty="0" smtClean="0">
-                <a:solidFill>
-                  <a:srgbClr val="000000"/>
-                </a:solidFill>
-              </a:rPr>
-              <a:t> </a:t>
-            </a:r>
-            <a:r>
-              <a:rPr lang="en-US" altLang="zh-CN" sz="2800" dirty="0" smtClean="0">
-                <a:solidFill>
-                  <a:srgbClr val="000000"/>
-                </a:solidFill>
-              </a:rPr>
-              <a:t>side</a:t>
-            </a:r>
-          </a:p>
-          <a:p>
-            <a:pPr marL="742950" lvl="1" indent="-285750">
-              <a:buFont typeface="Arial"/>
-              <a:buChar char="•"/>
-            </a:pPr>
-            <a:r>
-              <a:rPr lang="en-US" sz="2800" dirty="0" smtClean="0"/>
-              <a:t>Utilize</a:t>
-            </a:r>
-            <a:r>
-              <a:rPr lang="zh-CN" altLang="en-US" sz="2800" dirty="0" smtClean="0"/>
-              <a:t> </a:t>
-            </a:r>
-            <a:r>
-              <a:rPr lang="en-US" altLang="zh-CN" sz="2800" dirty="0" err="1" smtClean="0"/>
-              <a:t>DispatcherAdapter</a:t>
-            </a:r>
-            <a:r>
-              <a:rPr lang="zh-CN" altLang="en-US" sz="2800" dirty="0" smtClean="0"/>
-              <a:t> </a:t>
-            </a:r>
-            <a:endParaRPr lang="en-US" altLang="zh-CN" sz="2800" dirty="0" smtClean="0"/>
-          </a:p>
-        </p:txBody>
-      </p:sp>
-    </p:spTree>
-    <p:extLst>
-      <p:ext uri="{BB962C8B-B14F-4D97-AF65-F5344CB8AC3E}">
-        <p14:creationId xmlns:p14="http://schemas.microsoft.com/office/powerpoint/2010/main" val="1732787951"/>
-      </p:ext>
-    </p:extLst>
-  </p:cSld>
-  <p:clrMapOvr>
-    <a:masterClrMapping/>
-  </p:clrMapOvr>
-</p:sld>
-</file>
-
-<file path=ppt/slides/slide7.xml><?xml version="1.0" encoding="utf-8"?>
-<p:sld xmlns:a="http://schemas.openxmlformats.org/drawingml/2006/main" xmlns:r="http://schemas.openxmlformats.org/officeDocument/2006/relationships" xmlns:p="http://schemas.openxmlformats.org/presentationml/2006/main">
-  <p:cSld>
-    <p:spTree>
-      <p:nvGrpSpPr>
-        <p:cNvPr id="1" name=""/>
-        <p:cNvGrpSpPr/>
-        <p:nvPr/>
-      </p:nvGrpSpPr>
-      <p:grpSpPr>
-        <a:xfrm>
-          <a:off x="0" y="0"/>
-          <a:ext cx="0" cy="0"/>
-          <a:chOff x="0" y="0"/>
-          <a:chExt cx="0" cy="0"/>
-        </a:xfrm>
-      </p:grpSpPr>
-      <p:pic>
-        <p:nvPicPr>
-          <p:cNvPr id="4" name="Content Placeholder 3" descr="Screen Shot 2018-11-27 at 14.51.01.png"/>
-          <p:cNvPicPr>
-            <a:picLocks noGrp="1" noChangeAspect="1"/>
-          </p:cNvPicPr>
-          <p:nvPr>
-            <p:ph idx="1"/>
-          </p:nvPr>
-        </p:nvPicPr>
-        <p:blipFill>
-          <a:blip r:embed="rId2">
-            <a:extLst>
-              <a:ext uri="{28A0092B-C50C-407E-A947-70E740481C1C}">
-                <a14:useLocalDpi xmlns:a14="http://schemas.microsoft.com/office/drawing/2010/main" val="0"/>
-              </a:ext>
-            </a:extLst>
-          </a:blip>
-          <a:srcRect t="-15652" b="-15652"/>
-          <a:stretch>
-            <a:fillRect/>
-          </a:stretch>
-        </p:blipFill>
-        <p:spPr>
-          <a:xfrm>
-            <a:off x="32344" y="1702726"/>
-            <a:ext cx="12181088" cy="4577815"/>
-          </a:xfrm>
-        </p:spPr>
-      </p:pic>
-      <p:sp>
-        <p:nvSpPr>
-          <p:cNvPr id="3" name="Title 2"/>
-          <p:cNvSpPr>
-            <a:spLocks noGrp="1"/>
-          </p:cNvSpPr>
-          <p:nvPr>
-            <p:ph type="title"/>
-          </p:nvPr>
-        </p:nvSpPr>
-        <p:spPr/>
-        <p:txBody>
-          <a:bodyPr/>
-          <a:lstStyle/>
-          <a:p>
-            <a:r>
-              <a:rPr lang="en-US" b="1" dirty="0" smtClean="0">
-                <a:solidFill>
-                  <a:srgbClr val="000000"/>
-                </a:solidFill>
-              </a:rPr>
-              <a:t>Model -</a:t>
-            </a:r>
-            <a:r>
-              <a:rPr lang="zh-CN" altLang="en-US" b="1" dirty="0" smtClean="0">
-                <a:solidFill>
-                  <a:srgbClr val="000000"/>
-                </a:solidFill>
-              </a:rPr>
-              <a:t> </a:t>
-            </a:r>
-            <a:r>
-              <a:rPr lang="en-US" b="1" dirty="0" smtClean="0">
-                <a:solidFill>
-                  <a:srgbClr val="000000"/>
-                </a:solidFill>
-              </a:rPr>
-              <a:t>Package</a:t>
-            </a:r>
-            <a:r>
-              <a:rPr lang="zh-CN" altLang="en-US" b="1" dirty="0" smtClean="0">
-                <a:solidFill>
-                  <a:srgbClr val="000000"/>
-                </a:solidFill>
-              </a:rPr>
-              <a:t> </a:t>
-            </a:r>
-            <a:r>
-              <a:rPr lang="en-US" b="1" dirty="0" err="1" smtClean="0">
-                <a:solidFill>
-                  <a:srgbClr val="000000"/>
-                </a:solidFill>
-              </a:rPr>
-              <a:t>cmd</a:t>
-            </a:r>
-            <a:endParaRPr lang="en-US" b="1" dirty="0">
-              <a:solidFill>
-                <a:srgbClr val="000000"/>
-              </a:solidFill>
-            </a:endParaRPr>
-          </a:p>
-        </p:txBody>
-      </p:sp>
-    </p:spTree>
-    <p:extLst>
-      <p:ext uri="{BB962C8B-B14F-4D97-AF65-F5344CB8AC3E}">
-        <p14:creationId xmlns:p14="http://schemas.microsoft.com/office/powerpoint/2010/main" val="2898121556"/>
-      </p:ext>
-    </p:extLst>
-  </p:cSld>
-  <p:clrMapOvr>
-    <a:masterClrMapping/>
-  </p:clrMapOvr>
-</p:sld>
-</file>
-
-<file path=ppt/slides/slide8.xml><?xml version="1.0" encoding="utf-8"?>
-<p:sld xmlns:a="http://schemas.openxmlformats.org/drawingml/2006/main" xmlns:r="http://schemas.openxmlformats.org/officeDocument/2006/relationships" xmlns:p="http://schemas.openxmlformats.org/presentationml/2006/main">
-  <p:cSld>
-    <p:spTree>
-      <p:nvGrpSpPr>
-        <p:cNvPr id="1" name=""/>
-        <p:cNvGrpSpPr/>
-        <p:nvPr/>
-      </p:nvGrpSpPr>
-      <p:grpSpPr>
-        <a:xfrm>
-          <a:off x="0" y="0"/>
-          <a:ext cx="0" cy="0"/>
-          <a:chOff x="0" y="0"/>
-          <a:chExt cx="0" cy="0"/>
-        </a:xfrm>
-      </p:grpSpPr>
-      <p:sp>
-        <p:nvSpPr>
-          <p:cNvPr id="3" name="Title 2"/>
-          <p:cNvSpPr>
-            <a:spLocks noGrp="1"/>
-          </p:cNvSpPr>
-          <p:nvPr>
-            <p:ph type="title"/>
-          </p:nvPr>
-        </p:nvSpPr>
-        <p:spPr/>
-        <p:txBody>
-          <a:bodyPr/>
-          <a:lstStyle/>
-          <a:p>
-            <a:r>
-              <a:rPr lang="en-US" b="1" dirty="0" smtClean="0">
-                <a:solidFill>
-                  <a:srgbClr val="000000"/>
-                </a:solidFill>
-              </a:rPr>
-              <a:t>Model</a:t>
-            </a:r>
-            <a:r>
-              <a:rPr lang="zh-CN" altLang="en-US" b="1" dirty="0" smtClean="0">
-                <a:solidFill>
-                  <a:srgbClr val="000000"/>
-                </a:solidFill>
-              </a:rPr>
-              <a:t> </a:t>
-            </a:r>
-            <a:r>
-              <a:rPr lang="en-US" b="1" dirty="0" smtClean="0">
-                <a:solidFill>
-                  <a:srgbClr val="000000"/>
-                </a:solidFill>
-              </a:rPr>
-              <a:t>-</a:t>
-            </a:r>
-            <a:r>
-              <a:rPr lang="zh-CN" altLang="en-US" b="1" dirty="0" smtClean="0">
-                <a:solidFill>
-                  <a:srgbClr val="000000"/>
-                </a:solidFill>
-              </a:rPr>
-              <a:t> </a:t>
-            </a:r>
-            <a:r>
-              <a:rPr lang="en-US" b="1" dirty="0" smtClean="0">
-                <a:solidFill>
-                  <a:srgbClr val="000000"/>
-                </a:solidFill>
-              </a:rPr>
-              <a:t>Package</a:t>
-            </a:r>
-            <a:r>
-              <a:rPr lang="zh-CN" altLang="en-US" b="1" dirty="0" smtClean="0">
-                <a:solidFill>
-                  <a:srgbClr val="000000"/>
-                </a:solidFill>
-              </a:rPr>
-              <a:t> </a:t>
-            </a:r>
-            <a:r>
-              <a:rPr lang="en-US" b="1" dirty="0" err="1" smtClean="0">
-                <a:solidFill>
-                  <a:srgbClr val="000000"/>
-                </a:solidFill>
-              </a:rPr>
-              <a:t>obj</a:t>
-            </a:r>
-            <a:endParaRPr lang="en-US" b="1" dirty="0">
-              <a:solidFill>
-                <a:srgbClr val="000000"/>
-              </a:solidFill>
-            </a:endParaRPr>
-          </a:p>
-        </p:txBody>
-      </p:sp>
-      <p:pic>
-        <p:nvPicPr>
-          <p:cNvPr id="8" name="Picture 7" descr="Screen Shot 2018-11-27 at 15.23.16.png"/>
-          <p:cNvPicPr>
-            <a:picLocks noChangeAspect="1"/>
-          </p:cNvPicPr>
-          <p:nvPr/>
-        </p:nvPicPr>
-        <p:blipFill>
-          <a:blip r:embed="rId2">
-            <a:extLst>
-              <a:ext uri="{28A0092B-C50C-407E-A947-70E740481C1C}">
-                <a14:useLocalDpi xmlns:a14="http://schemas.microsoft.com/office/drawing/2010/main" val="0"/>
-              </a:ext>
-            </a:extLst>
-          </a:blip>
-          <a:stretch>
-            <a:fillRect/>
-          </a:stretch>
-        </p:blipFill>
-        <p:spPr>
-          <a:xfrm>
-            <a:off x="921071" y="1507330"/>
-            <a:ext cx="10020153" cy="5246259"/>
-          </a:xfrm>
-          <a:prstGeom prst="rect">
-            <a:avLst/>
-          </a:prstGeom>
-        </p:spPr>
-      </p:pic>
-    </p:spTree>
-    <p:extLst>
-      <p:ext uri="{BB962C8B-B14F-4D97-AF65-F5344CB8AC3E}">
-        <p14:creationId xmlns:p14="http://schemas.microsoft.com/office/powerpoint/2010/main" val="2825297420"/>
-      </p:ext>
-    </p:extLst>
-  </p:cSld>
-  <p:clrMapOvr>
-    <a:masterClrMapping/>
-  </p:clrMapOvr>
-</p:sld>
-</file>
-
-<file path=ppt/slides/slide9.xml><?xml version="1.0" encoding="utf-8"?>
-<p:sld xmlns:a="http://schemas.openxmlformats.org/drawingml/2006/main" xmlns:r="http://schemas.openxmlformats.org/officeDocument/2006/relationships" xmlns:p="http://schemas.openxmlformats.org/presentationml/2006/main">
-  <p:cSld>
-    <p:spTree>
-      <p:nvGrpSpPr>
-        <p:cNvPr id="1" name=""/>
-        <p:cNvGrpSpPr/>
-        <p:nvPr/>
-      </p:nvGrpSpPr>
-      <p:grpSpPr>
-        <a:xfrm>
-          <a:off x="0" y="0"/>
-          <a:ext cx="0" cy="0"/>
-          <a:chOff x="0" y="0"/>
-          <a:chExt cx="0" cy="0"/>
-        </a:xfrm>
-      </p:grpSpPr>
-      <p:sp>
-        <p:nvSpPr>
-          <p:cNvPr id="3" name="Title 2"/>
-          <p:cNvSpPr>
-            <a:spLocks noGrp="1"/>
-          </p:cNvSpPr>
-          <p:nvPr>
-            <p:ph type="title"/>
-          </p:nvPr>
-        </p:nvSpPr>
-        <p:spPr/>
-        <p:txBody>
-          <a:bodyPr/>
-          <a:lstStyle/>
-          <a:p>
-            <a:r>
-              <a:rPr lang="en-US" b="1" dirty="0" smtClean="0">
-                <a:solidFill>
-                  <a:srgbClr val="000000"/>
-                </a:solidFill>
-              </a:rPr>
-              <a:t>Model</a:t>
-            </a:r>
-            <a:r>
-              <a:rPr lang="zh-CN" altLang="en-US" b="1" dirty="0" smtClean="0">
-                <a:solidFill>
-                  <a:srgbClr val="000000"/>
-                </a:solidFill>
-              </a:rPr>
-              <a:t> </a:t>
-            </a:r>
-            <a:r>
-              <a:rPr lang="en-US" b="1" dirty="0" smtClean="0">
-                <a:solidFill>
-                  <a:srgbClr val="000000"/>
-                </a:solidFill>
-              </a:rPr>
-              <a:t>-</a:t>
-            </a:r>
-            <a:r>
-              <a:rPr lang="zh-CN" altLang="en-US" b="1" dirty="0" smtClean="0">
-                <a:solidFill>
-                  <a:srgbClr val="000000"/>
-                </a:solidFill>
-              </a:rPr>
-              <a:t> </a:t>
-            </a:r>
-            <a:r>
-              <a:rPr lang="en-US" b="1" dirty="0" smtClean="0">
-                <a:solidFill>
-                  <a:srgbClr val="000000"/>
-                </a:solidFill>
-              </a:rPr>
-              <a:t>Package</a:t>
-            </a:r>
-            <a:r>
-              <a:rPr lang="zh-CN" altLang="en-US" b="1" dirty="0" smtClean="0">
-                <a:solidFill>
-                  <a:srgbClr val="000000"/>
-                </a:solidFill>
-              </a:rPr>
-              <a:t> </a:t>
-            </a:r>
-            <a:r>
-              <a:rPr lang="en-US" b="1" dirty="0" smtClean="0">
-                <a:solidFill>
-                  <a:srgbClr val="000000"/>
-                </a:solidFill>
-              </a:rPr>
-              <a:t>res</a:t>
-            </a:r>
-            <a:endParaRPr lang="en-US" b="1" dirty="0">
-              <a:solidFill>
-                <a:srgbClr val="000000"/>
-              </a:solidFill>
-            </a:endParaRPr>
-          </a:p>
-        </p:txBody>
-      </p:sp>
-      <p:pic>
-        <p:nvPicPr>
-          <p:cNvPr id="2" name="Picture 1" descr="Screen Shot 2018-11-27 at 15.24.42.png"/>
-          <p:cNvPicPr>
-            <a:picLocks noChangeAspect="1"/>
-          </p:cNvPicPr>
-          <p:nvPr/>
-        </p:nvPicPr>
-        <p:blipFill>
-          <a:blip r:embed="rId2">
-            <a:extLst>
-              <a:ext uri="{28A0092B-C50C-407E-A947-70E740481C1C}">
-                <a14:useLocalDpi xmlns:a14="http://schemas.microsoft.com/office/drawing/2010/main" val="0"/>
-              </a:ext>
-            </a:extLst>
-          </a:blip>
-          <a:stretch>
-            <a:fillRect/>
-          </a:stretch>
-        </p:blipFill>
-        <p:spPr>
-          <a:xfrm>
-            <a:off x="0" y="2700955"/>
-            <a:ext cx="12192000" cy="3362933"/>
-          </a:xfrm>
-          <a:prstGeom prst="rect">
-            <a:avLst/>
-          </a:prstGeom>
-        </p:spPr>
-      </p:pic>
-    </p:spTree>
-    <p:extLst>
-      <p:ext uri="{BB962C8B-B14F-4D97-AF65-F5344CB8AC3E}">
-        <p14:creationId xmlns:p14="http://schemas.microsoft.com/office/powerpoint/2010/main" val="3695703181"/>
+        <p14:creationId xmlns:p14="http://schemas.microsoft.com/office/powerpoint/2010/main" val="3195994148"/>
       </p:ext>
     </p:extLst>
   </p:cSld>

--- a/src/main/resources/HW10PPT.pptx
+++ b/src/main/resources/HW10PPT.pptx
@@ -136,7 +136,7 @@
       </p14:sectionLst>
     </p:ext>
     <p:ext uri="{EFAFB233-063F-42B5-8137-9DF3F51BA10A}">
-      <p15:sldGuideLst xmlns="" xmlns:p15="http://schemas.microsoft.com/office/powerpoint/2012/main">
+      <p15:sldGuideLst xmlns:p15="http://schemas.microsoft.com/office/powerpoint/2012/main">
         <p15:guide id="1" orient="horz" pos="2160">
           <p15:clr>
             <a:srgbClr val="A4A3A4"/>
@@ -235,7 +235,7 @@
           <a:p>
             <a:fld id="{25417687-C97F-A145-B56E-68023E710746}" type="datetimeFigureOut">
               <a:rPr lang="en-US" smtClean="0"/>
-              <a:t>11/27/18</a:t>
+              <a:t>11/28/2018</a:t>
             </a:fld>
             <a:endParaRPr lang="en-US"/>
           </a:p>
@@ -2398,7 +2398,7 @@
           <a:p>
             <a:fld id="{9A008B6F-2147-4593-A96F-6E7B2F4A2759}" type="datetimeFigureOut">
               <a:rPr lang="en-US" smtClean="0"/>
-              <a:t>11/27/18</a:t>
+              <a:t>11/28/2018</a:t>
             </a:fld>
             <a:endParaRPr lang="en-US"/>
           </a:p>
@@ -2577,7 +2577,7 @@
           <a:p>
             <a:fld id="{9A008B6F-2147-4593-A96F-6E7B2F4A2759}" type="datetimeFigureOut">
               <a:rPr lang="en-US" smtClean="0"/>
-              <a:t>11/27/18</a:t>
+              <a:t>11/28/2018</a:t>
             </a:fld>
             <a:endParaRPr lang="en-US"/>
           </a:p>
@@ -2728,7 +2728,7 @@
           <a:p>
             <a:fld id="{9A008B6F-2147-4593-A96F-6E7B2F4A2759}" type="datetimeFigureOut">
               <a:rPr lang="en-US" smtClean="0"/>
-              <a:t>11/27/18</a:t>
+              <a:t>11/28/2018</a:t>
             </a:fld>
             <a:endParaRPr lang="en-US"/>
           </a:p>
@@ -4553,7 +4553,7 @@
           <a:p>
             <a:fld id="{9A008B6F-2147-4593-A96F-6E7B2F4A2759}" type="datetimeFigureOut">
               <a:rPr lang="en-US" smtClean="0"/>
-              <a:t>11/27/18</a:t>
+              <a:t>11/28/2018</a:t>
             </a:fld>
             <a:endParaRPr lang="en-US"/>
           </a:p>
@@ -6422,7 +6422,7 @@
           <a:p>
             <a:fld id="{9A008B6F-2147-4593-A96F-6E7B2F4A2759}" type="datetimeFigureOut">
               <a:rPr lang="en-US" smtClean="0"/>
-              <a:t>11/27/18</a:t>
+              <a:t>11/28/2018</a:t>
             </a:fld>
             <a:endParaRPr lang="en-US"/>
           </a:p>
@@ -6534,7 +6534,7 @@
           <a:p>
             <a:fld id="{9A008B6F-2147-4593-A96F-6E7B2F4A2759}" type="datetimeFigureOut">
               <a:rPr lang="en-US" smtClean="0"/>
-              <a:t>11/27/18</a:t>
+              <a:t>11/28/2018</a:t>
             </a:fld>
             <a:endParaRPr lang="en-US"/>
           </a:p>
@@ -7072,7 +7072,7 @@
           <a:p>
             <a:fld id="{9A008B6F-2147-4593-A96F-6E7B2F4A2759}" type="datetimeFigureOut">
               <a:rPr lang="en-US" smtClean="0"/>
-              <a:t>11/27/18</a:t>
+              <a:t>11/28/2018</a:t>
             </a:fld>
             <a:endParaRPr lang="en-US"/>
           </a:p>
@@ -7184,7 +7184,7 @@
           <a:p>
             <a:fld id="{9A008B6F-2147-4593-A96F-6E7B2F4A2759}" type="datetimeFigureOut">
               <a:rPr lang="en-US" smtClean="0"/>
-              <a:t>11/27/18</a:t>
+              <a:t>11/28/2018</a:t>
             </a:fld>
             <a:endParaRPr lang="en-US"/>
           </a:p>
@@ -8895,7 +8895,7 @@
           <a:p>
             <a:fld id="{9A008B6F-2147-4593-A96F-6E7B2F4A2759}" type="datetimeFigureOut">
               <a:rPr lang="en-US" smtClean="0"/>
-              <a:t>11/27/18</a:t>
+              <a:t>11/28/2018</a:t>
             </a:fld>
             <a:endParaRPr lang="en-US"/>
           </a:p>
@@ -9046,7 +9046,7 @@
           <a:p>
             <a:fld id="{9A008B6F-2147-4593-A96F-6E7B2F4A2759}" type="datetimeFigureOut">
               <a:rPr lang="en-US" smtClean="0"/>
-              <a:t>11/27/18</a:t>
+              <a:t>11/28/2018</a:t>
             </a:fld>
             <a:endParaRPr lang="en-US"/>
           </a:p>
@@ -12661,7 +12661,7 @@
           <a:p>
             <a:fld id="{9A008B6F-2147-4593-A96F-6E7B2F4A2759}" type="datetimeFigureOut">
               <a:rPr lang="en-US" smtClean="0"/>
-              <a:t>11/27/18</a:t>
+              <a:t>11/28/2018</a:t>
             </a:fld>
             <a:endParaRPr lang="en-US"/>
           </a:p>
@@ -14520,7 +14520,7 @@
           <a:p>
             <a:fld id="{9A008B6F-2147-4593-A96F-6E7B2F4A2759}" type="datetimeFigureOut">
               <a:rPr lang="en-US" smtClean="0"/>
-              <a:t>11/27/18</a:t>
+              <a:t>11/28/2018</a:t>
             </a:fld>
             <a:endParaRPr lang="en-US"/>
           </a:p>
@@ -15049,10 +15049,10 @@
           <p:cNvPr id="8" name="Rectangle 7">
             <a:extLst>
               <a:ext uri="{FF2B5EF4-FFF2-40B4-BE49-F238E27FC236}">
-                <a16:creationId xmlns="" xmlns:a16="http://schemas.microsoft.com/office/drawing/2014/main" id="{8C6E698C-8155-4B8B-BDC9-B7299772B509}"/>
+                <a16:creationId xmlns:a16="http://schemas.microsoft.com/office/drawing/2014/main" id="{8C6E698C-8155-4B8B-BDC9-B7299772B509}"/>
               </a:ext>
               <a:ext uri="{C183D7F6-B498-43B3-948B-1728B52AA6E4}">
-                <adec:decorative xmlns="" xmlns:adec="http://schemas.microsoft.com/office/drawing/2017/decorative" val="1"/>
+                <adec:decorative xmlns:adec="http://schemas.microsoft.com/office/drawing/2017/decorative" val="1"/>
               </a:ext>
             </a:extLst>
           </p:cNvPr>
@@ -15062,7 +15062,7 @@
           <p:nvPr>
             <p:extLst>
               <p:ext uri="{386F3935-93C4-4BCD-93E2-E3B085C9AB24}">
-                <p16:designElem xmlns="" xmlns:p16="http://schemas.microsoft.com/office/powerpoint/2015/main" val="1"/>
+                <p16:designElem xmlns:p16="http://schemas.microsoft.com/office/powerpoint/2015/main" val="1"/>
               </p:ext>
             </p:extLst>
           </p:nvPr>
@@ -15109,7 +15109,7 @@
           <p:cNvPr id="2" name="Title 1">
             <a:extLst>
               <a:ext uri="{FF2B5EF4-FFF2-40B4-BE49-F238E27FC236}">
-                <a16:creationId xmlns="" xmlns:a16="http://schemas.microsoft.com/office/drawing/2014/main" id="{851112BE-281F-4BF9-906C-997DF4C7A02F}"/>
+                <a16:creationId xmlns:a16="http://schemas.microsoft.com/office/drawing/2014/main" id="{851112BE-281F-4BF9-906C-997DF4C7A02F}"/>
               </a:ext>
             </a:extLst>
           </p:cNvPr>
@@ -15177,7 +15177,7 @@
           <p:cNvPr id="3" name="Subtitle 2">
             <a:extLst>
               <a:ext uri="{FF2B5EF4-FFF2-40B4-BE49-F238E27FC236}">
-                <a16:creationId xmlns="" xmlns:a16="http://schemas.microsoft.com/office/drawing/2014/main" id="{38114735-D296-4F43-949F-A7501E98755C}"/>
+                <a16:creationId xmlns:a16="http://schemas.microsoft.com/office/drawing/2014/main" id="{38114735-D296-4F43-949F-A7501E98755C}"/>
               </a:ext>
             </a:extLst>
           </p:cNvPr>
@@ -15206,23 +15206,7 @@
                   <a:srgbClr val="000000"/>
                 </a:solidFill>
               </a:rPr>
-              <a:t>11</a:t>
-            </a:r>
-            <a:r>
-              <a:rPr lang="en-US" sz="4000" dirty="0" smtClean="0">
-                <a:solidFill>
-                  <a:srgbClr val="000000"/>
-                </a:solidFill>
-              </a:rPr>
-              <a:t>/28/</a:t>
-            </a:r>
-            <a:r>
-              <a:rPr lang="en-US" sz="4000" dirty="0">
-                <a:solidFill>
-                  <a:srgbClr val="000000"/>
-                </a:solidFill>
-              </a:rPr>
-              <a:t>2018</a:t>
+              <a:t>11/28/2018</a:t>
             </a:r>
           </a:p>
         </p:txBody>
@@ -15232,10 +15216,10 @@
           <p:cNvPr id="10" name="Straight Connector 9">
             <a:extLst>
               <a:ext uri="{FF2B5EF4-FFF2-40B4-BE49-F238E27FC236}">
-                <a16:creationId xmlns="" xmlns:a16="http://schemas.microsoft.com/office/drawing/2014/main" id="{09525C9A-1972-4836-BA7A-706C946EF4DA}"/>
+                <a16:creationId xmlns:a16="http://schemas.microsoft.com/office/drawing/2014/main" id="{09525C9A-1972-4836-BA7A-706C946EF4DA}"/>
               </a:ext>
               <a:ext uri="{C183D7F6-B498-43B3-948B-1728B52AA6E4}">
-                <adec:decorative xmlns="" xmlns:adec="http://schemas.microsoft.com/office/drawing/2017/decorative" val="1"/>
+                <adec:decorative xmlns:adec="http://schemas.microsoft.com/office/drawing/2017/decorative" val="1"/>
               </a:ext>
             </a:extLst>
           </p:cNvPr>
@@ -15245,7 +15229,7 @@
           <p:nvPr>
             <p:extLst>
               <p:ext uri="{386F3935-93C4-4BCD-93E2-E3B085C9AB24}">
-                <p16:designElem xmlns="" xmlns:p16="http://schemas.microsoft.com/office/powerpoint/2015/main" val="1"/>
+                <p16:designElem xmlns:p16="http://schemas.microsoft.com/office/powerpoint/2015/main" val="1"/>
               </p:ext>
             </p:extLst>
           </p:nvPr>
@@ -15284,10 +15268,10 @@
           <p:cNvPr id="12" name="Rectangle 11">
             <a:extLst>
               <a:ext uri="{FF2B5EF4-FFF2-40B4-BE49-F238E27FC236}">
-                <a16:creationId xmlns="" xmlns:a16="http://schemas.microsoft.com/office/drawing/2014/main" id="{8A549DE7-671D-4575-AF43-858FD99981CF}"/>
+                <a16:creationId xmlns:a16="http://schemas.microsoft.com/office/drawing/2014/main" id="{8A549DE7-671D-4575-AF43-858FD99981CF}"/>
               </a:ext>
               <a:ext uri="{C183D7F6-B498-43B3-948B-1728B52AA6E4}">
-                <adec:decorative xmlns="" xmlns:adec="http://schemas.microsoft.com/office/drawing/2017/decorative" val="1"/>
+                <adec:decorative xmlns:adec="http://schemas.microsoft.com/office/drawing/2017/decorative" val="1"/>
               </a:ext>
             </a:extLst>
           </p:cNvPr>
@@ -15297,7 +15281,7 @@
           <p:nvPr>
             <p:extLst>
               <p:ext uri="{386F3935-93C4-4BCD-93E2-E3B085C9AB24}">
-                <p16:designElem xmlns="" xmlns:p16="http://schemas.microsoft.com/office/powerpoint/2015/main" val="1"/>
+                <p16:designElem xmlns:p16="http://schemas.microsoft.com/office/powerpoint/2015/main" val="1"/>
               </p:ext>
             </p:extLst>
           </p:nvPr>
@@ -15339,10 +15323,10 @@
           <p:cNvPr id="14" name="Rectangle 13">
             <a:extLst>
               <a:ext uri="{FF2B5EF4-FFF2-40B4-BE49-F238E27FC236}">
-                <a16:creationId xmlns="" xmlns:a16="http://schemas.microsoft.com/office/drawing/2014/main" id="{C22D9B36-9BE7-472B-8808-7E0D6810738F}"/>
+                <a16:creationId xmlns:a16="http://schemas.microsoft.com/office/drawing/2014/main" id="{C22D9B36-9BE7-472B-8808-7E0D6810738F}"/>
               </a:ext>
               <a:ext uri="{C183D7F6-B498-43B3-948B-1728B52AA6E4}">
-                <adec:decorative xmlns="" xmlns:adec="http://schemas.microsoft.com/office/drawing/2017/decorative" val="1"/>
+                <adec:decorative xmlns:adec="http://schemas.microsoft.com/office/drawing/2017/decorative" val="1"/>
               </a:ext>
             </a:extLst>
           </p:cNvPr>
@@ -15352,7 +15336,7 @@
           <p:nvPr>
             <p:extLst>
               <p:ext uri="{386F3935-93C4-4BCD-93E2-E3B085C9AB24}">
-                <p16:designElem xmlns="" xmlns:p16="http://schemas.microsoft.com/office/powerpoint/2015/main" val="1"/>
+                <p16:designElem xmlns:p16="http://schemas.microsoft.com/office/powerpoint/2015/main" val="1"/>
               </p:ext>
             </p:extLst>
           </p:nvPr>
@@ -15432,10 +15416,10 @@
           <p:cNvPr id="7" name="Rectangle 6">
             <a:extLst>
               <a:ext uri="{FF2B5EF4-FFF2-40B4-BE49-F238E27FC236}">
-                <a16:creationId xmlns="" xmlns:a16="http://schemas.microsoft.com/office/drawing/2014/main" id="{52C0B2E1-0268-42EC-ABD3-94F81A05BCBD}"/>
+                <a16:creationId xmlns:a16="http://schemas.microsoft.com/office/drawing/2014/main" id="{52C0B2E1-0268-42EC-ABD3-94F81A05BCBD}"/>
               </a:ext>
               <a:ext uri="{C183D7F6-B498-43B3-948B-1728B52AA6E4}">
-                <adec:decorative xmlns="" xmlns:adec="http://schemas.microsoft.com/office/drawing/2017/decorative" val="1"/>
+                <adec:decorative xmlns:adec="http://schemas.microsoft.com/office/drawing/2017/decorative" val="1"/>
               </a:ext>
             </a:extLst>
           </p:cNvPr>
@@ -15445,7 +15429,7 @@
           <p:nvPr>
             <p:extLst>
               <p:ext uri="{386F3935-93C4-4BCD-93E2-E3B085C9AB24}">
-                <p16:designElem xmlns="" xmlns:p16="http://schemas.microsoft.com/office/powerpoint/2015/main" val="1"/>
+                <p16:designElem xmlns:p16="http://schemas.microsoft.com/office/powerpoint/2015/main" val="1"/>
               </p:ext>
             </p:extLst>
           </p:nvPr>
@@ -15487,10 +15471,10 @@
           <p:cNvPr id="9" name="Rectangle 8">
             <a:extLst>
               <a:ext uri="{FF2B5EF4-FFF2-40B4-BE49-F238E27FC236}">
-                <a16:creationId xmlns="" xmlns:a16="http://schemas.microsoft.com/office/drawing/2014/main" id="{7D2256B4-48EA-40FC-BBC0-AA1EE6E0080C}"/>
+                <a16:creationId xmlns:a16="http://schemas.microsoft.com/office/drawing/2014/main" id="{7D2256B4-48EA-40FC-BBC0-AA1EE6E0080C}"/>
               </a:ext>
               <a:ext uri="{C183D7F6-B498-43B3-948B-1728B52AA6E4}">
-                <adec:decorative xmlns="" xmlns:adec="http://schemas.microsoft.com/office/drawing/2017/decorative" val="1"/>
+                <adec:decorative xmlns:adec="http://schemas.microsoft.com/office/drawing/2017/decorative" val="1"/>
               </a:ext>
             </a:extLst>
           </p:cNvPr>
@@ -15500,7 +15484,7 @@
           <p:nvPr>
             <p:extLst>
               <p:ext uri="{386F3935-93C4-4BCD-93E2-E3B085C9AB24}">
-                <p16:designElem xmlns="" xmlns:p16="http://schemas.microsoft.com/office/powerpoint/2015/main" val="1"/>
+                <p16:designElem xmlns:p16="http://schemas.microsoft.com/office/powerpoint/2015/main" val="1"/>
               </p:ext>
             </p:extLst>
           </p:nvPr>
@@ -15542,10 +15526,10 @@
           <p:cNvPr id="11" name="Straight Connector 10">
             <a:extLst>
               <a:ext uri="{FF2B5EF4-FFF2-40B4-BE49-F238E27FC236}">
-                <a16:creationId xmlns="" xmlns:a16="http://schemas.microsoft.com/office/drawing/2014/main" id="{3D44BCCA-102D-4A9D-B1E4-2450CAF0B05E}"/>
+                <a16:creationId xmlns:a16="http://schemas.microsoft.com/office/drawing/2014/main" id="{3D44BCCA-102D-4A9D-B1E4-2450CAF0B05E}"/>
               </a:ext>
               <a:ext uri="{C183D7F6-B498-43B3-948B-1728B52AA6E4}">
-                <adec:decorative xmlns="" xmlns:adec="http://schemas.microsoft.com/office/drawing/2017/decorative" val="1"/>
+                <adec:decorative xmlns:adec="http://schemas.microsoft.com/office/drawing/2017/decorative" val="1"/>
               </a:ext>
             </a:extLst>
           </p:cNvPr>
@@ -15555,7 +15539,7 @@
           <p:nvPr>
             <p:extLst>
               <p:ext uri="{386F3935-93C4-4BCD-93E2-E3B085C9AB24}">
-                <p16:designElem xmlns="" xmlns:p16="http://schemas.microsoft.com/office/powerpoint/2015/main" val="1"/>
+                <p16:designElem xmlns:p16="http://schemas.microsoft.com/office/powerpoint/2015/main" val="1"/>
               </p:ext>
             </p:extLst>
           </p:nvPr>
@@ -15597,10 +15581,10 @@
           <p:cNvPr id="13" name="Rectangle 12">
             <a:extLst>
               <a:ext uri="{FF2B5EF4-FFF2-40B4-BE49-F238E27FC236}">
-                <a16:creationId xmlns="" xmlns:a16="http://schemas.microsoft.com/office/drawing/2014/main" id="{FBDCECDC-EEE3-4128-AA5E-82A8C08796E8}"/>
+                <a16:creationId xmlns:a16="http://schemas.microsoft.com/office/drawing/2014/main" id="{FBDCECDC-EEE3-4128-AA5E-82A8C08796E8}"/>
               </a:ext>
               <a:ext uri="{C183D7F6-B498-43B3-948B-1728B52AA6E4}">
-                <adec:decorative xmlns="" xmlns:adec="http://schemas.microsoft.com/office/drawing/2017/decorative" val="1"/>
+                <adec:decorative xmlns:adec="http://schemas.microsoft.com/office/drawing/2017/decorative" val="1"/>
               </a:ext>
             </a:extLst>
           </p:cNvPr>
@@ -15610,7 +15594,7 @@
           <p:nvPr>
             <p:extLst>
               <p:ext uri="{386F3935-93C4-4BCD-93E2-E3B085C9AB24}">
-                <p16:designElem xmlns="" xmlns:p16="http://schemas.microsoft.com/office/powerpoint/2015/main" val="1"/>
+                <p16:designElem xmlns:p16="http://schemas.microsoft.com/office/powerpoint/2015/main" val="1"/>
               </p:ext>
             </p:extLst>
           </p:nvPr>
@@ -15657,7 +15641,7 @@
           <p:cNvPr id="2" name="Title 1">
             <a:extLst>
               <a:ext uri="{FF2B5EF4-FFF2-40B4-BE49-F238E27FC236}">
-                <a16:creationId xmlns="" xmlns:a16="http://schemas.microsoft.com/office/drawing/2014/main" id="{701FBBE9-B805-49C1-B2A8-585E443C8491}"/>
+                <a16:creationId xmlns:a16="http://schemas.microsoft.com/office/drawing/2014/main" id="{701FBBE9-B805-49C1-B2A8-585E443C8491}"/>
               </a:ext>
             </a:extLst>
           </p:cNvPr>
@@ -15699,10 +15683,10 @@
           <p:cNvPr id="15" name="Rectangle 14">
             <a:extLst>
               <a:ext uri="{FF2B5EF4-FFF2-40B4-BE49-F238E27FC236}">
-                <a16:creationId xmlns="" xmlns:a16="http://schemas.microsoft.com/office/drawing/2014/main" id="{4260EDE0-989C-4E16-AF94-F652294D828E}"/>
+                <a16:creationId xmlns:a16="http://schemas.microsoft.com/office/drawing/2014/main" id="{4260EDE0-989C-4E16-AF94-F652294D828E}"/>
               </a:ext>
               <a:ext uri="{C183D7F6-B498-43B3-948B-1728B52AA6E4}">
-                <adec:decorative xmlns="" xmlns:adec="http://schemas.microsoft.com/office/drawing/2017/decorative" val="1"/>
+                <adec:decorative xmlns:adec="http://schemas.microsoft.com/office/drawing/2017/decorative" val="1"/>
               </a:ext>
             </a:extLst>
           </p:cNvPr>
@@ -15712,7 +15696,7 @@
           <p:nvPr>
             <p:extLst>
               <p:ext uri="{386F3935-93C4-4BCD-93E2-E3B085C9AB24}">
-                <p16:designElem xmlns="" xmlns:p16="http://schemas.microsoft.com/office/powerpoint/2015/main" val="1"/>
+                <p16:designElem xmlns:p16="http://schemas.microsoft.com/office/powerpoint/2015/main" val="1"/>
               </p:ext>
             </p:extLst>
           </p:nvPr>
@@ -15754,10 +15738,10 @@
           <p:cNvPr id="17" name="Rectangle 16">
             <a:extLst>
               <a:ext uri="{FF2B5EF4-FFF2-40B4-BE49-F238E27FC236}">
-                <a16:creationId xmlns="" xmlns:a16="http://schemas.microsoft.com/office/drawing/2014/main" id="{1F3985C0-E548-44D2-B30E-F3E42DADE133}"/>
+                <a16:creationId xmlns:a16="http://schemas.microsoft.com/office/drawing/2014/main" id="{1F3985C0-E548-44D2-B30E-F3E42DADE133}"/>
               </a:ext>
               <a:ext uri="{C183D7F6-B498-43B3-948B-1728B52AA6E4}">
-                <adec:decorative xmlns="" xmlns:adec="http://schemas.microsoft.com/office/drawing/2017/decorative" val="1"/>
+                <adec:decorative xmlns:adec="http://schemas.microsoft.com/office/drawing/2017/decorative" val="1"/>
               </a:ext>
             </a:extLst>
           </p:cNvPr>
@@ -15767,7 +15751,7 @@
           <p:nvPr>
             <p:extLst>
               <p:ext uri="{386F3935-93C4-4BCD-93E2-E3B085C9AB24}">
-                <p16:designElem xmlns="" xmlns:p16="http://schemas.microsoft.com/office/powerpoint/2015/main" val="1"/>
+                <p16:designElem xmlns:p16="http://schemas.microsoft.com/office/powerpoint/2015/main" val="1"/>
               </p:ext>
             </p:extLst>
           </p:nvPr>
@@ -15847,10 +15831,10 @@
           <p:cNvPr id="137" name="Rectangle 136">
             <a:extLst>
               <a:ext uri="{FF2B5EF4-FFF2-40B4-BE49-F238E27FC236}">
-                <a16:creationId xmlns="" xmlns:a16="http://schemas.microsoft.com/office/drawing/2014/main" id="{52ABB703-2B0E-4C3B-B4A2-F3973548E561}"/>
+                <a16:creationId xmlns:a16="http://schemas.microsoft.com/office/drawing/2014/main" id="{52ABB703-2B0E-4C3B-B4A2-F3973548E561}"/>
               </a:ext>
               <a:ext uri="{C183D7F6-B498-43B3-948B-1728B52AA6E4}">
-                <adec:decorative xmlns="" xmlns:adec="http://schemas.microsoft.com/office/drawing/2017/decorative" val="1"/>
+                <adec:decorative xmlns:adec="http://schemas.microsoft.com/office/drawing/2017/decorative" val="1"/>
               </a:ext>
             </a:extLst>
           </p:cNvPr>
@@ -15860,7 +15844,7 @@
           <p:nvPr>
             <p:extLst>
               <p:ext uri="{386F3935-93C4-4BCD-93E2-E3B085C9AB24}">
-                <p16:designElem xmlns="" xmlns:p16="http://schemas.microsoft.com/office/powerpoint/2015/main" val="1"/>
+                <p16:designElem xmlns:p16="http://schemas.microsoft.com/office/powerpoint/2015/main" val="1"/>
               </p:ext>
             </p:extLst>
           </p:nvPr>
@@ -16066,10 +16050,10 @@
           <p:cNvPr id="139" name="Straight Connector 138">
             <a:extLst>
               <a:ext uri="{FF2B5EF4-FFF2-40B4-BE49-F238E27FC236}">
-                <a16:creationId xmlns="" xmlns:a16="http://schemas.microsoft.com/office/drawing/2014/main" id="{9C21570E-E159-49A6-9891-FA397B7A92D3}"/>
+                <a16:creationId xmlns:a16="http://schemas.microsoft.com/office/drawing/2014/main" id="{9C21570E-E159-49A6-9891-FA397B7A92D3}"/>
               </a:ext>
               <a:ext uri="{C183D7F6-B498-43B3-948B-1728B52AA6E4}">
-                <adec:decorative xmlns="" xmlns:adec="http://schemas.microsoft.com/office/drawing/2017/decorative" val="1"/>
+                <adec:decorative xmlns:adec="http://schemas.microsoft.com/office/drawing/2017/decorative" val="1"/>
               </a:ext>
             </a:extLst>
           </p:cNvPr>
@@ -16079,7 +16063,7 @@
           <p:nvPr>
             <p:extLst>
               <p:ext uri="{386F3935-93C4-4BCD-93E2-E3B085C9AB24}">
-                <p16:designElem xmlns="" xmlns:p16="http://schemas.microsoft.com/office/powerpoint/2015/main" val="1"/>
+                <p16:designElem xmlns:p16="http://schemas.microsoft.com/office/powerpoint/2015/main" val="1"/>
               </p:ext>
             </p:extLst>
           </p:nvPr>
@@ -16122,10 +16106,10 @@
           <p:cNvPr id="141" name="Rectangle 140">
             <a:extLst>
               <a:ext uri="{FF2B5EF4-FFF2-40B4-BE49-F238E27FC236}">
-                <a16:creationId xmlns="" xmlns:a16="http://schemas.microsoft.com/office/drawing/2014/main" id="{E95DA498-D9A2-4DA9-B9DA-B3776E08CF7E}"/>
+                <a16:creationId xmlns:a16="http://schemas.microsoft.com/office/drawing/2014/main" id="{E95DA498-D9A2-4DA9-B9DA-B3776E08CF7E}"/>
               </a:ext>
               <a:ext uri="{C183D7F6-B498-43B3-948B-1728B52AA6E4}">
-                <adec:decorative xmlns="" xmlns:adec="http://schemas.microsoft.com/office/drawing/2017/decorative" val="1"/>
+                <adec:decorative xmlns:adec="http://schemas.microsoft.com/office/drawing/2017/decorative" val="1"/>
               </a:ext>
             </a:extLst>
           </p:cNvPr>
@@ -16135,7 +16119,7 @@
           <p:nvPr>
             <p:extLst>
               <p:ext uri="{386F3935-93C4-4BCD-93E2-E3B085C9AB24}">
-                <p16:designElem xmlns="" xmlns:p16="http://schemas.microsoft.com/office/powerpoint/2015/main" val="1"/>
+                <p16:designElem xmlns:p16="http://schemas.microsoft.com/office/powerpoint/2015/main" val="1"/>
               </p:ext>
             </p:extLst>
           </p:nvPr>
@@ -16177,10 +16161,10 @@
           <p:cNvPr id="143" name="Rectangle 142">
             <a:extLst>
               <a:ext uri="{FF2B5EF4-FFF2-40B4-BE49-F238E27FC236}">
-                <a16:creationId xmlns="" xmlns:a16="http://schemas.microsoft.com/office/drawing/2014/main" id="{82A73093-4B9D-420D-B17E-52293703A1D4}"/>
+                <a16:creationId xmlns:a16="http://schemas.microsoft.com/office/drawing/2014/main" id="{82A73093-4B9D-420D-B17E-52293703A1D4}"/>
               </a:ext>
               <a:ext uri="{C183D7F6-B498-43B3-948B-1728B52AA6E4}">
-                <adec:decorative xmlns="" xmlns:adec="http://schemas.microsoft.com/office/drawing/2017/decorative" val="1"/>
+                <adec:decorative xmlns:adec="http://schemas.microsoft.com/office/drawing/2017/decorative" val="1"/>
               </a:ext>
             </a:extLst>
           </p:cNvPr>
@@ -16190,7 +16174,7 @@
           <p:nvPr>
             <p:extLst>
               <p:ext uri="{386F3935-93C4-4BCD-93E2-E3B085C9AB24}">
-                <p16:designElem xmlns="" xmlns:p16="http://schemas.microsoft.com/office/powerpoint/2015/main" val="1"/>
+                <p16:designElem xmlns:p16="http://schemas.microsoft.com/office/powerpoint/2015/main" val="1"/>
               </p:ext>
             </p:extLst>
           </p:nvPr>
@@ -16372,13 +16356,8 @@
             </a:r>
             <a:r>
               <a:rPr lang="en-US" altLang="zh-CN" dirty="0"/>
-              <a:t>client</a:t>
-            </a:r>
-            <a:r>
-              <a:rPr lang="en-US" altLang="zh-CN" dirty="0" smtClean="0"/>
-              <a:t>:</a:t>
-            </a:r>
-            <a:endParaRPr lang="en-US" altLang="zh-CN" dirty="0"/>
+              <a:t>client:</a:t>
+            </a:r>
           </a:p>
           <a:p>
             <a:pPr marL="587693" lvl="1" indent="-285750">
@@ -16390,14 +16369,13 @@
               <a:t>allows the view to update the room information </a:t>
             </a:r>
             <a:r>
-              <a:rPr lang="zh-CN" altLang="zh-CN" dirty="0" smtClean="0"/>
+              <a:rPr lang="zh-CN" altLang="zh-CN" dirty="0"/>
               <a:t>(</a:t>
             </a:r>
             <a:r>
-              <a:rPr lang="en-US" altLang="zh-CN" dirty="0" smtClean="0"/>
+              <a:rPr lang="en-US" altLang="zh-CN" dirty="0"/>
               <a:t>left and middle columns)</a:t>
             </a:r>
-            <a:endParaRPr lang="en-US" altLang="zh-CN" dirty="0"/>
           </a:p>
           <a:p>
             <a:pPr marL="587693" lvl="1" indent="-285750">
@@ -16414,11 +16392,7 @@
             </a:r>
             <a:r>
               <a:rPr lang="en-US" altLang="zh-CN" dirty="0"/>
-              <a:t>column</a:t>
-            </a:r>
-            <a:r>
-              <a:rPr lang="en-US" altLang="zh-CN" dirty="0" smtClean="0"/>
-              <a:t>)</a:t>
+              <a:t>column)</a:t>
             </a:r>
           </a:p>
           <a:p>
@@ -16426,7 +16400,7 @@
               <a:buFont typeface="Arial"/>
               <a:buChar char="•"/>
             </a:pPr>
-            <a:endParaRPr lang="en-US" altLang="zh-CN" dirty="0" smtClean="0"/>
+            <a:endParaRPr lang="en-US" altLang="zh-CN" dirty="0"/>
           </a:p>
           <a:p>
             <a:pPr>
@@ -16434,39 +16408,39 @@
               <a:buChar char="v"/>
             </a:pPr>
             <a:r>
-              <a:rPr lang="en-US" altLang="zh-CN" dirty="0" smtClean="0"/>
+              <a:rPr lang="en-US" altLang="zh-CN" dirty="0"/>
               <a:t>We</a:t>
             </a:r>
             <a:r>
-              <a:rPr lang="zh-CN" altLang="en-US" dirty="0" smtClean="0"/>
+              <a:rPr lang="zh-CN" altLang="en-US" dirty="0"/>
               <a:t> </a:t>
             </a:r>
             <a:r>
-              <a:rPr lang="en-US" altLang="zh-CN" dirty="0" smtClean="0"/>
+              <a:rPr lang="en-US" altLang="zh-CN" dirty="0"/>
               <a:t>use</a:t>
             </a:r>
             <a:r>
-              <a:rPr lang="zh-CN" altLang="en-US" dirty="0" smtClean="0"/>
+              <a:rPr lang="zh-CN" altLang="en-US" dirty="0"/>
               <a:t> </a:t>
             </a:r>
             <a:r>
-              <a:rPr lang="en-US" altLang="zh-CN" dirty="0" smtClean="0"/>
+              <a:rPr lang="en-US" altLang="zh-CN" dirty="0"/>
               <a:t>special</a:t>
             </a:r>
             <a:r>
-              <a:rPr lang="zh-CN" altLang="en-US" dirty="0" smtClean="0"/>
+              <a:rPr lang="zh-CN" altLang="en-US" dirty="0"/>
               <a:t> </a:t>
             </a:r>
             <a:r>
-              <a:rPr lang="en-US" altLang="zh-CN" dirty="0" smtClean="0"/>
+              <a:rPr lang="en-US" altLang="zh-CN" dirty="0"/>
               <a:t>character</a:t>
             </a:r>
             <a:r>
-              <a:rPr lang="zh-CN" altLang="en-US" dirty="0" smtClean="0"/>
+              <a:rPr lang="zh-CN" altLang="en-US" dirty="0"/>
               <a:t> </a:t>
             </a:r>
             <a:r>
-              <a:rPr lang="en-US" altLang="zh-CN" dirty="0" smtClean="0"/>
+              <a:rPr lang="en-US" altLang="zh-CN" dirty="0"/>
               <a:t>‘|’ as delimiter, so that inputs can contain space</a:t>
             </a:r>
           </a:p>
@@ -16519,18 +16493,13 @@
           <a:lstStyle/>
           <a:p>
             <a:r>
-              <a:rPr lang="en-US" b="1" dirty="0" smtClean="0">
+              <a:rPr lang="en-US" b="1" dirty="0">
                 <a:solidFill>
                   <a:srgbClr val="000000"/>
                 </a:solidFill>
               </a:rPr>
               <a:t>Design decisions	</a:t>
             </a:r>
-            <a:endParaRPr lang="en-US" b="1" dirty="0">
-              <a:solidFill>
-                <a:srgbClr val="000000"/>
-              </a:solidFill>
-            </a:endParaRPr>
           </a:p>
         </p:txBody>
       </p:sp>
@@ -16584,7 +16553,7 @@
               <a:buChar char="v"/>
             </a:pPr>
             <a:r>
-              <a:rPr lang="en-US" altLang="zh-CN" dirty="0" smtClean="0"/>
+              <a:rPr lang="en-US" altLang="zh-CN" dirty="0"/>
               <a:t>To view the private message from user B, user A needs to click “chat” button first.</a:t>
             </a:r>
           </a:p>
@@ -16593,7 +16562,7 @@
               <a:buFont typeface="Wingdings" charset="2"/>
               <a:buChar char="v"/>
             </a:pPr>
-            <a:endParaRPr lang="en-US" altLang="zh-CN" dirty="0" smtClean="0"/>
+            <a:endParaRPr lang="en-US" altLang="zh-CN" dirty="0"/>
           </a:p>
           <a:p>
             <a:pPr>
@@ -16601,7 +16570,7 @@
               <a:buChar char="v"/>
             </a:pPr>
             <a:r>
-              <a:rPr lang="en-US" altLang="zh-CN" dirty="0" smtClean="0"/>
+              <a:rPr lang="en-US" altLang="zh-CN" dirty="0"/>
               <a:t>Broadcast messages and notifications are shown in the “My room” column only. They are not shown in private chat box.</a:t>
             </a:r>
           </a:p>
@@ -16654,18 +16623,13 @@
           <a:lstStyle/>
           <a:p>
             <a:r>
-              <a:rPr lang="en-US" b="1" dirty="0" smtClean="0">
+              <a:rPr lang="en-US" b="1" dirty="0">
                 <a:solidFill>
                   <a:srgbClr val="000000"/>
                 </a:solidFill>
               </a:rPr>
               <a:t>Design decisions	</a:t>
             </a:r>
-            <a:endParaRPr lang="en-US" b="1" dirty="0">
-              <a:solidFill>
-                <a:srgbClr val="000000"/>
-              </a:solidFill>
-            </a:endParaRPr>
           </a:p>
         </p:txBody>
       </p:sp>
@@ -16717,18 +16681,13 @@
           <a:lstStyle/>
           <a:p>
             <a:r>
-              <a:rPr lang="en-US" b="1" dirty="0" smtClean="0">
+              <a:rPr lang="en-US" b="1" dirty="0">
                 <a:solidFill>
                   <a:srgbClr val="000000"/>
                 </a:solidFill>
               </a:rPr>
               <a:t>Controller </a:t>
             </a:r>
-            <a:endParaRPr lang="en-US" b="1" dirty="0">
-              <a:solidFill>
-                <a:srgbClr val="000000"/>
-              </a:solidFill>
-            </a:endParaRPr>
           </a:p>
         </p:txBody>
       </p:sp>
@@ -16737,7 +16696,7 @@
           <p:cNvPr id="5" name="TextBox 4">
             <a:extLst>
               <a:ext uri="{FF2B5EF4-FFF2-40B4-BE49-F238E27FC236}">
-                <a16:creationId xmlns="" xmlns:a16="http://schemas.microsoft.com/office/drawing/2014/main" id="{84F02290-10A9-4B22-A3D0-BD285571D0DB}"/>
+                <a16:creationId xmlns:a16="http://schemas.microsoft.com/office/drawing/2014/main" id="{84F02290-10A9-4B22-A3D0-BD285571D0DB}"/>
               </a:ext>
             </a:extLst>
           </p:cNvPr>
@@ -16765,14 +16724,14 @@
               <a:buChar char="•"/>
             </a:pPr>
             <a:r>
-              <a:rPr lang="en-US" sz="2800" b="1" dirty="0" err="1" smtClean="0">
+              <a:rPr lang="en-US" sz="2800" b="1" dirty="0" err="1">
                 <a:solidFill>
                   <a:srgbClr val="000000"/>
                 </a:solidFill>
               </a:rPr>
               <a:t>ChatAppController</a:t>
             </a:r>
-            <a:endParaRPr lang="en-US" sz="2800" b="1" dirty="0" smtClean="0">
+            <a:endParaRPr lang="en-US" sz="2800" b="1" dirty="0">
               <a:solidFill>
                 <a:srgbClr val="000000"/>
               </a:solidFill>
@@ -16784,7 +16743,7 @@
               <a:buChar char="•"/>
             </a:pPr>
             <a:r>
-              <a:rPr lang="en-US" sz="2800" dirty="0" smtClean="0">
+              <a:rPr lang="en-US" sz="2800" dirty="0">
                 <a:solidFill>
                   <a:srgbClr val="000000"/>
                 </a:solidFill>
@@ -16792,7 +16751,7 @@
               <a:t>Setup</a:t>
             </a:r>
             <a:r>
-              <a:rPr lang="zh-CN" altLang="en-US" sz="2800" dirty="0" smtClean="0">
+              <a:rPr lang="zh-CN" altLang="en-US" sz="2800" dirty="0">
                 <a:solidFill>
                   <a:srgbClr val="000000"/>
                 </a:solidFill>
@@ -16800,7 +16759,7 @@
               <a:t> </a:t>
             </a:r>
             <a:r>
-              <a:rPr lang="en-US" altLang="zh-CN" sz="2800" dirty="0" err="1" smtClean="0">
+              <a:rPr lang="en-US" altLang="zh-CN" sz="2800" dirty="0" err="1">
                 <a:solidFill>
                   <a:srgbClr val="000000"/>
                 </a:solidFill>
@@ -16808,7 +16767,7 @@
               <a:t>Websocket</a:t>
             </a:r>
             <a:r>
-              <a:rPr lang="zh-CN" altLang="en-US" sz="2800" dirty="0" smtClean="0">
+              <a:rPr lang="zh-CN" altLang="en-US" sz="2800" dirty="0">
                 <a:solidFill>
                   <a:srgbClr val="000000"/>
                 </a:solidFill>
@@ -16816,7 +16775,7 @@
               <a:t> </a:t>
             </a:r>
             <a:r>
-              <a:rPr lang="en-US" altLang="zh-CN" sz="2800" dirty="0" smtClean="0">
+              <a:rPr lang="en-US" altLang="zh-CN" sz="2800" dirty="0">
                 <a:solidFill>
                   <a:srgbClr val="000000"/>
                 </a:solidFill>
@@ -16824,7 +16783,7 @@
               <a:t>on</a:t>
             </a:r>
             <a:r>
-              <a:rPr lang="zh-CN" altLang="en-US" sz="2800" dirty="0" smtClean="0">
+              <a:rPr lang="zh-CN" altLang="en-US" sz="2800" dirty="0">
                 <a:solidFill>
                   <a:srgbClr val="000000"/>
                 </a:solidFill>
@@ -16832,7 +16791,7 @@
               <a:t> </a:t>
             </a:r>
             <a:r>
-              <a:rPr lang="en-US" altLang="zh-CN" sz="2800" dirty="0" smtClean="0">
+              <a:rPr lang="en-US" altLang="zh-CN" sz="2800" dirty="0">
                 <a:solidFill>
                   <a:srgbClr val="000000"/>
                 </a:solidFill>
@@ -16840,7 +16799,7 @@
               <a:t>server</a:t>
             </a:r>
             <a:r>
-              <a:rPr lang="zh-CN" altLang="en-US" sz="2800" dirty="0" smtClean="0">
+              <a:rPr lang="zh-CN" altLang="en-US" sz="2800" dirty="0">
                 <a:solidFill>
                   <a:srgbClr val="000000"/>
                 </a:solidFill>
@@ -16848,7 +16807,7 @@
               <a:t> </a:t>
             </a:r>
             <a:r>
-              <a:rPr lang="en-US" altLang="zh-CN" sz="2800" dirty="0" smtClean="0">
+              <a:rPr lang="en-US" altLang="zh-CN" sz="2800" dirty="0">
                 <a:solidFill>
                   <a:srgbClr val="000000"/>
                 </a:solidFill>
@@ -16862,7 +16821,7 @@
               <a:buChar char="•"/>
             </a:pPr>
             <a:r>
-              <a:rPr lang="en-US" sz="2800" dirty="0" smtClean="0">
+              <a:rPr lang="en-US" sz="2800" dirty="0">
                 <a:solidFill>
                   <a:srgbClr val="000000"/>
                 </a:solidFill>
@@ -16870,7 +16829,7 @@
               <a:t>Setup</a:t>
             </a:r>
             <a:r>
-              <a:rPr lang="zh-CN" altLang="en-US" sz="2800" dirty="0" smtClean="0">
+              <a:rPr lang="zh-CN" altLang="en-US" sz="2800" dirty="0">
                 <a:solidFill>
                   <a:srgbClr val="000000"/>
                 </a:solidFill>
@@ -16878,7 +16837,7 @@
               <a:t> </a:t>
             </a:r>
             <a:r>
-              <a:rPr lang="en-US" altLang="zh-CN" sz="2800" dirty="0" err="1" smtClean="0">
+              <a:rPr lang="en-US" altLang="zh-CN" sz="2800" dirty="0" err="1">
                 <a:solidFill>
                   <a:srgbClr val="000000"/>
                 </a:solidFill>
@@ -16886,7 +16845,7 @@
               <a:t>Heroku</a:t>
             </a:r>
             <a:r>
-              <a:rPr lang="zh-CN" altLang="en-US" sz="2800" dirty="0" smtClean="0">
+              <a:rPr lang="zh-CN" altLang="en-US" sz="2800" dirty="0">
                 <a:solidFill>
                   <a:srgbClr val="000000"/>
                 </a:solidFill>
@@ -16894,7 +16853,7 @@
               <a:t> </a:t>
             </a:r>
             <a:r>
-              <a:rPr lang="en-US" altLang="zh-CN" sz="2800" dirty="0" smtClean="0">
+              <a:rPr lang="en-US" altLang="zh-CN" sz="2800" dirty="0">
                 <a:solidFill>
                   <a:srgbClr val="000000"/>
                 </a:solidFill>
@@ -16904,7 +16863,7 @@
           </a:p>
           <a:p>
             <a:pPr lvl="1"/>
-            <a:endParaRPr lang="en-US" sz="2800" dirty="0" smtClean="0"/>
+            <a:endParaRPr lang="en-US" sz="2800" dirty="0"/>
           </a:p>
           <a:p>
             <a:pPr marL="285750" indent="-285750">
@@ -16912,14 +16871,14 @@
               <a:buChar char="•"/>
             </a:pPr>
             <a:r>
-              <a:rPr lang="en-US" sz="2800" b="1" dirty="0" err="1" smtClean="0">
+              <a:rPr lang="en-US" sz="2800" b="1" dirty="0" err="1">
                 <a:solidFill>
                   <a:srgbClr val="000000"/>
                 </a:solidFill>
               </a:rPr>
               <a:t>WebSocketController</a:t>
             </a:r>
-            <a:endParaRPr lang="en-US" sz="2800" b="1" dirty="0" smtClean="0">
+            <a:endParaRPr lang="en-US" sz="2800" b="1" dirty="0">
               <a:solidFill>
                 <a:srgbClr val="000000"/>
               </a:solidFill>
@@ -16931,7 +16890,7 @@
               <a:buChar char="•"/>
             </a:pPr>
             <a:r>
-              <a:rPr lang="en-US" sz="2800" dirty="0" smtClean="0">
+              <a:rPr lang="en-US" sz="2800" dirty="0">
                 <a:solidFill>
                   <a:srgbClr val="000000"/>
                 </a:solidFill>
@@ -16939,7 +16898,7 @@
               <a:t>H</a:t>
             </a:r>
             <a:r>
-              <a:rPr lang="en-US" altLang="zh-CN" sz="2800" dirty="0" smtClean="0">
+              <a:rPr lang="en-US" altLang="zh-CN" sz="2800" dirty="0">
                 <a:solidFill>
                   <a:srgbClr val="000000"/>
                 </a:solidFill>
@@ -16947,7 +16906,7 @@
               <a:t>andle</a:t>
             </a:r>
             <a:r>
-              <a:rPr lang="zh-CN" altLang="en-US" sz="2800" dirty="0" smtClean="0">
+              <a:rPr lang="zh-CN" altLang="en-US" sz="2800" dirty="0">
                 <a:solidFill>
                   <a:srgbClr val="000000"/>
                 </a:solidFill>
@@ -16960,18 +16919,10 @@
                   <a:srgbClr val="000000"/>
                 </a:solidFill>
               </a:rPr>
-              <a:t>W</a:t>
-            </a:r>
-            <a:r>
-              <a:rPr lang="en-US" altLang="zh-CN" sz="2800" dirty="0" err="1" smtClean="0">
-                <a:solidFill>
-                  <a:srgbClr val="000000"/>
-                </a:solidFill>
-              </a:rPr>
-              <a:t>ebsocket</a:t>
-            </a:r>
-            <a:r>
-              <a:rPr lang="zh-CN" altLang="en-US" sz="2800" dirty="0" smtClean="0">
+              <a:t>Websocket</a:t>
+            </a:r>
+            <a:r>
+              <a:rPr lang="zh-CN" altLang="en-US" sz="2800" dirty="0">
                 <a:solidFill>
                   <a:srgbClr val="000000"/>
                 </a:solidFill>
@@ -16979,7 +16930,7 @@
               <a:t> </a:t>
             </a:r>
             <a:r>
-              <a:rPr lang="en-US" altLang="zh-CN" sz="2800" dirty="0" smtClean="0">
+              <a:rPr lang="en-US" altLang="zh-CN" sz="2800" dirty="0">
                 <a:solidFill>
                   <a:srgbClr val="000000"/>
                 </a:solidFill>
@@ -16987,7 +16938,7 @@
               <a:t>communications</a:t>
             </a:r>
             <a:r>
-              <a:rPr lang="zh-CN" altLang="en-US" sz="2800" dirty="0" smtClean="0">
+              <a:rPr lang="zh-CN" altLang="en-US" sz="2800" dirty="0">
                 <a:solidFill>
                   <a:srgbClr val="000000"/>
                 </a:solidFill>
@@ -16995,7 +16946,7 @@
               <a:t> </a:t>
             </a:r>
             <a:r>
-              <a:rPr lang="en-US" altLang="zh-CN" sz="2800" dirty="0" smtClean="0">
+              <a:rPr lang="en-US" altLang="zh-CN" sz="2800" dirty="0">
                 <a:solidFill>
                   <a:srgbClr val="000000"/>
                 </a:solidFill>
@@ -17003,7 +16954,7 @@
               <a:t>from</a:t>
             </a:r>
             <a:r>
-              <a:rPr lang="zh-CN" altLang="en-US" sz="2800" dirty="0" smtClean="0">
+              <a:rPr lang="zh-CN" altLang="en-US" sz="2800" dirty="0">
                 <a:solidFill>
                   <a:srgbClr val="000000"/>
                 </a:solidFill>
@@ -17011,7 +16962,7 @@
               <a:t> </a:t>
             </a:r>
             <a:r>
-              <a:rPr lang="en-US" altLang="zh-CN" sz="2800" dirty="0" smtClean="0">
+              <a:rPr lang="en-US" altLang="zh-CN" sz="2800" dirty="0">
                 <a:solidFill>
                   <a:srgbClr val="000000"/>
                 </a:solidFill>
@@ -17019,7 +16970,7 @@
               <a:t>client</a:t>
             </a:r>
             <a:r>
-              <a:rPr lang="zh-CN" altLang="en-US" sz="2800" dirty="0" smtClean="0">
+              <a:rPr lang="zh-CN" altLang="en-US" sz="2800" dirty="0">
                 <a:solidFill>
                   <a:srgbClr val="000000"/>
                 </a:solidFill>
@@ -17027,7 +16978,7 @@
               <a:t> </a:t>
             </a:r>
             <a:r>
-              <a:rPr lang="en-US" altLang="zh-CN" sz="2800" dirty="0" smtClean="0">
+              <a:rPr lang="en-US" altLang="zh-CN" sz="2800" dirty="0">
                 <a:solidFill>
                   <a:srgbClr val="000000"/>
                 </a:solidFill>
@@ -17041,22 +16992,22 @@
               <a:buChar char="•"/>
             </a:pPr>
             <a:r>
-              <a:rPr lang="en-US" sz="2800" dirty="0" smtClean="0"/>
+              <a:rPr lang="en-US" sz="2800" dirty="0"/>
               <a:t>Utilize</a:t>
             </a:r>
             <a:r>
-              <a:rPr lang="zh-CN" altLang="en-US" sz="2800" dirty="0" smtClean="0"/>
+              <a:rPr lang="zh-CN" altLang="en-US" sz="2800" dirty="0"/>
               <a:t> </a:t>
             </a:r>
             <a:r>
-              <a:rPr lang="en-US" altLang="zh-CN" sz="2800" dirty="0" err="1" smtClean="0"/>
+              <a:rPr lang="en-US" altLang="zh-CN" sz="2800" dirty="0" err="1"/>
               <a:t>DispatcherAdapter</a:t>
             </a:r>
             <a:r>
-              <a:rPr lang="zh-CN" altLang="en-US" sz="2800" dirty="0" smtClean="0"/>
+              <a:rPr lang="zh-CN" altLang="en-US" sz="2800" dirty="0"/>
               <a:t> </a:t>
             </a:r>
-            <a:endParaRPr lang="en-US" altLang="zh-CN" sz="2800" dirty="0" smtClean="0"/>
+            <a:endParaRPr lang="en-US" altLang="zh-CN" sz="2800" dirty="0"/>
           </a:p>
         </p:txBody>
       </p:sp>
@@ -17136,7 +17087,7 @@
           <a:lstStyle/>
           <a:p>
             <a:r>
-              <a:rPr lang="en-US" b="1" dirty="0" smtClean="0">
+              <a:rPr lang="en-US" b="1" dirty="0">
                 <a:solidFill>
                   <a:srgbClr val="000000"/>
                 </a:solidFill>
@@ -17144,7 +17095,7 @@
               <a:t>Model -</a:t>
             </a:r>
             <a:r>
-              <a:rPr lang="zh-CN" altLang="en-US" b="1" dirty="0" smtClean="0">
+              <a:rPr lang="zh-CN" altLang="en-US" b="1" dirty="0">
                 <a:solidFill>
                   <a:srgbClr val="000000"/>
                 </a:solidFill>
@@ -17152,7 +17103,7 @@
               <a:t> </a:t>
             </a:r>
             <a:r>
-              <a:rPr lang="en-US" b="1" dirty="0" smtClean="0">
+              <a:rPr lang="en-US" b="1" dirty="0">
                 <a:solidFill>
                   <a:srgbClr val="000000"/>
                 </a:solidFill>
@@ -17160,7 +17111,7 @@
               <a:t>Package</a:t>
             </a:r>
             <a:r>
-              <a:rPr lang="zh-CN" altLang="en-US" b="1" dirty="0" smtClean="0">
+              <a:rPr lang="zh-CN" altLang="en-US" b="1" dirty="0">
                 <a:solidFill>
                   <a:srgbClr val="000000"/>
                 </a:solidFill>
@@ -17168,7 +17119,7 @@
               <a:t> </a:t>
             </a:r>
             <a:r>
-              <a:rPr lang="en-US" b="1" dirty="0" err="1" smtClean="0">
+              <a:rPr lang="en-US" b="1" dirty="0" err="1">
                 <a:solidFill>
                   <a:srgbClr val="000000"/>
                 </a:solidFill>
@@ -17229,7 +17180,7 @@
           <a:lstStyle/>
           <a:p>
             <a:r>
-              <a:rPr lang="en-US" b="1" dirty="0" smtClean="0">
+              <a:rPr lang="en-US" b="1" dirty="0">
                 <a:solidFill>
                   <a:srgbClr val="000000"/>
                 </a:solidFill>
@@ -17237,7 +17188,7 @@
               <a:t>Model</a:t>
             </a:r>
             <a:r>
-              <a:rPr lang="zh-CN" altLang="en-US" b="1" dirty="0" smtClean="0">
+              <a:rPr lang="zh-CN" altLang="en-US" b="1" dirty="0">
                 <a:solidFill>
                   <a:srgbClr val="000000"/>
                 </a:solidFill>
@@ -17245,7 +17196,7 @@
               <a:t> </a:t>
             </a:r>
             <a:r>
-              <a:rPr lang="en-US" b="1" dirty="0" smtClean="0">
+              <a:rPr lang="en-US" b="1" dirty="0">
                 <a:solidFill>
                   <a:srgbClr val="000000"/>
                 </a:solidFill>
@@ -17253,7 +17204,7 @@
               <a:t>-</a:t>
             </a:r>
             <a:r>
-              <a:rPr lang="zh-CN" altLang="en-US" b="1" dirty="0" smtClean="0">
+              <a:rPr lang="zh-CN" altLang="en-US" b="1" dirty="0">
                 <a:solidFill>
                   <a:srgbClr val="000000"/>
                 </a:solidFill>
@@ -17261,7 +17212,7 @@
               <a:t> </a:t>
             </a:r>
             <a:r>
-              <a:rPr lang="en-US" b="1" dirty="0" smtClean="0">
+              <a:rPr lang="en-US" b="1" dirty="0">
                 <a:solidFill>
                   <a:srgbClr val="000000"/>
                 </a:solidFill>
@@ -17269,7 +17220,7 @@
               <a:t>Package</a:t>
             </a:r>
             <a:r>
-              <a:rPr lang="zh-CN" altLang="en-US" b="1" dirty="0" smtClean="0">
+              <a:rPr lang="zh-CN" altLang="en-US" b="1" dirty="0">
                 <a:solidFill>
                   <a:srgbClr val="000000"/>
                 </a:solidFill>
@@ -17277,7 +17228,7 @@
               <a:t> </a:t>
             </a:r>
             <a:r>
-              <a:rPr lang="en-US" b="1" dirty="0" err="1" smtClean="0">
+              <a:rPr lang="en-US" b="1" dirty="0" err="1">
                 <a:solidFill>
                   <a:srgbClr val="000000"/>
                 </a:solidFill>
@@ -17368,7 +17319,7 @@
           <a:lstStyle/>
           <a:p>
             <a:r>
-              <a:rPr lang="en-US" b="1" dirty="0" smtClean="0">
+              <a:rPr lang="en-US" b="1" dirty="0">
                 <a:solidFill>
                   <a:srgbClr val="000000"/>
                 </a:solidFill>
@@ -17376,7 +17327,7 @@
               <a:t>Model</a:t>
             </a:r>
             <a:r>
-              <a:rPr lang="zh-CN" altLang="en-US" b="1" dirty="0" smtClean="0">
+              <a:rPr lang="zh-CN" altLang="en-US" b="1" dirty="0">
                 <a:solidFill>
                   <a:srgbClr val="000000"/>
                 </a:solidFill>
@@ -17384,7 +17335,7 @@
               <a:t> </a:t>
             </a:r>
             <a:r>
-              <a:rPr lang="en-US" b="1" dirty="0" smtClean="0">
+              <a:rPr lang="en-US" b="1" dirty="0">
                 <a:solidFill>
                   <a:srgbClr val="000000"/>
                 </a:solidFill>
@@ -17392,7 +17343,7 @@
               <a:t>-</a:t>
             </a:r>
             <a:r>
-              <a:rPr lang="zh-CN" altLang="en-US" b="1" dirty="0" smtClean="0">
+              <a:rPr lang="zh-CN" altLang="en-US" b="1" dirty="0">
                 <a:solidFill>
                   <a:srgbClr val="000000"/>
                 </a:solidFill>
@@ -17400,7 +17351,7 @@
               <a:t> </a:t>
             </a:r>
             <a:r>
-              <a:rPr lang="en-US" b="1" dirty="0" smtClean="0">
+              <a:rPr lang="en-US" b="1" dirty="0">
                 <a:solidFill>
                   <a:srgbClr val="000000"/>
                 </a:solidFill>
@@ -17408,7 +17359,7 @@
               <a:t>Package</a:t>
             </a:r>
             <a:r>
-              <a:rPr lang="zh-CN" altLang="en-US" b="1" dirty="0" smtClean="0">
+              <a:rPr lang="zh-CN" altLang="en-US" b="1" dirty="0">
                 <a:solidFill>
                   <a:srgbClr val="000000"/>
                 </a:solidFill>
@@ -17416,18 +17367,13 @@
               <a:t> </a:t>
             </a:r>
             <a:r>
-              <a:rPr lang="en-US" b="1" dirty="0" smtClean="0">
+              <a:rPr lang="en-US" b="1" dirty="0">
                 <a:solidFill>
                   <a:srgbClr val="000000"/>
                 </a:solidFill>
               </a:rPr>
               <a:t>res</a:t>
             </a:r>
-            <a:endParaRPr lang="en-US" b="1" dirty="0">
-              <a:solidFill>
-                <a:srgbClr val="000000"/>
-              </a:solidFill>
-            </a:endParaRPr>
           </a:p>
         </p:txBody>
       </p:sp>
@@ -17507,18 +17453,13 @@
           <a:lstStyle/>
           <a:p>
             <a:r>
-              <a:rPr lang="en-US" b="1" dirty="0" smtClean="0">
+              <a:rPr lang="en-US" b="1" dirty="0">
                 <a:solidFill>
                   <a:srgbClr val="000000"/>
                 </a:solidFill>
               </a:rPr>
               <a:t>Demo</a:t>
             </a:r>
-            <a:endParaRPr lang="en-US" b="1" dirty="0">
-              <a:solidFill>
-                <a:srgbClr val="000000"/>
-              </a:solidFill>
-            </a:endParaRPr>
           </a:p>
         </p:txBody>
       </p:sp>
@@ -17716,35 +17657,19 @@
           <a:p>
             <a:r>
               <a:rPr kumimoji="1" lang="en-US" altLang="zh-CN" dirty="0"/>
-              <a:t>URL</a:t>
-            </a:r>
-            <a:r>
-              <a:rPr kumimoji="1" lang="en-US" altLang="zh-CN" dirty="0" smtClean="0"/>
-              <a:t>:</a:t>
-            </a:r>
-            <a:r>
-              <a:rPr kumimoji="1" lang="zh-CN" altLang="en-US" dirty="0" smtClean="0"/>
+              <a:t>URL:</a:t>
+            </a:r>
+            <a:r>
+              <a:rPr kumimoji="1" lang="zh-CN" altLang="en-US" dirty="0"/>
               <a:t>  </a:t>
-            </a:r>
-            <a:r>
-              <a:rPr kumimoji="1" lang="en-US" altLang="zh-CN" dirty="0" smtClean="0">
-                <a:hlinkClick r:id="rId2"/>
-              </a:rPr>
-              <a:t>http:</a:t>
             </a:r>
             <a:r>
               <a:rPr kumimoji="1" lang="en-US" altLang="zh-CN" dirty="0">
                 <a:hlinkClick r:id="rId2"/>
               </a:rPr>
-              <a:t>//chatapp-team-nullsleep.herokuapp.com</a:t>
-            </a:r>
-            <a:r>
-              <a:rPr kumimoji="1" lang="en-US" altLang="zh-CN" dirty="0" smtClean="0">
-                <a:hlinkClick r:id="rId2"/>
-              </a:rPr>
-              <a:t>/</a:t>
-            </a:r>
-            <a:endParaRPr kumimoji="1" lang="en-US" altLang="zh-CN" dirty="0" smtClean="0"/>
+              <a:t>https://chatapp-team-nullsleep.herokuapp.com/</a:t>
+            </a:r>
+            <a:endParaRPr kumimoji="1" lang="en-US" altLang="zh-CN" dirty="0"/>
           </a:p>
           <a:p>
             <a:endParaRPr kumimoji="1" lang="zh-CN" altLang="en-US" dirty="0"/>
